--- a/Stuff For Class/Slides/Organizing & Visualizing Data.pptx
+++ b/Stuff For Class/Slides/Organizing & Visualizing Data.pptx
@@ -42,21 +42,26 @@
     <p:sldId id="287" r:id="rId38"/>
     <p:sldId id="288" r:id="rId39"/>
     <p:sldId id="289" r:id="rId40"/>
+    <p:sldId id="290" r:id="rId41"/>
+    <p:sldId id="291" r:id="rId42"/>
+    <p:sldId id="292" r:id="rId43"/>
+    <p:sldId id="293" r:id="rId44"/>
+    <p:sldId id="294" r:id="rId45"/>
   </p:sldIdLst>
   <p:sldSz cy="5143500" cx="9144000"/>
   <p:notesSz cx="6858000" cy="9144000"/>
   <p:embeddedFontLst>
     <p:embeddedFont>
       <p:font typeface="Roboto Slab"/>
-      <p:regular r:id="rId41"/>
-      <p:bold r:id="rId42"/>
+      <p:regular r:id="rId46"/>
+      <p:bold r:id="rId47"/>
     </p:embeddedFont>
     <p:embeddedFont>
       <p:font typeface="Roboto"/>
-      <p:regular r:id="rId43"/>
-      <p:bold r:id="rId44"/>
-      <p:italic r:id="rId45"/>
-      <p:boldItalic r:id="rId46"/>
+      <p:regular r:id="rId48"/>
+      <p:bold r:id="rId49"/>
+      <p:italic r:id="rId50"/>
+      <p:boldItalic r:id="rId51"/>
     </p:embeddedFont>
   </p:embeddedFontLst>
   <p:defaultTextStyle>
@@ -3461,6 +3466,501 @@
       <p:sp>
         <p:nvSpPr>
           <p:cNvPr id="288" name="Google Shape;288;g260878fc63b_0_27:notes"/>
+          <p:cNvSpPr txBox="1"/>
+          <p:nvPr>
+            <p:ph idx="1" type="body"/>
+          </p:nvPr>
+        </p:nvSpPr>
+        <p:spPr>
+          <a:xfrm>
+            <a:off x="685800" y="4343400"/>
+            <a:ext cx="5486400" cy="4114800"/>
+          </a:xfrm>
+          <a:prstGeom prst="rect">
+            <a:avLst/>
+          </a:prstGeom>
+        </p:spPr>
+        <p:txBody>
+          <a:bodyPr anchorCtr="0" anchor="t" bIns="91425" lIns="91425" spcFirstLastPara="1" rIns="91425" wrap="square" tIns="91425">
+            <a:noAutofit/>
+          </a:bodyPr>
+          <a:lstStyle/>
+          <a:p>
+            <a:pPr indent="0" lvl="0" marL="0" rtl="0" algn="l">
+              <a:spcBef>
+                <a:spcPts val="0"/>
+              </a:spcBef>
+              <a:spcAft>
+                <a:spcPts val="0"/>
+              </a:spcAft>
+              <a:buNone/>
+            </a:pPr>
+            <a:r>
+              <a:t/>
+            </a:r>
+            <a:endParaRPr/>
+          </a:p>
+        </p:txBody>
+      </p:sp>
+    </p:spTree>
+  </p:cSld>
+  <p:clrMapOvr>
+    <a:masterClrMapping/>
+  </p:clrMapOvr>
+</p:notes>
+</file>
+
+<file path=ppt/notesSlides/notesSlide35.xml><?xml version="1.0" encoding="utf-8"?>
+<p:notes xmlns:a="http://schemas.openxmlformats.org/drawingml/2006/main" xmlns:r="http://schemas.openxmlformats.org/officeDocument/2006/relationships" xmlns:mc="http://schemas.openxmlformats.org/markup-compatibility/2006" xmlns:mv="urn:schemas-microsoft-com:mac:vml" xmlns:p="http://schemas.openxmlformats.org/presentationml/2006/main" xmlns:c="http://schemas.openxmlformats.org/drawingml/2006/chart" xmlns:dgm="http://schemas.openxmlformats.org/drawingml/2006/diagram" xmlns:o="urn:schemas-microsoft-com:office:office" xmlns:v="urn:schemas-microsoft-com:vml" xmlns:pvml="urn:schemas-microsoft-com:office:powerpoint" xmlns:com="http://schemas.openxmlformats.org/drawingml/2006/compatibility" xmlns:p14="http://schemas.microsoft.com/office/powerpoint/2010/main" xmlns:p15="http://schemas.microsoft.com/office/powerpoint/2012/main" xmlns:ahyp="http://schemas.microsoft.com/office/drawing/2018/hyperlinkcolor" showMasterPhAnim="0" showMasterSp="0">
+  <p:cSld>
+    <p:spTree>
+      <p:nvGrpSpPr>
+        <p:cNvPr id="291" name="Shape 291"/>
+        <p:cNvGrpSpPr/>
+        <p:nvPr/>
+      </p:nvGrpSpPr>
+      <p:grpSpPr>
+        <a:xfrm>
+          <a:off x="0" y="0"/>
+          <a:ext cx="0" cy="0"/>
+          <a:chOff x="0" y="0"/>
+          <a:chExt cx="0" cy="0"/>
+        </a:xfrm>
+      </p:grpSpPr>
+      <p:sp>
+        <p:nvSpPr>
+          <p:cNvPr id="292" name="Google Shape;292;g2c43156aa59_0_0:notes"/>
+          <p:cNvSpPr/>
+          <p:nvPr>
+            <p:ph idx="2" type="sldImg"/>
+          </p:nvPr>
+        </p:nvSpPr>
+        <p:spPr>
+          <a:xfrm>
+            <a:off x="381300" y="685800"/>
+            <a:ext cx="6096000" cy="3429000"/>
+          </a:xfrm>
+          <a:custGeom>
+            <a:rect b="b" l="l" r="r" t="t"/>
+            <a:pathLst>
+              <a:path extrusionOk="0" h="120000" w="120000">
+                <a:moveTo>
+                  <a:pt x="0" y="0"/>
+                </a:moveTo>
+                <a:lnTo>
+                  <a:pt x="120000" y="0"/>
+                </a:lnTo>
+                <a:lnTo>
+                  <a:pt x="120000" y="120000"/>
+                </a:lnTo>
+                <a:lnTo>
+                  <a:pt x="0" y="120000"/>
+                </a:lnTo>
+                <a:close/>
+              </a:path>
+            </a:pathLst>
+          </a:custGeom>
+        </p:spPr>
+      </p:sp>
+      <p:sp>
+        <p:nvSpPr>
+          <p:cNvPr id="293" name="Google Shape;293;g2c43156aa59_0_0:notes"/>
+          <p:cNvSpPr txBox="1"/>
+          <p:nvPr>
+            <p:ph idx="1" type="body"/>
+          </p:nvPr>
+        </p:nvSpPr>
+        <p:spPr>
+          <a:xfrm>
+            <a:off x="685800" y="4343400"/>
+            <a:ext cx="5486400" cy="4114800"/>
+          </a:xfrm>
+          <a:prstGeom prst="rect">
+            <a:avLst/>
+          </a:prstGeom>
+        </p:spPr>
+        <p:txBody>
+          <a:bodyPr anchorCtr="0" anchor="t" bIns="91425" lIns="91425" spcFirstLastPara="1" rIns="91425" wrap="square" tIns="91425">
+            <a:noAutofit/>
+          </a:bodyPr>
+          <a:lstStyle/>
+          <a:p>
+            <a:pPr indent="0" lvl="0" marL="0" rtl="0" algn="l">
+              <a:spcBef>
+                <a:spcPts val="0"/>
+              </a:spcBef>
+              <a:spcAft>
+                <a:spcPts val="0"/>
+              </a:spcAft>
+              <a:buNone/>
+            </a:pPr>
+            <a:r>
+              <a:t/>
+            </a:r>
+            <a:endParaRPr/>
+          </a:p>
+        </p:txBody>
+      </p:sp>
+    </p:spTree>
+  </p:cSld>
+  <p:clrMapOvr>
+    <a:masterClrMapping/>
+  </p:clrMapOvr>
+</p:notes>
+</file>
+
+<file path=ppt/notesSlides/notesSlide36.xml><?xml version="1.0" encoding="utf-8"?>
+<p:notes xmlns:a="http://schemas.openxmlformats.org/drawingml/2006/main" xmlns:r="http://schemas.openxmlformats.org/officeDocument/2006/relationships" xmlns:mc="http://schemas.openxmlformats.org/markup-compatibility/2006" xmlns:mv="urn:schemas-microsoft-com:mac:vml" xmlns:p="http://schemas.openxmlformats.org/presentationml/2006/main" xmlns:c="http://schemas.openxmlformats.org/drawingml/2006/chart" xmlns:dgm="http://schemas.openxmlformats.org/drawingml/2006/diagram" xmlns:o="urn:schemas-microsoft-com:office:office" xmlns:v="urn:schemas-microsoft-com:vml" xmlns:pvml="urn:schemas-microsoft-com:office:powerpoint" xmlns:com="http://schemas.openxmlformats.org/drawingml/2006/compatibility" xmlns:p14="http://schemas.microsoft.com/office/powerpoint/2010/main" xmlns:p15="http://schemas.microsoft.com/office/powerpoint/2012/main" xmlns:ahyp="http://schemas.microsoft.com/office/drawing/2018/hyperlinkcolor" showMasterPhAnim="0" showMasterSp="0">
+  <p:cSld>
+    <p:spTree>
+      <p:nvGrpSpPr>
+        <p:cNvPr id="297" name="Shape 297"/>
+        <p:cNvGrpSpPr/>
+        <p:nvPr/>
+      </p:nvGrpSpPr>
+      <p:grpSpPr>
+        <a:xfrm>
+          <a:off x="0" y="0"/>
+          <a:ext cx="0" cy="0"/>
+          <a:chOff x="0" y="0"/>
+          <a:chExt cx="0" cy="0"/>
+        </a:xfrm>
+      </p:grpSpPr>
+      <p:sp>
+        <p:nvSpPr>
+          <p:cNvPr id="298" name="Google Shape;298;g2c43156aa59_0_5:notes"/>
+          <p:cNvSpPr/>
+          <p:nvPr>
+            <p:ph idx="2" type="sldImg"/>
+          </p:nvPr>
+        </p:nvSpPr>
+        <p:spPr>
+          <a:xfrm>
+            <a:off x="381300" y="685800"/>
+            <a:ext cx="6096000" cy="3429000"/>
+          </a:xfrm>
+          <a:custGeom>
+            <a:rect b="b" l="l" r="r" t="t"/>
+            <a:pathLst>
+              <a:path extrusionOk="0" h="120000" w="120000">
+                <a:moveTo>
+                  <a:pt x="0" y="0"/>
+                </a:moveTo>
+                <a:lnTo>
+                  <a:pt x="120000" y="0"/>
+                </a:lnTo>
+                <a:lnTo>
+                  <a:pt x="120000" y="120000"/>
+                </a:lnTo>
+                <a:lnTo>
+                  <a:pt x="0" y="120000"/>
+                </a:lnTo>
+                <a:close/>
+              </a:path>
+            </a:pathLst>
+          </a:custGeom>
+        </p:spPr>
+      </p:sp>
+      <p:sp>
+        <p:nvSpPr>
+          <p:cNvPr id="299" name="Google Shape;299;g2c43156aa59_0_5:notes"/>
+          <p:cNvSpPr txBox="1"/>
+          <p:nvPr>
+            <p:ph idx="1" type="body"/>
+          </p:nvPr>
+        </p:nvSpPr>
+        <p:spPr>
+          <a:xfrm>
+            <a:off x="685800" y="4343400"/>
+            <a:ext cx="5486400" cy="4114800"/>
+          </a:xfrm>
+          <a:prstGeom prst="rect">
+            <a:avLst/>
+          </a:prstGeom>
+        </p:spPr>
+        <p:txBody>
+          <a:bodyPr anchorCtr="0" anchor="t" bIns="91425" lIns="91425" spcFirstLastPara="1" rIns="91425" wrap="square" tIns="91425">
+            <a:noAutofit/>
+          </a:bodyPr>
+          <a:lstStyle/>
+          <a:p>
+            <a:pPr indent="0" lvl="0" marL="0" rtl="0" algn="l">
+              <a:spcBef>
+                <a:spcPts val="0"/>
+              </a:spcBef>
+              <a:spcAft>
+                <a:spcPts val="0"/>
+              </a:spcAft>
+              <a:buNone/>
+            </a:pPr>
+            <a:r>
+              <a:t/>
+            </a:r>
+            <a:endParaRPr/>
+          </a:p>
+        </p:txBody>
+      </p:sp>
+    </p:spTree>
+  </p:cSld>
+  <p:clrMapOvr>
+    <a:masterClrMapping/>
+  </p:clrMapOvr>
+</p:notes>
+</file>
+
+<file path=ppt/notesSlides/notesSlide37.xml><?xml version="1.0" encoding="utf-8"?>
+<p:notes xmlns:a="http://schemas.openxmlformats.org/drawingml/2006/main" xmlns:r="http://schemas.openxmlformats.org/officeDocument/2006/relationships" xmlns:mc="http://schemas.openxmlformats.org/markup-compatibility/2006" xmlns:mv="urn:schemas-microsoft-com:mac:vml" xmlns:p="http://schemas.openxmlformats.org/presentationml/2006/main" xmlns:c="http://schemas.openxmlformats.org/drawingml/2006/chart" xmlns:dgm="http://schemas.openxmlformats.org/drawingml/2006/diagram" xmlns:o="urn:schemas-microsoft-com:office:office" xmlns:v="urn:schemas-microsoft-com:vml" xmlns:pvml="urn:schemas-microsoft-com:office:powerpoint" xmlns:com="http://schemas.openxmlformats.org/drawingml/2006/compatibility" xmlns:p14="http://schemas.microsoft.com/office/powerpoint/2010/main" xmlns:p15="http://schemas.microsoft.com/office/powerpoint/2012/main" xmlns:ahyp="http://schemas.microsoft.com/office/drawing/2018/hyperlinkcolor" showMasterPhAnim="0" showMasterSp="0">
+  <p:cSld>
+    <p:spTree>
+      <p:nvGrpSpPr>
+        <p:cNvPr id="303" name="Shape 303"/>
+        <p:cNvGrpSpPr/>
+        <p:nvPr/>
+      </p:nvGrpSpPr>
+      <p:grpSpPr>
+        <a:xfrm>
+          <a:off x="0" y="0"/>
+          <a:ext cx="0" cy="0"/>
+          <a:chOff x="0" y="0"/>
+          <a:chExt cx="0" cy="0"/>
+        </a:xfrm>
+      </p:grpSpPr>
+      <p:sp>
+        <p:nvSpPr>
+          <p:cNvPr id="304" name="Google Shape;304;g2c43156aa59_0_10:notes"/>
+          <p:cNvSpPr/>
+          <p:nvPr>
+            <p:ph idx="2" type="sldImg"/>
+          </p:nvPr>
+        </p:nvSpPr>
+        <p:spPr>
+          <a:xfrm>
+            <a:off x="381300" y="685800"/>
+            <a:ext cx="6096000" cy="3429000"/>
+          </a:xfrm>
+          <a:custGeom>
+            <a:rect b="b" l="l" r="r" t="t"/>
+            <a:pathLst>
+              <a:path extrusionOk="0" h="120000" w="120000">
+                <a:moveTo>
+                  <a:pt x="0" y="0"/>
+                </a:moveTo>
+                <a:lnTo>
+                  <a:pt x="120000" y="0"/>
+                </a:lnTo>
+                <a:lnTo>
+                  <a:pt x="120000" y="120000"/>
+                </a:lnTo>
+                <a:lnTo>
+                  <a:pt x="0" y="120000"/>
+                </a:lnTo>
+                <a:close/>
+              </a:path>
+            </a:pathLst>
+          </a:custGeom>
+        </p:spPr>
+      </p:sp>
+      <p:sp>
+        <p:nvSpPr>
+          <p:cNvPr id="305" name="Google Shape;305;g2c43156aa59_0_10:notes"/>
+          <p:cNvSpPr txBox="1"/>
+          <p:nvPr>
+            <p:ph idx="1" type="body"/>
+          </p:nvPr>
+        </p:nvSpPr>
+        <p:spPr>
+          <a:xfrm>
+            <a:off x="685800" y="4343400"/>
+            <a:ext cx="5486400" cy="4114800"/>
+          </a:xfrm>
+          <a:prstGeom prst="rect">
+            <a:avLst/>
+          </a:prstGeom>
+        </p:spPr>
+        <p:txBody>
+          <a:bodyPr anchorCtr="0" anchor="t" bIns="91425" lIns="91425" spcFirstLastPara="1" rIns="91425" wrap="square" tIns="91425">
+            <a:noAutofit/>
+          </a:bodyPr>
+          <a:lstStyle/>
+          <a:p>
+            <a:pPr indent="0" lvl="0" marL="0" rtl="0" algn="l">
+              <a:spcBef>
+                <a:spcPts val="0"/>
+              </a:spcBef>
+              <a:spcAft>
+                <a:spcPts val="0"/>
+              </a:spcAft>
+              <a:buNone/>
+            </a:pPr>
+            <a:r>
+              <a:t/>
+            </a:r>
+            <a:endParaRPr/>
+          </a:p>
+        </p:txBody>
+      </p:sp>
+    </p:spTree>
+  </p:cSld>
+  <p:clrMapOvr>
+    <a:masterClrMapping/>
+  </p:clrMapOvr>
+</p:notes>
+</file>
+
+<file path=ppt/notesSlides/notesSlide38.xml><?xml version="1.0" encoding="utf-8"?>
+<p:notes xmlns:a="http://schemas.openxmlformats.org/drawingml/2006/main" xmlns:r="http://schemas.openxmlformats.org/officeDocument/2006/relationships" xmlns:mc="http://schemas.openxmlformats.org/markup-compatibility/2006" xmlns:mv="urn:schemas-microsoft-com:mac:vml" xmlns:p="http://schemas.openxmlformats.org/presentationml/2006/main" xmlns:c="http://schemas.openxmlformats.org/drawingml/2006/chart" xmlns:dgm="http://schemas.openxmlformats.org/drawingml/2006/diagram" xmlns:o="urn:schemas-microsoft-com:office:office" xmlns:v="urn:schemas-microsoft-com:vml" xmlns:pvml="urn:schemas-microsoft-com:office:powerpoint" xmlns:com="http://schemas.openxmlformats.org/drawingml/2006/compatibility" xmlns:p14="http://schemas.microsoft.com/office/powerpoint/2010/main" xmlns:p15="http://schemas.microsoft.com/office/powerpoint/2012/main" xmlns:ahyp="http://schemas.microsoft.com/office/drawing/2018/hyperlinkcolor" showMasterPhAnim="0" showMasterSp="0">
+  <p:cSld>
+    <p:spTree>
+      <p:nvGrpSpPr>
+        <p:cNvPr id="309" name="Shape 309"/>
+        <p:cNvGrpSpPr/>
+        <p:nvPr/>
+      </p:nvGrpSpPr>
+      <p:grpSpPr>
+        <a:xfrm>
+          <a:off x="0" y="0"/>
+          <a:ext cx="0" cy="0"/>
+          <a:chOff x="0" y="0"/>
+          <a:chExt cx="0" cy="0"/>
+        </a:xfrm>
+      </p:grpSpPr>
+      <p:sp>
+        <p:nvSpPr>
+          <p:cNvPr id="310" name="Google Shape;310;g2c43156aa59_0_15:notes"/>
+          <p:cNvSpPr/>
+          <p:nvPr>
+            <p:ph idx="2" type="sldImg"/>
+          </p:nvPr>
+        </p:nvSpPr>
+        <p:spPr>
+          <a:xfrm>
+            <a:off x="381300" y="685800"/>
+            <a:ext cx="6096000" cy="3429000"/>
+          </a:xfrm>
+          <a:custGeom>
+            <a:rect b="b" l="l" r="r" t="t"/>
+            <a:pathLst>
+              <a:path extrusionOk="0" h="120000" w="120000">
+                <a:moveTo>
+                  <a:pt x="0" y="0"/>
+                </a:moveTo>
+                <a:lnTo>
+                  <a:pt x="120000" y="0"/>
+                </a:lnTo>
+                <a:lnTo>
+                  <a:pt x="120000" y="120000"/>
+                </a:lnTo>
+                <a:lnTo>
+                  <a:pt x="0" y="120000"/>
+                </a:lnTo>
+                <a:close/>
+              </a:path>
+            </a:pathLst>
+          </a:custGeom>
+        </p:spPr>
+      </p:sp>
+      <p:sp>
+        <p:nvSpPr>
+          <p:cNvPr id="311" name="Google Shape;311;g2c43156aa59_0_15:notes"/>
+          <p:cNvSpPr txBox="1"/>
+          <p:nvPr>
+            <p:ph idx="1" type="body"/>
+          </p:nvPr>
+        </p:nvSpPr>
+        <p:spPr>
+          <a:xfrm>
+            <a:off x="685800" y="4343400"/>
+            <a:ext cx="5486400" cy="4114800"/>
+          </a:xfrm>
+          <a:prstGeom prst="rect">
+            <a:avLst/>
+          </a:prstGeom>
+        </p:spPr>
+        <p:txBody>
+          <a:bodyPr anchorCtr="0" anchor="t" bIns="91425" lIns="91425" spcFirstLastPara="1" rIns="91425" wrap="square" tIns="91425">
+            <a:noAutofit/>
+          </a:bodyPr>
+          <a:lstStyle/>
+          <a:p>
+            <a:pPr indent="0" lvl="0" marL="0" rtl="0" algn="l">
+              <a:spcBef>
+                <a:spcPts val="0"/>
+              </a:spcBef>
+              <a:spcAft>
+                <a:spcPts val="0"/>
+              </a:spcAft>
+              <a:buNone/>
+            </a:pPr>
+            <a:r>
+              <a:t/>
+            </a:r>
+            <a:endParaRPr/>
+          </a:p>
+        </p:txBody>
+      </p:sp>
+    </p:spTree>
+  </p:cSld>
+  <p:clrMapOvr>
+    <a:masterClrMapping/>
+  </p:clrMapOvr>
+</p:notes>
+</file>
+
+<file path=ppt/notesSlides/notesSlide39.xml><?xml version="1.0" encoding="utf-8"?>
+<p:notes xmlns:a="http://schemas.openxmlformats.org/drawingml/2006/main" xmlns:r="http://schemas.openxmlformats.org/officeDocument/2006/relationships" xmlns:mc="http://schemas.openxmlformats.org/markup-compatibility/2006" xmlns:mv="urn:schemas-microsoft-com:mac:vml" xmlns:p="http://schemas.openxmlformats.org/presentationml/2006/main" xmlns:c="http://schemas.openxmlformats.org/drawingml/2006/chart" xmlns:dgm="http://schemas.openxmlformats.org/drawingml/2006/diagram" xmlns:o="urn:schemas-microsoft-com:office:office" xmlns:v="urn:schemas-microsoft-com:vml" xmlns:pvml="urn:schemas-microsoft-com:office:powerpoint" xmlns:com="http://schemas.openxmlformats.org/drawingml/2006/compatibility" xmlns:p14="http://schemas.microsoft.com/office/powerpoint/2010/main" xmlns:p15="http://schemas.microsoft.com/office/powerpoint/2012/main" xmlns:ahyp="http://schemas.microsoft.com/office/drawing/2018/hyperlinkcolor" showMasterPhAnim="0" showMasterSp="0">
+  <p:cSld>
+    <p:spTree>
+      <p:nvGrpSpPr>
+        <p:cNvPr id="315" name="Shape 315"/>
+        <p:cNvGrpSpPr/>
+        <p:nvPr/>
+      </p:nvGrpSpPr>
+      <p:grpSpPr>
+        <a:xfrm>
+          <a:off x="0" y="0"/>
+          <a:ext cx="0" cy="0"/>
+          <a:chOff x="0" y="0"/>
+          <a:chExt cx="0" cy="0"/>
+        </a:xfrm>
+      </p:grpSpPr>
+      <p:sp>
+        <p:nvSpPr>
+          <p:cNvPr id="316" name="Google Shape;316;g2c43156aa59_1_0:notes"/>
+          <p:cNvSpPr/>
+          <p:nvPr>
+            <p:ph idx="2" type="sldImg"/>
+          </p:nvPr>
+        </p:nvSpPr>
+        <p:spPr>
+          <a:xfrm>
+            <a:off x="381300" y="685800"/>
+            <a:ext cx="6096000" cy="3429000"/>
+          </a:xfrm>
+          <a:custGeom>
+            <a:rect b="b" l="l" r="r" t="t"/>
+            <a:pathLst>
+              <a:path extrusionOk="0" h="120000" w="120000">
+                <a:moveTo>
+                  <a:pt x="0" y="0"/>
+                </a:moveTo>
+                <a:lnTo>
+                  <a:pt x="120000" y="0"/>
+                </a:lnTo>
+                <a:lnTo>
+                  <a:pt x="120000" y="120000"/>
+                </a:lnTo>
+                <a:lnTo>
+                  <a:pt x="0" y="120000"/>
+                </a:lnTo>
+                <a:close/>
+              </a:path>
+            </a:pathLst>
+          </a:custGeom>
+        </p:spPr>
+      </p:sp>
+      <p:sp>
+        <p:nvSpPr>
+          <p:cNvPr id="317" name="Google Shape;317;g2c43156aa59_1_0:notes"/>
           <p:cNvSpPr txBox="1"/>
           <p:nvPr>
             <p:ph idx="1" type="body"/>
@@ -9442,7 +9942,7 @@
             </a:pPr>
             <a:r>
               <a:rPr lang="en"/>
-              <a:t>Organizing &amp; Visualizing Data</a:t>
+              <a:t>Data!</a:t>
             </a:r>
             <a:endParaRPr/>
           </a:p>
@@ -9482,7 +9982,7 @@
             </a:pPr>
             <a:r>
               <a:rPr lang="en"/>
-              <a:t>It’s not just for looks!</a:t>
+              <a:t>Organizing, Visualizing, &amp; Sampling</a:t>
             </a:r>
             <a:endParaRPr/>
           </a:p>
@@ -9568,7 +10068,7 @@
             <a:tbl>
               <a:tblPr>
                 <a:noFill/>
-                <a:tableStyleId>{FBEAD5BC-E3A4-4ACA-AAB9-D6E915E4D777}</a:tableStyleId>
+                <a:tableStyleId>{6D48664A-4ADC-41C1-A944-C862199D4479}</a:tableStyleId>
               </a:tblPr>
               <a:tblGrid>
                 <a:gridCol w="1879225"/>
@@ -9942,7 +10442,7 @@
             <a:tbl>
               <a:tblPr>
                 <a:noFill/>
-                <a:tableStyleId>{FBEAD5BC-E3A4-4ACA-AAB9-D6E915E4D777}</a:tableStyleId>
+                <a:tableStyleId>{6D48664A-4ADC-41C1-A944-C862199D4479}</a:tableStyleId>
               </a:tblPr>
               <a:tblGrid>
                 <a:gridCol w="1879225"/>
@@ -10316,7 +10816,7 @@
             <a:tbl>
               <a:tblPr>
                 <a:noFill/>
-                <a:tableStyleId>{FBEAD5BC-E3A4-4ACA-AAB9-D6E915E4D777}</a:tableStyleId>
+                <a:tableStyleId>{6D48664A-4ADC-41C1-A944-C862199D4479}</a:tableStyleId>
               </a:tblPr>
               <a:tblGrid>
                 <a:gridCol w="1318475"/>
@@ -10905,7 +11405,7 @@
             <a:tbl>
               <a:tblPr>
                 <a:noFill/>
-                <a:tableStyleId>{FBEAD5BC-E3A4-4ACA-AAB9-D6E915E4D777}</a:tableStyleId>
+                <a:tableStyleId>{6D48664A-4ADC-41C1-A944-C862199D4479}</a:tableStyleId>
               </a:tblPr>
               <a:tblGrid>
                 <a:gridCol w="1318475"/>
@@ -11494,7 +11994,7 @@
             <a:tbl>
               <a:tblPr>
                 <a:noFill/>
-                <a:tableStyleId>{FBEAD5BC-E3A4-4ACA-AAB9-D6E915E4D777}</a:tableStyleId>
+                <a:tableStyleId>{6D48664A-4ADC-41C1-A944-C862199D4479}</a:tableStyleId>
               </a:tblPr>
               <a:tblGrid>
                 <a:gridCol w="1318475"/>
@@ -12242,7 +12742,7 @@
             </a:pPr>
             <a:r>
               <a:rPr lang="en"/>
-              <a:t>Example: Time taken during a project, Speed of cars, Height of individuals</a:t>
+              <a:t>Example: Time taken during a project, speeds of cars, heights of individual people</a:t>
             </a:r>
             <a:endParaRPr/>
           </a:p>
@@ -12977,7 +13477,7 @@
             <a:tbl>
               <a:tblPr>
                 <a:noFill/>
-                <a:tableStyleId>{FBEAD5BC-E3A4-4ACA-AAB9-D6E915E4D777}</a:tableStyleId>
+                <a:tableStyleId>{6D48664A-4ADC-41C1-A944-C862199D4479}</a:tableStyleId>
               </a:tblPr>
               <a:tblGrid>
                 <a:gridCol w="2329775"/>
@@ -13312,6 +13812,81 @@
   <p:clrMapOvr>
     <a:masterClrMapping/>
   </p:clrMapOvr>
+  <p:timing>
+    <p:tnLst>
+      <p:par>
+        <p:cTn dur="indefinite" nodeType="tmRoot" restart="never">
+          <p:childTnLst>
+            <p:seq concurrent="1" nextAc="seek">
+              <p:cTn dur="indefinite" id="2" nodeType="mainSeq">
+                <p:childTnLst>
+                  <p:par>
+                    <p:cTn fill="hold">
+                      <p:stCondLst>
+                        <p:cond delay="indefinite"/>
+                      </p:stCondLst>
+                      <p:childTnLst>
+                        <p:par>
+                          <p:cTn fill="hold">
+                            <p:stCondLst>
+                              <p:cond delay="0"/>
+                            </p:stCondLst>
+                            <p:childTnLst>
+                              <p:par>
+                                <p:cTn fill="hold" nodeType="clickEffect" presetClass="entr" presetID="1" presetSubtype="0">
+                                  <p:stCondLst>
+                                    <p:cond delay="0"/>
+                                  </p:stCondLst>
+                                  <p:childTnLst>
+                                    <p:set>
+                                      <p:cBhvr>
+                                        <p:cTn dur="1" fill="hold">
+                                          <p:stCondLst>
+                                            <p:cond delay="0"/>
+                                          </p:stCondLst>
+                                        </p:cTn>
+                                        <p:tgtEl>
+                                          <p:spTgt spid="174"/>
+                                        </p:tgtEl>
+                                        <p:attrNameLst>
+                                          <p:attrName>style.visibility</p:attrName>
+                                        </p:attrNameLst>
+                                      </p:cBhvr>
+                                      <p:to>
+                                        <p:strVal val="visible"/>
+                                      </p:to>
+                                    </p:set>
+                                  </p:childTnLst>
+                                </p:cTn>
+                              </p:par>
+                            </p:childTnLst>
+                          </p:cTn>
+                        </p:par>
+                      </p:childTnLst>
+                    </p:cTn>
+                  </p:par>
+                </p:childTnLst>
+              </p:cTn>
+              <p:prevCondLst>
+                <p:cond evt="onPrev">
+                  <p:tgtEl>
+                    <p:sldTgt/>
+                  </p:tgtEl>
+                </p:cond>
+              </p:prevCondLst>
+              <p:nextCondLst>
+                <p:cond evt="onNext">
+                  <p:tgtEl>
+                    <p:sldTgt/>
+                  </p:tgtEl>
+                </p:cond>
+              </p:nextCondLst>
+            </p:seq>
+          </p:childTnLst>
+        </p:cTn>
+      </p:par>
+    </p:tnLst>
+  </p:timing>
 </p:sld>
 </file>
 
@@ -14856,7 +15431,7 @@
             <a:tbl>
               <a:tblPr>
                 <a:noFill/>
-                <a:tableStyleId>{FBEAD5BC-E3A4-4ACA-AAB9-D6E915E4D777}</a:tableStyleId>
+                <a:tableStyleId>{6D48664A-4ADC-41C1-A944-C862199D4479}</a:tableStyleId>
               </a:tblPr>
               <a:tblGrid>
                 <a:gridCol w="2092050"/>
@@ -15464,6 +16039,232 @@
   <p:clrMapOvr>
     <a:masterClrMapping/>
   </p:clrMapOvr>
+  <p:timing>
+    <p:tnLst>
+      <p:par>
+        <p:cTn dur="indefinite" nodeType="tmRoot" restart="never">
+          <p:childTnLst>
+            <p:seq concurrent="1" nextAc="seek">
+              <p:cTn dur="indefinite" id="2" nodeType="mainSeq">
+                <p:childTnLst>
+                  <p:par>
+                    <p:cTn fill="hold">
+                      <p:stCondLst>
+                        <p:cond delay="indefinite"/>
+                      </p:stCondLst>
+                      <p:childTnLst>
+                        <p:par>
+                          <p:cTn fill="hold">
+                            <p:stCondLst>
+                              <p:cond delay="0"/>
+                            </p:stCondLst>
+                            <p:childTnLst>
+                              <p:par>
+                                <p:cTn fill="hold" nodeType="clickEffect" presetClass="entr" presetID="1" presetSubtype="0">
+                                  <p:stCondLst>
+                                    <p:cond delay="0"/>
+                                  </p:stCondLst>
+                                  <p:childTnLst>
+                                    <p:set>
+                                      <p:cBhvr>
+                                        <p:cTn dur="1" fill="hold">
+                                          <p:stCondLst>
+                                            <p:cond delay="0"/>
+                                          </p:stCondLst>
+                                        </p:cTn>
+                                        <p:tgtEl>
+                                          <p:spTgt spid="203">
+                                            <p:txEl>
+                                              <p:pRg end="0" st="0"/>
+                                            </p:txEl>
+                                          </p:spTgt>
+                                        </p:tgtEl>
+                                        <p:attrNameLst>
+                                          <p:attrName>style.visibility</p:attrName>
+                                        </p:attrNameLst>
+                                      </p:cBhvr>
+                                      <p:to>
+                                        <p:strVal val="visible"/>
+                                      </p:to>
+                                    </p:set>
+                                  </p:childTnLst>
+                                </p:cTn>
+                              </p:par>
+                            </p:childTnLst>
+                          </p:cTn>
+                        </p:par>
+                      </p:childTnLst>
+                    </p:cTn>
+                  </p:par>
+                  <p:par>
+                    <p:cTn fill="hold">
+                      <p:stCondLst>
+                        <p:cond delay="indefinite"/>
+                      </p:stCondLst>
+                      <p:childTnLst>
+                        <p:par>
+                          <p:cTn fill="hold">
+                            <p:stCondLst>
+                              <p:cond delay="0"/>
+                            </p:stCondLst>
+                            <p:childTnLst>
+                              <p:par>
+                                <p:cTn fill="hold" nodeType="clickEffect" presetClass="entr" presetID="1" presetSubtype="0">
+                                  <p:stCondLst>
+                                    <p:cond delay="0"/>
+                                  </p:stCondLst>
+                                  <p:childTnLst>
+                                    <p:set>
+                                      <p:cBhvr>
+                                        <p:cTn dur="1" fill="hold">
+                                          <p:stCondLst>
+                                            <p:cond delay="0"/>
+                                          </p:stCondLst>
+                                        </p:cTn>
+                                        <p:tgtEl>
+                                          <p:spTgt spid="203">
+                                            <p:txEl>
+                                              <p:pRg end="1" st="1"/>
+                                            </p:txEl>
+                                          </p:spTgt>
+                                        </p:tgtEl>
+                                        <p:attrNameLst>
+                                          <p:attrName>style.visibility</p:attrName>
+                                        </p:attrNameLst>
+                                      </p:cBhvr>
+                                      <p:to>
+                                        <p:strVal val="visible"/>
+                                      </p:to>
+                                    </p:set>
+                                  </p:childTnLst>
+                                </p:cTn>
+                              </p:par>
+                            </p:childTnLst>
+                          </p:cTn>
+                        </p:par>
+                      </p:childTnLst>
+                    </p:cTn>
+                  </p:par>
+                  <p:par>
+                    <p:cTn fill="hold">
+                      <p:stCondLst>
+                        <p:cond delay="indefinite"/>
+                      </p:stCondLst>
+                      <p:childTnLst>
+                        <p:par>
+                          <p:cTn fill="hold">
+                            <p:stCondLst>
+                              <p:cond delay="0"/>
+                            </p:stCondLst>
+                            <p:childTnLst>
+                              <p:par>
+                                <p:cTn fill="hold" nodeType="clickEffect" presetClass="entr" presetID="1" presetSubtype="0">
+                                  <p:stCondLst>
+                                    <p:cond delay="0"/>
+                                  </p:stCondLst>
+                                  <p:childTnLst>
+                                    <p:set>
+                                      <p:cBhvr>
+                                        <p:cTn dur="1" fill="hold">
+                                          <p:stCondLst>
+                                            <p:cond delay="0"/>
+                                          </p:stCondLst>
+                                        </p:cTn>
+                                        <p:tgtEl>
+                                          <p:spTgt spid="203">
+                                            <p:txEl>
+                                              <p:pRg end="2" st="2"/>
+                                            </p:txEl>
+                                          </p:spTgt>
+                                        </p:tgtEl>
+                                        <p:attrNameLst>
+                                          <p:attrName>style.visibility</p:attrName>
+                                        </p:attrNameLst>
+                                      </p:cBhvr>
+                                      <p:to>
+                                        <p:strVal val="visible"/>
+                                      </p:to>
+                                    </p:set>
+                                  </p:childTnLst>
+                                </p:cTn>
+                              </p:par>
+                            </p:childTnLst>
+                          </p:cTn>
+                        </p:par>
+                      </p:childTnLst>
+                    </p:cTn>
+                  </p:par>
+                  <p:par>
+                    <p:cTn fill="hold">
+                      <p:stCondLst>
+                        <p:cond delay="indefinite"/>
+                      </p:stCondLst>
+                      <p:childTnLst>
+                        <p:par>
+                          <p:cTn fill="hold">
+                            <p:stCondLst>
+                              <p:cond delay="0"/>
+                            </p:stCondLst>
+                            <p:childTnLst>
+                              <p:par>
+                                <p:cTn fill="hold" nodeType="clickEffect" presetClass="entr" presetID="1" presetSubtype="0">
+                                  <p:stCondLst>
+                                    <p:cond delay="0"/>
+                                  </p:stCondLst>
+                                  <p:childTnLst>
+                                    <p:set>
+                                      <p:cBhvr>
+                                        <p:cTn dur="1" fill="hold">
+                                          <p:stCondLst>
+                                            <p:cond delay="0"/>
+                                          </p:stCondLst>
+                                        </p:cTn>
+                                        <p:tgtEl>
+                                          <p:spTgt spid="203">
+                                            <p:txEl>
+                                              <p:pRg end="3" st="3"/>
+                                            </p:txEl>
+                                          </p:spTgt>
+                                        </p:tgtEl>
+                                        <p:attrNameLst>
+                                          <p:attrName>style.visibility</p:attrName>
+                                        </p:attrNameLst>
+                                      </p:cBhvr>
+                                      <p:to>
+                                        <p:strVal val="visible"/>
+                                      </p:to>
+                                    </p:set>
+                                  </p:childTnLst>
+                                </p:cTn>
+                              </p:par>
+                            </p:childTnLst>
+                          </p:cTn>
+                        </p:par>
+                      </p:childTnLst>
+                    </p:cTn>
+                  </p:par>
+                </p:childTnLst>
+              </p:cTn>
+              <p:prevCondLst>
+                <p:cond evt="onPrev">
+                  <p:tgtEl>
+                    <p:sldTgt/>
+                  </p:tgtEl>
+                </p:cond>
+              </p:prevCondLst>
+              <p:nextCondLst>
+                <p:cond evt="onNext">
+                  <p:tgtEl>
+                    <p:sldTgt/>
+                  </p:tgtEl>
+                </p:cond>
+              </p:nextCondLst>
+            </p:seq>
+          </p:childTnLst>
+        </p:cTn>
+      </p:par>
+    </p:tnLst>
+  </p:timing>
 </p:sld>
 </file>
 
@@ -15761,6 +16562,183 @@
   <p:clrMapOvr>
     <a:masterClrMapping/>
   </p:clrMapOvr>
+  <p:timing>
+    <p:tnLst>
+      <p:par>
+        <p:cTn dur="indefinite" nodeType="tmRoot" restart="never">
+          <p:childTnLst>
+            <p:seq concurrent="1" nextAc="seek">
+              <p:cTn dur="indefinite" id="2" nodeType="mainSeq">
+                <p:childTnLst>
+                  <p:par>
+                    <p:cTn fill="hold">
+                      <p:stCondLst>
+                        <p:cond delay="indefinite"/>
+                      </p:stCondLst>
+                      <p:childTnLst>
+                        <p:par>
+                          <p:cTn fill="hold">
+                            <p:stCondLst>
+                              <p:cond delay="0"/>
+                            </p:stCondLst>
+                            <p:childTnLst>
+                              <p:par>
+                                <p:cTn fill="hold" nodeType="clickEffect" presetClass="entr" presetID="1" presetSubtype="0">
+                                  <p:stCondLst>
+                                    <p:cond delay="0"/>
+                                  </p:stCondLst>
+                                  <p:childTnLst>
+                                    <p:set>
+                                      <p:cBhvr>
+                                        <p:cTn dur="1" fill="hold">
+                                          <p:stCondLst>
+                                            <p:cond delay="0"/>
+                                          </p:stCondLst>
+                                        </p:cTn>
+                                        <p:tgtEl>
+                                          <p:spTgt spid="217">
+                                            <p:txEl>
+                                              <p:pRg end="0" st="0"/>
+                                            </p:txEl>
+                                          </p:spTgt>
+                                        </p:tgtEl>
+                                        <p:attrNameLst>
+                                          <p:attrName>style.visibility</p:attrName>
+                                        </p:attrNameLst>
+                                      </p:cBhvr>
+                                      <p:to>
+                                        <p:strVal val="visible"/>
+                                      </p:to>
+                                    </p:set>
+                                  </p:childTnLst>
+                                </p:cTn>
+                              </p:par>
+                            </p:childTnLst>
+                          </p:cTn>
+                        </p:par>
+                      </p:childTnLst>
+                    </p:cTn>
+                  </p:par>
+                  <p:par>
+                    <p:cTn fill="hold">
+                      <p:stCondLst>
+                        <p:cond delay="indefinite"/>
+                      </p:stCondLst>
+                      <p:childTnLst>
+                        <p:par>
+                          <p:cTn fill="hold">
+                            <p:stCondLst>
+                              <p:cond delay="0"/>
+                            </p:stCondLst>
+                            <p:childTnLst>
+                              <p:par>
+                                <p:cTn fill="hold" nodeType="clickEffect" presetClass="entr" presetID="1" presetSubtype="0">
+                                  <p:stCondLst>
+                                    <p:cond delay="0"/>
+                                  </p:stCondLst>
+                                  <p:childTnLst>
+                                    <p:set>
+                                      <p:cBhvr>
+                                        <p:cTn dur="1" fill="hold">
+                                          <p:stCondLst>
+                                            <p:cond delay="0"/>
+                                          </p:stCondLst>
+                                        </p:cTn>
+                                        <p:tgtEl>
+                                          <p:spTgt spid="217">
+                                            <p:txEl>
+                                              <p:pRg end="1" st="1"/>
+                                            </p:txEl>
+                                          </p:spTgt>
+                                        </p:tgtEl>
+                                        <p:attrNameLst>
+                                          <p:attrName>style.visibility</p:attrName>
+                                        </p:attrNameLst>
+                                      </p:cBhvr>
+                                      <p:to>
+                                        <p:strVal val="visible"/>
+                                      </p:to>
+                                    </p:set>
+                                  </p:childTnLst>
+                                </p:cTn>
+                              </p:par>
+                            </p:childTnLst>
+                          </p:cTn>
+                        </p:par>
+                      </p:childTnLst>
+                    </p:cTn>
+                  </p:par>
+                  <p:par>
+                    <p:cTn fill="hold">
+                      <p:stCondLst>
+                        <p:cond delay="indefinite"/>
+                      </p:stCondLst>
+                      <p:childTnLst>
+                        <p:par>
+                          <p:cTn fill="hold">
+                            <p:stCondLst>
+                              <p:cond delay="0"/>
+                            </p:stCondLst>
+                            <p:childTnLst>
+                              <p:par>
+                                <p:cTn fill="hold" nodeType="clickEffect" presetClass="entr" presetID="1" presetSubtype="0">
+                                  <p:stCondLst>
+                                    <p:cond delay="0"/>
+                                  </p:stCondLst>
+                                  <p:childTnLst>
+                                    <p:set>
+                                      <p:cBhvr>
+                                        <p:cTn dur="1" fill="hold">
+                                          <p:stCondLst>
+                                            <p:cond delay="0"/>
+                                          </p:stCondLst>
+                                        </p:cTn>
+                                        <p:tgtEl>
+                                          <p:spTgt spid="217">
+                                            <p:txEl>
+                                              <p:pRg end="2" st="2"/>
+                                            </p:txEl>
+                                          </p:spTgt>
+                                        </p:tgtEl>
+                                        <p:attrNameLst>
+                                          <p:attrName>style.visibility</p:attrName>
+                                        </p:attrNameLst>
+                                      </p:cBhvr>
+                                      <p:to>
+                                        <p:strVal val="visible"/>
+                                      </p:to>
+                                    </p:set>
+                                  </p:childTnLst>
+                                </p:cTn>
+                              </p:par>
+                            </p:childTnLst>
+                          </p:cTn>
+                        </p:par>
+                      </p:childTnLst>
+                    </p:cTn>
+                  </p:par>
+                </p:childTnLst>
+              </p:cTn>
+              <p:prevCondLst>
+                <p:cond evt="onPrev">
+                  <p:tgtEl>
+                    <p:sldTgt/>
+                  </p:tgtEl>
+                </p:cond>
+              </p:prevCondLst>
+              <p:nextCondLst>
+                <p:cond evt="onNext">
+                  <p:tgtEl>
+                    <p:sldTgt/>
+                  </p:tgtEl>
+                </p:cond>
+              </p:nextCondLst>
+            </p:seq>
+          </p:childTnLst>
+        </p:cTn>
+      </p:par>
+    </p:tnLst>
+  </p:timing>
 </p:sld>
 </file>
 
@@ -15865,13 +16843,29 @@
                 <a:spcPts val="1200"/>
               </a:spcBef>
               <a:spcAft>
-                <a:spcPts val="1200"/>
+                <a:spcPts val="0"/>
               </a:spcAft>
               <a:buNone/>
             </a:pPr>
             <a:r>
               <a:rPr lang="en" sz="2300"/>
               <a:t>Data added to map as labels, points, colors, etc.</a:t>
+            </a:r>
+            <a:endParaRPr sz="2300"/>
+          </a:p>
+          <a:p>
+            <a:pPr indent="0" lvl="0" marL="0" rtl="0" algn="l">
+              <a:spcBef>
+                <a:spcPts val="1200"/>
+              </a:spcBef>
+              <a:spcAft>
+                <a:spcPts val="1200"/>
+              </a:spcAft>
+              <a:buNone/>
+            </a:pPr>
+            <a:r>
+              <a:rPr lang="en" sz="2300"/>
+              <a:t>Sometimes called “geospatial” or GIS</a:t>
             </a:r>
             <a:endParaRPr sz="2300"/>
           </a:p>
@@ -15938,6 +16932,183 @@
   <p:clrMapOvr>
     <a:masterClrMapping/>
   </p:clrMapOvr>
+  <p:timing>
+    <p:tnLst>
+      <p:par>
+        <p:cTn dur="indefinite" nodeType="tmRoot" restart="never">
+          <p:childTnLst>
+            <p:seq concurrent="1" nextAc="seek">
+              <p:cTn dur="indefinite" id="2" nodeType="mainSeq">
+                <p:childTnLst>
+                  <p:par>
+                    <p:cTn fill="hold">
+                      <p:stCondLst>
+                        <p:cond delay="indefinite"/>
+                      </p:stCondLst>
+                      <p:childTnLst>
+                        <p:par>
+                          <p:cTn fill="hold">
+                            <p:stCondLst>
+                              <p:cond delay="0"/>
+                            </p:stCondLst>
+                            <p:childTnLst>
+                              <p:par>
+                                <p:cTn fill="hold" nodeType="clickEffect" presetClass="entr" presetID="1" presetSubtype="0">
+                                  <p:stCondLst>
+                                    <p:cond delay="0"/>
+                                  </p:stCondLst>
+                                  <p:childTnLst>
+                                    <p:set>
+                                      <p:cBhvr>
+                                        <p:cTn dur="1" fill="hold">
+                                          <p:stCondLst>
+                                            <p:cond delay="0"/>
+                                          </p:stCondLst>
+                                        </p:cTn>
+                                        <p:tgtEl>
+                                          <p:spTgt spid="224">
+                                            <p:txEl>
+                                              <p:pRg end="0" st="0"/>
+                                            </p:txEl>
+                                          </p:spTgt>
+                                        </p:tgtEl>
+                                        <p:attrNameLst>
+                                          <p:attrName>style.visibility</p:attrName>
+                                        </p:attrNameLst>
+                                      </p:cBhvr>
+                                      <p:to>
+                                        <p:strVal val="visible"/>
+                                      </p:to>
+                                    </p:set>
+                                  </p:childTnLst>
+                                </p:cTn>
+                              </p:par>
+                            </p:childTnLst>
+                          </p:cTn>
+                        </p:par>
+                      </p:childTnLst>
+                    </p:cTn>
+                  </p:par>
+                  <p:par>
+                    <p:cTn fill="hold">
+                      <p:stCondLst>
+                        <p:cond delay="indefinite"/>
+                      </p:stCondLst>
+                      <p:childTnLst>
+                        <p:par>
+                          <p:cTn fill="hold">
+                            <p:stCondLst>
+                              <p:cond delay="0"/>
+                            </p:stCondLst>
+                            <p:childTnLst>
+                              <p:par>
+                                <p:cTn fill="hold" nodeType="clickEffect" presetClass="entr" presetID="1" presetSubtype="0">
+                                  <p:stCondLst>
+                                    <p:cond delay="0"/>
+                                  </p:stCondLst>
+                                  <p:childTnLst>
+                                    <p:set>
+                                      <p:cBhvr>
+                                        <p:cTn dur="1" fill="hold">
+                                          <p:stCondLst>
+                                            <p:cond delay="0"/>
+                                          </p:stCondLst>
+                                        </p:cTn>
+                                        <p:tgtEl>
+                                          <p:spTgt spid="224">
+                                            <p:txEl>
+                                              <p:pRg end="1" st="1"/>
+                                            </p:txEl>
+                                          </p:spTgt>
+                                        </p:tgtEl>
+                                        <p:attrNameLst>
+                                          <p:attrName>style.visibility</p:attrName>
+                                        </p:attrNameLst>
+                                      </p:cBhvr>
+                                      <p:to>
+                                        <p:strVal val="visible"/>
+                                      </p:to>
+                                    </p:set>
+                                  </p:childTnLst>
+                                </p:cTn>
+                              </p:par>
+                            </p:childTnLst>
+                          </p:cTn>
+                        </p:par>
+                      </p:childTnLst>
+                    </p:cTn>
+                  </p:par>
+                  <p:par>
+                    <p:cTn fill="hold">
+                      <p:stCondLst>
+                        <p:cond delay="indefinite"/>
+                      </p:stCondLst>
+                      <p:childTnLst>
+                        <p:par>
+                          <p:cTn fill="hold">
+                            <p:stCondLst>
+                              <p:cond delay="0"/>
+                            </p:stCondLst>
+                            <p:childTnLst>
+                              <p:par>
+                                <p:cTn fill="hold" nodeType="clickEffect" presetClass="entr" presetID="1" presetSubtype="0">
+                                  <p:stCondLst>
+                                    <p:cond delay="0"/>
+                                  </p:stCondLst>
+                                  <p:childTnLst>
+                                    <p:set>
+                                      <p:cBhvr>
+                                        <p:cTn dur="1" fill="hold">
+                                          <p:stCondLst>
+                                            <p:cond delay="0"/>
+                                          </p:stCondLst>
+                                        </p:cTn>
+                                        <p:tgtEl>
+                                          <p:spTgt spid="224">
+                                            <p:txEl>
+                                              <p:pRg end="2" st="2"/>
+                                            </p:txEl>
+                                          </p:spTgt>
+                                        </p:tgtEl>
+                                        <p:attrNameLst>
+                                          <p:attrName>style.visibility</p:attrName>
+                                        </p:attrNameLst>
+                                      </p:cBhvr>
+                                      <p:to>
+                                        <p:strVal val="visible"/>
+                                      </p:to>
+                                    </p:set>
+                                  </p:childTnLst>
+                                </p:cTn>
+                              </p:par>
+                            </p:childTnLst>
+                          </p:cTn>
+                        </p:par>
+                      </p:childTnLst>
+                    </p:cTn>
+                  </p:par>
+                </p:childTnLst>
+              </p:cTn>
+              <p:prevCondLst>
+                <p:cond evt="onPrev">
+                  <p:tgtEl>
+                    <p:sldTgt/>
+                  </p:tgtEl>
+                </p:cond>
+              </p:prevCondLst>
+              <p:nextCondLst>
+                <p:cond evt="onNext">
+                  <p:tgtEl>
+                    <p:sldTgt/>
+                  </p:tgtEl>
+                </p:cond>
+              </p:nextCondLst>
+            </p:seq>
+          </p:childTnLst>
+        </p:cTn>
+      </p:par>
+    </p:tnLst>
+  </p:timing>
 </p:sld>
 </file>
 
@@ -16066,7 +17237,7 @@
             <a:tbl>
               <a:tblPr>
                 <a:noFill/>
-                <a:tableStyleId>{1C52BCCC-8B57-4E4B-B95F-BB348A152FD8}</a:tableStyleId>
+                <a:tableStyleId>{2F913912-6C68-46E6-9F7F-37826F2BDD08}</a:tableStyleId>
               </a:tblPr>
               <a:tblGrid>
                 <a:gridCol w="952500"/>
@@ -18064,7 +19235,7 @@
           </a:bodyPr>
           <a:lstStyle/>
           <a:p>
-            <a:pPr indent="0" lvl="0" marL="0" rtl="0" algn="l">
+            <a:pPr indent="457200" lvl="0" marL="2286000" rtl="0" algn="l">
               <a:spcBef>
                 <a:spcPts val="0"/>
               </a:spcBef>
@@ -18142,6 +19313,171 @@
   <p:clrMapOvr>
     <a:masterClrMapping/>
   </p:clrMapOvr>
+  <p:timing>
+    <p:tnLst>
+      <p:par>
+        <p:cTn dur="indefinite" nodeType="tmRoot" restart="never">
+          <p:childTnLst>
+            <p:seq concurrent="1" nextAc="seek">
+              <p:cTn dur="indefinite" id="2" nodeType="mainSeq">
+                <p:childTnLst>
+                  <p:par>
+                    <p:cTn fill="hold">
+                      <p:stCondLst>
+                        <p:cond delay="indefinite"/>
+                      </p:stCondLst>
+                      <p:childTnLst>
+                        <p:par>
+                          <p:cTn fill="hold">
+                            <p:stCondLst>
+                              <p:cond delay="0"/>
+                            </p:stCondLst>
+                            <p:childTnLst>
+                              <p:par>
+                                <p:cTn fill="hold" nodeType="clickEffect" presetClass="entr" presetID="1" presetSubtype="0">
+                                  <p:stCondLst>
+                                    <p:cond delay="0"/>
+                                  </p:stCondLst>
+                                  <p:childTnLst>
+                                    <p:set>
+                                      <p:cBhvr>
+                                        <p:cTn dur="1" fill="hold">
+                                          <p:stCondLst>
+                                            <p:cond delay="0"/>
+                                          </p:stCondLst>
+                                        </p:cTn>
+                                        <p:tgtEl>
+                                          <p:spTgt spid="245"/>
+                                        </p:tgtEl>
+                                        <p:attrNameLst>
+                                          <p:attrName>style.visibility</p:attrName>
+                                        </p:attrNameLst>
+                                      </p:cBhvr>
+                                      <p:to>
+                                        <p:strVal val="visible"/>
+                                      </p:to>
+                                    </p:set>
+                                  </p:childTnLst>
+                                </p:cTn>
+                              </p:par>
+                            </p:childTnLst>
+                          </p:cTn>
+                        </p:par>
+                      </p:childTnLst>
+                    </p:cTn>
+                  </p:par>
+                  <p:par>
+                    <p:cTn fill="hold">
+                      <p:stCondLst>
+                        <p:cond delay="indefinite"/>
+                      </p:stCondLst>
+                      <p:childTnLst>
+                        <p:par>
+                          <p:cTn fill="hold">
+                            <p:stCondLst>
+                              <p:cond delay="0"/>
+                            </p:stCondLst>
+                            <p:childTnLst>
+                              <p:par>
+                                <p:cTn fill="hold" nodeType="clickEffect" presetClass="entr" presetID="1" presetSubtype="0">
+                                  <p:stCondLst>
+                                    <p:cond delay="0"/>
+                                  </p:stCondLst>
+                                  <p:childTnLst>
+                                    <p:set>
+                                      <p:cBhvr>
+                                        <p:cTn dur="1" fill="hold">
+                                          <p:stCondLst>
+                                            <p:cond delay="0"/>
+                                          </p:stCondLst>
+                                        </p:cTn>
+                                        <p:tgtEl>
+                                          <p:spTgt spid="244"/>
+                                        </p:tgtEl>
+                                        <p:attrNameLst>
+                                          <p:attrName>style.visibility</p:attrName>
+                                        </p:attrNameLst>
+                                      </p:cBhvr>
+                                      <p:to>
+                                        <p:strVal val="visible"/>
+                                      </p:to>
+                                    </p:set>
+                                  </p:childTnLst>
+                                </p:cTn>
+                              </p:par>
+                            </p:childTnLst>
+                          </p:cTn>
+                        </p:par>
+                      </p:childTnLst>
+                    </p:cTn>
+                  </p:par>
+                  <p:par>
+                    <p:cTn fill="hold">
+                      <p:stCondLst>
+                        <p:cond delay="indefinite"/>
+                      </p:stCondLst>
+                      <p:childTnLst>
+                        <p:par>
+                          <p:cTn fill="hold">
+                            <p:stCondLst>
+                              <p:cond delay="0"/>
+                            </p:stCondLst>
+                            <p:childTnLst>
+                              <p:par>
+                                <p:cTn fill="hold" nodeType="clickEffect" presetClass="entr" presetID="1" presetSubtype="0">
+                                  <p:stCondLst>
+                                    <p:cond delay="0"/>
+                                  </p:stCondLst>
+                                  <p:childTnLst>
+                                    <p:set>
+                                      <p:cBhvr>
+                                        <p:cTn dur="1" fill="hold">
+                                          <p:stCondLst>
+                                            <p:cond delay="0"/>
+                                          </p:stCondLst>
+                                        </p:cTn>
+                                        <p:tgtEl>
+                                          <p:spTgt spid="246"/>
+                                        </p:tgtEl>
+                                        <p:attrNameLst>
+                                          <p:attrName>style.visibility</p:attrName>
+                                        </p:attrNameLst>
+                                      </p:cBhvr>
+                                      <p:to>
+                                        <p:strVal val="visible"/>
+                                      </p:to>
+                                    </p:set>
+                                  </p:childTnLst>
+                                </p:cTn>
+                              </p:par>
+                            </p:childTnLst>
+                          </p:cTn>
+                        </p:par>
+                      </p:childTnLst>
+                    </p:cTn>
+                  </p:par>
+                </p:childTnLst>
+              </p:cTn>
+              <p:prevCondLst>
+                <p:cond evt="onPrev">
+                  <p:tgtEl>
+                    <p:sldTgt/>
+                  </p:tgtEl>
+                </p:cond>
+              </p:prevCondLst>
+              <p:nextCondLst>
+                <p:cond evt="onNext">
+                  <p:tgtEl>
+                    <p:sldTgt/>
+                  </p:tgtEl>
+                </p:cond>
+              </p:nextCondLst>
+            </p:seq>
+          </p:childTnLst>
+        </p:cTn>
+      </p:par>
+    </p:tnLst>
+  </p:timing>
 </p:sld>
 </file>
 
@@ -18225,7 +19561,7 @@
           </a:bodyPr>
           <a:lstStyle/>
           <a:p>
-            <a:pPr indent="0" lvl="0" marL="0" rtl="0" algn="l">
+            <a:pPr indent="0" lvl="0" marL="2743200" rtl="0" algn="l">
               <a:spcBef>
                 <a:spcPts val="0"/>
               </a:spcBef>
@@ -18303,6 +19639,171 @@
   <p:clrMapOvr>
     <a:masterClrMapping/>
   </p:clrMapOvr>
+  <p:timing>
+    <p:tnLst>
+      <p:par>
+        <p:cTn dur="indefinite" nodeType="tmRoot" restart="never">
+          <p:childTnLst>
+            <p:seq concurrent="1" nextAc="seek">
+              <p:cTn dur="indefinite" id="2" nodeType="mainSeq">
+                <p:childTnLst>
+                  <p:par>
+                    <p:cTn fill="hold">
+                      <p:stCondLst>
+                        <p:cond delay="indefinite"/>
+                      </p:stCondLst>
+                      <p:childTnLst>
+                        <p:par>
+                          <p:cTn fill="hold">
+                            <p:stCondLst>
+                              <p:cond delay="0"/>
+                            </p:stCondLst>
+                            <p:childTnLst>
+                              <p:par>
+                                <p:cTn fill="hold" nodeType="clickEffect" presetClass="entr" presetID="1" presetSubtype="0">
+                                  <p:stCondLst>
+                                    <p:cond delay="0"/>
+                                  </p:stCondLst>
+                                  <p:childTnLst>
+                                    <p:set>
+                                      <p:cBhvr>
+                                        <p:cTn dur="1" fill="hold">
+                                          <p:stCondLst>
+                                            <p:cond delay="0"/>
+                                          </p:stCondLst>
+                                        </p:cTn>
+                                        <p:tgtEl>
+                                          <p:spTgt spid="254"/>
+                                        </p:tgtEl>
+                                        <p:attrNameLst>
+                                          <p:attrName>style.visibility</p:attrName>
+                                        </p:attrNameLst>
+                                      </p:cBhvr>
+                                      <p:to>
+                                        <p:strVal val="visible"/>
+                                      </p:to>
+                                    </p:set>
+                                  </p:childTnLst>
+                                </p:cTn>
+                              </p:par>
+                            </p:childTnLst>
+                          </p:cTn>
+                        </p:par>
+                      </p:childTnLst>
+                    </p:cTn>
+                  </p:par>
+                  <p:par>
+                    <p:cTn fill="hold">
+                      <p:stCondLst>
+                        <p:cond delay="indefinite"/>
+                      </p:stCondLst>
+                      <p:childTnLst>
+                        <p:par>
+                          <p:cTn fill="hold">
+                            <p:stCondLst>
+                              <p:cond delay="0"/>
+                            </p:stCondLst>
+                            <p:childTnLst>
+                              <p:par>
+                                <p:cTn fill="hold" nodeType="clickEffect" presetClass="entr" presetID="1" presetSubtype="0">
+                                  <p:stCondLst>
+                                    <p:cond delay="0"/>
+                                  </p:stCondLst>
+                                  <p:childTnLst>
+                                    <p:set>
+                                      <p:cBhvr>
+                                        <p:cTn dur="1" fill="hold">
+                                          <p:stCondLst>
+                                            <p:cond delay="0"/>
+                                          </p:stCondLst>
+                                        </p:cTn>
+                                        <p:tgtEl>
+                                          <p:spTgt spid="252"/>
+                                        </p:tgtEl>
+                                        <p:attrNameLst>
+                                          <p:attrName>style.visibility</p:attrName>
+                                        </p:attrNameLst>
+                                      </p:cBhvr>
+                                      <p:to>
+                                        <p:strVal val="visible"/>
+                                      </p:to>
+                                    </p:set>
+                                  </p:childTnLst>
+                                </p:cTn>
+                              </p:par>
+                            </p:childTnLst>
+                          </p:cTn>
+                        </p:par>
+                      </p:childTnLst>
+                    </p:cTn>
+                  </p:par>
+                  <p:par>
+                    <p:cTn fill="hold">
+                      <p:stCondLst>
+                        <p:cond delay="indefinite"/>
+                      </p:stCondLst>
+                      <p:childTnLst>
+                        <p:par>
+                          <p:cTn fill="hold">
+                            <p:stCondLst>
+                              <p:cond delay="0"/>
+                            </p:stCondLst>
+                            <p:childTnLst>
+                              <p:par>
+                                <p:cTn fill="hold" nodeType="clickEffect" presetClass="entr" presetID="1" presetSubtype="0">
+                                  <p:stCondLst>
+                                    <p:cond delay="0"/>
+                                  </p:stCondLst>
+                                  <p:childTnLst>
+                                    <p:set>
+                                      <p:cBhvr>
+                                        <p:cTn dur="1" fill="hold">
+                                          <p:stCondLst>
+                                            <p:cond delay="0"/>
+                                          </p:stCondLst>
+                                        </p:cTn>
+                                        <p:tgtEl>
+                                          <p:spTgt spid="253"/>
+                                        </p:tgtEl>
+                                        <p:attrNameLst>
+                                          <p:attrName>style.visibility</p:attrName>
+                                        </p:attrNameLst>
+                                      </p:cBhvr>
+                                      <p:to>
+                                        <p:strVal val="visible"/>
+                                      </p:to>
+                                    </p:set>
+                                  </p:childTnLst>
+                                </p:cTn>
+                              </p:par>
+                            </p:childTnLst>
+                          </p:cTn>
+                        </p:par>
+                      </p:childTnLst>
+                    </p:cTn>
+                  </p:par>
+                </p:childTnLst>
+              </p:cTn>
+              <p:prevCondLst>
+                <p:cond evt="onPrev">
+                  <p:tgtEl>
+                    <p:sldTgt/>
+                  </p:tgtEl>
+                </p:cond>
+              </p:prevCondLst>
+              <p:nextCondLst>
+                <p:cond evt="onNext">
+                  <p:tgtEl>
+                    <p:sldTgt/>
+                  </p:tgtEl>
+                </p:cond>
+              </p:nextCondLst>
+            </p:seq>
+          </p:childTnLst>
+        </p:cTn>
+      </p:par>
+    </p:tnLst>
+  </p:timing>
 </p:sld>
 </file>
 
@@ -18602,7 +20103,7 @@
             <a:tbl>
               <a:tblPr>
                 <a:noFill/>
-                <a:tableStyleId>{FBEAD5BC-E3A4-4ACA-AAB9-D6E915E4D777}</a:tableStyleId>
+                <a:tableStyleId>{6D48664A-4ADC-41C1-A944-C862199D4479}</a:tableStyleId>
               </a:tblPr>
               <a:tblGrid>
                 <a:gridCol w="2413000"/>
@@ -19357,10 +20858,10 @@
               <a:buNone/>
             </a:pPr>
             <a:r>
-              <a:rPr lang="en" sz="2320"/>
+              <a:rPr lang="en" sz="2620"/>
               <a:t>Key lesson of Anscombe's Quartet: Visualizing data is a critical part of analysis, not just for fun, aesthetics, and/or showing others!!!</a:t>
             </a:r>
-            <a:endParaRPr sz="2320"/>
+            <a:endParaRPr sz="2620"/>
           </a:p>
         </p:txBody>
       </p:sp>
@@ -19648,6 +21149,2166 @@
 </p:sld>
 </file>
 
+<file path=ppt/slides/slide35.xml><?xml version="1.0" encoding="utf-8"?>
+<p:sld xmlns:a="http://schemas.openxmlformats.org/drawingml/2006/main" xmlns:r="http://schemas.openxmlformats.org/officeDocument/2006/relationships" xmlns:mc="http://schemas.openxmlformats.org/markup-compatibility/2006" xmlns:mv="urn:schemas-microsoft-com:mac:vml" xmlns:p="http://schemas.openxmlformats.org/presentationml/2006/main" xmlns:c="http://schemas.openxmlformats.org/drawingml/2006/chart" xmlns:dgm="http://schemas.openxmlformats.org/drawingml/2006/diagram" xmlns:o="urn:schemas-microsoft-com:office:office" xmlns:v="urn:schemas-microsoft-com:vml" xmlns:pvml="urn:schemas-microsoft-com:office:powerpoint" xmlns:com="http://schemas.openxmlformats.org/drawingml/2006/compatibility" xmlns:p14="http://schemas.microsoft.com/office/powerpoint/2010/main" xmlns:p15="http://schemas.microsoft.com/office/powerpoint/2012/main" xmlns:ahyp="http://schemas.microsoft.com/office/drawing/2018/hyperlinkcolor">
+  <p:cSld>
+    <p:spTree>
+      <p:nvGrpSpPr>
+        <p:cNvPr id="294" name="Shape 294"/>
+        <p:cNvGrpSpPr/>
+        <p:nvPr/>
+      </p:nvGrpSpPr>
+      <p:grpSpPr>
+        <a:xfrm>
+          <a:off x="0" y="0"/>
+          <a:ext cx="0" cy="0"/>
+          <a:chOff x="0" y="0"/>
+          <a:chExt cx="0" cy="0"/>
+        </a:xfrm>
+      </p:grpSpPr>
+      <p:sp>
+        <p:nvSpPr>
+          <p:cNvPr id="295" name="Google Shape;295;p47"/>
+          <p:cNvSpPr txBox="1"/>
+          <p:nvPr>
+            <p:ph type="title"/>
+          </p:nvPr>
+        </p:nvSpPr>
+        <p:spPr>
+          <a:xfrm>
+            <a:off x="387900" y="458025"/>
+            <a:ext cx="8368200" cy="686100"/>
+          </a:xfrm>
+          <a:prstGeom prst="rect">
+            <a:avLst/>
+          </a:prstGeom>
+        </p:spPr>
+        <p:txBody>
+          <a:bodyPr anchorCtr="0" anchor="b" bIns="91425" lIns="91425" spcFirstLastPara="1" rIns="91425" wrap="square" tIns="91425">
+            <a:normAutofit/>
+          </a:bodyPr>
+          <a:lstStyle/>
+          <a:p>
+            <a:pPr indent="0" lvl="0" marL="0" rtl="0" algn="l">
+              <a:spcBef>
+                <a:spcPts val="0"/>
+              </a:spcBef>
+              <a:spcAft>
+                <a:spcPts val="0"/>
+              </a:spcAft>
+              <a:buNone/>
+            </a:pPr>
+            <a:r>
+              <a:rPr lang="en"/>
+              <a:t>Sampling</a:t>
+            </a:r>
+            <a:endParaRPr/>
+          </a:p>
+        </p:txBody>
+      </p:sp>
+      <p:sp>
+        <p:nvSpPr>
+          <p:cNvPr id="296" name="Google Shape;296;p47"/>
+          <p:cNvSpPr txBox="1"/>
+          <p:nvPr>
+            <p:ph idx="1" type="body"/>
+          </p:nvPr>
+        </p:nvSpPr>
+        <p:spPr>
+          <a:xfrm>
+            <a:off x="387900" y="1489824"/>
+            <a:ext cx="8368200" cy="3078900"/>
+          </a:xfrm>
+          <a:prstGeom prst="rect">
+            <a:avLst/>
+          </a:prstGeom>
+        </p:spPr>
+        <p:txBody>
+          <a:bodyPr anchorCtr="0" anchor="t" bIns="91425" lIns="91425" spcFirstLastPara="1" rIns="91425" wrap="square" tIns="91425">
+            <a:normAutofit/>
+          </a:bodyPr>
+          <a:lstStyle/>
+          <a:p>
+            <a:pPr indent="0" lvl="0" marL="0" rtl="0" algn="l">
+              <a:spcBef>
+                <a:spcPts val="0"/>
+              </a:spcBef>
+              <a:spcAft>
+                <a:spcPts val="0"/>
+              </a:spcAft>
+              <a:buNone/>
+            </a:pPr>
+            <a:r>
+              <a:rPr b="1" lang="en"/>
+              <a:t>Population</a:t>
+            </a:r>
+            <a:r>
+              <a:rPr lang="en"/>
+              <a:t>: All of the items of interest</a:t>
+            </a:r>
+            <a:endParaRPr/>
+          </a:p>
+          <a:p>
+            <a:pPr indent="0" lvl="0" marL="0" rtl="0" algn="l">
+              <a:spcBef>
+                <a:spcPts val="1200"/>
+              </a:spcBef>
+              <a:spcAft>
+                <a:spcPts val="0"/>
+              </a:spcAft>
+              <a:buNone/>
+            </a:pPr>
+            <a:r>
+              <a:rPr lang="en"/>
+              <a:t>Example: All of the students at Webster University</a:t>
+            </a:r>
+            <a:endParaRPr/>
+          </a:p>
+          <a:p>
+            <a:pPr indent="0" lvl="0" marL="0" rtl="0" algn="l">
+              <a:spcBef>
+                <a:spcPts val="1200"/>
+              </a:spcBef>
+              <a:spcAft>
+                <a:spcPts val="0"/>
+              </a:spcAft>
+              <a:buNone/>
+            </a:pPr>
+            <a:r>
+              <a:rPr b="1" lang="en"/>
+              <a:t>Sample</a:t>
+            </a:r>
+            <a:r>
+              <a:rPr lang="en"/>
+              <a:t>: A subset of the population</a:t>
+            </a:r>
+            <a:endParaRPr/>
+          </a:p>
+          <a:p>
+            <a:pPr indent="0" lvl="0" marL="0" rtl="0" algn="l">
+              <a:spcBef>
+                <a:spcPts val="1200"/>
+              </a:spcBef>
+              <a:spcAft>
+                <a:spcPts val="1200"/>
+              </a:spcAft>
+              <a:buNone/>
+            </a:pPr>
+            <a:r>
+              <a:rPr lang="en"/>
+              <a:t>Example: Just the students in this room (assuming we’re interested in all of </a:t>
+            </a:r>
+            <a:r>
+              <a:rPr lang="en"/>
+              <a:t>the</a:t>
+            </a:r>
+            <a:r>
+              <a:rPr lang="en"/>
+              <a:t> students at Webster)</a:t>
+            </a:r>
+            <a:endParaRPr/>
+          </a:p>
+        </p:txBody>
+      </p:sp>
+    </p:spTree>
+  </p:cSld>
+  <p:clrMapOvr>
+    <a:masterClrMapping/>
+  </p:clrMapOvr>
+  <p:timing>
+    <p:tnLst>
+      <p:par>
+        <p:cTn dur="indefinite" nodeType="tmRoot" restart="never">
+          <p:childTnLst>
+            <p:seq concurrent="1" nextAc="seek">
+              <p:cTn dur="indefinite" id="2" nodeType="mainSeq">
+                <p:childTnLst>
+                  <p:par>
+                    <p:cTn fill="hold">
+                      <p:stCondLst>
+                        <p:cond delay="indefinite"/>
+                      </p:stCondLst>
+                      <p:childTnLst>
+                        <p:par>
+                          <p:cTn fill="hold">
+                            <p:stCondLst>
+                              <p:cond delay="0"/>
+                            </p:stCondLst>
+                            <p:childTnLst>
+                              <p:par>
+                                <p:cTn fill="hold" nodeType="clickEffect" presetClass="entr" presetID="1" presetSubtype="0">
+                                  <p:stCondLst>
+                                    <p:cond delay="0"/>
+                                  </p:stCondLst>
+                                  <p:childTnLst>
+                                    <p:set>
+                                      <p:cBhvr>
+                                        <p:cTn dur="1" fill="hold">
+                                          <p:stCondLst>
+                                            <p:cond delay="0"/>
+                                          </p:stCondLst>
+                                        </p:cTn>
+                                        <p:tgtEl>
+                                          <p:spTgt spid="296">
+                                            <p:txEl>
+                                              <p:pRg end="0" st="0"/>
+                                            </p:txEl>
+                                          </p:spTgt>
+                                        </p:tgtEl>
+                                        <p:attrNameLst>
+                                          <p:attrName>style.visibility</p:attrName>
+                                        </p:attrNameLst>
+                                      </p:cBhvr>
+                                      <p:to>
+                                        <p:strVal val="visible"/>
+                                      </p:to>
+                                    </p:set>
+                                  </p:childTnLst>
+                                </p:cTn>
+                              </p:par>
+                            </p:childTnLst>
+                          </p:cTn>
+                        </p:par>
+                      </p:childTnLst>
+                    </p:cTn>
+                  </p:par>
+                  <p:par>
+                    <p:cTn fill="hold">
+                      <p:stCondLst>
+                        <p:cond delay="indefinite"/>
+                      </p:stCondLst>
+                      <p:childTnLst>
+                        <p:par>
+                          <p:cTn fill="hold">
+                            <p:stCondLst>
+                              <p:cond delay="0"/>
+                            </p:stCondLst>
+                            <p:childTnLst>
+                              <p:par>
+                                <p:cTn fill="hold" nodeType="clickEffect" presetClass="entr" presetID="1" presetSubtype="0">
+                                  <p:stCondLst>
+                                    <p:cond delay="0"/>
+                                  </p:stCondLst>
+                                  <p:childTnLst>
+                                    <p:set>
+                                      <p:cBhvr>
+                                        <p:cTn dur="1" fill="hold">
+                                          <p:stCondLst>
+                                            <p:cond delay="0"/>
+                                          </p:stCondLst>
+                                        </p:cTn>
+                                        <p:tgtEl>
+                                          <p:spTgt spid="296">
+                                            <p:txEl>
+                                              <p:pRg end="1" st="1"/>
+                                            </p:txEl>
+                                          </p:spTgt>
+                                        </p:tgtEl>
+                                        <p:attrNameLst>
+                                          <p:attrName>style.visibility</p:attrName>
+                                        </p:attrNameLst>
+                                      </p:cBhvr>
+                                      <p:to>
+                                        <p:strVal val="visible"/>
+                                      </p:to>
+                                    </p:set>
+                                  </p:childTnLst>
+                                </p:cTn>
+                              </p:par>
+                            </p:childTnLst>
+                          </p:cTn>
+                        </p:par>
+                      </p:childTnLst>
+                    </p:cTn>
+                  </p:par>
+                  <p:par>
+                    <p:cTn fill="hold">
+                      <p:stCondLst>
+                        <p:cond delay="indefinite"/>
+                      </p:stCondLst>
+                      <p:childTnLst>
+                        <p:par>
+                          <p:cTn fill="hold">
+                            <p:stCondLst>
+                              <p:cond delay="0"/>
+                            </p:stCondLst>
+                            <p:childTnLst>
+                              <p:par>
+                                <p:cTn fill="hold" nodeType="clickEffect" presetClass="entr" presetID="1" presetSubtype="0">
+                                  <p:stCondLst>
+                                    <p:cond delay="0"/>
+                                  </p:stCondLst>
+                                  <p:childTnLst>
+                                    <p:set>
+                                      <p:cBhvr>
+                                        <p:cTn dur="1" fill="hold">
+                                          <p:stCondLst>
+                                            <p:cond delay="0"/>
+                                          </p:stCondLst>
+                                        </p:cTn>
+                                        <p:tgtEl>
+                                          <p:spTgt spid="296">
+                                            <p:txEl>
+                                              <p:pRg end="2" st="2"/>
+                                            </p:txEl>
+                                          </p:spTgt>
+                                        </p:tgtEl>
+                                        <p:attrNameLst>
+                                          <p:attrName>style.visibility</p:attrName>
+                                        </p:attrNameLst>
+                                      </p:cBhvr>
+                                      <p:to>
+                                        <p:strVal val="visible"/>
+                                      </p:to>
+                                    </p:set>
+                                  </p:childTnLst>
+                                </p:cTn>
+                              </p:par>
+                            </p:childTnLst>
+                          </p:cTn>
+                        </p:par>
+                      </p:childTnLst>
+                    </p:cTn>
+                  </p:par>
+                  <p:par>
+                    <p:cTn fill="hold">
+                      <p:stCondLst>
+                        <p:cond delay="indefinite"/>
+                      </p:stCondLst>
+                      <p:childTnLst>
+                        <p:par>
+                          <p:cTn fill="hold">
+                            <p:stCondLst>
+                              <p:cond delay="0"/>
+                            </p:stCondLst>
+                            <p:childTnLst>
+                              <p:par>
+                                <p:cTn fill="hold" nodeType="clickEffect" presetClass="entr" presetID="1" presetSubtype="0">
+                                  <p:stCondLst>
+                                    <p:cond delay="0"/>
+                                  </p:stCondLst>
+                                  <p:childTnLst>
+                                    <p:set>
+                                      <p:cBhvr>
+                                        <p:cTn dur="1" fill="hold">
+                                          <p:stCondLst>
+                                            <p:cond delay="0"/>
+                                          </p:stCondLst>
+                                        </p:cTn>
+                                        <p:tgtEl>
+                                          <p:spTgt spid="296">
+                                            <p:txEl>
+                                              <p:pRg end="3" st="3"/>
+                                            </p:txEl>
+                                          </p:spTgt>
+                                        </p:tgtEl>
+                                        <p:attrNameLst>
+                                          <p:attrName>style.visibility</p:attrName>
+                                        </p:attrNameLst>
+                                      </p:cBhvr>
+                                      <p:to>
+                                        <p:strVal val="visible"/>
+                                      </p:to>
+                                    </p:set>
+                                  </p:childTnLst>
+                                </p:cTn>
+                              </p:par>
+                            </p:childTnLst>
+                          </p:cTn>
+                        </p:par>
+                      </p:childTnLst>
+                    </p:cTn>
+                  </p:par>
+                </p:childTnLst>
+              </p:cTn>
+              <p:prevCondLst>
+                <p:cond evt="onPrev">
+                  <p:tgtEl>
+                    <p:sldTgt/>
+                  </p:tgtEl>
+                </p:cond>
+              </p:prevCondLst>
+              <p:nextCondLst>
+                <p:cond evt="onNext">
+                  <p:tgtEl>
+                    <p:sldTgt/>
+                  </p:tgtEl>
+                </p:cond>
+              </p:nextCondLst>
+            </p:seq>
+          </p:childTnLst>
+        </p:cTn>
+      </p:par>
+    </p:tnLst>
+  </p:timing>
+</p:sld>
+</file>
+
+<file path=ppt/slides/slide36.xml><?xml version="1.0" encoding="utf-8"?>
+<p:sld xmlns:a="http://schemas.openxmlformats.org/drawingml/2006/main" xmlns:r="http://schemas.openxmlformats.org/officeDocument/2006/relationships" xmlns:mc="http://schemas.openxmlformats.org/markup-compatibility/2006" xmlns:mv="urn:schemas-microsoft-com:mac:vml" xmlns:p="http://schemas.openxmlformats.org/presentationml/2006/main" xmlns:c="http://schemas.openxmlformats.org/drawingml/2006/chart" xmlns:dgm="http://schemas.openxmlformats.org/drawingml/2006/diagram" xmlns:o="urn:schemas-microsoft-com:office:office" xmlns:v="urn:schemas-microsoft-com:vml" xmlns:pvml="urn:schemas-microsoft-com:office:powerpoint" xmlns:com="http://schemas.openxmlformats.org/drawingml/2006/compatibility" xmlns:p14="http://schemas.microsoft.com/office/powerpoint/2010/main" xmlns:p15="http://schemas.microsoft.com/office/powerpoint/2012/main" xmlns:ahyp="http://schemas.microsoft.com/office/drawing/2018/hyperlinkcolor">
+  <p:cSld>
+    <p:spTree>
+      <p:nvGrpSpPr>
+        <p:cNvPr id="300" name="Shape 300"/>
+        <p:cNvGrpSpPr/>
+        <p:nvPr/>
+      </p:nvGrpSpPr>
+      <p:grpSpPr>
+        <a:xfrm>
+          <a:off x="0" y="0"/>
+          <a:ext cx="0" cy="0"/>
+          <a:chOff x="0" y="0"/>
+          <a:chExt cx="0" cy="0"/>
+        </a:xfrm>
+      </p:grpSpPr>
+      <p:sp>
+        <p:nvSpPr>
+          <p:cNvPr id="301" name="Google Shape;301;p48"/>
+          <p:cNvSpPr txBox="1"/>
+          <p:nvPr>
+            <p:ph type="title"/>
+          </p:nvPr>
+        </p:nvSpPr>
+        <p:spPr>
+          <a:xfrm>
+            <a:off x="387900" y="458025"/>
+            <a:ext cx="8368200" cy="686100"/>
+          </a:xfrm>
+          <a:prstGeom prst="rect">
+            <a:avLst/>
+          </a:prstGeom>
+        </p:spPr>
+        <p:txBody>
+          <a:bodyPr anchorCtr="0" anchor="b" bIns="91425" lIns="91425" spcFirstLastPara="1" rIns="91425" wrap="square" tIns="91425">
+            <a:normAutofit/>
+          </a:bodyPr>
+          <a:lstStyle/>
+          <a:p>
+            <a:pPr indent="0" lvl="0" marL="0" rtl="0" algn="l">
+              <a:spcBef>
+                <a:spcPts val="0"/>
+              </a:spcBef>
+              <a:spcAft>
+                <a:spcPts val="0"/>
+              </a:spcAft>
+              <a:buNone/>
+            </a:pPr>
+            <a:r>
+              <a:rPr lang="en"/>
+              <a:t>Why Sample?	</a:t>
+            </a:r>
+            <a:endParaRPr/>
+          </a:p>
+        </p:txBody>
+      </p:sp>
+      <p:sp>
+        <p:nvSpPr>
+          <p:cNvPr id="302" name="Google Shape;302;p48"/>
+          <p:cNvSpPr txBox="1"/>
+          <p:nvPr>
+            <p:ph idx="1" type="body"/>
+          </p:nvPr>
+        </p:nvSpPr>
+        <p:spPr>
+          <a:xfrm>
+            <a:off x="387900" y="1489824"/>
+            <a:ext cx="8368200" cy="3078900"/>
+          </a:xfrm>
+          <a:prstGeom prst="rect">
+            <a:avLst/>
+          </a:prstGeom>
+        </p:spPr>
+        <p:txBody>
+          <a:bodyPr anchorCtr="0" anchor="t" bIns="91425" lIns="91425" spcFirstLastPara="1" rIns="91425" wrap="square" tIns="91425">
+            <a:normAutofit/>
+          </a:bodyPr>
+          <a:lstStyle/>
+          <a:p>
+            <a:pPr indent="0" lvl="0" marL="0" rtl="0" algn="l">
+              <a:spcBef>
+                <a:spcPts val="0"/>
+              </a:spcBef>
+              <a:spcAft>
+                <a:spcPts val="0"/>
+              </a:spcAft>
+              <a:buNone/>
+            </a:pPr>
+            <a:r>
+              <a:rPr lang="en" sz="2191"/>
+              <a:t>We collect samples instead of measuring populations because:</a:t>
+            </a:r>
+            <a:endParaRPr sz="2191"/>
+          </a:p>
+          <a:p>
+            <a:pPr indent="-367785" lvl="0" marL="457200" rtl="0" algn="l">
+              <a:spcBef>
+                <a:spcPts val="1200"/>
+              </a:spcBef>
+              <a:spcAft>
+                <a:spcPts val="0"/>
+              </a:spcAft>
+              <a:buSzPts val="2192"/>
+              <a:buAutoNum type="arabicParenR"/>
+            </a:pPr>
+            <a:r>
+              <a:rPr lang="en" sz="2191"/>
+              <a:t>It’s easier</a:t>
+            </a:r>
+            <a:endParaRPr sz="2191"/>
+          </a:p>
+          <a:p>
+            <a:pPr indent="-367785" lvl="0" marL="457200" rtl="0" algn="l">
+              <a:spcBef>
+                <a:spcPts val="0"/>
+              </a:spcBef>
+              <a:spcAft>
+                <a:spcPts val="0"/>
+              </a:spcAft>
+              <a:buSzPts val="2192"/>
+              <a:buAutoNum type="arabicParenR"/>
+            </a:pPr>
+            <a:r>
+              <a:rPr lang="en" sz="2191"/>
+              <a:t>It’s faster</a:t>
+            </a:r>
+            <a:endParaRPr sz="2191"/>
+          </a:p>
+          <a:p>
+            <a:pPr indent="-367785" lvl="0" marL="457200" rtl="0" algn="l">
+              <a:spcBef>
+                <a:spcPts val="0"/>
+              </a:spcBef>
+              <a:spcAft>
+                <a:spcPts val="0"/>
+              </a:spcAft>
+              <a:buSzPts val="2192"/>
+              <a:buAutoNum type="arabicParenR"/>
+            </a:pPr>
+            <a:r>
+              <a:rPr lang="en" sz="2191"/>
+              <a:t>It’s cheaper</a:t>
+            </a:r>
+            <a:endParaRPr sz="2191"/>
+          </a:p>
+          <a:p>
+            <a:pPr indent="0" lvl="0" marL="0" rtl="0" algn="l">
+              <a:spcBef>
+                <a:spcPts val="1200"/>
+              </a:spcBef>
+              <a:spcAft>
+                <a:spcPts val="0"/>
+              </a:spcAft>
+              <a:buNone/>
+            </a:pPr>
+            <a:r>
+              <a:t/>
+            </a:r>
+            <a:endParaRPr/>
+          </a:p>
+          <a:p>
+            <a:pPr indent="0" lvl="0" marL="0" rtl="0" algn="l">
+              <a:spcBef>
+                <a:spcPts val="1200"/>
+              </a:spcBef>
+              <a:spcAft>
+                <a:spcPts val="1200"/>
+              </a:spcAft>
+              <a:buNone/>
+            </a:pPr>
+            <a:r>
+              <a:t/>
+            </a:r>
+            <a:endParaRPr/>
+          </a:p>
+        </p:txBody>
+      </p:sp>
+    </p:spTree>
+  </p:cSld>
+  <p:clrMapOvr>
+    <a:masterClrMapping/>
+  </p:clrMapOvr>
+  <p:timing>
+    <p:tnLst>
+      <p:par>
+        <p:cTn dur="indefinite" nodeType="tmRoot" restart="never">
+          <p:childTnLst>
+            <p:seq concurrent="1" nextAc="seek">
+              <p:cTn dur="indefinite" id="2" nodeType="mainSeq">
+                <p:childTnLst>
+                  <p:par>
+                    <p:cTn fill="hold">
+                      <p:stCondLst>
+                        <p:cond delay="indefinite"/>
+                      </p:stCondLst>
+                      <p:childTnLst>
+                        <p:par>
+                          <p:cTn fill="hold">
+                            <p:stCondLst>
+                              <p:cond delay="0"/>
+                            </p:stCondLst>
+                            <p:childTnLst>
+                              <p:par>
+                                <p:cTn fill="hold" nodeType="clickEffect" presetClass="entr" presetID="1" presetSubtype="0">
+                                  <p:stCondLst>
+                                    <p:cond delay="0"/>
+                                  </p:stCondLst>
+                                  <p:childTnLst>
+                                    <p:set>
+                                      <p:cBhvr>
+                                        <p:cTn dur="1" fill="hold">
+                                          <p:stCondLst>
+                                            <p:cond delay="0"/>
+                                          </p:stCondLst>
+                                        </p:cTn>
+                                        <p:tgtEl>
+                                          <p:spTgt spid="302">
+                                            <p:txEl>
+                                              <p:pRg end="0" st="0"/>
+                                            </p:txEl>
+                                          </p:spTgt>
+                                        </p:tgtEl>
+                                        <p:attrNameLst>
+                                          <p:attrName>style.visibility</p:attrName>
+                                        </p:attrNameLst>
+                                      </p:cBhvr>
+                                      <p:to>
+                                        <p:strVal val="visible"/>
+                                      </p:to>
+                                    </p:set>
+                                  </p:childTnLst>
+                                </p:cTn>
+                              </p:par>
+                            </p:childTnLst>
+                          </p:cTn>
+                        </p:par>
+                      </p:childTnLst>
+                    </p:cTn>
+                  </p:par>
+                  <p:par>
+                    <p:cTn fill="hold">
+                      <p:stCondLst>
+                        <p:cond delay="indefinite"/>
+                      </p:stCondLst>
+                      <p:childTnLst>
+                        <p:par>
+                          <p:cTn fill="hold">
+                            <p:stCondLst>
+                              <p:cond delay="0"/>
+                            </p:stCondLst>
+                            <p:childTnLst>
+                              <p:par>
+                                <p:cTn fill="hold" nodeType="clickEffect" presetClass="entr" presetID="1" presetSubtype="0">
+                                  <p:stCondLst>
+                                    <p:cond delay="0"/>
+                                  </p:stCondLst>
+                                  <p:childTnLst>
+                                    <p:set>
+                                      <p:cBhvr>
+                                        <p:cTn dur="1" fill="hold">
+                                          <p:stCondLst>
+                                            <p:cond delay="0"/>
+                                          </p:stCondLst>
+                                        </p:cTn>
+                                        <p:tgtEl>
+                                          <p:spTgt spid="302">
+                                            <p:txEl>
+                                              <p:pRg end="1" st="1"/>
+                                            </p:txEl>
+                                          </p:spTgt>
+                                        </p:tgtEl>
+                                        <p:attrNameLst>
+                                          <p:attrName>style.visibility</p:attrName>
+                                        </p:attrNameLst>
+                                      </p:cBhvr>
+                                      <p:to>
+                                        <p:strVal val="visible"/>
+                                      </p:to>
+                                    </p:set>
+                                  </p:childTnLst>
+                                </p:cTn>
+                              </p:par>
+                            </p:childTnLst>
+                          </p:cTn>
+                        </p:par>
+                      </p:childTnLst>
+                    </p:cTn>
+                  </p:par>
+                  <p:par>
+                    <p:cTn fill="hold">
+                      <p:stCondLst>
+                        <p:cond delay="indefinite"/>
+                      </p:stCondLst>
+                      <p:childTnLst>
+                        <p:par>
+                          <p:cTn fill="hold">
+                            <p:stCondLst>
+                              <p:cond delay="0"/>
+                            </p:stCondLst>
+                            <p:childTnLst>
+                              <p:par>
+                                <p:cTn fill="hold" nodeType="clickEffect" presetClass="entr" presetID="1" presetSubtype="0">
+                                  <p:stCondLst>
+                                    <p:cond delay="0"/>
+                                  </p:stCondLst>
+                                  <p:childTnLst>
+                                    <p:set>
+                                      <p:cBhvr>
+                                        <p:cTn dur="1" fill="hold">
+                                          <p:stCondLst>
+                                            <p:cond delay="0"/>
+                                          </p:stCondLst>
+                                        </p:cTn>
+                                        <p:tgtEl>
+                                          <p:spTgt spid="302">
+                                            <p:txEl>
+                                              <p:pRg end="2" st="2"/>
+                                            </p:txEl>
+                                          </p:spTgt>
+                                        </p:tgtEl>
+                                        <p:attrNameLst>
+                                          <p:attrName>style.visibility</p:attrName>
+                                        </p:attrNameLst>
+                                      </p:cBhvr>
+                                      <p:to>
+                                        <p:strVal val="visible"/>
+                                      </p:to>
+                                    </p:set>
+                                  </p:childTnLst>
+                                </p:cTn>
+                              </p:par>
+                            </p:childTnLst>
+                          </p:cTn>
+                        </p:par>
+                      </p:childTnLst>
+                    </p:cTn>
+                  </p:par>
+                  <p:par>
+                    <p:cTn fill="hold">
+                      <p:stCondLst>
+                        <p:cond delay="indefinite"/>
+                      </p:stCondLst>
+                      <p:childTnLst>
+                        <p:par>
+                          <p:cTn fill="hold">
+                            <p:stCondLst>
+                              <p:cond delay="0"/>
+                            </p:stCondLst>
+                            <p:childTnLst>
+                              <p:par>
+                                <p:cTn fill="hold" nodeType="clickEffect" presetClass="entr" presetID="1" presetSubtype="0">
+                                  <p:stCondLst>
+                                    <p:cond delay="0"/>
+                                  </p:stCondLst>
+                                  <p:childTnLst>
+                                    <p:set>
+                                      <p:cBhvr>
+                                        <p:cTn dur="1" fill="hold">
+                                          <p:stCondLst>
+                                            <p:cond delay="0"/>
+                                          </p:stCondLst>
+                                        </p:cTn>
+                                        <p:tgtEl>
+                                          <p:spTgt spid="302">
+                                            <p:txEl>
+                                              <p:pRg end="3" st="3"/>
+                                            </p:txEl>
+                                          </p:spTgt>
+                                        </p:tgtEl>
+                                        <p:attrNameLst>
+                                          <p:attrName>style.visibility</p:attrName>
+                                        </p:attrNameLst>
+                                      </p:cBhvr>
+                                      <p:to>
+                                        <p:strVal val="visible"/>
+                                      </p:to>
+                                    </p:set>
+                                  </p:childTnLst>
+                                </p:cTn>
+                              </p:par>
+                            </p:childTnLst>
+                          </p:cTn>
+                        </p:par>
+                      </p:childTnLst>
+                    </p:cTn>
+                  </p:par>
+                  <p:par>
+                    <p:cTn fill="hold">
+                      <p:stCondLst>
+                        <p:cond delay="indefinite"/>
+                      </p:stCondLst>
+                      <p:childTnLst>
+                        <p:par>
+                          <p:cTn fill="hold">
+                            <p:stCondLst>
+                              <p:cond delay="0"/>
+                            </p:stCondLst>
+                            <p:childTnLst>
+                              <p:par>
+                                <p:cTn fill="hold" nodeType="clickEffect" presetClass="entr" presetID="1" presetSubtype="0">
+                                  <p:stCondLst>
+                                    <p:cond delay="0"/>
+                                  </p:stCondLst>
+                                  <p:childTnLst>
+                                    <p:set>
+                                      <p:cBhvr>
+                                        <p:cTn dur="1" fill="hold">
+                                          <p:stCondLst>
+                                            <p:cond delay="0"/>
+                                          </p:stCondLst>
+                                        </p:cTn>
+                                        <p:tgtEl>
+                                          <p:spTgt spid="302">
+                                            <p:txEl>
+                                              <p:pRg end="4" st="4"/>
+                                            </p:txEl>
+                                          </p:spTgt>
+                                        </p:tgtEl>
+                                        <p:attrNameLst>
+                                          <p:attrName>style.visibility</p:attrName>
+                                        </p:attrNameLst>
+                                      </p:cBhvr>
+                                      <p:to>
+                                        <p:strVal val="visible"/>
+                                      </p:to>
+                                    </p:set>
+                                  </p:childTnLst>
+                                </p:cTn>
+                              </p:par>
+                            </p:childTnLst>
+                          </p:cTn>
+                        </p:par>
+                      </p:childTnLst>
+                    </p:cTn>
+                  </p:par>
+                  <p:par>
+                    <p:cTn fill="hold">
+                      <p:stCondLst>
+                        <p:cond delay="indefinite"/>
+                      </p:stCondLst>
+                      <p:childTnLst>
+                        <p:par>
+                          <p:cTn fill="hold">
+                            <p:stCondLst>
+                              <p:cond delay="0"/>
+                            </p:stCondLst>
+                            <p:childTnLst>
+                              <p:par>
+                                <p:cTn fill="hold" nodeType="clickEffect" presetClass="entr" presetID="1" presetSubtype="0">
+                                  <p:stCondLst>
+                                    <p:cond delay="0"/>
+                                  </p:stCondLst>
+                                  <p:childTnLst>
+                                    <p:set>
+                                      <p:cBhvr>
+                                        <p:cTn dur="1" fill="hold">
+                                          <p:stCondLst>
+                                            <p:cond delay="0"/>
+                                          </p:stCondLst>
+                                        </p:cTn>
+                                        <p:tgtEl>
+                                          <p:spTgt spid="302">
+                                            <p:txEl>
+                                              <p:pRg end="5" st="5"/>
+                                            </p:txEl>
+                                          </p:spTgt>
+                                        </p:tgtEl>
+                                        <p:attrNameLst>
+                                          <p:attrName>style.visibility</p:attrName>
+                                        </p:attrNameLst>
+                                      </p:cBhvr>
+                                      <p:to>
+                                        <p:strVal val="visible"/>
+                                      </p:to>
+                                    </p:set>
+                                  </p:childTnLst>
+                                </p:cTn>
+                              </p:par>
+                            </p:childTnLst>
+                          </p:cTn>
+                        </p:par>
+                      </p:childTnLst>
+                    </p:cTn>
+                  </p:par>
+                </p:childTnLst>
+              </p:cTn>
+              <p:prevCondLst>
+                <p:cond evt="onPrev">
+                  <p:tgtEl>
+                    <p:sldTgt/>
+                  </p:tgtEl>
+                </p:cond>
+              </p:prevCondLst>
+              <p:nextCondLst>
+                <p:cond evt="onNext">
+                  <p:tgtEl>
+                    <p:sldTgt/>
+                  </p:tgtEl>
+                </p:cond>
+              </p:nextCondLst>
+            </p:seq>
+          </p:childTnLst>
+        </p:cTn>
+      </p:par>
+    </p:tnLst>
+  </p:timing>
+</p:sld>
+</file>
+
+<file path=ppt/slides/slide37.xml><?xml version="1.0" encoding="utf-8"?>
+<p:sld xmlns:a="http://schemas.openxmlformats.org/drawingml/2006/main" xmlns:r="http://schemas.openxmlformats.org/officeDocument/2006/relationships" xmlns:mc="http://schemas.openxmlformats.org/markup-compatibility/2006" xmlns:mv="urn:schemas-microsoft-com:mac:vml" xmlns:p="http://schemas.openxmlformats.org/presentationml/2006/main" xmlns:c="http://schemas.openxmlformats.org/drawingml/2006/chart" xmlns:dgm="http://schemas.openxmlformats.org/drawingml/2006/diagram" xmlns:o="urn:schemas-microsoft-com:office:office" xmlns:v="urn:schemas-microsoft-com:vml" xmlns:pvml="urn:schemas-microsoft-com:office:powerpoint" xmlns:com="http://schemas.openxmlformats.org/drawingml/2006/compatibility" xmlns:p14="http://schemas.microsoft.com/office/powerpoint/2010/main" xmlns:p15="http://schemas.microsoft.com/office/powerpoint/2012/main" xmlns:ahyp="http://schemas.microsoft.com/office/drawing/2018/hyperlinkcolor">
+  <p:cSld>
+    <p:spTree>
+      <p:nvGrpSpPr>
+        <p:cNvPr id="306" name="Shape 306"/>
+        <p:cNvGrpSpPr/>
+        <p:nvPr/>
+      </p:nvGrpSpPr>
+      <p:grpSpPr>
+        <a:xfrm>
+          <a:off x="0" y="0"/>
+          <a:ext cx="0" cy="0"/>
+          <a:chOff x="0" y="0"/>
+          <a:chExt cx="0" cy="0"/>
+        </a:xfrm>
+      </p:grpSpPr>
+      <p:sp>
+        <p:nvSpPr>
+          <p:cNvPr id="307" name="Google Shape;307;p49"/>
+          <p:cNvSpPr txBox="1"/>
+          <p:nvPr>
+            <p:ph type="title"/>
+          </p:nvPr>
+        </p:nvSpPr>
+        <p:spPr>
+          <a:xfrm>
+            <a:off x="387900" y="458025"/>
+            <a:ext cx="8368200" cy="686100"/>
+          </a:xfrm>
+          <a:prstGeom prst="rect">
+            <a:avLst/>
+          </a:prstGeom>
+        </p:spPr>
+        <p:txBody>
+          <a:bodyPr anchorCtr="0" anchor="b" bIns="91425" lIns="91425" spcFirstLastPara="1" rIns="91425" wrap="square" tIns="91425">
+            <a:normAutofit/>
+          </a:bodyPr>
+          <a:lstStyle/>
+          <a:p>
+            <a:pPr indent="0" lvl="0" marL="0" rtl="0" algn="l">
+              <a:spcBef>
+                <a:spcPts val="0"/>
+              </a:spcBef>
+              <a:spcAft>
+                <a:spcPts val="0"/>
+              </a:spcAft>
+              <a:buNone/>
+            </a:pPr>
+            <a:r>
+              <a:rPr lang="en"/>
+              <a:t>Types of Sample - Non Probability</a:t>
+            </a:r>
+            <a:endParaRPr/>
+          </a:p>
+        </p:txBody>
+      </p:sp>
+      <p:sp>
+        <p:nvSpPr>
+          <p:cNvPr id="308" name="Google Shape;308;p49"/>
+          <p:cNvSpPr txBox="1"/>
+          <p:nvPr>
+            <p:ph idx="1" type="body"/>
+          </p:nvPr>
+        </p:nvSpPr>
+        <p:spPr>
+          <a:xfrm>
+            <a:off x="387900" y="1489824"/>
+            <a:ext cx="8368200" cy="3078900"/>
+          </a:xfrm>
+          <a:prstGeom prst="rect">
+            <a:avLst/>
+          </a:prstGeom>
+        </p:spPr>
+        <p:txBody>
+          <a:bodyPr anchorCtr="0" anchor="t" bIns="91425" lIns="91425" spcFirstLastPara="1" rIns="91425" wrap="square" tIns="91425">
+            <a:normAutofit/>
+          </a:bodyPr>
+          <a:lstStyle/>
+          <a:p>
+            <a:pPr indent="0" lvl="0" marL="0" rtl="0" algn="l">
+              <a:spcBef>
+                <a:spcPts val="0"/>
+              </a:spcBef>
+              <a:spcAft>
+                <a:spcPts val="0"/>
+              </a:spcAft>
+              <a:buNone/>
+            </a:pPr>
+            <a:r>
+              <a:rPr b="1" lang="en"/>
+              <a:t>Non Probability Sampling</a:t>
+            </a:r>
+            <a:r>
+              <a:rPr lang="en"/>
+              <a:t>: Items are chosen without regard to their probability of </a:t>
+            </a:r>
+            <a:r>
+              <a:rPr lang="en"/>
+              <a:t>occurrence</a:t>
+            </a:r>
+            <a:endParaRPr/>
+          </a:p>
+          <a:p>
+            <a:pPr indent="0" lvl="0" marL="0" rtl="0" algn="l">
+              <a:spcBef>
+                <a:spcPts val="1200"/>
+              </a:spcBef>
+              <a:spcAft>
+                <a:spcPts val="0"/>
+              </a:spcAft>
+              <a:buNone/>
+            </a:pPr>
+            <a:r>
+              <a:rPr b="1" lang="en"/>
+              <a:t>Convenience</a:t>
+            </a:r>
+            <a:r>
+              <a:rPr lang="en"/>
+              <a:t>: Items are selected because they’re easy to sample</a:t>
+            </a:r>
+            <a:endParaRPr/>
+          </a:p>
+          <a:p>
+            <a:pPr indent="0" lvl="0" marL="0" rtl="0" algn="l">
+              <a:spcBef>
+                <a:spcPts val="1200"/>
+              </a:spcBef>
+              <a:spcAft>
+                <a:spcPts val="0"/>
+              </a:spcAft>
+              <a:buNone/>
+            </a:pPr>
+            <a:r>
+              <a:rPr b="1" lang="en"/>
+              <a:t>Judgment</a:t>
+            </a:r>
+            <a:r>
+              <a:rPr lang="en"/>
+              <a:t>: Items are sampled based on expert / domain knowledge</a:t>
+            </a:r>
+            <a:endParaRPr/>
+          </a:p>
+          <a:p>
+            <a:pPr indent="0" lvl="0" marL="0" rtl="0" algn="l">
+              <a:spcBef>
+                <a:spcPts val="1200"/>
+              </a:spcBef>
+              <a:spcAft>
+                <a:spcPts val="0"/>
+              </a:spcAft>
+              <a:buNone/>
+            </a:pPr>
+            <a:r>
+              <a:t/>
+            </a:r>
+            <a:endParaRPr/>
+          </a:p>
+          <a:p>
+            <a:pPr indent="0" lvl="0" marL="0" rtl="0" algn="l">
+              <a:spcBef>
+                <a:spcPts val="1200"/>
+              </a:spcBef>
+              <a:spcAft>
+                <a:spcPts val="1200"/>
+              </a:spcAft>
+              <a:buNone/>
+            </a:pPr>
+            <a:r>
+              <a:rPr lang="en"/>
+              <a:t>These are not good ways to sample!</a:t>
+            </a:r>
+            <a:endParaRPr/>
+          </a:p>
+        </p:txBody>
+      </p:sp>
+    </p:spTree>
+  </p:cSld>
+  <p:clrMapOvr>
+    <a:masterClrMapping/>
+  </p:clrMapOvr>
+  <p:timing>
+    <p:tnLst>
+      <p:par>
+        <p:cTn dur="indefinite" nodeType="tmRoot" restart="never">
+          <p:childTnLst>
+            <p:seq concurrent="1" nextAc="seek">
+              <p:cTn dur="indefinite" id="2" nodeType="mainSeq">
+                <p:childTnLst>
+                  <p:par>
+                    <p:cTn fill="hold">
+                      <p:stCondLst>
+                        <p:cond delay="indefinite"/>
+                      </p:stCondLst>
+                      <p:childTnLst>
+                        <p:par>
+                          <p:cTn fill="hold">
+                            <p:stCondLst>
+                              <p:cond delay="0"/>
+                            </p:stCondLst>
+                            <p:childTnLst>
+                              <p:par>
+                                <p:cTn fill="hold" nodeType="clickEffect" presetClass="entr" presetID="1" presetSubtype="0">
+                                  <p:stCondLst>
+                                    <p:cond delay="0"/>
+                                  </p:stCondLst>
+                                  <p:childTnLst>
+                                    <p:set>
+                                      <p:cBhvr>
+                                        <p:cTn dur="1" fill="hold">
+                                          <p:stCondLst>
+                                            <p:cond delay="0"/>
+                                          </p:stCondLst>
+                                        </p:cTn>
+                                        <p:tgtEl>
+                                          <p:spTgt spid="308">
+                                            <p:txEl>
+                                              <p:pRg end="0" st="0"/>
+                                            </p:txEl>
+                                          </p:spTgt>
+                                        </p:tgtEl>
+                                        <p:attrNameLst>
+                                          <p:attrName>style.visibility</p:attrName>
+                                        </p:attrNameLst>
+                                      </p:cBhvr>
+                                      <p:to>
+                                        <p:strVal val="visible"/>
+                                      </p:to>
+                                    </p:set>
+                                  </p:childTnLst>
+                                </p:cTn>
+                              </p:par>
+                            </p:childTnLst>
+                          </p:cTn>
+                        </p:par>
+                      </p:childTnLst>
+                    </p:cTn>
+                  </p:par>
+                  <p:par>
+                    <p:cTn fill="hold">
+                      <p:stCondLst>
+                        <p:cond delay="indefinite"/>
+                      </p:stCondLst>
+                      <p:childTnLst>
+                        <p:par>
+                          <p:cTn fill="hold">
+                            <p:stCondLst>
+                              <p:cond delay="0"/>
+                            </p:stCondLst>
+                            <p:childTnLst>
+                              <p:par>
+                                <p:cTn fill="hold" nodeType="clickEffect" presetClass="entr" presetID="1" presetSubtype="0">
+                                  <p:stCondLst>
+                                    <p:cond delay="0"/>
+                                  </p:stCondLst>
+                                  <p:childTnLst>
+                                    <p:set>
+                                      <p:cBhvr>
+                                        <p:cTn dur="1" fill="hold">
+                                          <p:stCondLst>
+                                            <p:cond delay="0"/>
+                                          </p:stCondLst>
+                                        </p:cTn>
+                                        <p:tgtEl>
+                                          <p:spTgt spid="308">
+                                            <p:txEl>
+                                              <p:pRg end="1" st="1"/>
+                                            </p:txEl>
+                                          </p:spTgt>
+                                        </p:tgtEl>
+                                        <p:attrNameLst>
+                                          <p:attrName>style.visibility</p:attrName>
+                                        </p:attrNameLst>
+                                      </p:cBhvr>
+                                      <p:to>
+                                        <p:strVal val="visible"/>
+                                      </p:to>
+                                    </p:set>
+                                  </p:childTnLst>
+                                </p:cTn>
+                              </p:par>
+                            </p:childTnLst>
+                          </p:cTn>
+                        </p:par>
+                      </p:childTnLst>
+                    </p:cTn>
+                  </p:par>
+                  <p:par>
+                    <p:cTn fill="hold">
+                      <p:stCondLst>
+                        <p:cond delay="indefinite"/>
+                      </p:stCondLst>
+                      <p:childTnLst>
+                        <p:par>
+                          <p:cTn fill="hold">
+                            <p:stCondLst>
+                              <p:cond delay="0"/>
+                            </p:stCondLst>
+                            <p:childTnLst>
+                              <p:par>
+                                <p:cTn fill="hold" nodeType="clickEffect" presetClass="entr" presetID="1" presetSubtype="0">
+                                  <p:stCondLst>
+                                    <p:cond delay="0"/>
+                                  </p:stCondLst>
+                                  <p:childTnLst>
+                                    <p:set>
+                                      <p:cBhvr>
+                                        <p:cTn dur="1" fill="hold">
+                                          <p:stCondLst>
+                                            <p:cond delay="0"/>
+                                          </p:stCondLst>
+                                        </p:cTn>
+                                        <p:tgtEl>
+                                          <p:spTgt spid="308">
+                                            <p:txEl>
+                                              <p:pRg end="2" st="2"/>
+                                            </p:txEl>
+                                          </p:spTgt>
+                                        </p:tgtEl>
+                                        <p:attrNameLst>
+                                          <p:attrName>style.visibility</p:attrName>
+                                        </p:attrNameLst>
+                                      </p:cBhvr>
+                                      <p:to>
+                                        <p:strVal val="visible"/>
+                                      </p:to>
+                                    </p:set>
+                                  </p:childTnLst>
+                                </p:cTn>
+                              </p:par>
+                            </p:childTnLst>
+                          </p:cTn>
+                        </p:par>
+                      </p:childTnLst>
+                    </p:cTn>
+                  </p:par>
+                  <p:par>
+                    <p:cTn fill="hold">
+                      <p:stCondLst>
+                        <p:cond delay="indefinite"/>
+                      </p:stCondLst>
+                      <p:childTnLst>
+                        <p:par>
+                          <p:cTn fill="hold">
+                            <p:stCondLst>
+                              <p:cond delay="0"/>
+                            </p:stCondLst>
+                            <p:childTnLst>
+                              <p:par>
+                                <p:cTn fill="hold" nodeType="clickEffect" presetClass="entr" presetID="1" presetSubtype="0">
+                                  <p:stCondLst>
+                                    <p:cond delay="0"/>
+                                  </p:stCondLst>
+                                  <p:childTnLst>
+                                    <p:set>
+                                      <p:cBhvr>
+                                        <p:cTn dur="1" fill="hold">
+                                          <p:stCondLst>
+                                            <p:cond delay="0"/>
+                                          </p:stCondLst>
+                                        </p:cTn>
+                                        <p:tgtEl>
+                                          <p:spTgt spid="308">
+                                            <p:txEl>
+                                              <p:pRg end="3" st="3"/>
+                                            </p:txEl>
+                                          </p:spTgt>
+                                        </p:tgtEl>
+                                        <p:attrNameLst>
+                                          <p:attrName>style.visibility</p:attrName>
+                                        </p:attrNameLst>
+                                      </p:cBhvr>
+                                      <p:to>
+                                        <p:strVal val="visible"/>
+                                      </p:to>
+                                    </p:set>
+                                  </p:childTnLst>
+                                </p:cTn>
+                              </p:par>
+                            </p:childTnLst>
+                          </p:cTn>
+                        </p:par>
+                      </p:childTnLst>
+                    </p:cTn>
+                  </p:par>
+                  <p:par>
+                    <p:cTn fill="hold">
+                      <p:stCondLst>
+                        <p:cond delay="indefinite"/>
+                      </p:stCondLst>
+                      <p:childTnLst>
+                        <p:par>
+                          <p:cTn fill="hold">
+                            <p:stCondLst>
+                              <p:cond delay="0"/>
+                            </p:stCondLst>
+                            <p:childTnLst>
+                              <p:par>
+                                <p:cTn fill="hold" nodeType="clickEffect" presetClass="entr" presetID="1" presetSubtype="0">
+                                  <p:stCondLst>
+                                    <p:cond delay="0"/>
+                                  </p:stCondLst>
+                                  <p:childTnLst>
+                                    <p:set>
+                                      <p:cBhvr>
+                                        <p:cTn dur="1" fill="hold">
+                                          <p:stCondLst>
+                                            <p:cond delay="0"/>
+                                          </p:stCondLst>
+                                        </p:cTn>
+                                        <p:tgtEl>
+                                          <p:spTgt spid="308">
+                                            <p:txEl>
+                                              <p:pRg end="4" st="4"/>
+                                            </p:txEl>
+                                          </p:spTgt>
+                                        </p:tgtEl>
+                                        <p:attrNameLst>
+                                          <p:attrName>style.visibility</p:attrName>
+                                        </p:attrNameLst>
+                                      </p:cBhvr>
+                                      <p:to>
+                                        <p:strVal val="visible"/>
+                                      </p:to>
+                                    </p:set>
+                                  </p:childTnLst>
+                                </p:cTn>
+                              </p:par>
+                            </p:childTnLst>
+                          </p:cTn>
+                        </p:par>
+                      </p:childTnLst>
+                    </p:cTn>
+                  </p:par>
+                </p:childTnLst>
+              </p:cTn>
+              <p:prevCondLst>
+                <p:cond evt="onPrev">
+                  <p:tgtEl>
+                    <p:sldTgt/>
+                  </p:tgtEl>
+                </p:cond>
+              </p:prevCondLst>
+              <p:nextCondLst>
+                <p:cond evt="onNext">
+                  <p:tgtEl>
+                    <p:sldTgt/>
+                  </p:tgtEl>
+                </p:cond>
+              </p:nextCondLst>
+            </p:seq>
+          </p:childTnLst>
+        </p:cTn>
+      </p:par>
+    </p:tnLst>
+  </p:timing>
+</p:sld>
+</file>
+
+<file path=ppt/slides/slide38.xml><?xml version="1.0" encoding="utf-8"?>
+<p:sld xmlns:a="http://schemas.openxmlformats.org/drawingml/2006/main" xmlns:r="http://schemas.openxmlformats.org/officeDocument/2006/relationships" xmlns:mc="http://schemas.openxmlformats.org/markup-compatibility/2006" xmlns:mv="urn:schemas-microsoft-com:mac:vml" xmlns:p="http://schemas.openxmlformats.org/presentationml/2006/main" xmlns:c="http://schemas.openxmlformats.org/drawingml/2006/chart" xmlns:dgm="http://schemas.openxmlformats.org/drawingml/2006/diagram" xmlns:o="urn:schemas-microsoft-com:office:office" xmlns:v="urn:schemas-microsoft-com:vml" xmlns:pvml="urn:schemas-microsoft-com:office:powerpoint" xmlns:com="http://schemas.openxmlformats.org/drawingml/2006/compatibility" xmlns:p14="http://schemas.microsoft.com/office/powerpoint/2010/main" xmlns:p15="http://schemas.microsoft.com/office/powerpoint/2012/main" xmlns:ahyp="http://schemas.microsoft.com/office/drawing/2018/hyperlinkcolor">
+  <p:cSld>
+    <p:spTree>
+      <p:nvGrpSpPr>
+        <p:cNvPr id="312" name="Shape 312"/>
+        <p:cNvGrpSpPr/>
+        <p:nvPr/>
+      </p:nvGrpSpPr>
+      <p:grpSpPr>
+        <a:xfrm>
+          <a:off x="0" y="0"/>
+          <a:ext cx="0" cy="0"/>
+          <a:chOff x="0" y="0"/>
+          <a:chExt cx="0" cy="0"/>
+        </a:xfrm>
+      </p:grpSpPr>
+      <p:sp>
+        <p:nvSpPr>
+          <p:cNvPr id="313" name="Google Shape;313;p50"/>
+          <p:cNvSpPr txBox="1"/>
+          <p:nvPr>
+            <p:ph type="title"/>
+          </p:nvPr>
+        </p:nvSpPr>
+        <p:spPr>
+          <a:xfrm>
+            <a:off x="387900" y="458025"/>
+            <a:ext cx="8368200" cy="686100"/>
+          </a:xfrm>
+          <a:prstGeom prst="rect">
+            <a:avLst/>
+          </a:prstGeom>
+        </p:spPr>
+        <p:txBody>
+          <a:bodyPr anchorCtr="0" anchor="b" bIns="91425" lIns="91425" spcFirstLastPara="1" rIns="91425" wrap="square" tIns="91425">
+            <a:normAutofit/>
+          </a:bodyPr>
+          <a:lstStyle/>
+          <a:p>
+            <a:pPr indent="0" lvl="0" marL="0" rtl="0" algn="l">
+              <a:spcBef>
+                <a:spcPts val="0"/>
+              </a:spcBef>
+              <a:spcAft>
+                <a:spcPts val="0"/>
+              </a:spcAft>
+              <a:buNone/>
+            </a:pPr>
+            <a:r>
+              <a:rPr lang="en"/>
+              <a:t>Types of Sample - Probability</a:t>
+            </a:r>
+            <a:endParaRPr/>
+          </a:p>
+        </p:txBody>
+      </p:sp>
+      <p:sp>
+        <p:nvSpPr>
+          <p:cNvPr id="314" name="Google Shape;314;p50"/>
+          <p:cNvSpPr txBox="1"/>
+          <p:nvPr>
+            <p:ph idx="1" type="body"/>
+          </p:nvPr>
+        </p:nvSpPr>
+        <p:spPr>
+          <a:xfrm>
+            <a:off x="387900" y="1489824"/>
+            <a:ext cx="8368200" cy="3078900"/>
+          </a:xfrm>
+          <a:prstGeom prst="rect">
+            <a:avLst/>
+          </a:prstGeom>
+        </p:spPr>
+        <p:txBody>
+          <a:bodyPr anchorCtr="0" anchor="t" bIns="91425" lIns="91425" spcFirstLastPara="1" rIns="91425" wrap="square" tIns="91425">
+            <a:normAutofit/>
+          </a:bodyPr>
+          <a:lstStyle/>
+          <a:p>
+            <a:pPr indent="0" lvl="0" marL="0" rtl="0" algn="l">
+              <a:spcBef>
+                <a:spcPts val="0"/>
+              </a:spcBef>
+              <a:spcAft>
+                <a:spcPts val="0"/>
+              </a:spcAft>
+              <a:buNone/>
+            </a:pPr>
+            <a:r>
+              <a:rPr b="1" lang="en"/>
+              <a:t>Probability Sampling</a:t>
+            </a:r>
+            <a:r>
+              <a:rPr lang="en"/>
+              <a:t>: Sampling based on known probabilities</a:t>
+            </a:r>
+            <a:endParaRPr/>
+          </a:p>
+          <a:p>
+            <a:pPr indent="0" lvl="0" marL="0" rtl="0" algn="l">
+              <a:spcBef>
+                <a:spcPts val="1200"/>
+              </a:spcBef>
+              <a:spcAft>
+                <a:spcPts val="0"/>
+              </a:spcAft>
+              <a:buNone/>
+            </a:pPr>
+            <a:r>
+              <a:rPr b="1" lang="en"/>
+              <a:t>Simple Probability: </a:t>
+            </a:r>
+            <a:r>
+              <a:rPr lang="en"/>
+              <a:t>Each element has an equal chance of being selected (w/ or w/o replacement)</a:t>
+            </a:r>
+            <a:endParaRPr/>
+          </a:p>
+          <a:p>
+            <a:pPr indent="0" lvl="0" marL="0" rtl="0" algn="l">
+              <a:spcBef>
+                <a:spcPts val="1200"/>
+              </a:spcBef>
+              <a:spcAft>
+                <a:spcPts val="0"/>
+              </a:spcAft>
+              <a:buNone/>
+            </a:pPr>
+            <a:r>
+              <a:rPr b="1" lang="en"/>
+              <a:t>Systematic: </a:t>
+            </a:r>
+            <a:r>
+              <a:rPr lang="en"/>
+              <a:t>Select every n’th member of a population after a random start</a:t>
+            </a:r>
+            <a:endParaRPr/>
+          </a:p>
+          <a:p>
+            <a:pPr indent="0" lvl="0" marL="0" rtl="0" algn="l">
+              <a:spcBef>
+                <a:spcPts val="1200"/>
+              </a:spcBef>
+              <a:spcAft>
+                <a:spcPts val="1200"/>
+              </a:spcAft>
+              <a:buNone/>
+            </a:pPr>
+            <a:r>
+              <a:rPr b="1" lang="en"/>
+              <a:t>Stratified: </a:t>
+            </a:r>
+            <a:r>
+              <a:rPr lang="en"/>
+              <a:t>Divide the population into homogeneous subgroups called “strata”, then randomly sample from each stratum.  Used to make sure samples are representative</a:t>
+            </a:r>
+            <a:endParaRPr/>
+          </a:p>
+        </p:txBody>
+      </p:sp>
+    </p:spTree>
+  </p:cSld>
+  <p:clrMapOvr>
+    <a:masterClrMapping/>
+  </p:clrMapOvr>
+  <p:timing>
+    <p:tnLst>
+      <p:par>
+        <p:cTn dur="indefinite" nodeType="tmRoot" restart="never">
+          <p:childTnLst>
+            <p:seq concurrent="1" nextAc="seek">
+              <p:cTn dur="indefinite" id="2" nodeType="mainSeq">
+                <p:childTnLst>
+                  <p:par>
+                    <p:cTn fill="hold">
+                      <p:stCondLst>
+                        <p:cond delay="indefinite"/>
+                      </p:stCondLst>
+                      <p:childTnLst>
+                        <p:par>
+                          <p:cTn fill="hold">
+                            <p:stCondLst>
+                              <p:cond delay="0"/>
+                            </p:stCondLst>
+                            <p:childTnLst>
+                              <p:par>
+                                <p:cTn fill="hold" nodeType="clickEffect" presetClass="entr" presetID="1" presetSubtype="0">
+                                  <p:stCondLst>
+                                    <p:cond delay="0"/>
+                                  </p:stCondLst>
+                                  <p:childTnLst>
+                                    <p:set>
+                                      <p:cBhvr>
+                                        <p:cTn dur="1" fill="hold">
+                                          <p:stCondLst>
+                                            <p:cond delay="0"/>
+                                          </p:stCondLst>
+                                        </p:cTn>
+                                        <p:tgtEl>
+                                          <p:spTgt spid="314">
+                                            <p:txEl>
+                                              <p:pRg end="0" st="0"/>
+                                            </p:txEl>
+                                          </p:spTgt>
+                                        </p:tgtEl>
+                                        <p:attrNameLst>
+                                          <p:attrName>style.visibility</p:attrName>
+                                        </p:attrNameLst>
+                                      </p:cBhvr>
+                                      <p:to>
+                                        <p:strVal val="visible"/>
+                                      </p:to>
+                                    </p:set>
+                                  </p:childTnLst>
+                                </p:cTn>
+                              </p:par>
+                            </p:childTnLst>
+                          </p:cTn>
+                        </p:par>
+                      </p:childTnLst>
+                    </p:cTn>
+                  </p:par>
+                  <p:par>
+                    <p:cTn fill="hold">
+                      <p:stCondLst>
+                        <p:cond delay="indefinite"/>
+                      </p:stCondLst>
+                      <p:childTnLst>
+                        <p:par>
+                          <p:cTn fill="hold">
+                            <p:stCondLst>
+                              <p:cond delay="0"/>
+                            </p:stCondLst>
+                            <p:childTnLst>
+                              <p:par>
+                                <p:cTn fill="hold" nodeType="clickEffect" presetClass="entr" presetID="1" presetSubtype="0">
+                                  <p:stCondLst>
+                                    <p:cond delay="0"/>
+                                  </p:stCondLst>
+                                  <p:childTnLst>
+                                    <p:set>
+                                      <p:cBhvr>
+                                        <p:cTn dur="1" fill="hold">
+                                          <p:stCondLst>
+                                            <p:cond delay="0"/>
+                                          </p:stCondLst>
+                                        </p:cTn>
+                                        <p:tgtEl>
+                                          <p:spTgt spid="314">
+                                            <p:txEl>
+                                              <p:pRg end="1" st="1"/>
+                                            </p:txEl>
+                                          </p:spTgt>
+                                        </p:tgtEl>
+                                        <p:attrNameLst>
+                                          <p:attrName>style.visibility</p:attrName>
+                                        </p:attrNameLst>
+                                      </p:cBhvr>
+                                      <p:to>
+                                        <p:strVal val="visible"/>
+                                      </p:to>
+                                    </p:set>
+                                  </p:childTnLst>
+                                </p:cTn>
+                              </p:par>
+                            </p:childTnLst>
+                          </p:cTn>
+                        </p:par>
+                      </p:childTnLst>
+                    </p:cTn>
+                  </p:par>
+                  <p:par>
+                    <p:cTn fill="hold">
+                      <p:stCondLst>
+                        <p:cond delay="indefinite"/>
+                      </p:stCondLst>
+                      <p:childTnLst>
+                        <p:par>
+                          <p:cTn fill="hold">
+                            <p:stCondLst>
+                              <p:cond delay="0"/>
+                            </p:stCondLst>
+                            <p:childTnLst>
+                              <p:par>
+                                <p:cTn fill="hold" nodeType="clickEffect" presetClass="entr" presetID="1" presetSubtype="0">
+                                  <p:stCondLst>
+                                    <p:cond delay="0"/>
+                                  </p:stCondLst>
+                                  <p:childTnLst>
+                                    <p:set>
+                                      <p:cBhvr>
+                                        <p:cTn dur="1" fill="hold">
+                                          <p:stCondLst>
+                                            <p:cond delay="0"/>
+                                          </p:stCondLst>
+                                        </p:cTn>
+                                        <p:tgtEl>
+                                          <p:spTgt spid="314">
+                                            <p:txEl>
+                                              <p:pRg end="2" st="2"/>
+                                            </p:txEl>
+                                          </p:spTgt>
+                                        </p:tgtEl>
+                                        <p:attrNameLst>
+                                          <p:attrName>style.visibility</p:attrName>
+                                        </p:attrNameLst>
+                                      </p:cBhvr>
+                                      <p:to>
+                                        <p:strVal val="visible"/>
+                                      </p:to>
+                                    </p:set>
+                                  </p:childTnLst>
+                                </p:cTn>
+                              </p:par>
+                            </p:childTnLst>
+                          </p:cTn>
+                        </p:par>
+                      </p:childTnLst>
+                    </p:cTn>
+                  </p:par>
+                  <p:par>
+                    <p:cTn fill="hold">
+                      <p:stCondLst>
+                        <p:cond delay="indefinite"/>
+                      </p:stCondLst>
+                      <p:childTnLst>
+                        <p:par>
+                          <p:cTn fill="hold">
+                            <p:stCondLst>
+                              <p:cond delay="0"/>
+                            </p:stCondLst>
+                            <p:childTnLst>
+                              <p:par>
+                                <p:cTn fill="hold" nodeType="clickEffect" presetClass="entr" presetID="1" presetSubtype="0">
+                                  <p:stCondLst>
+                                    <p:cond delay="0"/>
+                                  </p:stCondLst>
+                                  <p:childTnLst>
+                                    <p:set>
+                                      <p:cBhvr>
+                                        <p:cTn dur="1" fill="hold">
+                                          <p:stCondLst>
+                                            <p:cond delay="0"/>
+                                          </p:stCondLst>
+                                        </p:cTn>
+                                        <p:tgtEl>
+                                          <p:spTgt spid="314">
+                                            <p:txEl>
+                                              <p:pRg end="3" st="3"/>
+                                            </p:txEl>
+                                          </p:spTgt>
+                                        </p:tgtEl>
+                                        <p:attrNameLst>
+                                          <p:attrName>style.visibility</p:attrName>
+                                        </p:attrNameLst>
+                                      </p:cBhvr>
+                                      <p:to>
+                                        <p:strVal val="visible"/>
+                                      </p:to>
+                                    </p:set>
+                                  </p:childTnLst>
+                                </p:cTn>
+                              </p:par>
+                            </p:childTnLst>
+                          </p:cTn>
+                        </p:par>
+                      </p:childTnLst>
+                    </p:cTn>
+                  </p:par>
+                </p:childTnLst>
+              </p:cTn>
+              <p:prevCondLst>
+                <p:cond evt="onPrev">
+                  <p:tgtEl>
+                    <p:sldTgt/>
+                  </p:tgtEl>
+                </p:cond>
+              </p:prevCondLst>
+              <p:nextCondLst>
+                <p:cond evt="onNext">
+                  <p:tgtEl>
+                    <p:sldTgt/>
+                  </p:tgtEl>
+                </p:cond>
+              </p:nextCondLst>
+            </p:seq>
+          </p:childTnLst>
+        </p:cTn>
+      </p:par>
+    </p:tnLst>
+  </p:timing>
+</p:sld>
+</file>
+
+<file path=ppt/slides/slide39.xml><?xml version="1.0" encoding="utf-8"?>
+<p:sld xmlns:a="http://schemas.openxmlformats.org/drawingml/2006/main" xmlns:r="http://schemas.openxmlformats.org/officeDocument/2006/relationships" xmlns:mc="http://schemas.openxmlformats.org/markup-compatibility/2006" xmlns:mv="urn:schemas-microsoft-com:mac:vml" xmlns:p="http://schemas.openxmlformats.org/presentationml/2006/main" xmlns:c="http://schemas.openxmlformats.org/drawingml/2006/chart" xmlns:dgm="http://schemas.openxmlformats.org/drawingml/2006/diagram" xmlns:o="urn:schemas-microsoft-com:office:office" xmlns:v="urn:schemas-microsoft-com:vml" xmlns:pvml="urn:schemas-microsoft-com:office:powerpoint" xmlns:com="http://schemas.openxmlformats.org/drawingml/2006/compatibility" xmlns:p14="http://schemas.microsoft.com/office/powerpoint/2010/main" xmlns:p15="http://schemas.microsoft.com/office/powerpoint/2012/main" xmlns:ahyp="http://schemas.microsoft.com/office/drawing/2018/hyperlinkcolor">
+  <p:cSld>
+    <p:spTree>
+      <p:nvGrpSpPr>
+        <p:cNvPr id="318" name="Shape 318"/>
+        <p:cNvGrpSpPr/>
+        <p:nvPr/>
+      </p:nvGrpSpPr>
+      <p:grpSpPr>
+        <a:xfrm>
+          <a:off x="0" y="0"/>
+          <a:ext cx="0" cy="0"/>
+          <a:chOff x="0" y="0"/>
+          <a:chExt cx="0" cy="0"/>
+        </a:xfrm>
+      </p:grpSpPr>
+      <p:sp>
+        <p:nvSpPr>
+          <p:cNvPr id="319" name="Google Shape;319;p51"/>
+          <p:cNvSpPr txBox="1"/>
+          <p:nvPr>
+            <p:ph type="title"/>
+          </p:nvPr>
+        </p:nvSpPr>
+        <p:spPr>
+          <a:xfrm>
+            <a:off x="387900" y="458025"/>
+            <a:ext cx="8368200" cy="686100"/>
+          </a:xfrm>
+          <a:prstGeom prst="rect">
+            <a:avLst/>
+          </a:prstGeom>
+        </p:spPr>
+        <p:txBody>
+          <a:bodyPr anchorCtr="0" anchor="b" bIns="91425" lIns="91425" spcFirstLastPara="1" rIns="91425" wrap="square" tIns="91425">
+            <a:normAutofit/>
+          </a:bodyPr>
+          <a:lstStyle/>
+          <a:p>
+            <a:pPr indent="0" lvl="0" marL="0" rtl="0" algn="l">
+              <a:spcBef>
+                <a:spcPts val="0"/>
+              </a:spcBef>
+              <a:spcAft>
+                <a:spcPts val="0"/>
+              </a:spcAft>
+              <a:buNone/>
+            </a:pPr>
+            <a:r>
+              <a:rPr lang="en"/>
+              <a:t>So, what exactly is a statistic?</a:t>
+            </a:r>
+            <a:endParaRPr/>
+          </a:p>
+        </p:txBody>
+      </p:sp>
+      <p:sp>
+        <p:nvSpPr>
+          <p:cNvPr id="320" name="Google Shape;320;p51"/>
+          <p:cNvSpPr txBox="1"/>
+          <p:nvPr>
+            <p:ph idx="1" type="body"/>
+          </p:nvPr>
+        </p:nvSpPr>
+        <p:spPr>
+          <a:xfrm>
+            <a:off x="387900" y="1489824"/>
+            <a:ext cx="8368200" cy="3078900"/>
+          </a:xfrm>
+          <a:prstGeom prst="rect">
+            <a:avLst/>
+          </a:prstGeom>
+        </p:spPr>
+        <p:txBody>
+          <a:bodyPr anchorCtr="0" anchor="t" bIns="91425" lIns="91425" spcFirstLastPara="1" rIns="91425" wrap="square" tIns="91425">
+            <a:normAutofit/>
+          </a:bodyPr>
+          <a:lstStyle/>
+          <a:p>
+            <a:pPr indent="0" lvl="0" marL="0" rtl="0" algn="l">
+              <a:spcBef>
+                <a:spcPts val="0"/>
+              </a:spcBef>
+              <a:spcAft>
+                <a:spcPts val="0"/>
+              </a:spcAft>
+              <a:buNone/>
+            </a:pPr>
+            <a:r>
+              <a:rPr lang="en"/>
+              <a:t>When a number is used to </a:t>
+            </a:r>
+            <a:r>
+              <a:rPr lang="en"/>
+              <a:t>summarize</a:t>
+            </a:r>
+            <a:r>
+              <a:rPr lang="en"/>
+              <a:t> an aspect of a population, it is called a </a:t>
+            </a:r>
+            <a:r>
+              <a:rPr b="1" lang="en"/>
+              <a:t>parameter</a:t>
+            </a:r>
+            <a:r>
+              <a:rPr lang="en"/>
+              <a:t>.</a:t>
+            </a:r>
+            <a:endParaRPr/>
+          </a:p>
+          <a:p>
+            <a:pPr indent="0" lvl="0" marL="0" rtl="0" algn="l">
+              <a:spcBef>
+                <a:spcPts val="1200"/>
+              </a:spcBef>
+              <a:spcAft>
+                <a:spcPts val="0"/>
+              </a:spcAft>
+              <a:buNone/>
+            </a:pPr>
+            <a:r>
+              <a:rPr lang="en"/>
+              <a:t>When a number is used to summarize an aspect of a sample, it is called a </a:t>
+            </a:r>
+            <a:r>
+              <a:rPr b="1" lang="en"/>
+              <a:t>statistic</a:t>
+            </a:r>
+            <a:r>
+              <a:rPr lang="en"/>
+              <a:t>.</a:t>
+            </a:r>
+            <a:endParaRPr/>
+          </a:p>
+          <a:p>
+            <a:pPr indent="0" lvl="0" marL="0" rtl="0" algn="l">
+              <a:spcBef>
+                <a:spcPts val="1200"/>
+              </a:spcBef>
+              <a:spcAft>
+                <a:spcPts val="0"/>
+              </a:spcAft>
+              <a:buNone/>
+            </a:pPr>
+            <a:r>
+              <a:t/>
+            </a:r>
+            <a:endParaRPr/>
+          </a:p>
+          <a:p>
+            <a:pPr indent="0" lvl="0" marL="0" rtl="0" algn="l">
+              <a:spcBef>
+                <a:spcPts val="1200"/>
+              </a:spcBef>
+              <a:spcAft>
+                <a:spcPts val="1200"/>
+              </a:spcAft>
+              <a:buNone/>
+            </a:pPr>
+            <a:r>
+              <a:t/>
+            </a:r>
+            <a:endParaRPr/>
+          </a:p>
+        </p:txBody>
+      </p:sp>
+    </p:spTree>
+  </p:cSld>
+  <p:clrMapOvr>
+    <a:masterClrMapping/>
+  </p:clrMapOvr>
+  <p:timing>
+    <p:tnLst>
+      <p:par>
+        <p:cTn dur="indefinite" nodeType="tmRoot" restart="never">
+          <p:childTnLst>
+            <p:seq concurrent="1" nextAc="seek">
+              <p:cTn dur="indefinite" id="2" nodeType="mainSeq">
+                <p:childTnLst>
+                  <p:par>
+                    <p:cTn fill="hold">
+                      <p:stCondLst>
+                        <p:cond delay="indefinite"/>
+                      </p:stCondLst>
+                      <p:childTnLst>
+                        <p:par>
+                          <p:cTn fill="hold">
+                            <p:stCondLst>
+                              <p:cond delay="0"/>
+                            </p:stCondLst>
+                            <p:childTnLst>
+                              <p:par>
+                                <p:cTn fill="hold" nodeType="clickEffect" presetClass="entr" presetID="1" presetSubtype="0">
+                                  <p:stCondLst>
+                                    <p:cond delay="0"/>
+                                  </p:stCondLst>
+                                  <p:childTnLst>
+                                    <p:set>
+                                      <p:cBhvr>
+                                        <p:cTn dur="1" fill="hold">
+                                          <p:stCondLst>
+                                            <p:cond delay="0"/>
+                                          </p:stCondLst>
+                                        </p:cTn>
+                                        <p:tgtEl>
+                                          <p:spTgt spid="320">
+                                            <p:txEl>
+                                              <p:pRg end="0" st="0"/>
+                                            </p:txEl>
+                                          </p:spTgt>
+                                        </p:tgtEl>
+                                        <p:attrNameLst>
+                                          <p:attrName>style.visibility</p:attrName>
+                                        </p:attrNameLst>
+                                      </p:cBhvr>
+                                      <p:to>
+                                        <p:strVal val="visible"/>
+                                      </p:to>
+                                    </p:set>
+                                  </p:childTnLst>
+                                </p:cTn>
+                              </p:par>
+                            </p:childTnLst>
+                          </p:cTn>
+                        </p:par>
+                      </p:childTnLst>
+                    </p:cTn>
+                  </p:par>
+                  <p:par>
+                    <p:cTn fill="hold">
+                      <p:stCondLst>
+                        <p:cond delay="indefinite"/>
+                      </p:stCondLst>
+                      <p:childTnLst>
+                        <p:par>
+                          <p:cTn fill="hold">
+                            <p:stCondLst>
+                              <p:cond delay="0"/>
+                            </p:stCondLst>
+                            <p:childTnLst>
+                              <p:par>
+                                <p:cTn fill="hold" nodeType="clickEffect" presetClass="entr" presetID="1" presetSubtype="0">
+                                  <p:stCondLst>
+                                    <p:cond delay="0"/>
+                                  </p:stCondLst>
+                                  <p:childTnLst>
+                                    <p:set>
+                                      <p:cBhvr>
+                                        <p:cTn dur="1" fill="hold">
+                                          <p:stCondLst>
+                                            <p:cond delay="0"/>
+                                          </p:stCondLst>
+                                        </p:cTn>
+                                        <p:tgtEl>
+                                          <p:spTgt spid="320">
+                                            <p:txEl>
+                                              <p:pRg end="1" st="1"/>
+                                            </p:txEl>
+                                          </p:spTgt>
+                                        </p:tgtEl>
+                                        <p:attrNameLst>
+                                          <p:attrName>style.visibility</p:attrName>
+                                        </p:attrNameLst>
+                                      </p:cBhvr>
+                                      <p:to>
+                                        <p:strVal val="visible"/>
+                                      </p:to>
+                                    </p:set>
+                                  </p:childTnLst>
+                                </p:cTn>
+                              </p:par>
+                            </p:childTnLst>
+                          </p:cTn>
+                        </p:par>
+                      </p:childTnLst>
+                    </p:cTn>
+                  </p:par>
+                  <p:par>
+                    <p:cTn fill="hold">
+                      <p:stCondLst>
+                        <p:cond delay="indefinite"/>
+                      </p:stCondLst>
+                      <p:childTnLst>
+                        <p:par>
+                          <p:cTn fill="hold">
+                            <p:stCondLst>
+                              <p:cond delay="0"/>
+                            </p:stCondLst>
+                            <p:childTnLst>
+                              <p:par>
+                                <p:cTn fill="hold" nodeType="clickEffect" presetClass="entr" presetID="1" presetSubtype="0">
+                                  <p:stCondLst>
+                                    <p:cond delay="0"/>
+                                  </p:stCondLst>
+                                  <p:childTnLst>
+                                    <p:set>
+                                      <p:cBhvr>
+                                        <p:cTn dur="1" fill="hold">
+                                          <p:stCondLst>
+                                            <p:cond delay="0"/>
+                                          </p:stCondLst>
+                                        </p:cTn>
+                                        <p:tgtEl>
+                                          <p:spTgt spid="320">
+                                            <p:txEl>
+                                              <p:pRg end="2" st="2"/>
+                                            </p:txEl>
+                                          </p:spTgt>
+                                        </p:tgtEl>
+                                        <p:attrNameLst>
+                                          <p:attrName>style.visibility</p:attrName>
+                                        </p:attrNameLst>
+                                      </p:cBhvr>
+                                      <p:to>
+                                        <p:strVal val="visible"/>
+                                      </p:to>
+                                    </p:set>
+                                  </p:childTnLst>
+                                </p:cTn>
+                              </p:par>
+                            </p:childTnLst>
+                          </p:cTn>
+                        </p:par>
+                      </p:childTnLst>
+                    </p:cTn>
+                  </p:par>
+                  <p:par>
+                    <p:cTn fill="hold">
+                      <p:stCondLst>
+                        <p:cond delay="indefinite"/>
+                      </p:stCondLst>
+                      <p:childTnLst>
+                        <p:par>
+                          <p:cTn fill="hold">
+                            <p:stCondLst>
+                              <p:cond delay="0"/>
+                            </p:stCondLst>
+                            <p:childTnLst>
+                              <p:par>
+                                <p:cTn fill="hold" nodeType="clickEffect" presetClass="entr" presetID="1" presetSubtype="0">
+                                  <p:stCondLst>
+                                    <p:cond delay="0"/>
+                                  </p:stCondLst>
+                                  <p:childTnLst>
+                                    <p:set>
+                                      <p:cBhvr>
+                                        <p:cTn dur="1" fill="hold">
+                                          <p:stCondLst>
+                                            <p:cond delay="0"/>
+                                          </p:stCondLst>
+                                        </p:cTn>
+                                        <p:tgtEl>
+                                          <p:spTgt spid="320">
+                                            <p:txEl>
+                                              <p:pRg end="3" st="3"/>
+                                            </p:txEl>
+                                          </p:spTgt>
+                                        </p:tgtEl>
+                                        <p:attrNameLst>
+                                          <p:attrName>style.visibility</p:attrName>
+                                        </p:attrNameLst>
+                                      </p:cBhvr>
+                                      <p:to>
+                                        <p:strVal val="visible"/>
+                                      </p:to>
+                                    </p:set>
+                                  </p:childTnLst>
+                                </p:cTn>
+                              </p:par>
+                            </p:childTnLst>
+                          </p:cTn>
+                        </p:par>
+                      </p:childTnLst>
+                    </p:cTn>
+                  </p:par>
+                </p:childTnLst>
+              </p:cTn>
+              <p:prevCondLst>
+                <p:cond evt="onPrev">
+                  <p:tgtEl>
+                    <p:sldTgt/>
+                  </p:tgtEl>
+                </p:cond>
+              </p:prevCondLst>
+              <p:nextCondLst>
+                <p:cond evt="onNext">
+                  <p:tgtEl>
+                    <p:sldTgt/>
+                  </p:tgtEl>
+                </p:cond>
+              </p:nextCondLst>
+            </p:seq>
+          </p:childTnLst>
+        </p:cTn>
+      </p:par>
+    </p:tnLst>
+  </p:timing>
+</p:sld>
+</file>
+
 <file path=ppt/slides/slide4.xml><?xml version="1.0" encoding="utf-8"?>
 <p:sld xmlns:a="http://schemas.openxmlformats.org/drawingml/2006/main" xmlns:r="http://schemas.openxmlformats.org/officeDocument/2006/relationships" xmlns:mc="http://schemas.openxmlformats.org/markup-compatibility/2006" xmlns:mv="urn:schemas-microsoft-com:mac:vml" xmlns:p="http://schemas.openxmlformats.org/presentationml/2006/main" xmlns:c="http://schemas.openxmlformats.org/drawingml/2006/chart" xmlns:dgm="http://schemas.openxmlformats.org/drawingml/2006/diagram" xmlns:o="urn:schemas-microsoft-com:office:office" xmlns:v="urn:schemas-microsoft-com:vml" xmlns:pvml="urn:schemas-microsoft-com:office:powerpoint" xmlns:com="http://schemas.openxmlformats.org/drawingml/2006/compatibility" xmlns:p14="http://schemas.microsoft.com/office/powerpoint/2010/main" xmlns:p15="http://schemas.microsoft.com/office/powerpoint/2012/main" xmlns:ahyp="http://schemas.microsoft.com/office/drawing/2018/hyperlinkcolor">
   <p:cSld>
@@ -19779,7 +23440,7 @@
             <a:tbl>
               <a:tblPr>
                 <a:noFill/>
-                <a:tableStyleId>{FBEAD5BC-E3A4-4ACA-AAB9-D6E915E4D777}</a:tableStyleId>
+                <a:tableStyleId>{6D48664A-4ADC-41C1-A944-C862199D4479}</a:tableStyleId>
               </a:tblPr>
               <a:tblGrid>
                 <a:gridCol w="1447800"/>
@@ -20719,7 +24380,7 @@
             <a:tbl>
               <a:tblPr>
                 <a:noFill/>
-                <a:tableStyleId>{FBEAD5BC-E3A4-4ACA-AAB9-D6E915E4D777}</a:tableStyleId>
+                <a:tableStyleId>{6D48664A-4ADC-41C1-A944-C862199D4479}</a:tableStyleId>
               </a:tblPr>
               <a:tblGrid>
                 <a:gridCol w="1447800"/>
@@ -21667,7 +25328,7 @@
             <a:tbl>
               <a:tblPr>
                 <a:noFill/>
-                <a:tableStyleId>{FBEAD5BC-E3A4-4ACA-AAB9-D6E915E4D777}</a:tableStyleId>
+                <a:tableStyleId>{6D48664A-4ADC-41C1-A944-C862199D4479}</a:tableStyleId>
               </a:tblPr>
               <a:tblGrid>
                 <a:gridCol w="1447800"/>
@@ -22540,7 +26201,7 @@
             <a:tbl>
               <a:tblPr>
                 <a:noFill/>
-                <a:tableStyleId>{FBEAD5BC-E3A4-4ACA-AAB9-D6E915E4D777}</a:tableStyleId>
+                <a:tableStyleId>{6D48664A-4ADC-41C1-A944-C862199D4479}</a:tableStyleId>
               </a:tblPr>
               <a:tblGrid>
                 <a:gridCol w="1879225"/>
@@ -22914,7 +26575,7 @@
             <a:tbl>
               <a:tblPr>
                 <a:noFill/>
-                <a:tableStyleId>{FBEAD5BC-E3A4-4ACA-AAB9-D6E915E4D777}</a:tableStyleId>
+                <a:tableStyleId>{6D48664A-4ADC-41C1-A944-C862199D4479}</a:tableStyleId>
               </a:tblPr>
               <a:tblGrid>
                 <a:gridCol w="1879225"/>
@@ -23288,7 +26949,7 @@
             <a:tbl>
               <a:tblPr>
                 <a:noFill/>
-                <a:tableStyleId>{FBEAD5BC-E3A4-4ACA-AAB9-D6E915E4D777}</a:tableStyleId>
+                <a:tableStyleId>{6D48664A-4ADC-41C1-A944-C862199D4479}</a:tableStyleId>
               </a:tblPr>
               <a:tblGrid>
                 <a:gridCol w="1879225"/>

--- a/Stuff For Class/Slides/Organizing & Visualizing Data.pptx
+++ b/Stuff For Class/Slides/Organizing & Visualizing Data.pptx
@@ -55,21 +55,24 @@
     <p:sldId id="300" r:id="rId51"/>
     <p:sldId id="301" r:id="rId52"/>
     <p:sldId id="302" r:id="rId53"/>
+    <p:sldId id="303" r:id="rId54"/>
+    <p:sldId id="304" r:id="rId55"/>
+    <p:sldId id="305" r:id="rId56"/>
   </p:sldIdLst>
   <p:sldSz cy="5143500" cx="9144000"/>
   <p:notesSz cx="6858000" cy="9144000"/>
   <p:embeddedFontLst>
     <p:embeddedFont>
       <p:font typeface="Roboto Slab"/>
-      <p:regular r:id="rId54"/>
-      <p:bold r:id="rId55"/>
+      <p:regular r:id="rId57"/>
+      <p:bold r:id="rId58"/>
     </p:embeddedFont>
     <p:embeddedFont>
       <p:font typeface="Roboto"/>
-      <p:regular r:id="rId56"/>
-      <p:bold r:id="rId57"/>
-      <p:italic r:id="rId58"/>
-      <p:boldItalic r:id="rId59"/>
+      <p:regular r:id="rId59"/>
+      <p:bold r:id="rId60"/>
+      <p:italic r:id="rId61"/>
+      <p:boldItalic r:id="rId62"/>
     </p:embeddedFont>
   </p:embeddedFontLst>
   <p:defaultTextStyle>
@@ -2745,7 +2748,7 @@
       </p:grpSpPr>
       <p:sp>
         <p:nvSpPr>
-          <p:cNvPr id="246" name="Google Shape;246;g295943a3cd2_0_108:notes"/>
+          <p:cNvPr id="246" name="Google Shape;246;g32ca0b5f27b_0_0:notes"/>
           <p:cNvSpPr/>
           <p:nvPr>
             <p:ph idx="2" type="sldImg"/>
@@ -2780,7 +2783,7 @@
       </p:sp>
       <p:sp>
         <p:nvSpPr>
-          <p:cNvPr id="247" name="Google Shape;247;g295943a3cd2_0_108:notes"/>
+          <p:cNvPr id="247" name="Google Shape;247;g32ca0b5f27b_0_0:notes"/>
           <p:cNvSpPr txBox="1"/>
           <p:nvPr>
             <p:ph idx="1" type="body"/>
@@ -2844,7 +2847,7 @@
       </p:grpSpPr>
       <p:sp>
         <p:nvSpPr>
-          <p:cNvPr id="254" name="Google Shape;254;g295943a3cd2_0_120:notes"/>
+          <p:cNvPr id="254" name="Google Shape;254;g295943a3cd2_0_108:notes"/>
           <p:cNvSpPr/>
           <p:nvPr>
             <p:ph idx="2" type="sldImg"/>
@@ -2879,7 +2882,7 @@
       </p:sp>
       <p:sp>
         <p:nvSpPr>
-          <p:cNvPr id="255" name="Google Shape;255;g295943a3cd2_0_120:notes"/>
+          <p:cNvPr id="255" name="Google Shape;255;g295943a3cd2_0_108:notes"/>
           <p:cNvSpPr txBox="1"/>
           <p:nvPr>
             <p:ph idx="1" type="body"/>
@@ -3042,7 +3045,7 @@
       </p:grpSpPr>
       <p:sp>
         <p:nvSpPr>
-          <p:cNvPr id="262" name="Google Shape;262;g260878fc63b_0_5:notes"/>
+          <p:cNvPr id="262" name="Google Shape;262;g295943a3cd2_0_120:notes"/>
           <p:cNvSpPr/>
           <p:nvPr>
             <p:ph idx="2" type="sldImg"/>
@@ -3077,7 +3080,7 @@
       </p:sp>
       <p:sp>
         <p:nvSpPr>
-          <p:cNvPr id="263" name="Google Shape;263;g260878fc63b_0_5:notes"/>
+          <p:cNvPr id="263" name="Google Shape;263;g295943a3cd2_0_120:notes"/>
           <p:cNvSpPr txBox="1"/>
           <p:nvPr>
             <p:ph idx="1" type="body"/>
@@ -3141,7 +3144,7 @@
       </p:grpSpPr>
       <p:sp>
         <p:nvSpPr>
-          <p:cNvPr id="270" name="Google Shape;270;g260878fc63b_0_12:notes"/>
+          <p:cNvPr id="270" name="Google Shape;270;g260878fc63b_0_5:notes"/>
           <p:cNvSpPr/>
           <p:nvPr>
             <p:ph idx="2" type="sldImg"/>
@@ -3176,7 +3179,7 @@
       </p:sp>
       <p:sp>
         <p:nvSpPr>
-          <p:cNvPr id="271" name="Google Shape;271;g260878fc63b_0_12:notes"/>
+          <p:cNvPr id="271" name="Google Shape;271;g260878fc63b_0_5:notes"/>
           <p:cNvSpPr txBox="1"/>
           <p:nvPr>
             <p:ph idx="1" type="body"/>
@@ -3226,7 +3229,7 @@
   <p:cSld>
     <p:spTree>
       <p:nvGrpSpPr>
-        <p:cNvPr id="274" name="Shape 274"/>
+        <p:cNvPr id="277" name="Shape 277"/>
         <p:cNvGrpSpPr/>
         <p:nvPr/>
       </p:nvGrpSpPr>
@@ -3240,7 +3243,7 @@
       </p:grpSpPr>
       <p:sp>
         <p:nvSpPr>
-          <p:cNvPr id="275" name="Google Shape;275;g260878fc63b_0_16:notes"/>
+          <p:cNvPr id="278" name="Google Shape;278;g260878fc63b_0_12:notes"/>
           <p:cNvSpPr/>
           <p:nvPr>
             <p:ph idx="2" type="sldImg"/>
@@ -3275,7 +3278,7 @@
       </p:sp>
       <p:sp>
         <p:nvSpPr>
-          <p:cNvPr id="276" name="Google Shape;276;g260878fc63b_0_16:notes"/>
+          <p:cNvPr id="279" name="Google Shape;279;g260878fc63b_0_12:notes"/>
           <p:cNvSpPr txBox="1"/>
           <p:nvPr>
             <p:ph idx="1" type="body"/>
@@ -3339,7 +3342,7 @@
       </p:grpSpPr>
       <p:sp>
         <p:nvSpPr>
-          <p:cNvPr id="283" name="Google Shape;283;g2a5ee07b91e_0_158:notes"/>
+          <p:cNvPr id="283" name="Google Shape;283;g260878fc63b_0_16:notes"/>
           <p:cNvSpPr/>
           <p:nvPr>
             <p:ph idx="2" type="sldImg"/>
@@ -3374,7 +3377,7 @@
       </p:sp>
       <p:sp>
         <p:nvSpPr>
-          <p:cNvPr id="284" name="Google Shape;284;g2a5ee07b91e_0_158:notes"/>
+          <p:cNvPr id="284" name="Google Shape;284;g260878fc63b_0_16:notes"/>
           <p:cNvSpPr txBox="1"/>
           <p:nvPr>
             <p:ph idx="1" type="body"/>
@@ -3424,7 +3427,7 @@
   <p:cSld>
     <p:spTree>
       <p:nvGrpSpPr>
-        <p:cNvPr id="287" name="Shape 287"/>
+        <p:cNvPr id="290" name="Shape 290"/>
         <p:cNvGrpSpPr/>
         <p:nvPr/>
       </p:nvGrpSpPr>
@@ -3438,7 +3441,7 @@
       </p:grpSpPr>
       <p:sp>
         <p:nvSpPr>
-          <p:cNvPr id="288" name="Google Shape;288;g2f4a6c78cc2_0_10:notes"/>
+          <p:cNvPr id="291" name="Google Shape;291;g2a5ee07b91e_0_158:notes"/>
           <p:cNvSpPr/>
           <p:nvPr>
             <p:ph idx="2" type="sldImg"/>
@@ -3473,7 +3476,7 @@
       </p:sp>
       <p:sp>
         <p:nvSpPr>
-          <p:cNvPr id="289" name="Google Shape;289;g2f4a6c78cc2_0_10:notes"/>
+          <p:cNvPr id="292" name="Google Shape;292;g2a5ee07b91e_0_158:notes"/>
           <p:cNvSpPr txBox="1"/>
           <p:nvPr>
             <p:ph idx="1" type="body"/>
@@ -3523,7 +3526,7 @@
   <p:cSld>
     <p:spTree>
       <p:nvGrpSpPr>
-        <p:cNvPr id="293" name="Shape 293"/>
+        <p:cNvPr id="295" name="Shape 295"/>
         <p:cNvGrpSpPr/>
         <p:nvPr/>
       </p:nvGrpSpPr>
@@ -3537,7 +3540,7 @@
       </p:grpSpPr>
       <p:sp>
         <p:nvSpPr>
-          <p:cNvPr id="294" name="Google Shape;294;g260878fc63b_0_23:notes"/>
+          <p:cNvPr id="296" name="Google Shape;296;g2f4a6c78cc2_0_10:notes"/>
           <p:cNvSpPr/>
           <p:nvPr>
             <p:ph idx="2" type="sldImg"/>
@@ -3572,7 +3575,7 @@
       </p:sp>
       <p:sp>
         <p:nvSpPr>
-          <p:cNvPr id="295" name="Google Shape;295;g260878fc63b_0_23:notes"/>
+          <p:cNvPr id="297" name="Google Shape;297;g2f4a6c78cc2_0_10:notes"/>
           <p:cNvSpPr txBox="1"/>
           <p:nvPr>
             <p:ph idx="1" type="body"/>
@@ -3622,7 +3625,7 @@
   <p:cSld>
     <p:spTree>
       <p:nvGrpSpPr>
-        <p:cNvPr id="298" name="Shape 298"/>
+        <p:cNvPr id="301" name="Shape 301"/>
         <p:cNvGrpSpPr/>
         <p:nvPr/>
       </p:nvGrpSpPr>
@@ -3636,7 +3639,7 @@
       </p:grpSpPr>
       <p:sp>
         <p:nvSpPr>
-          <p:cNvPr id="299" name="Google Shape;299;g260878fc63b_0_27:notes"/>
+          <p:cNvPr id="302" name="Google Shape;302;g260878fc63b_0_23:notes"/>
           <p:cNvSpPr/>
           <p:nvPr>
             <p:ph idx="2" type="sldImg"/>
@@ -3671,7 +3674,7 @@
       </p:sp>
       <p:sp>
         <p:nvSpPr>
-          <p:cNvPr id="300" name="Google Shape;300;g260878fc63b_0_27:notes"/>
+          <p:cNvPr id="303" name="Google Shape;303;g260878fc63b_0_23:notes"/>
           <p:cNvSpPr txBox="1"/>
           <p:nvPr>
             <p:ph idx="1" type="body"/>
@@ -3721,7 +3724,7 @@
   <p:cSld>
     <p:spTree>
       <p:nvGrpSpPr>
-        <p:cNvPr id="303" name="Shape 303"/>
+        <p:cNvPr id="306" name="Shape 306"/>
         <p:cNvGrpSpPr/>
         <p:nvPr/>
       </p:nvGrpSpPr>
@@ -3735,7 +3738,7 @@
       </p:grpSpPr>
       <p:sp>
         <p:nvSpPr>
-          <p:cNvPr id="304" name="Google Shape;304;g2c43156aa59_0_0:notes"/>
+          <p:cNvPr id="307" name="Google Shape;307;g260878fc63b_0_27:notes"/>
           <p:cNvSpPr/>
           <p:nvPr>
             <p:ph idx="2" type="sldImg"/>
@@ -3770,7 +3773,7 @@
       </p:sp>
       <p:sp>
         <p:nvSpPr>
-          <p:cNvPr id="305" name="Google Shape;305;g2c43156aa59_0_0:notes"/>
+          <p:cNvPr id="308" name="Google Shape;308;g260878fc63b_0_27:notes"/>
           <p:cNvSpPr txBox="1"/>
           <p:nvPr>
             <p:ph idx="1" type="body"/>
@@ -3820,7 +3823,7 @@
   <p:cSld>
     <p:spTree>
       <p:nvGrpSpPr>
-        <p:cNvPr id="309" name="Shape 309"/>
+        <p:cNvPr id="311" name="Shape 311"/>
         <p:cNvGrpSpPr/>
         <p:nvPr/>
       </p:nvGrpSpPr>
@@ -3834,7 +3837,7 @@
       </p:grpSpPr>
       <p:sp>
         <p:nvSpPr>
-          <p:cNvPr id="310" name="Google Shape;310;g2c43156aa59_0_5:notes"/>
+          <p:cNvPr id="312" name="Google Shape;312;g2c43156aa59_0_0:notes"/>
           <p:cNvSpPr/>
           <p:nvPr>
             <p:ph idx="2" type="sldImg"/>
@@ -3869,7 +3872,7 @@
       </p:sp>
       <p:sp>
         <p:nvSpPr>
-          <p:cNvPr id="311" name="Google Shape;311;g2c43156aa59_0_5:notes"/>
+          <p:cNvPr id="313" name="Google Shape;313;g2c43156aa59_0_0:notes"/>
           <p:cNvSpPr txBox="1"/>
           <p:nvPr>
             <p:ph idx="1" type="body"/>
@@ -3919,7 +3922,7 @@
   <p:cSld>
     <p:spTree>
       <p:nvGrpSpPr>
-        <p:cNvPr id="315" name="Shape 315"/>
+        <p:cNvPr id="317" name="Shape 317"/>
         <p:cNvGrpSpPr/>
         <p:nvPr/>
       </p:nvGrpSpPr>
@@ -3933,7 +3936,7 @@
       </p:grpSpPr>
       <p:sp>
         <p:nvSpPr>
-          <p:cNvPr id="316" name="Google Shape;316;g2c43156aa59_0_10:notes"/>
+          <p:cNvPr id="318" name="Google Shape;318;g2c43156aa59_0_5:notes"/>
           <p:cNvSpPr/>
           <p:nvPr>
             <p:ph idx="2" type="sldImg"/>
@@ -3968,7 +3971,7 @@
       </p:sp>
       <p:sp>
         <p:nvSpPr>
-          <p:cNvPr id="317" name="Google Shape;317;g2c43156aa59_0_10:notes"/>
+          <p:cNvPr id="319" name="Google Shape;319;g2c43156aa59_0_5:notes"/>
           <p:cNvSpPr txBox="1"/>
           <p:nvPr>
             <p:ph idx="1" type="body"/>
@@ -4117,7 +4120,7 @@
   <p:cSld>
     <p:spTree>
       <p:nvGrpSpPr>
-        <p:cNvPr id="321" name="Shape 321"/>
+        <p:cNvPr id="323" name="Shape 323"/>
         <p:cNvGrpSpPr/>
         <p:nvPr/>
       </p:nvGrpSpPr>
@@ -4131,7 +4134,7 @@
       </p:grpSpPr>
       <p:sp>
         <p:nvSpPr>
-          <p:cNvPr id="322" name="Google Shape;322;g2c43156aa59_0_15:notes"/>
+          <p:cNvPr id="324" name="Google Shape;324;g2c43156aa59_0_10:notes"/>
           <p:cNvSpPr/>
           <p:nvPr>
             <p:ph idx="2" type="sldImg"/>
@@ -4166,7 +4169,7 @@
       </p:sp>
       <p:sp>
         <p:nvSpPr>
-          <p:cNvPr id="323" name="Google Shape;323;g2c43156aa59_0_15:notes"/>
+          <p:cNvPr id="325" name="Google Shape;325;g2c43156aa59_0_10:notes"/>
           <p:cNvSpPr txBox="1"/>
           <p:nvPr>
             <p:ph idx="1" type="body"/>
@@ -4216,7 +4219,7 @@
   <p:cSld>
     <p:spTree>
       <p:nvGrpSpPr>
-        <p:cNvPr id="327" name="Shape 327"/>
+        <p:cNvPr id="329" name="Shape 329"/>
         <p:cNvGrpSpPr/>
         <p:nvPr/>
       </p:nvGrpSpPr>
@@ -4230,7 +4233,7 @@
       </p:grpSpPr>
       <p:sp>
         <p:nvSpPr>
-          <p:cNvPr id="328" name="Google Shape;328;g2f6cedac867_0_0:notes"/>
+          <p:cNvPr id="330" name="Google Shape;330;g32ca0b5f27b_0_9:notes"/>
           <p:cNvSpPr/>
           <p:nvPr>
             <p:ph idx="2" type="sldImg"/>
@@ -4265,7 +4268,7 @@
       </p:sp>
       <p:sp>
         <p:nvSpPr>
-          <p:cNvPr id="329" name="Google Shape;329;g2f6cedac867_0_0:notes"/>
+          <p:cNvPr id="331" name="Google Shape;331;g32ca0b5f27b_0_9:notes"/>
           <p:cNvSpPr txBox="1"/>
           <p:nvPr>
             <p:ph idx="1" type="body"/>
@@ -4315,7 +4318,7 @@
   <p:cSld>
     <p:spTree>
       <p:nvGrpSpPr>
-        <p:cNvPr id="334" name="Shape 334"/>
+        <p:cNvPr id="335" name="Shape 335"/>
         <p:cNvGrpSpPr/>
         <p:nvPr/>
       </p:nvGrpSpPr>
@@ -4329,7 +4332,7 @@
       </p:grpSpPr>
       <p:sp>
         <p:nvSpPr>
-          <p:cNvPr id="335" name="Google Shape;335;g2f6cedac867_0_6:notes"/>
+          <p:cNvPr id="336" name="Google Shape;336;g32ca0b5f27b_0_38:notes"/>
           <p:cNvSpPr/>
           <p:nvPr>
             <p:ph idx="2" type="sldImg"/>
@@ -4364,7 +4367,7 @@
       </p:sp>
       <p:sp>
         <p:nvSpPr>
-          <p:cNvPr id="336" name="Google Shape;336;g2f6cedac867_0_6:notes"/>
+          <p:cNvPr id="337" name="Google Shape;337;g32ca0b5f27b_0_38:notes"/>
           <p:cNvSpPr txBox="1"/>
           <p:nvPr>
             <p:ph idx="1" type="body"/>
@@ -4428,7 +4431,7 @@
       </p:grpSpPr>
       <p:sp>
         <p:nvSpPr>
-          <p:cNvPr id="342" name="Google Shape;342;g2f6cedac867_0_12:notes"/>
+          <p:cNvPr id="342" name="Google Shape;342;g2c43156aa59_0_15:notes"/>
           <p:cNvSpPr/>
           <p:nvPr>
             <p:ph idx="2" type="sldImg"/>
@@ -4463,7 +4466,7 @@
       </p:sp>
       <p:sp>
         <p:nvSpPr>
-          <p:cNvPr id="343" name="Google Shape;343;g2f6cedac867_0_12:notes"/>
+          <p:cNvPr id="343" name="Google Shape;343;g2c43156aa59_0_15:notes"/>
           <p:cNvSpPr txBox="1"/>
           <p:nvPr>
             <p:ph idx="1" type="body"/>
@@ -4513,7 +4516,7 @@
   <p:cSld>
     <p:spTree>
       <p:nvGrpSpPr>
-        <p:cNvPr id="348" name="Shape 348"/>
+        <p:cNvPr id="347" name="Shape 347"/>
         <p:cNvGrpSpPr/>
         <p:nvPr/>
       </p:nvGrpSpPr>
@@ -4527,7 +4530,7 @@
       </p:grpSpPr>
       <p:sp>
         <p:nvSpPr>
-          <p:cNvPr id="349" name="Google Shape;349;g329c43edd74_0_0:notes"/>
+          <p:cNvPr id="348" name="Google Shape;348;g2f6cedac867_0_0:notes"/>
           <p:cNvSpPr/>
           <p:nvPr>
             <p:ph idx="2" type="sldImg"/>
@@ -4562,7 +4565,7 @@
       </p:sp>
       <p:sp>
         <p:nvSpPr>
-          <p:cNvPr id="350" name="Google Shape;350;g329c43edd74_0_0:notes"/>
+          <p:cNvPr id="349" name="Google Shape;349;g2f6cedac867_0_0:notes"/>
           <p:cNvSpPr txBox="1"/>
           <p:nvPr>
             <p:ph idx="1" type="body"/>
@@ -4612,7 +4615,7 @@
   <p:cSld>
     <p:spTree>
       <p:nvGrpSpPr>
-        <p:cNvPr id="355" name="Shape 355"/>
+        <p:cNvPr id="354" name="Shape 354"/>
         <p:cNvGrpSpPr/>
         <p:nvPr/>
       </p:nvGrpSpPr>
@@ -4626,7 +4629,7 @@
       </p:grpSpPr>
       <p:sp>
         <p:nvSpPr>
-          <p:cNvPr id="356" name="Google Shape;356;g329c43edd74_0_6:notes"/>
+          <p:cNvPr id="355" name="Google Shape;355;g2f6cedac867_0_6:notes"/>
           <p:cNvSpPr/>
           <p:nvPr>
             <p:ph idx="2" type="sldImg"/>
@@ -4661,7 +4664,7 @@
       </p:sp>
       <p:sp>
         <p:nvSpPr>
-          <p:cNvPr id="357" name="Google Shape;357;g329c43edd74_0_6:notes"/>
+          <p:cNvPr id="356" name="Google Shape;356;g2f6cedac867_0_6:notes"/>
           <p:cNvSpPr txBox="1"/>
           <p:nvPr>
             <p:ph idx="1" type="body"/>
@@ -4711,7 +4714,7 @@
   <p:cSld>
     <p:spTree>
       <p:nvGrpSpPr>
-        <p:cNvPr id="363" name="Shape 363"/>
+        <p:cNvPr id="361" name="Shape 361"/>
         <p:cNvGrpSpPr/>
         <p:nvPr/>
       </p:nvGrpSpPr>
@@ -4725,7 +4728,7 @@
       </p:grpSpPr>
       <p:sp>
         <p:nvSpPr>
-          <p:cNvPr id="364" name="Google Shape;364;g329c43edd74_0_18:notes"/>
+          <p:cNvPr id="362" name="Google Shape;362;g2f6cedac867_0_12:notes"/>
           <p:cNvSpPr/>
           <p:nvPr>
             <p:ph idx="2" type="sldImg"/>
@@ -4760,7 +4763,7 @@
       </p:sp>
       <p:sp>
         <p:nvSpPr>
-          <p:cNvPr id="365" name="Google Shape;365;g329c43edd74_0_18:notes"/>
+          <p:cNvPr id="363" name="Google Shape;363;g2f6cedac867_0_12:notes"/>
           <p:cNvSpPr txBox="1"/>
           <p:nvPr>
             <p:ph idx="1" type="body"/>
@@ -4810,7 +4813,7 @@
   <p:cSld>
     <p:spTree>
       <p:nvGrpSpPr>
-        <p:cNvPr id="370" name="Shape 370"/>
+        <p:cNvPr id="368" name="Shape 368"/>
         <p:cNvGrpSpPr/>
         <p:nvPr/>
       </p:nvGrpSpPr>
@@ -4824,7 +4827,7 @@
       </p:grpSpPr>
       <p:sp>
         <p:nvSpPr>
-          <p:cNvPr id="371" name="Google Shape;371;g2c43156aa59_1_0:notes"/>
+          <p:cNvPr id="369" name="Google Shape;369;g329c43edd74_0_0:notes"/>
           <p:cNvSpPr/>
           <p:nvPr>
             <p:ph idx="2" type="sldImg"/>
@@ -4859,7 +4862,7 @@
       </p:sp>
       <p:sp>
         <p:nvSpPr>
-          <p:cNvPr id="372" name="Google Shape;372;g2c43156aa59_1_0:notes"/>
+          <p:cNvPr id="370" name="Google Shape;370;g329c43edd74_0_0:notes"/>
           <p:cNvSpPr txBox="1"/>
           <p:nvPr>
             <p:ph idx="1" type="body"/>
@@ -4891,6 +4894,205 @@
             </a:pPr>
             <a:r>
               <a:t/>
+            </a:r>
+            <a:endParaRPr/>
+          </a:p>
+        </p:txBody>
+      </p:sp>
+    </p:spTree>
+  </p:cSld>
+  <p:clrMapOvr>
+    <a:masterClrMapping/>
+  </p:clrMapOvr>
+</p:notes>
+</file>
+
+<file path=ppt/notesSlides/notesSlide48.xml><?xml version="1.0" encoding="utf-8"?>
+<p:notes xmlns:a="http://schemas.openxmlformats.org/drawingml/2006/main" xmlns:r="http://schemas.openxmlformats.org/officeDocument/2006/relationships" xmlns:mc="http://schemas.openxmlformats.org/markup-compatibility/2006" xmlns:mv="urn:schemas-microsoft-com:mac:vml" xmlns:p="http://schemas.openxmlformats.org/presentationml/2006/main" xmlns:c="http://schemas.openxmlformats.org/drawingml/2006/chart" xmlns:dgm="http://schemas.openxmlformats.org/drawingml/2006/diagram" xmlns:o="urn:schemas-microsoft-com:office:office" xmlns:v="urn:schemas-microsoft-com:vml" xmlns:pvml="urn:schemas-microsoft-com:office:powerpoint" xmlns:com="http://schemas.openxmlformats.org/drawingml/2006/compatibility" xmlns:p14="http://schemas.microsoft.com/office/powerpoint/2010/main" xmlns:p15="http://schemas.microsoft.com/office/powerpoint/2012/main" xmlns:ahyp="http://schemas.microsoft.com/office/drawing/2018/hyperlinkcolor" showMasterPhAnim="0" showMasterSp="0">
+  <p:cSld>
+    <p:spTree>
+      <p:nvGrpSpPr>
+        <p:cNvPr id="375" name="Shape 375"/>
+        <p:cNvGrpSpPr/>
+        <p:nvPr/>
+      </p:nvGrpSpPr>
+      <p:grpSpPr>
+        <a:xfrm>
+          <a:off x="0" y="0"/>
+          <a:ext cx="0" cy="0"/>
+          <a:chOff x="0" y="0"/>
+          <a:chExt cx="0" cy="0"/>
+        </a:xfrm>
+      </p:grpSpPr>
+      <p:sp>
+        <p:nvSpPr>
+          <p:cNvPr id="376" name="Google Shape;376;g329c43edd74_0_6:notes"/>
+          <p:cNvSpPr/>
+          <p:nvPr>
+            <p:ph idx="2" type="sldImg"/>
+          </p:nvPr>
+        </p:nvSpPr>
+        <p:spPr>
+          <a:xfrm>
+            <a:off x="381300" y="685800"/>
+            <a:ext cx="6096000" cy="3429000"/>
+          </a:xfrm>
+          <a:custGeom>
+            <a:rect b="b" l="l" r="r" t="t"/>
+            <a:pathLst>
+              <a:path extrusionOk="0" h="120000" w="120000">
+                <a:moveTo>
+                  <a:pt x="0" y="0"/>
+                </a:moveTo>
+                <a:lnTo>
+                  <a:pt x="120000" y="0"/>
+                </a:lnTo>
+                <a:lnTo>
+                  <a:pt x="120000" y="120000"/>
+                </a:lnTo>
+                <a:lnTo>
+                  <a:pt x="0" y="120000"/>
+                </a:lnTo>
+                <a:close/>
+              </a:path>
+            </a:pathLst>
+          </a:custGeom>
+        </p:spPr>
+      </p:sp>
+      <p:sp>
+        <p:nvSpPr>
+          <p:cNvPr id="377" name="Google Shape;377;g329c43edd74_0_6:notes"/>
+          <p:cNvSpPr txBox="1"/>
+          <p:nvPr>
+            <p:ph idx="1" type="body"/>
+          </p:nvPr>
+        </p:nvSpPr>
+        <p:spPr>
+          <a:xfrm>
+            <a:off x="685800" y="4343400"/>
+            <a:ext cx="5486400" cy="4114800"/>
+          </a:xfrm>
+          <a:prstGeom prst="rect">
+            <a:avLst/>
+          </a:prstGeom>
+        </p:spPr>
+        <p:txBody>
+          <a:bodyPr anchorCtr="0" anchor="t" bIns="91425" lIns="91425" spcFirstLastPara="1" rIns="91425" wrap="square" tIns="91425">
+            <a:noAutofit/>
+          </a:bodyPr>
+          <a:lstStyle/>
+          <a:p>
+            <a:pPr indent="0" lvl="0" marL="0" rtl="0" algn="l">
+              <a:spcBef>
+                <a:spcPts val="0"/>
+              </a:spcBef>
+              <a:spcAft>
+                <a:spcPts val="0"/>
+              </a:spcAft>
+              <a:buNone/>
+            </a:pPr>
+            <a:r>
+              <a:t/>
+            </a:r>
+            <a:endParaRPr/>
+          </a:p>
+        </p:txBody>
+      </p:sp>
+    </p:spTree>
+  </p:cSld>
+  <p:clrMapOvr>
+    <a:masterClrMapping/>
+  </p:clrMapOvr>
+</p:notes>
+</file>
+
+<file path=ppt/notesSlides/notesSlide49.xml><?xml version="1.0" encoding="utf-8"?>
+<p:notes xmlns:a="http://schemas.openxmlformats.org/drawingml/2006/main" xmlns:r="http://schemas.openxmlformats.org/officeDocument/2006/relationships" xmlns:mc="http://schemas.openxmlformats.org/markup-compatibility/2006" xmlns:mv="urn:schemas-microsoft-com:mac:vml" xmlns:p="http://schemas.openxmlformats.org/presentationml/2006/main" xmlns:c="http://schemas.openxmlformats.org/drawingml/2006/chart" xmlns:dgm="http://schemas.openxmlformats.org/drawingml/2006/diagram" xmlns:o="urn:schemas-microsoft-com:office:office" xmlns:v="urn:schemas-microsoft-com:vml" xmlns:pvml="urn:schemas-microsoft-com:office:powerpoint" xmlns:com="http://schemas.openxmlformats.org/drawingml/2006/compatibility" xmlns:p14="http://schemas.microsoft.com/office/powerpoint/2010/main" xmlns:p15="http://schemas.microsoft.com/office/powerpoint/2012/main" xmlns:ahyp="http://schemas.microsoft.com/office/drawing/2018/hyperlinkcolor" showMasterPhAnim="0" showMasterSp="0">
+  <p:cSld>
+    <p:spTree>
+      <p:nvGrpSpPr>
+        <p:cNvPr id="383" name="Shape 383"/>
+        <p:cNvGrpSpPr/>
+        <p:nvPr/>
+      </p:nvGrpSpPr>
+      <p:grpSpPr>
+        <a:xfrm>
+          <a:off x="0" y="0"/>
+          <a:ext cx="0" cy="0"/>
+          <a:chOff x="0" y="0"/>
+          <a:chExt cx="0" cy="0"/>
+        </a:xfrm>
+      </p:grpSpPr>
+      <p:sp>
+        <p:nvSpPr>
+          <p:cNvPr id="384" name="Google Shape;384;g329c43edd74_0_18:notes"/>
+          <p:cNvSpPr/>
+          <p:nvPr>
+            <p:ph idx="2" type="sldImg"/>
+          </p:nvPr>
+        </p:nvSpPr>
+        <p:spPr>
+          <a:xfrm>
+            <a:off x="381300" y="685800"/>
+            <a:ext cx="6096000" cy="3429000"/>
+          </a:xfrm>
+          <a:custGeom>
+            <a:rect b="b" l="l" r="r" t="t"/>
+            <a:pathLst>
+              <a:path extrusionOk="0" h="120000" w="120000">
+                <a:moveTo>
+                  <a:pt x="0" y="0"/>
+                </a:moveTo>
+                <a:lnTo>
+                  <a:pt x="120000" y="0"/>
+                </a:lnTo>
+                <a:lnTo>
+                  <a:pt x="120000" y="120000"/>
+                </a:lnTo>
+                <a:lnTo>
+                  <a:pt x="0" y="120000"/>
+                </a:lnTo>
+                <a:close/>
+              </a:path>
+            </a:pathLst>
+          </a:custGeom>
+        </p:spPr>
+      </p:sp>
+      <p:sp>
+        <p:nvSpPr>
+          <p:cNvPr id="385" name="Google Shape;385;g329c43edd74_0_18:notes"/>
+          <p:cNvSpPr txBox="1"/>
+          <p:nvPr>
+            <p:ph idx="1" type="body"/>
+          </p:nvPr>
+        </p:nvSpPr>
+        <p:spPr>
+          <a:xfrm>
+            <a:off x="685800" y="4343400"/>
+            <a:ext cx="5486400" cy="4114800"/>
+          </a:xfrm>
+          <a:prstGeom prst="rect">
+            <a:avLst/>
+          </a:prstGeom>
+        </p:spPr>
+        <p:txBody>
+          <a:bodyPr anchorCtr="0" anchor="t" bIns="91425" lIns="91425" spcFirstLastPara="1" rIns="91425" wrap="square" tIns="91425">
+            <a:noAutofit/>
+          </a:bodyPr>
+          <a:lstStyle/>
+          <a:p>
+            <a:pPr indent="0" lvl="0" marL="0" rtl="0" algn="l">
+              <a:spcBef>
+                <a:spcPts val="0"/>
+              </a:spcBef>
+              <a:spcAft>
+                <a:spcPts val="0"/>
+              </a:spcAft>
+              <a:buNone/>
+            </a:pPr>
+            <a:r>
+              <a:rPr lang="en"/>
+              <a:t>Different than for proportions</a:t>
             </a:r>
             <a:endParaRPr/>
           </a:p>
@@ -4959,6 +5161,105 @@
       <p:sp>
         <p:nvSpPr>
           <p:cNvPr id="86" name="Google Shape;86;g29534dbfaed_0_351:notes"/>
+          <p:cNvSpPr txBox="1"/>
+          <p:nvPr>
+            <p:ph idx="1" type="body"/>
+          </p:nvPr>
+        </p:nvSpPr>
+        <p:spPr>
+          <a:xfrm>
+            <a:off x="685800" y="4343400"/>
+            <a:ext cx="5486400" cy="4114800"/>
+          </a:xfrm>
+          <a:prstGeom prst="rect">
+            <a:avLst/>
+          </a:prstGeom>
+        </p:spPr>
+        <p:txBody>
+          <a:bodyPr anchorCtr="0" anchor="t" bIns="91425" lIns="91425" spcFirstLastPara="1" rIns="91425" wrap="square" tIns="91425">
+            <a:noAutofit/>
+          </a:bodyPr>
+          <a:lstStyle/>
+          <a:p>
+            <a:pPr indent="0" lvl="0" marL="0" rtl="0" algn="l">
+              <a:spcBef>
+                <a:spcPts val="0"/>
+              </a:spcBef>
+              <a:spcAft>
+                <a:spcPts val="0"/>
+              </a:spcAft>
+              <a:buNone/>
+            </a:pPr>
+            <a:r>
+              <a:t/>
+            </a:r>
+            <a:endParaRPr/>
+          </a:p>
+        </p:txBody>
+      </p:sp>
+    </p:spTree>
+  </p:cSld>
+  <p:clrMapOvr>
+    <a:masterClrMapping/>
+  </p:clrMapOvr>
+</p:notes>
+</file>
+
+<file path=ppt/notesSlides/notesSlide50.xml><?xml version="1.0" encoding="utf-8"?>
+<p:notes xmlns:a="http://schemas.openxmlformats.org/drawingml/2006/main" xmlns:r="http://schemas.openxmlformats.org/officeDocument/2006/relationships" xmlns:mc="http://schemas.openxmlformats.org/markup-compatibility/2006" xmlns:mv="urn:schemas-microsoft-com:mac:vml" xmlns:p="http://schemas.openxmlformats.org/presentationml/2006/main" xmlns:c="http://schemas.openxmlformats.org/drawingml/2006/chart" xmlns:dgm="http://schemas.openxmlformats.org/drawingml/2006/diagram" xmlns:o="urn:schemas-microsoft-com:office:office" xmlns:v="urn:schemas-microsoft-com:vml" xmlns:pvml="urn:schemas-microsoft-com:office:powerpoint" xmlns:com="http://schemas.openxmlformats.org/drawingml/2006/compatibility" xmlns:p14="http://schemas.microsoft.com/office/powerpoint/2010/main" xmlns:p15="http://schemas.microsoft.com/office/powerpoint/2012/main" xmlns:ahyp="http://schemas.microsoft.com/office/drawing/2018/hyperlinkcolor" showMasterPhAnim="0" showMasterSp="0">
+  <p:cSld>
+    <p:spTree>
+      <p:nvGrpSpPr>
+        <p:cNvPr id="390" name="Shape 390"/>
+        <p:cNvGrpSpPr/>
+        <p:nvPr/>
+      </p:nvGrpSpPr>
+      <p:grpSpPr>
+        <a:xfrm>
+          <a:off x="0" y="0"/>
+          <a:ext cx="0" cy="0"/>
+          <a:chOff x="0" y="0"/>
+          <a:chExt cx="0" cy="0"/>
+        </a:xfrm>
+      </p:grpSpPr>
+      <p:sp>
+        <p:nvSpPr>
+          <p:cNvPr id="391" name="Google Shape;391;g2c43156aa59_1_0:notes"/>
+          <p:cNvSpPr/>
+          <p:nvPr>
+            <p:ph idx="2" type="sldImg"/>
+          </p:nvPr>
+        </p:nvSpPr>
+        <p:spPr>
+          <a:xfrm>
+            <a:off x="381300" y="685800"/>
+            <a:ext cx="6096000" cy="3429000"/>
+          </a:xfrm>
+          <a:custGeom>
+            <a:rect b="b" l="l" r="r" t="t"/>
+            <a:pathLst>
+              <a:path extrusionOk="0" h="120000" w="120000">
+                <a:moveTo>
+                  <a:pt x="0" y="0"/>
+                </a:moveTo>
+                <a:lnTo>
+                  <a:pt x="120000" y="0"/>
+                </a:lnTo>
+                <a:lnTo>
+                  <a:pt x="120000" y="120000"/>
+                </a:lnTo>
+                <a:lnTo>
+                  <a:pt x="0" y="120000"/>
+                </a:lnTo>
+                <a:close/>
+              </a:path>
+            </a:pathLst>
+          </a:custGeom>
+        </p:spPr>
+      </p:sp>
+      <p:sp>
+        <p:nvSpPr>
+          <p:cNvPr id="392" name="Google Shape;392;g2c43156aa59_1_0:notes"/>
           <p:cNvSpPr txBox="1"/>
           <p:nvPr>
             <p:ph idx="1" type="body"/>
@@ -10868,7 +11169,7 @@
             <a:tbl>
               <a:tblPr>
                 <a:noFill/>
-                <a:tableStyleId>{1CD52F19-E932-4807-8E8F-556518B21C55}</a:tableStyleId>
+                <a:tableStyleId>{216F8BBD-6658-429E-84D8-402E422C0AF9}</a:tableStyleId>
               </a:tblPr>
               <a:tblGrid>
                 <a:gridCol w="1879225"/>
@@ -11242,7 +11543,7 @@
             <a:tbl>
               <a:tblPr>
                 <a:noFill/>
-                <a:tableStyleId>{1CD52F19-E932-4807-8E8F-556518B21C55}</a:tableStyleId>
+                <a:tableStyleId>{216F8BBD-6658-429E-84D8-402E422C0AF9}</a:tableStyleId>
               </a:tblPr>
               <a:tblGrid>
                 <a:gridCol w="1879225"/>
@@ -11616,7 +11917,7 @@
             <a:tbl>
               <a:tblPr>
                 <a:noFill/>
-                <a:tableStyleId>{1CD52F19-E932-4807-8E8F-556518B21C55}</a:tableStyleId>
+                <a:tableStyleId>{216F8BBD-6658-429E-84D8-402E422C0AF9}</a:tableStyleId>
               </a:tblPr>
               <a:tblGrid>
                 <a:gridCol w="1879225"/>
@@ -11990,7 +12291,7 @@
             <a:tbl>
               <a:tblPr>
                 <a:noFill/>
-                <a:tableStyleId>{1CD52F19-E932-4807-8E8F-556518B21C55}</a:tableStyleId>
+                <a:tableStyleId>{216F8BBD-6658-429E-84D8-402E422C0AF9}</a:tableStyleId>
               </a:tblPr>
               <a:tblGrid>
                 <a:gridCol w="1318475"/>
@@ -12579,7 +12880,7 @@
             <a:tbl>
               <a:tblPr>
                 <a:noFill/>
-                <a:tableStyleId>{1CD52F19-E932-4807-8E8F-556518B21C55}</a:tableStyleId>
+                <a:tableStyleId>{216F8BBD-6658-429E-84D8-402E422C0AF9}</a:tableStyleId>
               </a:tblPr>
               <a:tblGrid>
                 <a:gridCol w="1318475"/>
@@ -13168,7 +13469,7 @@
             <a:tbl>
               <a:tblPr>
                 <a:noFill/>
-                <a:tableStyleId>{1CD52F19-E932-4807-8E8F-556518B21C55}</a:tableStyleId>
+                <a:tableStyleId>{216F8BBD-6658-429E-84D8-402E422C0AF9}</a:tableStyleId>
               </a:tblPr>
               <a:tblGrid>
                 <a:gridCol w="1318475"/>
@@ -14651,7 +14952,7 @@
             <a:tbl>
               <a:tblPr>
                 <a:noFill/>
-                <a:tableStyleId>{1CD52F19-E932-4807-8E8F-556518B21C55}</a:tableStyleId>
+                <a:tableStyleId>{216F8BBD-6658-429E-84D8-402E422C0AF9}</a:tableStyleId>
               </a:tblPr>
               <a:tblGrid>
                 <a:gridCol w="2329775"/>
@@ -16621,7 +16922,7 @@
             <a:tbl>
               <a:tblPr>
                 <a:noFill/>
-                <a:tableStyleId>{1CD52F19-E932-4807-8E8F-556518B21C55}</a:tableStyleId>
+                <a:tableStyleId>{216F8BBD-6658-429E-84D8-402E422C0AF9}</a:tableStyleId>
               </a:tblPr>
               <a:tblGrid>
                 <a:gridCol w="2092050"/>
@@ -17099,7 +17400,7 @@
             <a:tbl>
               <a:tblPr>
                 <a:noFill/>
-                <a:tableStyleId>{71FF170C-23B3-4396-94FC-B519DB8F7298}</a:tableStyleId>
+                <a:tableStyleId>{E49B79F0-764D-447A-969F-C215E6E9E9DE}</a:tableStyleId>
               </a:tblPr>
               <a:tblGrid>
                 <a:gridCol w="952500"/>
@@ -20396,7 +20697,7 @@
             </a:pPr>
             <a:r>
               <a:rPr lang="en"/>
-              <a:t>How To Lie With Statistics!</a:t>
+              <a:t>Multiple Axes</a:t>
             </a:r>
             <a:endParaRPr/>
           </a:p>
@@ -20425,7 +20726,7 @@
           </a:bodyPr>
           <a:lstStyle/>
           <a:p>
-            <a:pPr indent="457200" lvl="0" marL="2286000" rtl="0" algn="l">
+            <a:pPr indent="0" lvl="0" marL="0" rtl="0" algn="l">
               <a:spcBef>
                 <a:spcPts val="0"/>
               </a:spcBef>
@@ -20436,7 +20737,7 @@
             </a:pPr>
             <a:r>
               <a:rPr lang="en"/>
-              <a:t>Mess with the axes!</a:t>
+              <a:t>When displaying two pieces of data on one chart, use multiple axes if the units aren’t the same</a:t>
             </a:r>
             <a:endParaRPr/>
           </a:p>
@@ -20444,7 +20745,7 @@
       </p:sp>
       <p:pic>
         <p:nvPicPr>
-          <p:cNvPr id="251" name="Google Shape;251;p40" title="Chart"/>
+          <p:cNvPr id="251" name="Google Shape;251;p40"/>
           <p:cNvPicPr preferRelativeResize="0"/>
           <p:nvPr/>
         </p:nvPicPr>
@@ -20458,8 +20759,8 @@
         </p:blipFill>
         <p:spPr>
           <a:xfrm>
-            <a:off x="228251" y="2064347"/>
-            <a:ext cx="4159176" cy="2571753"/>
+            <a:off x="387900" y="2327063"/>
+            <a:ext cx="4009175" cy="2391925"/>
           </a:xfrm>
           <a:prstGeom prst="rect">
             <a:avLst/>
@@ -20472,7 +20773,7 @@
       </p:pic>
       <p:pic>
         <p:nvPicPr>
-          <p:cNvPr id="252" name="Google Shape;252;p40" title="Chart"/>
+          <p:cNvPr id="252" name="Google Shape;252;p40"/>
           <p:cNvPicPr preferRelativeResize="0"/>
           <p:nvPr/>
         </p:nvPicPr>
@@ -20486,8 +20787,8 @@
         </p:blipFill>
         <p:spPr>
           <a:xfrm>
-            <a:off x="4571994" y="2024550"/>
-            <a:ext cx="4287924" cy="2651350"/>
+            <a:off x="4848512" y="2327075"/>
+            <a:ext cx="4009161" cy="2391925"/>
           </a:xfrm>
           <a:prstGeom prst="rect">
             <a:avLst/>
@@ -20582,52 +20883,7 @@
                                           </p:stCondLst>
                                         </p:cTn>
                                         <p:tgtEl>
-                                          <p:spTgt spid="250"/>
-                                        </p:tgtEl>
-                                        <p:attrNameLst>
-                                          <p:attrName>style.visibility</p:attrName>
-                                        </p:attrNameLst>
-                                      </p:cBhvr>
-                                      <p:to>
-                                        <p:strVal val="visible"/>
-                                      </p:to>
-                                    </p:set>
-                                  </p:childTnLst>
-                                </p:cTn>
-                              </p:par>
-                            </p:childTnLst>
-                          </p:cTn>
-                        </p:par>
-                      </p:childTnLst>
-                    </p:cTn>
-                  </p:par>
-                  <p:par>
-                    <p:cTn fill="hold">
-                      <p:stCondLst>
-                        <p:cond delay="indefinite"/>
-                      </p:stCondLst>
-                      <p:childTnLst>
-                        <p:par>
-                          <p:cTn fill="hold">
-                            <p:stCondLst>
-                              <p:cond delay="0"/>
-                            </p:stCondLst>
-                            <p:childTnLst>
-                              <p:par>
-                                <p:cTn fill="hold" nodeType="clickEffect" presetClass="entr" presetID="1" presetSubtype="0">
-                                  <p:stCondLst>
-                                    <p:cond delay="0"/>
-                                  </p:stCondLst>
-                                  <p:childTnLst>
-                                    <p:set>
-                                      <p:cBhvr>
-                                        <p:cTn dur="1" fill="hold">
-                                          <p:stCondLst>
-                                            <p:cond delay="0"/>
-                                          </p:stCondLst>
-                                        </p:cTn>
-                                        <p:tgtEl>
-                                          <p:spTgt spid="252"/>
+                                          <p:spTgt spid="251"/>
                                         </p:tgtEl>
                                         <p:attrNameLst>
                                           <p:attrName>style.visibility</p:attrName>
@@ -20751,7 +21007,7 @@
           </a:bodyPr>
           <a:lstStyle/>
           <a:p>
-            <a:pPr indent="0" lvl="0" marL="2743200" rtl="0" algn="l">
+            <a:pPr indent="457200" lvl="0" marL="2286000" rtl="0" algn="l">
               <a:spcBef>
                 <a:spcPts val="0"/>
               </a:spcBef>
@@ -20784,8 +21040,8 @@
         </p:blipFill>
         <p:spPr>
           <a:xfrm>
-            <a:off x="4571994" y="2255400"/>
-            <a:ext cx="3954951" cy="2445474"/>
+            <a:off x="228251" y="2064347"/>
+            <a:ext cx="4159176" cy="2571753"/>
           </a:xfrm>
           <a:prstGeom prst="rect">
             <a:avLst/>
@@ -20812,8 +21068,8 @@
         </p:blipFill>
         <p:spPr>
           <a:xfrm>
-            <a:off x="328998" y="2255400"/>
-            <a:ext cx="3954951" cy="2445474"/>
+            <a:off x="4571994" y="2024550"/>
+            <a:ext cx="4287924" cy="2651350"/>
           </a:xfrm>
           <a:prstGeom prst="rect">
             <a:avLst/>
@@ -20837,6 +21093,51 @@
             <p:seq concurrent="1" nextAc="seek">
               <p:cTn dur="indefinite" id="2" nodeType="mainSeq">
                 <p:childTnLst>
+                  <p:par>
+                    <p:cTn fill="hold">
+                      <p:stCondLst>
+                        <p:cond delay="indefinite"/>
+                      </p:stCondLst>
+                      <p:childTnLst>
+                        <p:par>
+                          <p:cTn fill="hold">
+                            <p:stCondLst>
+                              <p:cond delay="0"/>
+                            </p:stCondLst>
+                            <p:childTnLst>
+                              <p:par>
+                                <p:cTn fill="hold" nodeType="clickEffect" presetClass="entr" presetID="1" presetSubtype="0">
+                                  <p:stCondLst>
+                                    <p:cond delay="0"/>
+                                  </p:stCondLst>
+                                  <p:childTnLst>
+                                    <p:set>
+                                      <p:cBhvr>
+                                        <p:cTn dur="1" fill="hold">
+                                          <p:stCondLst>
+                                            <p:cond delay="0"/>
+                                          </p:stCondLst>
+                                        </p:cTn>
+                                        <p:tgtEl>
+                                          <p:spTgt spid="259"/>
+                                        </p:tgtEl>
+                                        <p:attrNameLst>
+                                          <p:attrName>style.visibility</p:attrName>
+                                        </p:attrNameLst>
+                                      </p:cBhvr>
+                                      <p:to>
+                                        <p:strVal val="visible"/>
+                                      </p:to>
+                                    </p:set>
+                                  </p:childTnLst>
+                                </p:cTn>
+                              </p:par>
+                            </p:childTnLst>
+                          </p:cTn>
+                        </p:par>
+                      </p:childTnLst>
+                    </p:cTn>
+                  </p:par>
                   <p:par>
                     <p:cTn fill="hold">
                       <p:stCondLst>
@@ -20909,51 +21210,6 @@
                                         </p:cTn>
                                         <p:tgtEl>
                                           <p:spTgt spid="258"/>
-                                        </p:tgtEl>
-                                        <p:attrNameLst>
-                                          <p:attrName>style.visibility</p:attrName>
-                                        </p:attrNameLst>
-                                      </p:cBhvr>
-                                      <p:to>
-                                        <p:strVal val="visible"/>
-                                      </p:to>
-                                    </p:set>
-                                  </p:childTnLst>
-                                </p:cTn>
-                              </p:par>
-                            </p:childTnLst>
-                          </p:cTn>
-                        </p:par>
-                      </p:childTnLst>
-                    </p:cTn>
-                  </p:par>
-                  <p:par>
-                    <p:cTn fill="hold">
-                      <p:stCondLst>
-                        <p:cond delay="indefinite"/>
-                      </p:stCondLst>
-                      <p:childTnLst>
-                        <p:par>
-                          <p:cTn fill="hold">
-                            <p:stCondLst>
-                              <p:cond delay="0"/>
-                            </p:stCondLst>
-                            <p:childTnLst>
-                              <p:par>
-                                <p:cTn fill="hold" nodeType="clickEffect" presetClass="entr" presetID="1" presetSubtype="0">
-                                  <p:stCondLst>
-                                    <p:cond delay="0"/>
-                                  </p:stCondLst>
-                                  <p:childTnLst>
-                                    <p:set>
-                                      <p:cBhvr>
-                                        <p:cTn dur="1" fill="hold">
-                                          <p:stCondLst>
-                                            <p:cond delay="0"/>
-                                          </p:stCondLst>
-                                        </p:cTn>
-                                        <p:tgtEl>
-                                          <p:spTgt spid="259"/>
                                         </p:tgtEl>
                                         <p:attrNameLst>
                                           <p:attrName>style.visibility</p:attrName>
@@ -21565,7 +21821,47 @@
             </a:pPr>
             <a:r>
               <a:rPr lang="en"/>
-              <a:t>Anscombe's Quartet</a:t>
+              <a:t>How To Lie With Statistics!</a:t>
+            </a:r>
+            <a:endParaRPr/>
+          </a:p>
+        </p:txBody>
+      </p:sp>
+      <p:sp>
+        <p:nvSpPr>
+          <p:cNvPr id="266" name="Google Shape;266;p42"/>
+          <p:cNvSpPr txBox="1"/>
+          <p:nvPr>
+            <p:ph idx="1" type="body"/>
+          </p:nvPr>
+        </p:nvSpPr>
+        <p:spPr>
+          <a:xfrm>
+            <a:off x="387900" y="1489824"/>
+            <a:ext cx="8368200" cy="3078900"/>
+          </a:xfrm>
+          <a:prstGeom prst="rect">
+            <a:avLst/>
+          </a:prstGeom>
+        </p:spPr>
+        <p:txBody>
+          <a:bodyPr anchorCtr="0" anchor="t" bIns="91425" lIns="91425" spcFirstLastPara="1" rIns="91425" wrap="square" tIns="91425">
+            <a:normAutofit/>
+          </a:bodyPr>
+          <a:lstStyle/>
+          <a:p>
+            <a:pPr indent="0" lvl="0" marL="2743200" rtl="0" algn="l">
+              <a:spcBef>
+                <a:spcPts val="0"/>
+              </a:spcBef>
+              <a:spcAft>
+                <a:spcPts val="1200"/>
+              </a:spcAft>
+              <a:buNone/>
+            </a:pPr>
+            <a:r>
+              <a:rPr lang="en"/>
+              <a:t>Mess with the axes!</a:t>
             </a:r>
             <a:endParaRPr/>
           </a:p>
@@ -21573,7 +21869,293 @@
       </p:sp>
       <p:pic>
         <p:nvPicPr>
-          <p:cNvPr id="266" name="Google Shape;266;p42"/>
+          <p:cNvPr id="267" name="Google Shape;267;p42" title="Chart"/>
+          <p:cNvPicPr preferRelativeResize="0"/>
+          <p:nvPr/>
+        </p:nvPicPr>
+        <p:blipFill>
+          <a:blip r:embed="rId3">
+            <a:alphaModFix/>
+          </a:blip>
+          <a:stretch>
+            <a:fillRect/>
+          </a:stretch>
+        </p:blipFill>
+        <p:spPr>
+          <a:xfrm>
+            <a:off x="4571994" y="2255400"/>
+            <a:ext cx="3954951" cy="2445474"/>
+          </a:xfrm>
+          <a:prstGeom prst="rect">
+            <a:avLst/>
+          </a:prstGeom>
+          <a:noFill/>
+          <a:ln>
+            <a:noFill/>
+          </a:ln>
+        </p:spPr>
+      </p:pic>
+      <p:pic>
+        <p:nvPicPr>
+          <p:cNvPr id="268" name="Google Shape;268;p42" title="Chart"/>
+          <p:cNvPicPr preferRelativeResize="0"/>
+          <p:nvPr/>
+        </p:nvPicPr>
+        <p:blipFill>
+          <a:blip r:embed="rId4">
+            <a:alphaModFix/>
+          </a:blip>
+          <a:stretch>
+            <a:fillRect/>
+          </a:stretch>
+        </p:blipFill>
+        <p:spPr>
+          <a:xfrm>
+            <a:off x="328998" y="2255400"/>
+            <a:ext cx="3954951" cy="2445474"/>
+          </a:xfrm>
+          <a:prstGeom prst="rect">
+            <a:avLst/>
+          </a:prstGeom>
+          <a:noFill/>
+          <a:ln>
+            <a:noFill/>
+          </a:ln>
+        </p:spPr>
+      </p:pic>
+    </p:spTree>
+  </p:cSld>
+  <p:clrMapOvr>
+    <a:masterClrMapping/>
+  </p:clrMapOvr>
+  <p:timing>
+    <p:tnLst>
+      <p:par>
+        <p:cTn dur="indefinite" nodeType="tmRoot" restart="never">
+          <p:childTnLst>
+            <p:seq concurrent="1" nextAc="seek">
+              <p:cTn dur="indefinite" id="2" nodeType="mainSeq">
+                <p:childTnLst>
+                  <p:par>
+                    <p:cTn fill="hold">
+                      <p:stCondLst>
+                        <p:cond delay="indefinite"/>
+                      </p:stCondLst>
+                      <p:childTnLst>
+                        <p:par>
+                          <p:cTn fill="hold">
+                            <p:stCondLst>
+                              <p:cond delay="0"/>
+                            </p:stCondLst>
+                            <p:childTnLst>
+                              <p:par>
+                                <p:cTn fill="hold" nodeType="clickEffect" presetClass="entr" presetID="1" presetSubtype="0">
+                                  <p:stCondLst>
+                                    <p:cond delay="0"/>
+                                  </p:stCondLst>
+                                  <p:childTnLst>
+                                    <p:set>
+                                      <p:cBhvr>
+                                        <p:cTn dur="1" fill="hold">
+                                          <p:stCondLst>
+                                            <p:cond delay="0"/>
+                                          </p:stCondLst>
+                                        </p:cTn>
+                                        <p:tgtEl>
+                                          <p:spTgt spid="268"/>
+                                        </p:tgtEl>
+                                        <p:attrNameLst>
+                                          <p:attrName>style.visibility</p:attrName>
+                                        </p:attrNameLst>
+                                      </p:cBhvr>
+                                      <p:to>
+                                        <p:strVal val="visible"/>
+                                      </p:to>
+                                    </p:set>
+                                  </p:childTnLst>
+                                </p:cTn>
+                              </p:par>
+                            </p:childTnLst>
+                          </p:cTn>
+                        </p:par>
+                      </p:childTnLst>
+                    </p:cTn>
+                  </p:par>
+                  <p:par>
+                    <p:cTn fill="hold">
+                      <p:stCondLst>
+                        <p:cond delay="indefinite"/>
+                      </p:stCondLst>
+                      <p:childTnLst>
+                        <p:par>
+                          <p:cTn fill="hold">
+                            <p:stCondLst>
+                              <p:cond delay="0"/>
+                            </p:stCondLst>
+                            <p:childTnLst>
+                              <p:par>
+                                <p:cTn fill="hold" nodeType="clickEffect" presetClass="entr" presetID="1" presetSubtype="0">
+                                  <p:stCondLst>
+                                    <p:cond delay="0"/>
+                                  </p:stCondLst>
+                                  <p:childTnLst>
+                                    <p:set>
+                                      <p:cBhvr>
+                                        <p:cTn dur="1" fill="hold">
+                                          <p:stCondLst>
+                                            <p:cond delay="0"/>
+                                          </p:stCondLst>
+                                        </p:cTn>
+                                        <p:tgtEl>
+                                          <p:spTgt spid="267"/>
+                                        </p:tgtEl>
+                                        <p:attrNameLst>
+                                          <p:attrName>style.visibility</p:attrName>
+                                        </p:attrNameLst>
+                                      </p:cBhvr>
+                                      <p:to>
+                                        <p:strVal val="visible"/>
+                                      </p:to>
+                                    </p:set>
+                                  </p:childTnLst>
+                                </p:cTn>
+                              </p:par>
+                            </p:childTnLst>
+                          </p:cTn>
+                        </p:par>
+                      </p:childTnLst>
+                    </p:cTn>
+                  </p:par>
+                  <p:par>
+                    <p:cTn fill="hold">
+                      <p:stCondLst>
+                        <p:cond delay="indefinite"/>
+                      </p:stCondLst>
+                      <p:childTnLst>
+                        <p:par>
+                          <p:cTn fill="hold">
+                            <p:stCondLst>
+                              <p:cond delay="0"/>
+                            </p:stCondLst>
+                            <p:childTnLst>
+                              <p:par>
+                                <p:cTn fill="hold" nodeType="clickEffect" presetClass="entr" presetID="1" presetSubtype="0">
+                                  <p:stCondLst>
+                                    <p:cond delay="0"/>
+                                  </p:stCondLst>
+                                  <p:childTnLst>
+                                    <p:set>
+                                      <p:cBhvr>
+                                        <p:cTn dur="1" fill="hold">
+                                          <p:stCondLst>
+                                            <p:cond delay="0"/>
+                                          </p:stCondLst>
+                                        </p:cTn>
+                                        <p:tgtEl>
+                                          <p:spTgt spid="266"/>
+                                        </p:tgtEl>
+                                        <p:attrNameLst>
+                                          <p:attrName>style.visibility</p:attrName>
+                                        </p:attrNameLst>
+                                      </p:cBhvr>
+                                      <p:to>
+                                        <p:strVal val="visible"/>
+                                      </p:to>
+                                    </p:set>
+                                  </p:childTnLst>
+                                </p:cTn>
+                              </p:par>
+                            </p:childTnLst>
+                          </p:cTn>
+                        </p:par>
+                      </p:childTnLst>
+                    </p:cTn>
+                  </p:par>
+                </p:childTnLst>
+              </p:cTn>
+              <p:prevCondLst>
+                <p:cond evt="onPrev">
+                  <p:tgtEl>
+                    <p:sldTgt/>
+                  </p:tgtEl>
+                </p:cond>
+              </p:prevCondLst>
+              <p:nextCondLst>
+                <p:cond evt="onNext">
+                  <p:tgtEl>
+                    <p:sldTgt/>
+                  </p:tgtEl>
+                </p:cond>
+              </p:nextCondLst>
+            </p:seq>
+          </p:childTnLst>
+        </p:cTn>
+      </p:par>
+    </p:tnLst>
+  </p:timing>
+</p:sld>
+</file>
+
+<file path=ppt/slides/slide31.xml><?xml version="1.0" encoding="utf-8"?>
+<p:sld xmlns:a="http://schemas.openxmlformats.org/drawingml/2006/main" xmlns:r="http://schemas.openxmlformats.org/officeDocument/2006/relationships" xmlns:mc="http://schemas.openxmlformats.org/markup-compatibility/2006" xmlns:mv="urn:schemas-microsoft-com:mac:vml" xmlns:p="http://schemas.openxmlformats.org/presentationml/2006/main" xmlns:c="http://schemas.openxmlformats.org/drawingml/2006/chart" xmlns:dgm="http://schemas.openxmlformats.org/drawingml/2006/diagram" xmlns:o="urn:schemas-microsoft-com:office:office" xmlns:v="urn:schemas-microsoft-com:vml" xmlns:pvml="urn:schemas-microsoft-com:office:powerpoint" xmlns:com="http://schemas.openxmlformats.org/drawingml/2006/compatibility" xmlns:p14="http://schemas.microsoft.com/office/powerpoint/2010/main" xmlns:p15="http://schemas.microsoft.com/office/powerpoint/2012/main" xmlns:ahyp="http://schemas.microsoft.com/office/drawing/2018/hyperlinkcolor">
+  <p:cSld>
+    <p:spTree>
+      <p:nvGrpSpPr>
+        <p:cNvPr id="272" name="Shape 272"/>
+        <p:cNvGrpSpPr/>
+        <p:nvPr/>
+      </p:nvGrpSpPr>
+      <p:grpSpPr>
+        <a:xfrm>
+          <a:off x="0" y="0"/>
+          <a:ext cx="0" cy="0"/>
+          <a:chOff x="0" y="0"/>
+          <a:chExt cx="0" cy="0"/>
+        </a:xfrm>
+      </p:grpSpPr>
+      <p:sp>
+        <p:nvSpPr>
+          <p:cNvPr id="273" name="Google Shape;273;p43"/>
+          <p:cNvSpPr txBox="1"/>
+          <p:nvPr>
+            <p:ph type="title"/>
+          </p:nvPr>
+        </p:nvSpPr>
+        <p:spPr>
+          <a:xfrm>
+            <a:off x="387900" y="458025"/>
+            <a:ext cx="8368200" cy="686100"/>
+          </a:xfrm>
+          <a:prstGeom prst="rect">
+            <a:avLst/>
+          </a:prstGeom>
+        </p:spPr>
+        <p:txBody>
+          <a:bodyPr anchorCtr="0" anchor="b" bIns="91425" lIns="91425" spcFirstLastPara="1" rIns="91425" wrap="square" tIns="91425">
+            <a:normAutofit/>
+          </a:bodyPr>
+          <a:lstStyle/>
+          <a:p>
+            <a:pPr indent="0" lvl="0" marL="0" rtl="0" algn="l">
+              <a:spcBef>
+                <a:spcPts val="0"/>
+              </a:spcBef>
+              <a:spcAft>
+                <a:spcPts val="0"/>
+              </a:spcAft>
+              <a:buNone/>
+            </a:pPr>
+            <a:r>
+              <a:rPr lang="en"/>
+              <a:t>Anscombe's Quartet</a:t>
+            </a:r>
+            <a:endParaRPr/>
+          </a:p>
+        </p:txBody>
+      </p:sp>
+      <p:pic>
+        <p:nvPicPr>
+          <p:cNvPr id="274" name="Google Shape;274;p43"/>
           <p:cNvPicPr preferRelativeResize="0"/>
           <p:nvPr/>
         </p:nvPicPr>
@@ -21601,7 +22183,7 @@
       </p:pic>
       <p:pic>
         <p:nvPicPr>
-          <p:cNvPr id="267" name="Google Shape;267;p42"/>
+          <p:cNvPr id="275" name="Google Shape;275;p43"/>
           <p:cNvPicPr preferRelativeResize="0"/>
           <p:nvPr/>
         </p:nvPicPr>
@@ -21629,7 +22211,7 @@
       </p:pic>
       <p:pic>
         <p:nvPicPr>
-          <p:cNvPr id="268" name="Google Shape;268;p42"/>
+          <p:cNvPr id="276" name="Google Shape;276;p43"/>
           <p:cNvPicPr preferRelativeResize="0"/>
           <p:nvPr/>
         </p:nvPicPr>
@@ -21663,12 +22245,12 @@
 </p:sld>
 </file>
 
-<file path=ppt/slides/slide31.xml><?xml version="1.0" encoding="utf-8"?>
+<file path=ppt/slides/slide32.xml><?xml version="1.0" encoding="utf-8"?>
 <p:sld xmlns:a="http://schemas.openxmlformats.org/drawingml/2006/main" xmlns:r="http://schemas.openxmlformats.org/officeDocument/2006/relationships" xmlns:mc="http://schemas.openxmlformats.org/markup-compatibility/2006" xmlns:mv="urn:schemas-microsoft-com:mac:vml" xmlns:p="http://schemas.openxmlformats.org/presentationml/2006/main" xmlns:c="http://schemas.openxmlformats.org/drawingml/2006/chart" xmlns:dgm="http://schemas.openxmlformats.org/drawingml/2006/diagram" xmlns:o="urn:schemas-microsoft-com:office:office" xmlns:v="urn:schemas-microsoft-com:vml" xmlns:pvml="urn:schemas-microsoft-com:office:powerpoint" xmlns:com="http://schemas.openxmlformats.org/drawingml/2006/compatibility" xmlns:p14="http://schemas.microsoft.com/office/powerpoint/2010/main" xmlns:p15="http://schemas.microsoft.com/office/powerpoint/2012/main" xmlns:ahyp="http://schemas.microsoft.com/office/drawing/2018/hyperlinkcolor">
   <p:cSld>
     <p:spTree>
       <p:nvGrpSpPr>
-        <p:cNvPr id="272" name="Shape 272"/>
+        <p:cNvPr id="280" name="Shape 280"/>
         <p:cNvGrpSpPr/>
         <p:nvPr/>
       </p:nvGrpSpPr>
@@ -21682,7 +22264,7 @@
       </p:grpSpPr>
       <p:pic>
         <p:nvPicPr>
-          <p:cNvPr id="273" name="Google Shape;273;p43"/>
+          <p:cNvPr id="281" name="Google Shape;281;p44"/>
           <p:cNvPicPr preferRelativeResize="0"/>
           <p:nvPr/>
         </p:nvPicPr>
@@ -21698,155 +22280,6 @@
           <a:xfrm>
             <a:off x="1349575" y="289825"/>
             <a:ext cx="6611150" cy="4681600"/>
-          </a:xfrm>
-          <a:prstGeom prst="rect">
-            <a:avLst/>
-          </a:prstGeom>
-          <a:noFill/>
-          <a:ln>
-            <a:noFill/>
-          </a:ln>
-        </p:spPr>
-      </p:pic>
-    </p:spTree>
-  </p:cSld>
-  <p:clrMapOvr>
-    <a:masterClrMapping/>
-  </p:clrMapOvr>
-</p:sld>
-</file>
-
-<file path=ppt/slides/slide32.xml><?xml version="1.0" encoding="utf-8"?>
-<p:sld xmlns:a="http://schemas.openxmlformats.org/drawingml/2006/main" xmlns:r="http://schemas.openxmlformats.org/officeDocument/2006/relationships" xmlns:mc="http://schemas.openxmlformats.org/markup-compatibility/2006" xmlns:mv="urn:schemas-microsoft-com:mac:vml" xmlns:p="http://schemas.openxmlformats.org/presentationml/2006/main" xmlns:c="http://schemas.openxmlformats.org/drawingml/2006/chart" xmlns:dgm="http://schemas.openxmlformats.org/drawingml/2006/diagram" xmlns:o="urn:schemas-microsoft-com:office:office" xmlns:v="urn:schemas-microsoft-com:vml" xmlns:pvml="urn:schemas-microsoft-com:office:powerpoint" xmlns:com="http://schemas.openxmlformats.org/drawingml/2006/compatibility" xmlns:p14="http://schemas.microsoft.com/office/powerpoint/2010/main" xmlns:p15="http://schemas.microsoft.com/office/powerpoint/2012/main" xmlns:ahyp="http://schemas.microsoft.com/office/drawing/2018/hyperlinkcolor">
-  <p:cSld>
-    <p:spTree>
-      <p:nvGrpSpPr>
-        <p:cNvPr id="277" name="Shape 277"/>
-        <p:cNvGrpSpPr/>
-        <p:nvPr/>
-      </p:nvGrpSpPr>
-      <p:grpSpPr>
-        <a:xfrm>
-          <a:off x="0" y="0"/>
-          <a:ext cx="0" cy="0"/>
-          <a:chOff x="0" y="0"/>
-          <a:chExt cx="0" cy="0"/>
-        </a:xfrm>
-      </p:grpSpPr>
-      <p:sp>
-        <p:nvSpPr>
-          <p:cNvPr id="278" name="Google Shape;278;p44"/>
-          <p:cNvSpPr txBox="1"/>
-          <p:nvPr>
-            <p:ph type="title"/>
-          </p:nvPr>
-        </p:nvSpPr>
-        <p:spPr>
-          <a:xfrm>
-            <a:off x="387900" y="458025"/>
-            <a:ext cx="8368200" cy="686100"/>
-          </a:xfrm>
-          <a:prstGeom prst="rect">
-            <a:avLst/>
-          </a:prstGeom>
-        </p:spPr>
-        <p:txBody>
-          <a:bodyPr anchorCtr="0" anchor="b" bIns="91425" lIns="91425" spcFirstLastPara="1" rIns="91425" wrap="square" tIns="91425">
-            <a:normAutofit/>
-          </a:bodyPr>
-          <a:lstStyle/>
-          <a:p>
-            <a:pPr indent="0" lvl="0" marL="0" rtl="0" algn="l">
-              <a:spcBef>
-                <a:spcPts val="0"/>
-              </a:spcBef>
-              <a:spcAft>
-                <a:spcPts val="0"/>
-              </a:spcAft>
-              <a:buNone/>
-            </a:pPr>
-            <a:r>
-              <a:rPr lang="en"/>
-              <a:t>Anscombe's Quartet</a:t>
-            </a:r>
-            <a:endParaRPr/>
-          </a:p>
-        </p:txBody>
-      </p:sp>
-      <p:pic>
-        <p:nvPicPr>
-          <p:cNvPr id="279" name="Google Shape;279;p44"/>
-          <p:cNvPicPr preferRelativeResize="0"/>
-          <p:nvPr/>
-        </p:nvPicPr>
-        <p:blipFill>
-          <a:blip r:embed="rId3">
-            <a:alphaModFix/>
-          </a:blip>
-          <a:stretch>
-            <a:fillRect/>
-          </a:stretch>
-        </p:blipFill>
-        <p:spPr>
-          <a:xfrm>
-            <a:off x="152400" y="1170125"/>
-            <a:ext cx="3552825" cy="3714750"/>
-          </a:xfrm>
-          <a:prstGeom prst="rect">
-            <a:avLst/>
-          </a:prstGeom>
-          <a:noFill/>
-          <a:ln>
-            <a:noFill/>
-          </a:ln>
-        </p:spPr>
-      </p:pic>
-      <p:pic>
-        <p:nvPicPr>
-          <p:cNvPr id="280" name="Google Shape;280;p44"/>
-          <p:cNvPicPr preferRelativeResize="0"/>
-          <p:nvPr/>
-        </p:nvPicPr>
-        <p:blipFill>
-          <a:blip r:embed="rId4">
-            <a:alphaModFix/>
-          </a:blip>
-          <a:stretch>
-            <a:fillRect/>
-          </a:stretch>
-        </p:blipFill>
-        <p:spPr>
-          <a:xfrm>
-            <a:off x="4414650" y="1734400"/>
-            <a:ext cx="3981450" cy="2819400"/>
-          </a:xfrm>
-          <a:prstGeom prst="rect">
-            <a:avLst/>
-          </a:prstGeom>
-          <a:noFill/>
-          <a:ln>
-            <a:noFill/>
-          </a:ln>
-        </p:spPr>
-      </p:pic>
-      <p:pic>
-        <p:nvPicPr>
-          <p:cNvPr id="281" name="Google Shape;281;p44"/>
-          <p:cNvPicPr preferRelativeResize="0"/>
-          <p:nvPr/>
-        </p:nvPicPr>
-        <p:blipFill>
-          <a:blip r:embed="rId5">
-            <a:alphaModFix/>
-          </a:blip>
-          <a:stretch>
-            <a:fillRect/>
-          </a:stretch>
-        </p:blipFill>
-        <p:spPr>
-          <a:xfrm>
-            <a:off x="4414645" y="187195"/>
-            <a:ext cx="4028174" cy="1223125"/>
           </a:xfrm>
           <a:prstGeom prst="rect">
             <a:avLst/>
@@ -21892,6 +22325,155 @@
         </p:nvSpPr>
         <p:spPr>
           <a:xfrm>
+            <a:off x="387900" y="458025"/>
+            <a:ext cx="8368200" cy="686100"/>
+          </a:xfrm>
+          <a:prstGeom prst="rect">
+            <a:avLst/>
+          </a:prstGeom>
+        </p:spPr>
+        <p:txBody>
+          <a:bodyPr anchorCtr="0" anchor="b" bIns="91425" lIns="91425" spcFirstLastPara="1" rIns="91425" wrap="square" tIns="91425">
+            <a:normAutofit/>
+          </a:bodyPr>
+          <a:lstStyle/>
+          <a:p>
+            <a:pPr indent="0" lvl="0" marL="0" rtl="0" algn="l">
+              <a:spcBef>
+                <a:spcPts val="0"/>
+              </a:spcBef>
+              <a:spcAft>
+                <a:spcPts val="0"/>
+              </a:spcAft>
+              <a:buNone/>
+            </a:pPr>
+            <a:r>
+              <a:rPr lang="en"/>
+              <a:t>Anscombe's Quartet</a:t>
+            </a:r>
+            <a:endParaRPr/>
+          </a:p>
+        </p:txBody>
+      </p:sp>
+      <p:pic>
+        <p:nvPicPr>
+          <p:cNvPr id="287" name="Google Shape;287;p45"/>
+          <p:cNvPicPr preferRelativeResize="0"/>
+          <p:nvPr/>
+        </p:nvPicPr>
+        <p:blipFill>
+          <a:blip r:embed="rId3">
+            <a:alphaModFix/>
+          </a:blip>
+          <a:stretch>
+            <a:fillRect/>
+          </a:stretch>
+        </p:blipFill>
+        <p:spPr>
+          <a:xfrm>
+            <a:off x="152400" y="1170125"/>
+            <a:ext cx="3552825" cy="3714750"/>
+          </a:xfrm>
+          <a:prstGeom prst="rect">
+            <a:avLst/>
+          </a:prstGeom>
+          <a:noFill/>
+          <a:ln>
+            <a:noFill/>
+          </a:ln>
+        </p:spPr>
+      </p:pic>
+      <p:pic>
+        <p:nvPicPr>
+          <p:cNvPr id="288" name="Google Shape;288;p45"/>
+          <p:cNvPicPr preferRelativeResize="0"/>
+          <p:nvPr/>
+        </p:nvPicPr>
+        <p:blipFill>
+          <a:blip r:embed="rId4">
+            <a:alphaModFix/>
+          </a:blip>
+          <a:stretch>
+            <a:fillRect/>
+          </a:stretch>
+        </p:blipFill>
+        <p:spPr>
+          <a:xfrm>
+            <a:off x="4414650" y="1734400"/>
+            <a:ext cx="3981450" cy="2819400"/>
+          </a:xfrm>
+          <a:prstGeom prst="rect">
+            <a:avLst/>
+          </a:prstGeom>
+          <a:noFill/>
+          <a:ln>
+            <a:noFill/>
+          </a:ln>
+        </p:spPr>
+      </p:pic>
+      <p:pic>
+        <p:nvPicPr>
+          <p:cNvPr id="289" name="Google Shape;289;p45"/>
+          <p:cNvPicPr preferRelativeResize="0"/>
+          <p:nvPr/>
+        </p:nvPicPr>
+        <p:blipFill>
+          <a:blip r:embed="rId5">
+            <a:alphaModFix/>
+          </a:blip>
+          <a:stretch>
+            <a:fillRect/>
+          </a:stretch>
+        </p:blipFill>
+        <p:spPr>
+          <a:xfrm>
+            <a:off x="4414645" y="187195"/>
+            <a:ext cx="4028174" cy="1223125"/>
+          </a:xfrm>
+          <a:prstGeom prst="rect">
+            <a:avLst/>
+          </a:prstGeom>
+          <a:noFill/>
+          <a:ln>
+            <a:noFill/>
+          </a:ln>
+        </p:spPr>
+      </p:pic>
+    </p:spTree>
+  </p:cSld>
+  <p:clrMapOvr>
+    <a:masterClrMapping/>
+  </p:clrMapOvr>
+</p:sld>
+</file>
+
+<file path=ppt/slides/slide34.xml><?xml version="1.0" encoding="utf-8"?>
+<p:sld xmlns:a="http://schemas.openxmlformats.org/drawingml/2006/main" xmlns:r="http://schemas.openxmlformats.org/officeDocument/2006/relationships" xmlns:mc="http://schemas.openxmlformats.org/markup-compatibility/2006" xmlns:mv="urn:schemas-microsoft-com:mac:vml" xmlns:p="http://schemas.openxmlformats.org/presentationml/2006/main" xmlns:c="http://schemas.openxmlformats.org/drawingml/2006/chart" xmlns:dgm="http://schemas.openxmlformats.org/drawingml/2006/diagram" xmlns:o="urn:schemas-microsoft-com:office:office" xmlns:v="urn:schemas-microsoft-com:vml" xmlns:pvml="urn:schemas-microsoft-com:office:powerpoint" xmlns:com="http://schemas.openxmlformats.org/drawingml/2006/compatibility" xmlns:p14="http://schemas.microsoft.com/office/powerpoint/2010/main" xmlns:p15="http://schemas.microsoft.com/office/powerpoint/2012/main" xmlns:ahyp="http://schemas.microsoft.com/office/drawing/2018/hyperlinkcolor">
+  <p:cSld>
+    <p:spTree>
+      <p:nvGrpSpPr>
+        <p:cNvPr id="293" name="Shape 293"/>
+        <p:cNvGrpSpPr/>
+        <p:nvPr/>
+      </p:nvGrpSpPr>
+      <p:grpSpPr>
+        <a:xfrm>
+          <a:off x="0" y="0"/>
+          <a:ext cx="0" cy="0"/>
+          <a:chOff x="0" y="0"/>
+          <a:chExt cx="0" cy="0"/>
+        </a:xfrm>
+      </p:grpSpPr>
+      <p:sp>
+        <p:nvSpPr>
+          <p:cNvPr id="294" name="Google Shape;294;p46"/>
+          <p:cNvSpPr txBox="1"/>
+          <p:nvPr>
+            <p:ph type="title"/>
+          </p:nvPr>
+        </p:nvSpPr>
+        <p:spPr>
+          <a:xfrm>
             <a:off x="2079450" y="1854225"/>
             <a:ext cx="4985100" cy="831300"/>
           </a:xfrm>
@@ -21931,12 +22513,12 @@
 </p:sld>
 </file>
 
-<file path=ppt/slides/slide34.xml><?xml version="1.0" encoding="utf-8"?>
+<file path=ppt/slides/slide35.xml><?xml version="1.0" encoding="utf-8"?>
 <p:sld xmlns:a="http://schemas.openxmlformats.org/drawingml/2006/main" xmlns:r="http://schemas.openxmlformats.org/officeDocument/2006/relationships" xmlns:mc="http://schemas.openxmlformats.org/markup-compatibility/2006" xmlns:mv="urn:schemas-microsoft-com:mac:vml" xmlns:p="http://schemas.openxmlformats.org/presentationml/2006/main" xmlns:c="http://schemas.openxmlformats.org/drawingml/2006/chart" xmlns:dgm="http://schemas.openxmlformats.org/drawingml/2006/diagram" xmlns:o="urn:schemas-microsoft-com:office:office" xmlns:v="urn:schemas-microsoft-com:vml" xmlns:pvml="urn:schemas-microsoft-com:office:powerpoint" xmlns:com="http://schemas.openxmlformats.org/drawingml/2006/compatibility" xmlns:p14="http://schemas.microsoft.com/office/powerpoint/2010/main" xmlns:p15="http://schemas.microsoft.com/office/powerpoint/2012/main" xmlns:ahyp="http://schemas.microsoft.com/office/drawing/2018/hyperlinkcolor">
   <p:cSld>
     <p:spTree>
       <p:nvGrpSpPr>
-        <p:cNvPr id="290" name="Shape 290"/>
+        <p:cNvPr id="298" name="Shape 298"/>
         <p:cNvGrpSpPr/>
         <p:nvPr/>
       </p:nvGrpSpPr>
@@ -21950,7 +22532,7 @@
       </p:grpSpPr>
       <p:sp>
         <p:nvSpPr>
-          <p:cNvPr id="291" name="Google Shape;291;p46"/>
+          <p:cNvPr id="299" name="Google Shape;299;p47"/>
           <p:cNvSpPr txBox="1"/>
           <p:nvPr>
             <p:ph type="title"/>
@@ -21990,7 +22572,7 @@
       </p:sp>
       <p:sp>
         <p:nvSpPr>
-          <p:cNvPr id="292" name="Google Shape;292;p46"/>
+          <p:cNvPr id="300" name="Google Shape;300;p47"/>
           <p:cNvSpPr txBox="1"/>
           <p:nvPr>
             <p:ph idx="1" type="body"/>
@@ -22169,7 +22751,7 @@
                                           </p:stCondLst>
                                         </p:cTn>
                                         <p:tgtEl>
-                                          <p:spTgt spid="292">
+                                          <p:spTgt spid="300">
                                             <p:txEl>
                                               <p:pRg end="0" st="0"/>
                                             </p:txEl>
@@ -22218,7 +22800,7 @@
                                           </p:stCondLst>
                                         </p:cTn>
                                         <p:tgtEl>
-                                          <p:spTgt spid="292">
+                                          <p:spTgt spid="300">
                                             <p:txEl>
                                               <p:pRg end="1" st="1"/>
                                             </p:txEl>
@@ -22267,7 +22849,7 @@
                                           </p:stCondLst>
                                         </p:cTn>
                                         <p:tgtEl>
-                                          <p:spTgt spid="292">
+                                          <p:spTgt spid="300">
                                             <p:txEl>
                                               <p:pRg end="2" st="2"/>
                                             </p:txEl>
@@ -22316,7 +22898,7 @@
                                           </p:stCondLst>
                                         </p:cTn>
                                         <p:tgtEl>
-                                          <p:spTgt spid="292">
+                                          <p:spTgt spid="300">
                                             <p:txEl>
                                               <p:pRg end="3" st="3"/>
                                             </p:txEl>
@@ -22365,7 +22947,7 @@
                                           </p:stCondLst>
                                         </p:cTn>
                                         <p:tgtEl>
-                                          <p:spTgt spid="292">
+                                          <p:spTgt spid="300">
                                             <p:txEl>
                                               <p:pRg end="4" st="4"/>
                                             </p:txEl>
@@ -22414,7 +22996,7 @@
                                           </p:stCondLst>
                                         </p:cTn>
                                         <p:tgtEl>
-                                          <p:spTgt spid="292">
+                                          <p:spTgt spid="300">
                                             <p:txEl>
                                               <p:pRg end="5" st="5"/>
                                             </p:txEl>
@@ -22462,12 +23044,12 @@
 </p:sld>
 </file>
 
-<file path=ppt/slides/slide35.xml><?xml version="1.0" encoding="utf-8"?>
+<file path=ppt/slides/slide36.xml><?xml version="1.0" encoding="utf-8"?>
 <p:sld xmlns:a="http://schemas.openxmlformats.org/drawingml/2006/main" xmlns:r="http://schemas.openxmlformats.org/officeDocument/2006/relationships" xmlns:mc="http://schemas.openxmlformats.org/markup-compatibility/2006" xmlns:mv="urn:schemas-microsoft-com:mac:vml" xmlns:p="http://schemas.openxmlformats.org/presentationml/2006/main" xmlns:c="http://schemas.openxmlformats.org/drawingml/2006/chart" xmlns:dgm="http://schemas.openxmlformats.org/drawingml/2006/diagram" xmlns:o="urn:schemas-microsoft-com:office:office" xmlns:v="urn:schemas-microsoft-com:vml" xmlns:pvml="urn:schemas-microsoft-com:office:powerpoint" xmlns:com="http://schemas.openxmlformats.org/drawingml/2006/compatibility" xmlns:p14="http://schemas.microsoft.com/office/powerpoint/2010/main" xmlns:p15="http://schemas.microsoft.com/office/powerpoint/2012/main" xmlns:ahyp="http://schemas.microsoft.com/office/drawing/2018/hyperlinkcolor">
   <p:cSld>
     <p:spTree>
       <p:nvGrpSpPr>
-        <p:cNvPr id="296" name="Shape 296"/>
+        <p:cNvPr id="304" name="Shape 304"/>
         <p:cNvGrpSpPr/>
         <p:nvPr/>
       </p:nvGrpSpPr>
@@ -22481,7 +23063,7 @@
       </p:grpSpPr>
       <p:pic>
         <p:nvPicPr>
-          <p:cNvPr descr="Today we're going to start our two-part unit on data visualization. Up to this point we've discussed raw data - which are just numbers - but usually it's much more useful to represent this information with charts and graphs. There are two types of data we encounter, categorical and quantitative data, and they likewise require different types of visualizations. Today we'll focus on bar charts, pie charts, pictographs, and histograms and show you what they can and cannot tell us about their underlying data as well as some of the ways they can be misused to misinform.  &#10;&#10;Crash Course is on Patreon! You can support us directly by signing up at http://www.patreon.com/crashcourse&#10;&#10;Thanks to the following Patrons for their generous monthly contributions that help keep Crash Course free for everyone forever:&#10;&#10;Mark Brouwer, Nickie Miskell Jr., Jessica Wode, Eric Prestemon, Kathrin Benoit, Tom Trval, Jason Saslow, Nathan Taylor, Divonne Holmes à Court, Brian Thomas Gossett, Khaled El Shalakany, Indika Siriwardena, Robert Kunz, SR Foxley, Sam Ferguson, Yasenia Cruz, Daniel Baulig, Eric Koslow, Caleb Weeks, Tim Curwick, Evren Türkmenoğlu, Alexander Tamas, Justin Zingsheim, D.A. Noe, Shawn Arnold, mark austin, Ruth Perez, Malcolm Callis, Ken Penttinen, Advait Shinde, Cody Carpenter, Annamaria Herrera, William McGraw, Bader AlGhamdi, Vaso, Melissa Briski, Joey Quek, Andrei Krishkevich, Rachel Bright, Alex S, Mayumi Maeda, Kathy &amp; Tim Philip, Montather, Jirat, Eric Kitchen, Moritz Schmidt, Ian Dundore, Chris Peters, Sandra Aft, Steve Marshall&#10;--&#10;&#10;Want to find Crash Course elsewhere on the internet?&#10;Facebook - http://www.facebook.com/YouTubeCrashCourse&#10;Twitter - http://www.twitter.com/TheCrashCourse&#10;Tumblr - http://thecrashcourse.tumblr.com &#10;Support Crash Course on Patreon: http://patreon.com/crashcourse&#10;&#10;CC Kids: http://www.youtube.com/crashcoursekids" id="297" name="Google Shape;297;p47" title="Charts Are Like Pasta - Data Visualization Part 1: Crash Course Statistics #5">
+          <p:cNvPr descr="Today we're going to start our two-part unit on data visualization. Up to this point we've discussed raw data - which are just numbers - but usually it's much more useful to represent this information with charts and graphs. There are two types of data we encounter, categorical and quantitative data, and they likewise require different types of visualizations. Today we'll focus on bar charts, pie charts, pictographs, and histograms and show you what they can and cannot tell us about their underlying data as well as some of the ways they can be misused to misinform.  &#10;&#10;Crash Course is on Patreon! You can support us directly by signing up at http://www.patreon.com/crashcourse&#10;&#10;Thanks to the following Patrons for their generous monthly contributions that help keep Crash Course free for everyone forever:&#10;&#10;Mark Brouwer, Nickie Miskell Jr., Jessica Wode, Eric Prestemon, Kathrin Benoit, Tom Trval, Jason Saslow, Nathan Taylor, Divonne Holmes à Court, Brian Thomas Gossett, Khaled El Shalakany, Indika Siriwardena, Robert Kunz, SR Foxley, Sam Ferguson, Yasenia Cruz, Daniel Baulig, Eric Koslow, Caleb Weeks, Tim Curwick, Evren Türkmenoğlu, Alexander Tamas, Justin Zingsheim, D.A. Noe, Shawn Arnold, mark austin, Ruth Perez, Malcolm Callis, Ken Penttinen, Advait Shinde, Cody Carpenter, Annamaria Herrera, William McGraw, Bader AlGhamdi, Vaso, Melissa Briski, Joey Quek, Andrei Krishkevich, Rachel Bright, Alex S, Mayumi Maeda, Kathy &amp; Tim Philip, Montather, Jirat, Eric Kitchen, Moritz Schmidt, Ian Dundore, Chris Peters, Sandra Aft, Steve Marshall&#10;--&#10;&#10;Want to find Crash Course elsewhere on the internet?&#10;Facebook - http://www.facebook.com/YouTubeCrashCourse&#10;Twitter - http://www.twitter.com/TheCrashCourse&#10;Tumblr - http://thecrashcourse.tumblr.com &#10;Support Crash Course on Patreon: http://patreon.com/crashcourse&#10;&#10;CC Kids: http://www.youtube.com/crashcoursekids" id="305" name="Google Shape;305;p48" title="Charts Are Like Pasta - Data Visualization Part 1: Crash Course Statistics #5">
             <a:hlinkClick r:id="rId3"/>
           </p:cNvPr>
           <p:cNvPicPr preferRelativeResize="0"/>
@@ -22548,7 +23130,7 @@
                                           </p:stCondLst>
                                         </p:cTn>
                                         <p:tgtEl>
-                                          <p:spTgt spid="297"/>
+                                          <p:spTgt spid="305"/>
                                         </p:tgtEl>
                                         <p:attrNameLst>
                                           <p:attrName>style.visibility</p:attrName>
@@ -22562,7 +23144,7 @@
                                       <p:cBhvr>
                                         <p:cTn dur="1000"/>
                                         <p:tgtEl>
-                                          <p:spTgt spid="297"/>
+                                          <p:spTgt spid="305"/>
                                         </p:tgtEl>
                                       </p:cBhvr>
                                     </p:animEffect>
@@ -22600,12 +23182,12 @@
 </p:sld>
 </file>
 
-<file path=ppt/slides/slide36.xml><?xml version="1.0" encoding="utf-8"?>
+<file path=ppt/slides/slide37.xml><?xml version="1.0" encoding="utf-8"?>
 <p:sld xmlns:a="http://schemas.openxmlformats.org/drawingml/2006/main" xmlns:r="http://schemas.openxmlformats.org/officeDocument/2006/relationships" xmlns:mc="http://schemas.openxmlformats.org/markup-compatibility/2006" xmlns:mv="urn:schemas-microsoft-com:mac:vml" xmlns:p="http://schemas.openxmlformats.org/presentationml/2006/main" xmlns:c="http://schemas.openxmlformats.org/drawingml/2006/chart" xmlns:dgm="http://schemas.openxmlformats.org/drawingml/2006/diagram" xmlns:o="urn:schemas-microsoft-com:office:office" xmlns:v="urn:schemas-microsoft-com:vml" xmlns:pvml="urn:schemas-microsoft-com:office:powerpoint" xmlns:com="http://schemas.openxmlformats.org/drawingml/2006/compatibility" xmlns:p14="http://schemas.microsoft.com/office/powerpoint/2010/main" xmlns:p15="http://schemas.microsoft.com/office/powerpoint/2012/main" xmlns:ahyp="http://schemas.microsoft.com/office/drawing/2018/hyperlinkcolor">
   <p:cSld>
     <p:spTree>
       <p:nvGrpSpPr>
-        <p:cNvPr id="301" name="Shape 301"/>
+        <p:cNvPr id="309" name="Shape 309"/>
         <p:cNvGrpSpPr/>
         <p:nvPr/>
       </p:nvGrpSpPr>
@@ -22619,7 +23201,7 @@
       </p:grpSpPr>
       <p:pic>
         <p:nvPicPr>
-          <p:cNvPr descr="Today we’re going to finish up our unit on data visualization by taking a closer look at how dot plots, box plots, and stem and leaf plots represent data. We’ll also talk about the rules we can use to identify outliers and apply our new data viz skills by taking a closer look at how Justin Timberlake’s song lyrics have changed since he went solo. &#10;&#10;We scraped our Justin Timberlake song data from lyrics.com. If you're interested in how we did it or would like to try out the code on a different artist, check out our code on GitHub: https://github.com/cmparlettpelleriti/CC2018/tree/master/unique_lyrs &#10;&#10;DISCLAIMER: Please be respectful to lyrics websites when scraping data. Some sites may have limits for the number of requests you can make each day.&#10;&#10;Crash Course is on Patreon! You can support us directly by signing up at http://www.patreon.com/crashcourse&#10;&#10;Thanks to the following Patrons for their generous monthly contributions that help keep Crash Course free for everyone forever:&#10;&#10;Mark Brouwer, Nickie Miskell Jr., Jessica Wode, Eric Prestemon, Kathrin Benoit, Tom Trval, Jason Saslow, Nathan Taylor, Divonne Holmes à Court, Brian Thomas Gossett, Khaled El Shalakany, Indika Siriwardena, Robert Kunz, SR Foxley, Sam Ferguson, Yasenia Cruz, Daniel Baulig, Eric Koslow, Caleb Weeks, Tim Curwick, Evren Türkmenoğlu, Alexander Tamas, Justin Zingsheim, D.A. Noe, Shawn Arnold, mark austin, Ruth Perez, Malcolm Callis, Ken Penttinen, Advait Shinde, Cody Carpenter, Annamaria Herrera, William McGraw, Bader AlGhamdi, Vaso, Melissa Briski, Joey Quek, Andrei Krishkevich, Rachel Bright, Alex S, Mayumi Maeda, Kathy &amp; Tim Philip, Montather, Jirat, Eric Kitchen, Moritz Schmidt, Ian Dundore, Chris Peters, Sandra Aft, Steve Marshall&#10;&#10;Want to find Crash Course elsewhere on the internet?&#10;Facebook - http://www.facebook.com/YouTubeCrashC...&#10;Twitter - http://www.twitter.com/TheCrashCourse&#10;Tumblr - http://thecrashcourse.tumblr.com &#10;Support Crash Course on Patreon: http://patreon.com/crashcourse&#10;CC Kids: http://www.youtube.com/crashcoursekids" id="302" name="Google Shape;302;p48" title="Plots, Outliers, and Justin Timberlake: Data Visualization Part 2: Crash Course Statistics #6">
+          <p:cNvPr descr="Today we’re going to finish up our unit on data visualization by taking a closer look at how dot plots, box plots, and stem and leaf plots represent data. We’ll also talk about the rules we can use to identify outliers and apply our new data viz skills by taking a closer look at how Justin Timberlake’s song lyrics have changed since he went solo. &#10;&#10;We scraped our Justin Timberlake song data from lyrics.com. If you're interested in how we did it or would like to try out the code on a different artist, check out our code on GitHub: https://github.com/cmparlettpelleriti/CC2018/tree/master/unique_lyrs &#10;&#10;DISCLAIMER: Please be respectful to lyrics websites when scraping data. Some sites may have limits for the number of requests you can make each day.&#10;&#10;Crash Course is on Patreon! You can support us directly by signing up at http://www.patreon.com/crashcourse&#10;&#10;Thanks to the following Patrons for their generous monthly contributions that help keep Crash Course free for everyone forever:&#10;&#10;Mark Brouwer, Nickie Miskell Jr., Jessica Wode, Eric Prestemon, Kathrin Benoit, Tom Trval, Jason Saslow, Nathan Taylor, Divonne Holmes à Court, Brian Thomas Gossett, Khaled El Shalakany, Indika Siriwardena, Robert Kunz, SR Foxley, Sam Ferguson, Yasenia Cruz, Daniel Baulig, Eric Koslow, Caleb Weeks, Tim Curwick, Evren Türkmenoğlu, Alexander Tamas, Justin Zingsheim, D.A. Noe, Shawn Arnold, mark austin, Ruth Perez, Malcolm Callis, Ken Penttinen, Advait Shinde, Cody Carpenter, Annamaria Herrera, William McGraw, Bader AlGhamdi, Vaso, Melissa Briski, Joey Quek, Andrei Krishkevich, Rachel Bright, Alex S, Mayumi Maeda, Kathy &amp; Tim Philip, Montather, Jirat, Eric Kitchen, Moritz Schmidt, Ian Dundore, Chris Peters, Sandra Aft, Steve Marshall&#10;&#10;Want to find Crash Course elsewhere on the internet?&#10;Facebook - http://www.facebook.com/YouTubeCrashC...&#10;Twitter - http://www.twitter.com/TheCrashCourse&#10;Tumblr - http://thecrashcourse.tumblr.com &#10;Support Crash Course on Patreon: http://patreon.com/crashcourse&#10;CC Kids: http://www.youtube.com/crashcoursekids" id="310" name="Google Shape;310;p49" title="Plots, Outliers, and Justin Timberlake: Data Visualization Part 2: Crash Course Statistics #6">
             <a:hlinkClick r:id="rId3"/>
           </p:cNvPr>
           <p:cNvPicPr preferRelativeResize="0"/>
@@ -22686,7 +23268,7 @@
                                           </p:stCondLst>
                                         </p:cTn>
                                         <p:tgtEl>
-                                          <p:spTgt spid="302"/>
+                                          <p:spTgt spid="310"/>
                                         </p:tgtEl>
                                         <p:attrNameLst>
                                           <p:attrName>style.visibility</p:attrName>
@@ -22700,7 +23282,7 @@
                                       <p:cBhvr>
                                         <p:cTn dur="1000"/>
                                         <p:tgtEl>
-                                          <p:spTgt spid="302"/>
+                                          <p:spTgt spid="310"/>
                                         </p:tgtEl>
                                       </p:cBhvr>
                                     </p:animEffect>
@@ -22738,12 +23320,12 @@
 </p:sld>
 </file>
 
-<file path=ppt/slides/slide37.xml><?xml version="1.0" encoding="utf-8"?>
+<file path=ppt/slides/slide38.xml><?xml version="1.0" encoding="utf-8"?>
 <p:sld xmlns:a="http://schemas.openxmlformats.org/drawingml/2006/main" xmlns:r="http://schemas.openxmlformats.org/officeDocument/2006/relationships" xmlns:mc="http://schemas.openxmlformats.org/markup-compatibility/2006" xmlns:mv="urn:schemas-microsoft-com:mac:vml" xmlns:p="http://schemas.openxmlformats.org/presentationml/2006/main" xmlns:c="http://schemas.openxmlformats.org/drawingml/2006/chart" xmlns:dgm="http://schemas.openxmlformats.org/drawingml/2006/diagram" xmlns:o="urn:schemas-microsoft-com:office:office" xmlns:v="urn:schemas-microsoft-com:vml" xmlns:pvml="urn:schemas-microsoft-com:office:powerpoint" xmlns:com="http://schemas.openxmlformats.org/drawingml/2006/compatibility" xmlns:p14="http://schemas.microsoft.com/office/powerpoint/2010/main" xmlns:p15="http://schemas.microsoft.com/office/powerpoint/2012/main" xmlns:ahyp="http://schemas.microsoft.com/office/drawing/2018/hyperlinkcolor">
   <p:cSld>
     <p:spTree>
       <p:nvGrpSpPr>
-        <p:cNvPr id="306" name="Shape 306"/>
+        <p:cNvPr id="314" name="Shape 314"/>
         <p:cNvGrpSpPr/>
         <p:nvPr/>
       </p:nvGrpSpPr>
@@ -22757,7 +23339,7 @@
       </p:grpSpPr>
       <p:sp>
         <p:nvSpPr>
-          <p:cNvPr id="307" name="Google Shape;307;p49"/>
+          <p:cNvPr id="315" name="Google Shape;315;p50"/>
           <p:cNvSpPr txBox="1"/>
           <p:nvPr>
             <p:ph type="title"/>
@@ -22797,7 +23379,7 @@
       </p:sp>
       <p:sp>
         <p:nvSpPr>
-          <p:cNvPr id="308" name="Google Shape;308;p49"/>
+          <p:cNvPr id="316" name="Google Shape;316;p50"/>
           <p:cNvSpPr txBox="1"/>
           <p:nvPr>
             <p:ph idx="1" type="body"/>
@@ -22953,7 +23535,7 @@
                                           </p:stCondLst>
                                         </p:cTn>
                                         <p:tgtEl>
-                                          <p:spTgt spid="308">
+                                          <p:spTgt spid="316">
                                             <p:txEl>
                                               <p:pRg end="0" st="0"/>
                                             </p:txEl>
@@ -23002,7 +23584,7 @@
                                           </p:stCondLst>
                                         </p:cTn>
                                         <p:tgtEl>
-                                          <p:spTgt spid="308">
+                                          <p:spTgt spid="316">
                                             <p:txEl>
                                               <p:pRg end="1" st="1"/>
                                             </p:txEl>
@@ -23051,7 +23633,7 @@
                                           </p:stCondLst>
                                         </p:cTn>
                                         <p:tgtEl>
-                                          <p:spTgt spid="308">
+                                          <p:spTgt spid="316">
                                             <p:txEl>
                                               <p:pRg end="2" st="2"/>
                                             </p:txEl>
@@ -23100,7 +23682,7 @@
                                           </p:stCondLst>
                                         </p:cTn>
                                         <p:tgtEl>
-                                          <p:spTgt spid="308">
+                                          <p:spTgt spid="316">
                                             <p:txEl>
                                               <p:pRg end="3" st="3"/>
                                             </p:txEl>
@@ -23149,585 +23731,9 @@
                                           </p:stCondLst>
                                         </p:cTn>
                                         <p:tgtEl>
-                                          <p:spTgt spid="308">
+                                          <p:spTgt spid="316">
                                             <p:txEl>
                                               <p:pRg end="4" st="4"/>
-                                            </p:txEl>
-                                          </p:spTgt>
-                                        </p:tgtEl>
-                                        <p:attrNameLst>
-                                          <p:attrName>style.visibility</p:attrName>
-                                        </p:attrNameLst>
-                                      </p:cBhvr>
-                                      <p:to>
-                                        <p:strVal val="visible"/>
-                                      </p:to>
-                                    </p:set>
-                                  </p:childTnLst>
-                                </p:cTn>
-                              </p:par>
-                            </p:childTnLst>
-                          </p:cTn>
-                        </p:par>
-                      </p:childTnLst>
-                    </p:cTn>
-                  </p:par>
-                </p:childTnLst>
-              </p:cTn>
-              <p:prevCondLst>
-                <p:cond evt="onPrev">
-                  <p:tgtEl>
-                    <p:sldTgt/>
-                  </p:tgtEl>
-                </p:cond>
-              </p:prevCondLst>
-              <p:nextCondLst>
-                <p:cond evt="onNext">
-                  <p:tgtEl>
-                    <p:sldTgt/>
-                  </p:tgtEl>
-                </p:cond>
-              </p:nextCondLst>
-            </p:seq>
-          </p:childTnLst>
-        </p:cTn>
-      </p:par>
-    </p:tnLst>
-  </p:timing>
-</p:sld>
-</file>
-
-<file path=ppt/slides/slide38.xml><?xml version="1.0" encoding="utf-8"?>
-<p:sld xmlns:a="http://schemas.openxmlformats.org/drawingml/2006/main" xmlns:r="http://schemas.openxmlformats.org/officeDocument/2006/relationships" xmlns:mc="http://schemas.openxmlformats.org/markup-compatibility/2006" xmlns:mv="urn:schemas-microsoft-com:mac:vml" xmlns:p="http://schemas.openxmlformats.org/presentationml/2006/main" xmlns:c="http://schemas.openxmlformats.org/drawingml/2006/chart" xmlns:dgm="http://schemas.openxmlformats.org/drawingml/2006/diagram" xmlns:o="urn:schemas-microsoft-com:office:office" xmlns:v="urn:schemas-microsoft-com:vml" xmlns:pvml="urn:schemas-microsoft-com:office:powerpoint" xmlns:com="http://schemas.openxmlformats.org/drawingml/2006/compatibility" xmlns:p14="http://schemas.microsoft.com/office/powerpoint/2010/main" xmlns:p15="http://schemas.microsoft.com/office/powerpoint/2012/main" xmlns:ahyp="http://schemas.microsoft.com/office/drawing/2018/hyperlinkcolor">
-  <p:cSld>
-    <p:spTree>
-      <p:nvGrpSpPr>
-        <p:cNvPr id="312" name="Shape 312"/>
-        <p:cNvGrpSpPr/>
-        <p:nvPr/>
-      </p:nvGrpSpPr>
-      <p:grpSpPr>
-        <a:xfrm>
-          <a:off x="0" y="0"/>
-          <a:ext cx="0" cy="0"/>
-          <a:chOff x="0" y="0"/>
-          <a:chExt cx="0" cy="0"/>
-        </a:xfrm>
-      </p:grpSpPr>
-      <p:sp>
-        <p:nvSpPr>
-          <p:cNvPr id="313" name="Google Shape;313;p50"/>
-          <p:cNvSpPr txBox="1"/>
-          <p:nvPr>
-            <p:ph type="title"/>
-          </p:nvPr>
-        </p:nvSpPr>
-        <p:spPr>
-          <a:xfrm>
-            <a:off x="387900" y="458025"/>
-            <a:ext cx="8368200" cy="686100"/>
-          </a:xfrm>
-          <a:prstGeom prst="rect">
-            <a:avLst/>
-          </a:prstGeom>
-        </p:spPr>
-        <p:txBody>
-          <a:bodyPr anchorCtr="0" anchor="b" bIns="91425" lIns="91425" spcFirstLastPara="1" rIns="91425" wrap="square" tIns="91425">
-            <a:normAutofit/>
-          </a:bodyPr>
-          <a:lstStyle/>
-          <a:p>
-            <a:pPr indent="0" lvl="0" marL="0" rtl="0" algn="l">
-              <a:spcBef>
-                <a:spcPts val="0"/>
-              </a:spcBef>
-              <a:spcAft>
-                <a:spcPts val="0"/>
-              </a:spcAft>
-              <a:buNone/>
-            </a:pPr>
-            <a:r>
-              <a:rPr lang="en"/>
-              <a:t>Why Sample?	</a:t>
-            </a:r>
-            <a:endParaRPr/>
-          </a:p>
-        </p:txBody>
-      </p:sp>
-      <p:sp>
-        <p:nvSpPr>
-          <p:cNvPr id="314" name="Google Shape;314;p50"/>
-          <p:cNvSpPr txBox="1"/>
-          <p:nvPr>
-            <p:ph idx="1" type="body"/>
-          </p:nvPr>
-        </p:nvSpPr>
-        <p:spPr>
-          <a:xfrm>
-            <a:off x="387900" y="1489824"/>
-            <a:ext cx="8368200" cy="3078900"/>
-          </a:xfrm>
-          <a:prstGeom prst="rect">
-            <a:avLst/>
-          </a:prstGeom>
-        </p:spPr>
-        <p:txBody>
-          <a:bodyPr anchorCtr="0" anchor="t" bIns="91425" lIns="91425" spcFirstLastPara="1" rIns="91425" wrap="square" tIns="91425">
-            <a:normAutofit lnSpcReduction="10000"/>
-          </a:bodyPr>
-          <a:lstStyle/>
-          <a:p>
-            <a:pPr indent="0" lvl="0" marL="0" rtl="0" algn="l">
-              <a:spcBef>
-                <a:spcPts val="0"/>
-              </a:spcBef>
-              <a:spcAft>
-                <a:spcPts val="0"/>
-              </a:spcAft>
-              <a:buNone/>
-            </a:pPr>
-            <a:r>
-              <a:rPr lang="en" sz="2191"/>
-              <a:t>We collect samples instead of measuring populations because:</a:t>
-            </a:r>
-            <a:endParaRPr sz="2191"/>
-          </a:p>
-          <a:p>
-            <a:pPr indent="-367785" lvl="0" marL="457200" rtl="0" algn="l">
-              <a:spcBef>
-                <a:spcPts val="1200"/>
-              </a:spcBef>
-              <a:spcAft>
-                <a:spcPts val="0"/>
-              </a:spcAft>
-              <a:buSzPts val="2192"/>
-              <a:buAutoNum type="arabicParenR"/>
-            </a:pPr>
-            <a:r>
-              <a:rPr lang="en" sz="2191"/>
-              <a:t>It’s easier</a:t>
-            </a:r>
-            <a:endParaRPr sz="2191"/>
-          </a:p>
-          <a:p>
-            <a:pPr indent="-367785" lvl="0" marL="457200" rtl="0" algn="l">
-              <a:spcBef>
-                <a:spcPts val="0"/>
-              </a:spcBef>
-              <a:spcAft>
-                <a:spcPts val="0"/>
-              </a:spcAft>
-              <a:buSzPts val="2192"/>
-              <a:buAutoNum type="arabicParenR"/>
-            </a:pPr>
-            <a:r>
-              <a:rPr lang="en" sz="2191"/>
-              <a:t>It’s faster</a:t>
-            </a:r>
-            <a:endParaRPr sz="2191"/>
-          </a:p>
-          <a:p>
-            <a:pPr indent="-367785" lvl="0" marL="457200" rtl="0" algn="l">
-              <a:spcBef>
-                <a:spcPts val="0"/>
-              </a:spcBef>
-              <a:spcAft>
-                <a:spcPts val="0"/>
-              </a:spcAft>
-              <a:buSzPts val="2192"/>
-              <a:buAutoNum type="arabicParenR"/>
-            </a:pPr>
-            <a:r>
-              <a:rPr lang="en" sz="2191"/>
-              <a:t>It’s cheaper</a:t>
-            </a:r>
-            <a:endParaRPr sz="2191"/>
-          </a:p>
-          <a:p>
-            <a:pPr indent="-367785" lvl="0" marL="457200" rtl="0" algn="l">
-              <a:spcBef>
-                <a:spcPts val="0"/>
-              </a:spcBef>
-              <a:spcAft>
-                <a:spcPts val="0"/>
-              </a:spcAft>
-              <a:buSzPts val="2192"/>
-              <a:buAutoNum type="arabicParenR"/>
-            </a:pPr>
-            <a:r>
-              <a:rPr lang="en" sz="2191"/>
-              <a:t>It’s feasible </a:t>
-            </a:r>
-            <a:endParaRPr sz="2191"/>
-          </a:p>
-          <a:p>
-            <a:pPr indent="0" lvl="0" marL="0" rtl="0" algn="l">
-              <a:spcBef>
-                <a:spcPts val="1200"/>
-              </a:spcBef>
-              <a:spcAft>
-                <a:spcPts val="0"/>
-              </a:spcAft>
-              <a:buNone/>
-            </a:pPr>
-            <a:r>
-              <a:t/>
-            </a:r>
-            <a:endParaRPr/>
-          </a:p>
-          <a:p>
-            <a:pPr indent="0" lvl="0" marL="0" rtl="0" algn="l">
-              <a:spcBef>
-                <a:spcPts val="1200"/>
-              </a:spcBef>
-              <a:spcAft>
-                <a:spcPts val="1200"/>
-              </a:spcAft>
-              <a:buNone/>
-            </a:pPr>
-            <a:r>
-              <a:t/>
-            </a:r>
-            <a:endParaRPr/>
-          </a:p>
-        </p:txBody>
-      </p:sp>
-    </p:spTree>
-  </p:cSld>
-  <p:clrMapOvr>
-    <a:masterClrMapping/>
-  </p:clrMapOvr>
-  <p:timing>
-    <p:tnLst>
-      <p:par>
-        <p:cTn dur="indefinite" nodeType="tmRoot" restart="never">
-          <p:childTnLst>
-            <p:seq concurrent="1" nextAc="seek">
-              <p:cTn dur="indefinite" id="2" nodeType="mainSeq">
-                <p:childTnLst>
-                  <p:par>
-                    <p:cTn fill="hold">
-                      <p:stCondLst>
-                        <p:cond delay="indefinite"/>
-                      </p:stCondLst>
-                      <p:childTnLst>
-                        <p:par>
-                          <p:cTn fill="hold">
-                            <p:stCondLst>
-                              <p:cond delay="0"/>
-                            </p:stCondLst>
-                            <p:childTnLst>
-                              <p:par>
-                                <p:cTn fill="hold" nodeType="clickEffect" presetClass="entr" presetID="1" presetSubtype="0">
-                                  <p:stCondLst>
-                                    <p:cond delay="0"/>
-                                  </p:stCondLst>
-                                  <p:childTnLst>
-                                    <p:set>
-                                      <p:cBhvr>
-                                        <p:cTn dur="1" fill="hold">
-                                          <p:stCondLst>
-                                            <p:cond delay="0"/>
-                                          </p:stCondLst>
-                                        </p:cTn>
-                                        <p:tgtEl>
-                                          <p:spTgt spid="314">
-                                            <p:txEl>
-                                              <p:pRg end="0" st="0"/>
-                                            </p:txEl>
-                                          </p:spTgt>
-                                        </p:tgtEl>
-                                        <p:attrNameLst>
-                                          <p:attrName>style.visibility</p:attrName>
-                                        </p:attrNameLst>
-                                      </p:cBhvr>
-                                      <p:to>
-                                        <p:strVal val="visible"/>
-                                      </p:to>
-                                    </p:set>
-                                  </p:childTnLst>
-                                </p:cTn>
-                              </p:par>
-                            </p:childTnLst>
-                          </p:cTn>
-                        </p:par>
-                      </p:childTnLst>
-                    </p:cTn>
-                  </p:par>
-                  <p:par>
-                    <p:cTn fill="hold">
-                      <p:stCondLst>
-                        <p:cond delay="indefinite"/>
-                      </p:stCondLst>
-                      <p:childTnLst>
-                        <p:par>
-                          <p:cTn fill="hold">
-                            <p:stCondLst>
-                              <p:cond delay="0"/>
-                            </p:stCondLst>
-                            <p:childTnLst>
-                              <p:par>
-                                <p:cTn fill="hold" nodeType="clickEffect" presetClass="entr" presetID="1" presetSubtype="0">
-                                  <p:stCondLst>
-                                    <p:cond delay="0"/>
-                                  </p:stCondLst>
-                                  <p:childTnLst>
-                                    <p:set>
-                                      <p:cBhvr>
-                                        <p:cTn dur="1" fill="hold">
-                                          <p:stCondLst>
-                                            <p:cond delay="0"/>
-                                          </p:stCondLst>
-                                        </p:cTn>
-                                        <p:tgtEl>
-                                          <p:spTgt spid="314">
-                                            <p:txEl>
-                                              <p:pRg end="1" st="1"/>
-                                            </p:txEl>
-                                          </p:spTgt>
-                                        </p:tgtEl>
-                                        <p:attrNameLst>
-                                          <p:attrName>style.visibility</p:attrName>
-                                        </p:attrNameLst>
-                                      </p:cBhvr>
-                                      <p:to>
-                                        <p:strVal val="visible"/>
-                                      </p:to>
-                                    </p:set>
-                                  </p:childTnLst>
-                                </p:cTn>
-                              </p:par>
-                            </p:childTnLst>
-                          </p:cTn>
-                        </p:par>
-                      </p:childTnLst>
-                    </p:cTn>
-                  </p:par>
-                  <p:par>
-                    <p:cTn fill="hold">
-                      <p:stCondLst>
-                        <p:cond delay="indefinite"/>
-                      </p:stCondLst>
-                      <p:childTnLst>
-                        <p:par>
-                          <p:cTn fill="hold">
-                            <p:stCondLst>
-                              <p:cond delay="0"/>
-                            </p:stCondLst>
-                            <p:childTnLst>
-                              <p:par>
-                                <p:cTn fill="hold" nodeType="clickEffect" presetClass="entr" presetID="1" presetSubtype="0">
-                                  <p:stCondLst>
-                                    <p:cond delay="0"/>
-                                  </p:stCondLst>
-                                  <p:childTnLst>
-                                    <p:set>
-                                      <p:cBhvr>
-                                        <p:cTn dur="1" fill="hold">
-                                          <p:stCondLst>
-                                            <p:cond delay="0"/>
-                                          </p:stCondLst>
-                                        </p:cTn>
-                                        <p:tgtEl>
-                                          <p:spTgt spid="314">
-                                            <p:txEl>
-                                              <p:pRg end="2" st="2"/>
-                                            </p:txEl>
-                                          </p:spTgt>
-                                        </p:tgtEl>
-                                        <p:attrNameLst>
-                                          <p:attrName>style.visibility</p:attrName>
-                                        </p:attrNameLst>
-                                      </p:cBhvr>
-                                      <p:to>
-                                        <p:strVal val="visible"/>
-                                      </p:to>
-                                    </p:set>
-                                  </p:childTnLst>
-                                </p:cTn>
-                              </p:par>
-                            </p:childTnLst>
-                          </p:cTn>
-                        </p:par>
-                      </p:childTnLst>
-                    </p:cTn>
-                  </p:par>
-                  <p:par>
-                    <p:cTn fill="hold">
-                      <p:stCondLst>
-                        <p:cond delay="indefinite"/>
-                      </p:stCondLst>
-                      <p:childTnLst>
-                        <p:par>
-                          <p:cTn fill="hold">
-                            <p:stCondLst>
-                              <p:cond delay="0"/>
-                            </p:stCondLst>
-                            <p:childTnLst>
-                              <p:par>
-                                <p:cTn fill="hold" nodeType="clickEffect" presetClass="entr" presetID="1" presetSubtype="0">
-                                  <p:stCondLst>
-                                    <p:cond delay="0"/>
-                                  </p:stCondLst>
-                                  <p:childTnLst>
-                                    <p:set>
-                                      <p:cBhvr>
-                                        <p:cTn dur="1" fill="hold">
-                                          <p:stCondLst>
-                                            <p:cond delay="0"/>
-                                          </p:stCondLst>
-                                        </p:cTn>
-                                        <p:tgtEl>
-                                          <p:spTgt spid="314">
-                                            <p:txEl>
-                                              <p:pRg end="3" st="3"/>
-                                            </p:txEl>
-                                          </p:spTgt>
-                                        </p:tgtEl>
-                                        <p:attrNameLst>
-                                          <p:attrName>style.visibility</p:attrName>
-                                        </p:attrNameLst>
-                                      </p:cBhvr>
-                                      <p:to>
-                                        <p:strVal val="visible"/>
-                                      </p:to>
-                                    </p:set>
-                                  </p:childTnLst>
-                                </p:cTn>
-                              </p:par>
-                            </p:childTnLst>
-                          </p:cTn>
-                        </p:par>
-                      </p:childTnLst>
-                    </p:cTn>
-                  </p:par>
-                  <p:par>
-                    <p:cTn fill="hold">
-                      <p:stCondLst>
-                        <p:cond delay="indefinite"/>
-                      </p:stCondLst>
-                      <p:childTnLst>
-                        <p:par>
-                          <p:cTn fill="hold">
-                            <p:stCondLst>
-                              <p:cond delay="0"/>
-                            </p:stCondLst>
-                            <p:childTnLst>
-                              <p:par>
-                                <p:cTn fill="hold" nodeType="clickEffect" presetClass="entr" presetID="1" presetSubtype="0">
-                                  <p:stCondLst>
-                                    <p:cond delay="0"/>
-                                  </p:stCondLst>
-                                  <p:childTnLst>
-                                    <p:set>
-                                      <p:cBhvr>
-                                        <p:cTn dur="1" fill="hold">
-                                          <p:stCondLst>
-                                            <p:cond delay="0"/>
-                                          </p:stCondLst>
-                                        </p:cTn>
-                                        <p:tgtEl>
-                                          <p:spTgt spid="314">
-                                            <p:txEl>
-                                              <p:pRg end="4" st="4"/>
-                                            </p:txEl>
-                                          </p:spTgt>
-                                        </p:tgtEl>
-                                        <p:attrNameLst>
-                                          <p:attrName>style.visibility</p:attrName>
-                                        </p:attrNameLst>
-                                      </p:cBhvr>
-                                      <p:to>
-                                        <p:strVal val="visible"/>
-                                      </p:to>
-                                    </p:set>
-                                  </p:childTnLst>
-                                </p:cTn>
-                              </p:par>
-                            </p:childTnLst>
-                          </p:cTn>
-                        </p:par>
-                      </p:childTnLst>
-                    </p:cTn>
-                  </p:par>
-                  <p:par>
-                    <p:cTn fill="hold">
-                      <p:stCondLst>
-                        <p:cond delay="indefinite"/>
-                      </p:stCondLst>
-                      <p:childTnLst>
-                        <p:par>
-                          <p:cTn fill="hold">
-                            <p:stCondLst>
-                              <p:cond delay="0"/>
-                            </p:stCondLst>
-                            <p:childTnLst>
-                              <p:par>
-                                <p:cTn fill="hold" nodeType="clickEffect" presetClass="entr" presetID="1" presetSubtype="0">
-                                  <p:stCondLst>
-                                    <p:cond delay="0"/>
-                                  </p:stCondLst>
-                                  <p:childTnLst>
-                                    <p:set>
-                                      <p:cBhvr>
-                                        <p:cTn dur="1" fill="hold">
-                                          <p:stCondLst>
-                                            <p:cond delay="0"/>
-                                          </p:stCondLst>
-                                        </p:cTn>
-                                        <p:tgtEl>
-                                          <p:spTgt spid="314">
-                                            <p:txEl>
-                                              <p:pRg end="5" st="5"/>
-                                            </p:txEl>
-                                          </p:spTgt>
-                                        </p:tgtEl>
-                                        <p:attrNameLst>
-                                          <p:attrName>style.visibility</p:attrName>
-                                        </p:attrNameLst>
-                                      </p:cBhvr>
-                                      <p:to>
-                                        <p:strVal val="visible"/>
-                                      </p:to>
-                                    </p:set>
-                                  </p:childTnLst>
-                                </p:cTn>
-                              </p:par>
-                            </p:childTnLst>
-                          </p:cTn>
-                        </p:par>
-                      </p:childTnLst>
-                    </p:cTn>
-                  </p:par>
-                  <p:par>
-                    <p:cTn fill="hold">
-                      <p:stCondLst>
-                        <p:cond delay="indefinite"/>
-                      </p:stCondLst>
-                      <p:childTnLst>
-                        <p:par>
-                          <p:cTn fill="hold">
-                            <p:stCondLst>
-                              <p:cond delay="0"/>
-                            </p:stCondLst>
-                            <p:childTnLst>
-                              <p:par>
-                                <p:cTn fill="hold" nodeType="clickEffect" presetClass="entr" presetID="1" presetSubtype="0">
-                                  <p:stCondLst>
-                                    <p:cond delay="0"/>
-                                  </p:stCondLst>
-                                  <p:childTnLst>
-                                    <p:set>
-                                      <p:cBhvr>
-                                        <p:cTn dur="1" fill="hold">
-                                          <p:stCondLst>
-                                            <p:cond delay="0"/>
-                                          </p:stCondLst>
-                                        </p:cTn>
-                                        <p:tgtEl>
-                                          <p:spTgt spid="314">
-                                            <p:txEl>
-                                              <p:pRg end="6" st="6"/>
                                             </p:txEl>
                                           </p:spTgt>
                                         </p:tgtEl>
@@ -23778,7 +23784,7 @@
   <p:cSld>
     <p:spTree>
       <p:nvGrpSpPr>
-        <p:cNvPr id="318" name="Shape 318"/>
+        <p:cNvPr id="320" name="Shape 320"/>
         <p:cNvGrpSpPr/>
         <p:nvPr/>
       </p:nvGrpSpPr>
@@ -23792,7 +23798,7 @@
       </p:grpSpPr>
       <p:sp>
         <p:nvSpPr>
-          <p:cNvPr id="319" name="Google Shape;319;p51"/>
+          <p:cNvPr id="321" name="Google Shape;321;p51"/>
           <p:cNvSpPr txBox="1"/>
           <p:nvPr>
             <p:ph type="title"/>
@@ -23824,7 +23830,7 @@
             </a:pPr>
             <a:r>
               <a:rPr lang="en"/>
-              <a:t>Types of Sample - Non Probability</a:t>
+              <a:t>Why Sample?	</a:t>
             </a:r>
             <a:endParaRPr/>
           </a:p>
@@ -23832,7 +23838,7 @@
       </p:sp>
       <p:sp>
         <p:nvSpPr>
-          <p:cNvPr id="320" name="Google Shape;320;p51"/>
+          <p:cNvPr id="322" name="Google Shape;322;p51"/>
           <p:cNvSpPr txBox="1"/>
           <p:nvPr>
             <p:ph idx="1" type="body"/>
@@ -23849,7 +23855,7 @@
         </p:spPr>
         <p:txBody>
           <a:bodyPr anchorCtr="0" anchor="t" bIns="91425" lIns="91425" spcFirstLastPara="1" rIns="91425" wrap="square" tIns="91425">
-            <a:normAutofit fontScale="92500" lnSpcReduction="20000"/>
+            <a:normAutofit lnSpcReduction="10000"/>
           </a:bodyPr>
           <a:lstStyle/>
           <a:p>
@@ -23863,16 +23869,91 @@
               <a:buNone/>
             </a:pPr>
             <a:r>
-              <a:rPr b="1" lang="en"/>
-              <a:t>Non Probability Sampling</a:t>
-            </a:r>
-            <a:r>
-              <a:rPr lang="en"/>
-              <a:t>: Items are chosen without regard to their probability of </a:t>
-            </a:r>
-            <a:r>
-              <a:rPr lang="en"/>
-              <a:t>occurrence</a:t>
+              <a:rPr lang="en" sz="2191"/>
+              <a:t>We collect samples instead of measuring populations because:</a:t>
+            </a:r>
+            <a:endParaRPr sz="2191"/>
+          </a:p>
+          <a:p>
+            <a:pPr indent="-367785" lvl="0" marL="457200" rtl="0" algn="l">
+              <a:spcBef>
+                <a:spcPts val="1200"/>
+              </a:spcBef>
+              <a:spcAft>
+                <a:spcPts val="0"/>
+              </a:spcAft>
+              <a:buSzPts val="2192"/>
+              <a:buAutoNum type="arabicParenR"/>
+            </a:pPr>
+            <a:r>
+              <a:rPr lang="en" sz="2191"/>
+              <a:t>It’s easier</a:t>
+            </a:r>
+            <a:endParaRPr sz="2191"/>
+          </a:p>
+          <a:p>
+            <a:pPr indent="-367785" lvl="0" marL="457200" rtl="0" algn="l">
+              <a:spcBef>
+                <a:spcPts val="0"/>
+              </a:spcBef>
+              <a:spcAft>
+                <a:spcPts val="0"/>
+              </a:spcAft>
+              <a:buSzPts val="2192"/>
+              <a:buAutoNum type="arabicParenR"/>
+            </a:pPr>
+            <a:r>
+              <a:rPr lang="en" sz="2191"/>
+              <a:t>It’s faster</a:t>
+            </a:r>
+            <a:endParaRPr sz="2191"/>
+          </a:p>
+          <a:p>
+            <a:pPr indent="-367785" lvl="0" marL="457200" rtl="0" algn="l">
+              <a:spcBef>
+                <a:spcPts val="0"/>
+              </a:spcBef>
+              <a:spcAft>
+                <a:spcPts val="0"/>
+              </a:spcAft>
+              <a:buSzPts val="2192"/>
+              <a:buAutoNum type="arabicParenR"/>
+            </a:pPr>
+            <a:r>
+              <a:rPr lang="en" sz="2191"/>
+              <a:t>It’s cheaper</a:t>
+            </a:r>
+            <a:endParaRPr sz="2191"/>
+          </a:p>
+          <a:p>
+            <a:pPr indent="-367785" lvl="0" marL="457200" rtl="0" algn="l">
+              <a:spcBef>
+                <a:spcPts val="0"/>
+              </a:spcBef>
+              <a:spcAft>
+                <a:spcPts val="0"/>
+              </a:spcAft>
+              <a:buSzPts val="2192"/>
+              <a:buAutoNum type="arabicParenR"/>
+            </a:pPr>
+            <a:r>
+              <a:rPr lang="en" sz="2191"/>
+              <a:t>It’s (more) feasible </a:t>
+            </a:r>
+            <a:endParaRPr sz="2191"/>
+          </a:p>
+          <a:p>
+            <a:pPr indent="0" lvl="0" marL="0" rtl="0" algn="l">
+              <a:spcBef>
+                <a:spcPts val="1200"/>
+              </a:spcBef>
+              <a:spcAft>
+                <a:spcPts val="0"/>
+              </a:spcAft>
+              <a:buNone/>
+            </a:pPr>
+            <a:r>
+              <a:t/>
             </a:r>
             <a:endParaRPr/>
           </a:p>
@@ -23882,7 +23963,7 @@
                 <a:spcPts val="1200"/>
               </a:spcBef>
               <a:spcAft>
-                <a:spcPts val="0"/>
+                <a:spcPts val="1200"/>
               </a:spcAft>
               <a:buNone/>
             </a:pPr>
@@ -23890,93 +23971,6 @@
               <a:t/>
             </a:r>
             <a:endParaRPr/>
-          </a:p>
-          <a:p>
-            <a:pPr indent="0" lvl="0" marL="0" rtl="0" algn="l">
-              <a:spcBef>
-                <a:spcPts val="1200"/>
-              </a:spcBef>
-              <a:spcAft>
-                <a:spcPts val="0"/>
-              </a:spcAft>
-              <a:buNone/>
-            </a:pPr>
-            <a:r>
-              <a:rPr b="1" lang="en"/>
-              <a:t>Types:</a:t>
-            </a:r>
-            <a:endParaRPr b="1"/>
-          </a:p>
-          <a:p>
-            <a:pPr indent="0" lvl="0" marL="0" rtl="0" algn="l">
-              <a:spcBef>
-                <a:spcPts val="1200"/>
-              </a:spcBef>
-              <a:spcAft>
-                <a:spcPts val="0"/>
-              </a:spcAft>
-              <a:buNone/>
-            </a:pPr>
-            <a:r>
-              <a:rPr b="1" lang="en"/>
-              <a:t>Convenience</a:t>
-            </a:r>
-            <a:r>
-              <a:rPr lang="en"/>
-              <a:t>: Items are selected because they’re easy to sample</a:t>
-            </a:r>
-            <a:endParaRPr/>
-          </a:p>
-          <a:p>
-            <a:pPr indent="0" lvl="0" marL="0" rtl="0" algn="l">
-              <a:spcBef>
-                <a:spcPts val="1200"/>
-              </a:spcBef>
-              <a:spcAft>
-                <a:spcPts val="0"/>
-              </a:spcAft>
-              <a:buNone/>
-            </a:pPr>
-            <a:r>
-              <a:rPr b="1" lang="en"/>
-              <a:t>Judgment</a:t>
-            </a:r>
-            <a:r>
-              <a:rPr lang="en"/>
-              <a:t>: Items are sampled based on expert / domain knowledge</a:t>
-            </a:r>
-            <a:endParaRPr/>
-          </a:p>
-          <a:p>
-            <a:pPr indent="0" lvl="0" marL="0" rtl="0" algn="l">
-              <a:spcBef>
-                <a:spcPts val="1200"/>
-              </a:spcBef>
-              <a:spcAft>
-                <a:spcPts val="0"/>
-              </a:spcAft>
-              <a:buNone/>
-            </a:pPr>
-            <a:r>
-              <a:t/>
-            </a:r>
-            <a:endParaRPr/>
-          </a:p>
-          <a:p>
-            <a:pPr indent="0" lvl="0" marL="0" rtl="0" algn="l">
-              <a:spcBef>
-                <a:spcPts val="1200"/>
-              </a:spcBef>
-              <a:spcAft>
-                <a:spcPts val="1200"/>
-              </a:spcAft>
-              <a:buNone/>
-            </a:pPr>
-            <a:r>
-              <a:rPr b="1" lang="en"/>
-              <a:t>These are not good ways to sample!</a:t>
-            </a:r>
-            <a:endParaRPr b="1"/>
           </a:p>
         </p:txBody>
       </p:sp>
@@ -24019,7 +24013,7 @@
                                           </p:stCondLst>
                                         </p:cTn>
                                         <p:tgtEl>
-                                          <p:spTgt spid="320">
+                                          <p:spTgt spid="322">
                                             <p:txEl>
                                               <p:pRg end="0" st="0"/>
                                             </p:txEl>
@@ -24068,7 +24062,7 @@
                                           </p:stCondLst>
                                         </p:cTn>
                                         <p:tgtEl>
-                                          <p:spTgt spid="320">
+                                          <p:spTgt spid="322">
                                             <p:txEl>
                                               <p:pRg end="1" st="1"/>
                                             </p:txEl>
@@ -24117,7 +24111,7 @@
                                           </p:stCondLst>
                                         </p:cTn>
                                         <p:tgtEl>
-                                          <p:spTgt spid="320">
+                                          <p:spTgt spid="322">
                                             <p:txEl>
                                               <p:pRg end="2" st="2"/>
                                             </p:txEl>
@@ -24166,7 +24160,7 @@
                                           </p:stCondLst>
                                         </p:cTn>
                                         <p:tgtEl>
-                                          <p:spTgt spid="320">
+                                          <p:spTgt spid="322">
                                             <p:txEl>
                                               <p:pRg end="3" st="3"/>
                                             </p:txEl>
@@ -24215,7 +24209,7 @@
                                           </p:stCondLst>
                                         </p:cTn>
                                         <p:tgtEl>
-                                          <p:spTgt spid="320">
+                                          <p:spTgt spid="322">
                                             <p:txEl>
                                               <p:pRg end="4" st="4"/>
                                             </p:txEl>
@@ -24264,7 +24258,7 @@
                                           </p:stCondLst>
                                         </p:cTn>
                                         <p:tgtEl>
-                                          <p:spTgt spid="320">
+                                          <p:spTgt spid="322">
                                             <p:txEl>
                                               <p:pRg end="5" st="5"/>
                                             </p:txEl>
@@ -24313,7 +24307,7 @@
                                           </p:stCondLst>
                                         </p:cTn>
                                         <p:tgtEl>
-                                          <p:spTgt spid="320">
+                                          <p:spTgt spid="322">
                                             <p:txEl>
                                               <p:pRg end="6" st="6"/>
                                             </p:txEl>
@@ -24508,7 +24502,7 @@
             <a:tbl>
               <a:tblPr>
                 <a:noFill/>
-                <a:tableStyleId>{1CD52F19-E932-4807-8E8F-556518B21C55}</a:tableStyleId>
+                <a:tableStyleId>{216F8BBD-6658-429E-84D8-402E422C0AF9}</a:tableStyleId>
               </a:tblPr>
               <a:tblGrid>
                 <a:gridCol w="2413000"/>
@@ -25015,7 +25009,7 @@
   <p:cSld>
     <p:spTree>
       <p:nvGrpSpPr>
-        <p:cNvPr id="324" name="Shape 324"/>
+        <p:cNvPr id="326" name="Shape 326"/>
         <p:cNvGrpSpPr/>
         <p:nvPr/>
       </p:nvGrpSpPr>
@@ -25029,7 +25023,7 @@
       </p:grpSpPr>
       <p:sp>
         <p:nvSpPr>
-          <p:cNvPr id="325" name="Google Shape;325;p52"/>
+          <p:cNvPr id="327" name="Google Shape;327;p52"/>
           <p:cNvSpPr txBox="1"/>
           <p:nvPr>
             <p:ph type="title"/>
@@ -25061,7 +25055,7 @@
             </a:pPr>
             <a:r>
               <a:rPr lang="en"/>
-              <a:t>Types of Sample - Probability</a:t>
+              <a:t>Types of Sample - Non Probability</a:t>
             </a:r>
             <a:endParaRPr/>
           </a:p>
@@ -25069,7 +25063,7 @@
       </p:sp>
       <p:sp>
         <p:nvSpPr>
-          <p:cNvPr id="326" name="Google Shape;326;p52"/>
+          <p:cNvPr id="328" name="Google Shape;328;p52"/>
           <p:cNvSpPr txBox="1"/>
           <p:nvPr>
             <p:ph idx="1" type="body"/>
@@ -25086,7 +25080,7 @@
         </p:spPr>
         <p:txBody>
           <a:bodyPr anchorCtr="0" anchor="t" bIns="91425" lIns="91425" spcFirstLastPara="1" rIns="91425" wrap="square" tIns="91425">
-            <a:normAutofit fontScale="85000" lnSpcReduction="20000"/>
+            <a:normAutofit fontScale="92500" lnSpcReduction="20000"/>
           </a:bodyPr>
           <a:lstStyle/>
           <a:p>
@@ -25101,11 +25095,15 @@
             </a:pPr>
             <a:r>
               <a:rPr b="1" lang="en"/>
-              <a:t>Probability Sampling</a:t>
+              <a:t>Non Probability Sampling</a:t>
             </a:r>
             <a:r>
               <a:rPr lang="en"/>
-              <a:t>: Sampling based on known probabilities</a:t>
+              <a:t>: Items are chosen without regard to their probability of </a:t>
+            </a:r>
+            <a:r>
+              <a:rPr lang="en"/>
+              <a:t>occurrence</a:t>
             </a:r>
             <a:endParaRPr/>
           </a:p>
@@ -25122,6 +25120,22 @@
             <a:r>
               <a:t/>
             </a:r>
+            <a:endParaRPr/>
+          </a:p>
+          <a:p>
+            <a:pPr indent="0" lvl="0" marL="0" rtl="0" algn="l">
+              <a:spcBef>
+                <a:spcPts val="1200"/>
+              </a:spcBef>
+              <a:spcAft>
+                <a:spcPts val="0"/>
+              </a:spcAft>
+              <a:buNone/>
+            </a:pPr>
+            <a:r>
+              <a:rPr b="1" lang="en"/>
+              <a:t>Types:</a:t>
+            </a:r>
             <a:endParaRPr b="1"/>
           </a:p>
           <a:p>
@@ -25136,9 +25150,13 @@
             </a:pPr>
             <a:r>
               <a:rPr b="1" lang="en"/>
-              <a:t>Types:</a:t>
-            </a:r>
-            <a:endParaRPr b="1"/>
+              <a:t>Convenience</a:t>
+            </a:r>
+            <a:r>
+              <a:rPr lang="en"/>
+              <a:t>: Items are selected because they’re easy to sample</a:t>
+            </a:r>
+            <a:endParaRPr/>
           </a:p>
           <a:p>
             <a:pPr indent="0" lvl="0" marL="0" rtl="0" algn="l">
@@ -25151,9 +25169,14 @@
               <a:buNone/>
             </a:pPr>
             <a:r>
-              <a:t/>
-            </a:r>
-            <a:endParaRPr b="1"/>
+              <a:rPr b="1" lang="en"/>
+              <a:t>Judgment</a:t>
+            </a:r>
+            <a:r>
+              <a:rPr lang="en"/>
+              <a:t>: Items are sampled based on expert / domain knowledge</a:t>
+            </a:r>
+            <a:endParaRPr/>
           </a:p>
           <a:p>
             <a:pPr indent="0" lvl="0" marL="0" rtl="0" algn="l">
@@ -25166,10 +25189,9 @@
               <a:buNone/>
             </a:pPr>
             <a:r>
-              <a:rPr b="1" lang="en"/>
-              <a:t>Simple Probability</a:t>
-            </a:r>
-            <a:endParaRPr b="1"/>
+              <a:t/>
+            </a:r>
+            <a:endParaRPr/>
           </a:p>
           <a:p>
             <a:pPr indent="0" lvl="0" marL="0" rtl="0" algn="l">
@@ -25177,45 +25199,13 @@
                 <a:spcPts val="1200"/>
               </a:spcBef>
               <a:spcAft>
-                <a:spcPts val="0"/>
+                <a:spcPts val="1200"/>
               </a:spcAft>
               <a:buNone/>
             </a:pPr>
             <a:r>
               <a:rPr b="1" lang="en"/>
-              <a:t>Systematic</a:t>
-            </a:r>
-            <a:endParaRPr b="1"/>
-          </a:p>
-          <a:p>
-            <a:pPr indent="0" lvl="0" marL="0" rtl="0" algn="l">
-              <a:spcBef>
-                <a:spcPts val="1200"/>
-              </a:spcBef>
-              <a:spcAft>
-                <a:spcPts val="0"/>
-              </a:spcAft>
-              <a:buNone/>
-            </a:pPr>
-            <a:r>
-              <a:rPr b="1" lang="en"/>
-              <a:t>Stratified</a:t>
-            </a:r>
-            <a:endParaRPr b="1"/>
-          </a:p>
-          <a:p>
-            <a:pPr indent="0" lvl="0" marL="0" rtl="0" algn="l">
-              <a:spcBef>
-                <a:spcPts val="1200"/>
-              </a:spcBef>
-              <a:spcAft>
-                <a:spcPts val="1200"/>
-              </a:spcAft>
-              <a:buNone/>
-            </a:pPr>
-            <a:r>
-              <a:rPr b="1" lang="en"/>
-              <a:t>Cluster</a:t>
+              <a:t>These are not good ways to sample and risk sampling bias*</a:t>
             </a:r>
             <a:endParaRPr b="1"/>
           </a:p>
@@ -25260,7 +25250,7 @@
                                           </p:stCondLst>
                                         </p:cTn>
                                         <p:tgtEl>
-                                          <p:spTgt spid="326">
+                                          <p:spTgt spid="328">
                                             <p:txEl>
                                               <p:pRg end="0" st="0"/>
                                             </p:txEl>
@@ -25309,7 +25299,7 @@
                                           </p:stCondLst>
                                         </p:cTn>
                                         <p:tgtEl>
-                                          <p:spTgt spid="326">
+                                          <p:spTgt spid="328">
                                             <p:txEl>
                                               <p:pRg end="1" st="1"/>
                                             </p:txEl>
@@ -25358,7 +25348,7 @@
                                           </p:stCondLst>
                                         </p:cTn>
                                         <p:tgtEl>
-                                          <p:spTgt spid="326">
+                                          <p:spTgt spid="328">
                                             <p:txEl>
                                               <p:pRg end="2" st="2"/>
                                             </p:txEl>
@@ -25407,7 +25397,7 @@
                                           </p:stCondLst>
                                         </p:cTn>
                                         <p:tgtEl>
-                                          <p:spTgt spid="326">
+                                          <p:spTgt spid="328">
                                             <p:txEl>
                                               <p:pRg end="3" st="3"/>
                                             </p:txEl>
@@ -25456,7 +25446,7 @@
                                           </p:stCondLst>
                                         </p:cTn>
                                         <p:tgtEl>
-                                          <p:spTgt spid="326">
+                                          <p:spTgt spid="328">
                                             <p:txEl>
                                               <p:pRg end="4" st="4"/>
                                             </p:txEl>
@@ -25505,7 +25495,7 @@
                                           </p:stCondLst>
                                         </p:cTn>
                                         <p:tgtEl>
-                                          <p:spTgt spid="326">
+                                          <p:spTgt spid="328">
                                             <p:txEl>
                                               <p:pRg end="5" st="5"/>
                                             </p:txEl>
@@ -25554,58 +25544,9 @@
                                           </p:stCondLst>
                                         </p:cTn>
                                         <p:tgtEl>
-                                          <p:spTgt spid="326">
+                                          <p:spTgt spid="328">
                                             <p:txEl>
                                               <p:pRg end="6" st="6"/>
-                                            </p:txEl>
-                                          </p:spTgt>
-                                        </p:tgtEl>
-                                        <p:attrNameLst>
-                                          <p:attrName>style.visibility</p:attrName>
-                                        </p:attrNameLst>
-                                      </p:cBhvr>
-                                      <p:to>
-                                        <p:strVal val="visible"/>
-                                      </p:to>
-                                    </p:set>
-                                  </p:childTnLst>
-                                </p:cTn>
-                              </p:par>
-                            </p:childTnLst>
-                          </p:cTn>
-                        </p:par>
-                      </p:childTnLst>
-                    </p:cTn>
-                  </p:par>
-                  <p:par>
-                    <p:cTn fill="hold">
-                      <p:stCondLst>
-                        <p:cond delay="indefinite"/>
-                      </p:stCondLst>
-                      <p:childTnLst>
-                        <p:par>
-                          <p:cTn fill="hold">
-                            <p:stCondLst>
-                              <p:cond delay="0"/>
-                            </p:stCondLst>
-                            <p:childTnLst>
-                              <p:par>
-                                <p:cTn fill="hold" nodeType="clickEffect" presetClass="entr" presetID="1" presetSubtype="0">
-                                  <p:stCondLst>
-                                    <p:cond delay="0"/>
-                                  </p:stCondLst>
-                                  <p:childTnLst>
-                                    <p:set>
-                                      <p:cBhvr>
-                                        <p:cTn dur="1" fill="hold">
-                                          <p:stCondLst>
-                                            <p:cond delay="0"/>
-                                          </p:stCondLst>
-                                        </p:cTn>
-                                        <p:tgtEl>
-                                          <p:spTgt spid="326">
-                                            <p:txEl>
-                                              <p:pRg end="7" st="7"/>
                                             </p:txEl>
                                           </p:spTgt>
                                         </p:tgtEl>
@@ -25656,7 +25597,7 @@
   <p:cSld>
     <p:spTree>
       <p:nvGrpSpPr>
-        <p:cNvPr id="330" name="Shape 330"/>
+        <p:cNvPr id="332" name="Shape 332"/>
         <p:cNvGrpSpPr/>
         <p:nvPr/>
       </p:nvGrpSpPr>
@@ -25670,7 +25611,7 @@
       </p:grpSpPr>
       <p:sp>
         <p:nvSpPr>
-          <p:cNvPr id="331" name="Google Shape;331;p53"/>
+          <p:cNvPr id="333" name="Google Shape;333;p53"/>
           <p:cNvSpPr txBox="1"/>
           <p:nvPr>
             <p:ph type="title"/>
@@ -25702,7 +25643,7 @@
             </a:pPr>
             <a:r>
               <a:rPr lang="en"/>
-              <a:t>Simple Probability Sampling</a:t>
+              <a:t>Sampling Bias</a:t>
             </a:r>
             <a:endParaRPr/>
           </a:p>
@@ -25710,7 +25651,7 @@
       </p:sp>
       <p:sp>
         <p:nvSpPr>
-          <p:cNvPr id="332" name="Google Shape;332;p53"/>
+          <p:cNvPr id="334" name="Google Shape;334;p53"/>
           <p:cNvSpPr txBox="1"/>
           <p:nvPr>
             <p:ph idx="1" type="body"/>
@@ -25718,8 +25659,8 @@
         </p:nvSpPr>
         <p:spPr>
           <a:xfrm>
-            <a:off x="387900" y="1489825"/>
-            <a:ext cx="4823700" cy="3078900"/>
+            <a:off x="387900" y="1489824"/>
+            <a:ext cx="8368200" cy="3078900"/>
           </a:xfrm>
           <a:prstGeom prst="rect">
             <a:avLst/>
@@ -25727,7 +25668,7 @@
         </p:spPr>
         <p:txBody>
           <a:bodyPr anchorCtr="0" anchor="t" bIns="91425" lIns="91425" spcFirstLastPara="1" rIns="91425" wrap="square" tIns="91425">
-            <a:normAutofit fontScale="70000" lnSpcReduction="10000"/>
+            <a:normAutofit lnSpcReduction="10000"/>
           </a:bodyPr>
           <a:lstStyle/>
           <a:p>
@@ -25742,15 +25683,7 @@
             </a:pPr>
             <a:r>
               <a:rPr lang="en"/>
-              <a:t>Each item in the sample has an equal probability of </a:t>
-            </a:r>
-            <a:r>
-              <a:rPr lang="en"/>
-              <a:t>occurrence</a:t>
-            </a:r>
-            <a:r>
-              <a:rPr lang="en"/>
-              <a:t> / selection.</a:t>
+              <a:t>Sampling bias occurs when the sample selected for a study is not representative of the population, leading to inaccurate or misleading conclusions. </a:t>
             </a:r>
             <a:endParaRPr/>
           </a:p>
@@ -25766,14 +25699,14 @@
             </a:pPr>
             <a:r>
               <a:rPr lang="en"/>
-              <a:t>Sampling frame: The list of all items in the population</a:t>
+              <a:t>Types:</a:t>
             </a:r>
             <a:endParaRPr/>
           </a:p>
           <a:p>
             <a:pPr indent="0" lvl="0" marL="0" rtl="0" algn="l">
               <a:spcBef>
-                <a:spcPts val="1200"/>
+                <a:spcPts val="1400"/>
               </a:spcBef>
               <a:spcAft>
                 <a:spcPts val="0"/>
@@ -25781,119 +25714,175 @@
               <a:buNone/>
             </a:pPr>
             <a:r>
-              <a:rPr lang="en"/>
-              <a:t>Steps:</a:t>
-            </a:r>
-            <a:endParaRPr/>
-          </a:p>
-          <a:p>
-            <a:pPr indent="-308610" lvl="0" marL="457200" rtl="0" algn="l">
-              <a:spcBef>
-                <a:spcPts val="1200"/>
-              </a:spcBef>
-              <a:spcAft>
-                <a:spcPts val="0"/>
-              </a:spcAft>
-              <a:buSzPct val="100000"/>
-              <a:buAutoNum type="arabicParenR"/>
-            </a:pPr>
-            <a:r>
-              <a:rPr lang="en"/>
-              <a:t>Assign Each</a:t>
-            </a:r>
-            <a:r>
-              <a:rPr lang="en"/>
-              <a:t> item a number randomly (using an unbiased and systematic source, like a computer, not your intuition)</a:t>
-            </a:r>
-            <a:endParaRPr/>
-          </a:p>
-          <a:p>
-            <a:pPr indent="-308610" lvl="0" marL="457200" rtl="0" algn="l">
-              <a:spcBef>
-                <a:spcPts val="0"/>
-              </a:spcBef>
-              <a:spcAft>
-                <a:spcPts val="0"/>
-              </a:spcAft>
-              <a:buSzPct val="100000"/>
-              <a:buAutoNum type="arabicParenR"/>
-            </a:pPr>
-            <a:r>
-              <a:rPr lang="en"/>
-              <a:t>The sampling frame by the column of random numbers </a:t>
-            </a:r>
-            <a:endParaRPr/>
-          </a:p>
-          <a:p>
-            <a:pPr indent="-308610" lvl="0" marL="457200" rtl="0" algn="l">
-              <a:spcBef>
-                <a:spcPts val="0"/>
-              </a:spcBef>
-              <a:spcAft>
-                <a:spcPts val="0"/>
-              </a:spcAft>
-              <a:buSzPct val="100000"/>
-              <a:buAutoNum type="arabicParenR"/>
-            </a:pPr>
-            <a:r>
-              <a:rPr lang="en"/>
-              <a:t>Select the top n number of items, where n is the number of items required to meet the significance </a:t>
-            </a:r>
-            <a:r>
-              <a:rPr lang="en"/>
-              <a:t>threshold</a:t>
-            </a:r>
-            <a:r>
-              <a:rPr lang="en"/>
-              <a:t> of your study</a:t>
-            </a:r>
-            <a:endParaRPr/>
+              <a:rPr b="1" lang="en" sz="1300">
+                <a:latin typeface="Arial"/>
+                <a:ea typeface="Arial"/>
+                <a:cs typeface="Arial"/>
+                <a:sym typeface="Arial"/>
+              </a:rPr>
+              <a:t>Selection Bias: </a:t>
+            </a:r>
+            <a:r>
+              <a:rPr lang="en" sz="1100">
+                <a:latin typeface="Arial"/>
+                <a:ea typeface="Arial"/>
+                <a:cs typeface="Arial"/>
+                <a:sym typeface="Arial"/>
+              </a:rPr>
+              <a:t>Occurs when certain groups of the population are systematically more or less likely to be included in the sample.</a:t>
+            </a:r>
+            <a:br>
+              <a:rPr lang="en" sz="1100">
+                <a:latin typeface="Arial"/>
+                <a:ea typeface="Arial"/>
+                <a:cs typeface="Arial"/>
+                <a:sym typeface="Arial"/>
+              </a:rPr>
+            </a:br>
+            <a:r>
+              <a:rPr b="1" lang="en" sz="1100">
+                <a:latin typeface="Arial"/>
+                <a:ea typeface="Arial"/>
+                <a:cs typeface="Arial"/>
+                <a:sym typeface="Arial"/>
+              </a:rPr>
+              <a:t>Example:</a:t>
+            </a:r>
+            <a:r>
+              <a:rPr lang="en" sz="1100">
+                <a:latin typeface="Arial"/>
+                <a:ea typeface="Arial"/>
+                <a:cs typeface="Arial"/>
+                <a:sym typeface="Arial"/>
+              </a:rPr>
+              <a:t> Conducting a phone survey but only calling landlines, which excludes younger people who primarily use mobile phones.</a:t>
+            </a:r>
+            <a:endParaRPr sz="1100">
+              <a:latin typeface="Arial"/>
+              <a:ea typeface="Arial"/>
+              <a:cs typeface="Arial"/>
+              <a:sym typeface="Arial"/>
+            </a:endParaRPr>
           </a:p>
           <a:p>
             <a:pPr indent="0" lvl="0" marL="0" rtl="0" algn="l">
               <a:spcBef>
-                <a:spcPts val="1200"/>
-              </a:spcBef>
-              <a:spcAft>
-                <a:spcPts val="1200"/>
+                <a:spcPts val="1400"/>
+              </a:spcBef>
+              <a:spcAft>
+                <a:spcPts val="0"/>
               </a:spcAft>
               <a:buNone/>
             </a:pPr>
             <a:r>
-              <a:t/>
+              <a:rPr b="1" lang="en" sz="1300">
+                <a:latin typeface="Arial"/>
+                <a:ea typeface="Arial"/>
+                <a:cs typeface="Arial"/>
+                <a:sym typeface="Arial"/>
+              </a:rPr>
+              <a:t>Undercoverage Bias: </a:t>
+            </a:r>
+            <a:r>
+              <a:rPr lang="en" sz="1100">
+                <a:latin typeface="Arial"/>
+                <a:ea typeface="Arial"/>
+                <a:cs typeface="Arial"/>
+                <a:sym typeface="Arial"/>
+              </a:rPr>
+              <a:t>Happens when some members of the population have no chance of being included in the sample.</a:t>
+            </a:r>
+            <a:br>
+              <a:rPr lang="en" sz="1100">
+                <a:latin typeface="Arial"/>
+                <a:ea typeface="Arial"/>
+                <a:cs typeface="Arial"/>
+                <a:sym typeface="Arial"/>
+              </a:rPr>
+            </a:br>
+            <a:r>
+              <a:rPr b="1" lang="en" sz="1100">
+                <a:latin typeface="Arial"/>
+                <a:ea typeface="Arial"/>
+                <a:cs typeface="Arial"/>
+                <a:sym typeface="Arial"/>
+              </a:rPr>
+              <a:t>Example:</a:t>
+            </a:r>
+            <a:r>
+              <a:rPr lang="en" sz="1100">
+                <a:latin typeface="Arial"/>
+                <a:ea typeface="Arial"/>
+                <a:cs typeface="Arial"/>
+                <a:sym typeface="Arial"/>
+              </a:rPr>
+              <a:t> A political poll that only surveys registered voters, ignoring eligible but unregistered voters.</a:t>
+            </a:r>
+            <a:endParaRPr sz="1100">
+              <a:latin typeface="Arial"/>
+              <a:ea typeface="Arial"/>
+              <a:cs typeface="Arial"/>
+              <a:sym typeface="Arial"/>
+            </a:endParaRPr>
+          </a:p>
+          <a:p>
+            <a:pPr indent="0" lvl="0" marL="0" rtl="0" algn="l">
+              <a:spcBef>
+                <a:spcPts val="1400"/>
+              </a:spcBef>
+              <a:spcAft>
+                <a:spcPts val="400"/>
+              </a:spcAft>
+              <a:buNone/>
+            </a:pPr>
+            <a:r>
+              <a:rPr b="1" lang="en" sz="1300">
+                <a:latin typeface="Arial"/>
+                <a:ea typeface="Arial"/>
+                <a:cs typeface="Arial"/>
+                <a:sym typeface="Arial"/>
+              </a:rPr>
+              <a:t>Nonresponse Bias: </a:t>
+            </a:r>
+            <a:r>
+              <a:rPr lang="en" sz="1100">
+                <a:latin typeface="Arial"/>
+                <a:ea typeface="Arial"/>
+                <a:cs typeface="Arial"/>
+                <a:sym typeface="Arial"/>
+              </a:rPr>
+              <a:t>Occurs when a significant portion of selected respondents do not participate, and those who do respond differ in a meaningful way from those who don't.</a:t>
+            </a:r>
+            <a:br>
+              <a:rPr lang="en" sz="1100">
+                <a:latin typeface="Arial"/>
+                <a:ea typeface="Arial"/>
+                <a:cs typeface="Arial"/>
+                <a:sym typeface="Arial"/>
+              </a:rPr>
+            </a:br>
+            <a:r>
+              <a:rPr b="1" lang="en" sz="1100">
+                <a:latin typeface="Arial"/>
+                <a:ea typeface="Arial"/>
+                <a:cs typeface="Arial"/>
+                <a:sym typeface="Arial"/>
+              </a:rPr>
+              <a:t>Example:</a:t>
+            </a:r>
+            <a:r>
+              <a:rPr lang="en" sz="1100">
+                <a:latin typeface="Arial"/>
+                <a:ea typeface="Arial"/>
+                <a:cs typeface="Arial"/>
+                <a:sym typeface="Arial"/>
+              </a:rPr>
+              <a:t> A survey about income levels where wealthier individuals are less likely to disclose their earnings.</a:t>
             </a:r>
             <a:endParaRPr/>
           </a:p>
         </p:txBody>
       </p:sp>
-      <p:pic>
-        <p:nvPicPr>
-          <p:cNvPr id="333" name="Google Shape;333;p53"/>
-          <p:cNvPicPr preferRelativeResize="0"/>
-          <p:nvPr/>
-        </p:nvPicPr>
-        <p:blipFill>
-          <a:blip r:embed="rId3">
-            <a:alphaModFix/>
-          </a:blip>
-          <a:stretch>
-            <a:fillRect/>
-          </a:stretch>
-        </p:blipFill>
-        <p:spPr>
-          <a:xfrm>
-            <a:off x="5382825" y="1489825"/>
-            <a:ext cx="3627600" cy="2377958"/>
-          </a:xfrm>
-          <a:prstGeom prst="rect">
-            <a:avLst/>
-          </a:prstGeom>
-          <a:noFill/>
-          <a:ln>
-            <a:noFill/>
-          </a:ln>
-        </p:spPr>
-      </p:pic>
     </p:spTree>
   </p:cSld>
   <p:clrMapOvr>
@@ -25907,7 +25896,7 @@
   <p:cSld>
     <p:spTree>
       <p:nvGrpSpPr>
-        <p:cNvPr id="337" name="Shape 337"/>
+        <p:cNvPr id="338" name="Shape 338"/>
         <p:cNvGrpSpPr/>
         <p:nvPr/>
       </p:nvGrpSpPr>
@@ -25921,7 +25910,7 @@
       </p:grpSpPr>
       <p:sp>
         <p:nvSpPr>
-          <p:cNvPr id="338" name="Google Shape;338;p54"/>
+          <p:cNvPr id="339" name="Google Shape;339;p54"/>
           <p:cNvSpPr txBox="1"/>
           <p:nvPr>
             <p:ph type="title"/>
@@ -25953,7 +25942,7 @@
             </a:pPr>
             <a:r>
               <a:rPr lang="en"/>
-              <a:t>Systematic Probability Sampling</a:t>
+              <a:t>Sampling Bias (Continued)</a:t>
             </a:r>
             <a:endParaRPr/>
           </a:p>
@@ -25961,7 +25950,7 @@
       </p:sp>
       <p:sp>
         <p:nvSpPr>
-          <p:cNvPr id="339" name="Google Shape;339;p54"/>
+          <p:cNvPr id="340" name="Google Shape;340;p54"/>
           <p:cNvSpPr txBox="1"/>
           <p:nvPr>
             <p:ph idx="1" type="body"/>
@@ -25969,8 +25958,8 @@
         </p:nvSpPr>
         <p:spPr>
           <a:xfrm>
-            <a:off x="387900" y="1489825"/>
-            <a:ext cx="4184100" cy="3078900"/>
+            <a:off x="387900" y="1489824"/>
+            <a:ext cx="8368200" cy="3078900"/>
           </a:xfrm>
           <a:prstGeom prst="rect">
             <a:avLst/>
@@ -25978,7 +25967,7 @@
         </p:spPr>
         <p:txBody>
           <a:bodyPr anchorCtr="0" anchor="t" bIns="91425" lIns="91425" spcFirstLastPara="1" rIns="91425" wrap="square" tIns="91425">
-            <a:normAutofit/>
+            <a:normAutofit fontScale="85000" lnSpcReduction="10000"/>
           </a:bodyPr>
           <a:lstStyle/>
           <a:p>
@@ -25993,56 +25982,312 @@
             </a:pPr>
             <a:r>
               <a:rPr lang="en"/>
-              <a:t>Divide population/frame into k segments, where k = N/n</a:t>
+              <a:t>Types:</a:t>
             </a:r>
             <a:endParaRPr/>
           </a:p>
           <a:p>
             <a:pPr indent="0" lvl="0" marL="0" rtl="0" algn="l">
               <a:spcBef>
-                <a:spcPts val="1200"/>
-              </a:spcBef>
-              <a:spcAft>
-                <a:spcPts val="1200"/>
+                <a:spcPts val="1400"/>
+              </a:spcBef>
+              <a:spcAft>
+                <a:spcPts val="0"/>
               </a:spcAft>
               <a:buNone/>
             </a:pPr>
             <a:r>
-              <a:rPr lang="en"/>
-              <a:t>Select randomly from the segment, then sample every k’th element</a:t>
+              <a:rPr b="1" lang="en" sz="1300">
+                <a:latin typeface="Arial"/>
+                <a:ea typeface="Arial"/>
+                <a:cs typeface="Arial"/>
+                <a:sym typeface="Arial"/>
+              </a:rPr>
+              <a:t>Voluntary Response Bias: </a:t>
+            </a:r>
+            <a:r>
+              <a:rPr lang="en" sz="1100">
+                <a:latin typeface="Arial"/>
+                <a:ea typeface="Arial"/>
+                <a:cs typeface="Arial"/>
+                <a:sym typeface="Arial"/>
+              </a:rPr>
+              <a:t>Happens when individuals self-select into the study, meaning only those with strong opinions tend to participate.</a:t>
+            </a:r>
+            <a:br>
+              <a:rPr lang="en" sz="1100">
+                <a:latin typeface="Arial"/>
+                <a:ea typeface="Arial"/>
+                <a:cs typeface="Arial"/>
+                <a:sym typeface="Arial"/>
+              </a:rPr>
+            </a:br>
+            <a:r>
+              <a:rPr b="1" lang="en" sz="1100">
+                <a:latin typeface="Arial"/>
+                <a:ea typeface="Arial"/>
+                <a:cs typeface="Arial"/>
+                <a:sym typeface="Arial"/>
+              </a:rPr>
+              <a:t>Example:</a:t>
+            </a:r>
+            <a:r>
+              <a:rPr lang="en" sz="1100">
+                <a:latin typeface="Arial"/>
+                <a:ea typeface="Arial"/>
+                <a:cs typeface="Arial"/>
+                <a:sym typeface="Arial"/>
+              </a:rPr>
+              <a:t> An online poll about customer satisfaction where only dissatisfied customers respond.</a:t>
+            </a:r>
+            <a:endParaRPr sz="1100">
+              <a:latin typeface="Arial"/>
+              <a:ea typeface="Arial"/>
+              <a:cs typeface="Arial"/>
+              <a:sym typeface="Arial"/>
+            </a:endParaRPr>
+          </a:p>
+          <a:p>
+            <a:pPr indent="0" lvl="0" marL="0" rtl="0" algn="l">
+              <a:spcBef>
+                <a:spcPts val="1400"/>
+              </a:spcBef>
+              <a:spcAft>
+                <a:spcPts val="0"/>
+              </a:spcAft>
+              <a:buNone/>
+            </a:pPr>
+            <a:r>
+              <a:rPr b="1" lang="en" sz="1300">
+                <a:latin typeface="Arial"/>
+                <a:ea typeface="Arial"/>
+                <a:cs typeface="Arial"/>
+                <a:sym typeface="Arial"/>
+              </a:rPr>
+              <a:t>Survivorship Bias: </a:t>
+            </a:r>
+            <a:r>
+              <a:rPr lang="en" sz="1100">
+                <a:latin typeface="Arial"/>
+                <a:ea typeface="Arial"/>
+                <a:cs typeface="Arial"/>
+                <a:sym typeface="Arial"/>
+              </a:rPr>
+              <a:t>Occurs when only subjects that have “survived” or persisted are included in the sample, leading to misleading conclusions.</a:t>
+            </a:r>
+            <a:br>
+              <a:rPr lang="en" sz="1100">
+                <a:latin typeface="Arial"/>
+                <a:ea typeface="Arial"/>
+                <a:cs typeface="Arial"/>
+                <a:sym typeface="Arial"/>
+              </a:rPr>
+            </a:br>
+            <a:r>
+              <a:rPr b="1" lang="en" sz="1100">
+                <a:latin typeface="Arial"/>
+                <a:ea typeface="Arial"/>
+                <a:cs typeface="Arial"/>
+                <a:sym typeface="Arial"/>
+              </a:rPr>
+              <a:t>Example:</a:t>
+            </a:r>
+            <a:r>
+              <a:rPr lang="en" sz="1100">
+                <a:latin typeface="Arial"/>
+                <a:ea typeface="Arial"/>
+                <a:cs typeface="Arial"/>
+                <a:sym typeface="Arial"/>
+              </a:rPr>
+              <a:t> Studying the success of businesses by analyzing only those that still exist, ignoring failed businesses.</a:t>
+            </a:r>
+            <a:endParaRPr sz="1100">
+              <a:latin typeface="Arial"/>
+              <a:ea typeface="Arial"/>
+              <a:cs typeface="Arial"/>
+              <a:sym typeface="Arial"/>
+            </a:endParaRPr>
+          </a:p>
+          <a:p>
+            <a:pPr indent="0" lvl="0" marL="0" rtl="0" algn="l">
+              <a:spcBef>
+                <a:spcPts val="1400"/>
+              </a:spcBef>
+              <a:spcAft>
+                <a:spcPts val="0"/>
+              </a:spcAft>
+              <a:buNone/>
+            </a:pPr>
+            <a:r>
+              <a:rPr b="1" lang="en" sz="1300">
+                <a:latin typeface="Arial"/>
+                <a:ea typeface="Arial"/>
+                <a:cs typeface="Arial"/>
+                <a:sym typeface="Arial"/>
+              </a:rPr>
+              <a:t>Convenience Sampling Bias:</a:t>
+            </a:r>
+            <a:r>
+              <a:rPr lang="en" sz="1100">
+                <a:latin typeface="Arial"/>
+                <a:ea typeface="Arial"/>
+                <a:cs typeface="Arial"/>
+                <a:sym typeface="Arial"/>
+              </a:rPr>
+              <a:t>Happens when researchers choose a sample that is easy to access rather than one that is representative.</a:t>
+            </a:r>
+            <a:br>
+              <a:rPr lang="en" sz="1100">
+                <a:latin typeface="Arial"/>
+                <a:ea typeface="Arial"/>
+                <a:cs typeface="Arial"/>
+                <a:sym typeface="Arial"/>
+              </a:rPr>
+            </a:br>
+            <a:r>
+              <a:rPr b="1" lang="en" sz="1100">
+                <a:latin typeface="Arial"/>
+                <a:ea typeface="Arial"/>
+                <a:cs typeface="Arial"/>
+                <a:sym typeface="Arial"/>
+              </a:rPr>
+              <a:t>Example:</a:t>
+            </a:r>
+            <a:r>
+              <a:rPr lang="en" sz="1100">
+                <a:latin typeface="Arial"/>
+                <a:ea typeface="Arial"/>
+                <a:cs typeface="Arial"/>
+                <a:sym typeface="Arial"/>
+              </a:rPr>
+              <a:t> A study on college student habits that only surveys students at one university.</a:t>
+            </a:r>
+            <a:endParaRPr sz="1100">
+              <a:latin typeface="Arial"/>
+              <a:ea typeface="Arial"/>
+              <a:cs typeface="Arial"/>
+              <a:sym typeface="Arial"/>
+            </a:endParaRPr>
+          </a:p>
+          <a:p>
+            <a:pPr indent="0" lvl="0" marL="0" rtl="0" algn="l">
+              <a:spcBef>
+                <a:spcPts val="1400"/>
+              </a:spcBef>
+              <a:spcAft>
+                <a:spcPts val="0"/>
+              </a:spcAft>
+              <a:buNone/>
+            </a:pPr>
+            <a:r>
+              <a:rPr b="1" lang="en" sz="1300">
+                <a:latin typeface="Arial"/>
+                <a:ea typeface="Arial"/>
+                <a:cs typeface="Arial"/>
+                <a:sym typeface="Arial"/>
+              </a:rPr>
+              <a:t>Healthy User Bias:</a:t>
+            </a:r>
+            <a:r>
+              <a:rPr lang="en" sz="1100">
+                <a:latin typeface="Arial"/>
+                <a:ea typeface="Arial"/>
+                <a:cs typeface="Arial"/>
+                <a:sym typeface="Arial"/>
+              </a:rPr>
+              <a:t>Occurs when participants in a study are healthier than the general population, often affecting medical research.</a:t>
+            </a:r>
+            <a:br>
+              <a:rPr lang="en" sz="1100">
+                <a:latin typeface="Arial"/>
+                <a:ea typeface="Arial"/>
+                <a:cs typeface="Arial"/>
+                <a:sym typeface="Arial"/>
+              </a:rPr>
+            </a:br>
+            <a:r>
+              <a:rPr b="1" lang="en" sz="1100">
+                <a:latin typeface="Arial"/>
+                <a:ea typeface="Arial"/>
+                <a:cs typeface="Arial"/>
+                <a:sym typeface="Arial"/>
+              </a:rPr>
+              <a:t>Example:</a:t>
+            </a:r>
+            <a:r>
+              <a:rPr lang="en" sz="1100">
+                <a:latin typeface="Arial"/>
+                <a:ea typeface="Arial"/>
+                <a:cs typeface="Arial"/>
+                <a:sym typeface="Arial"/>
+              </a:rPr>
+              <a:t> A study on the benefits of exercise that surveys only gym-goers, who are likely to be healthier than average.</a:t>
+            </a:r>
+            <a:endParaRPr sz="1100">
+              <a:latin typeface="Arial"/>
+              <a:ea typeface="Arial"/>
+              <a:cs typeface="Arial"/>
+              <a:sym typeface="Arial"/>
+            </a:endParaRPr>
+          </a:p>
+          <a:p>
+            <a:pPr indent="0" lvl="0" marL="0" rtl="0" algn="l">
+              <a:spcBef>
+                <a:spcPts val="1400"/>
+              </a:spcBef>
+              <a:spcAft>
+                <a:spcPts val="400"/>
+              </a:spcAft>
+              <a:buNone/>
+            </a:pPr>
+            <a:r>
+              <a:rPr b="1" lang="en" sz="1300">
+                <a:latin typeface="Arial"/>
+                <a:ea typeface="Arial"/>
+                <a:cs typeface="Arial"/>
+                <a:sym typeface="Arial"/>
+              </a:rPr>
+              <a:t>Exclusion Bias: </a:t>
+            </a:r>
+            <a:r>
+              <a:rPr lang="en" sz="1100">
+                <a:latin typeface="Arial"/>
+                <a:ea typeface="Arial"/>
+                <a:cs typeface="Arial"/>
+                <a:sym typeface="Arial"/>
+              </a:rPr>
+              <a:t>Happens when certain groups are unintentionally left out due to study design flaws.</a:t>
+            </a:r>
+            <a:br>
+              <a:rPr lang="en" sz="1100">
+                <a:latin typeface="Arial"/>
+                <a:ea typeface="Arial"/>
+                <a:cs typeface="Arial"/>
+                <a:sym typeface="Arial"/>
+              </a:rPr>
+            </a:br>
+            <a:r>
+              <a:rPr b="1" lang="en" sz="1100">
+                <a:latin typeface="Arial"/>
+                <a:ea typeface="Arial"/>
+                <a:cs typeface="Arial"/>
+                <a:sym typeface="Arial"/>
+              </a:rPr>
+              <a:t>Example:</a:t>
+            </a:r>
+            <a:r>
+              <a:rPr lang="en" sz="1100">
+                <a:latin typeface="Arial"/>
+                <a:ea typeface="Arial"/>
+                <a:cs typeface="Arial"/>
+                <a:sym typeface="Arial"/>
+              </a:rPr>
+              <a:t> A medical trial that excludes pregnant women, leading to results that don't generalize to the entire population.</a:t>
             </a:r>
             <a:endParaRPr/>
           </a:p>
         </p:txBody>
       </p:sp>
-      <p:pic>
-        <p:nvPicPr>
-          <p:cNvPr id="340" name="Google Shape;340;p54"/>
-          <p:cNvPicPr preferRelativeResize="0"/>
-          <p:nvPr/>
-        </p:nvPicPr>
-        <p:blipFill>
-          <a:blip r:embed="rId3">
-            <a:alphaModFix/>
-          </a:blip>
-          <a:stretch>
-            <a:fillRect/>
-          </a:stretch>
-        </p:blipFill>
-        <p:spPr>
-          <a:xfrm>
-            <a:off x="4724400" y="1296525"/>
-            <a:ext cx="3245581" cy="3694575"/>
-          </a:xfrm>
-          <a:prstGeom prst="rect">
-            <a:avLst/>
-          </a:prstGeom>
-          <a:noFill/>
-          <a:ln>
-            <a:noFill/>
-          </a:ln>
-        </p:spPr>
-      </p:pic>
     </p:spTree>
   </p:cSld>
   <p:clrMapOvr>
@@ -26102,7 +26347,7 @@
             </a:pPr>
             <a:r>
               <a:rPr lang="en"/>
-              <a:t>Stratified Sampling</a:t>
+              <a:t>Types of Sample - Probability</a:t>
             </a:r>
             <a:endParaRPr/>
           </a:p>
@@ -26111,439 +26356,6 @@
       <p:sp>
         <p:nvSpPr>
           <p:cNvPr id="346" name="Google Shape;346;p55"/>
-          <p:cNvSpPr txBox="1"/>
-          <p:nvPr>
-            <p:ph idx="1" type="body"/>
-          </p:nvPr>
-        </p:nvSpPr>
-        <p:spPr>
-          <a:xfrm>
-            <a:off x="387900" y="1489825"/>
-            <a:ext cx="4184100" cy="3078900"/>
-          </a:xfrm>
-          <a:prstGeom prst="rect">
-            <a:avLst/>
-          </a:prstGeom>
-        </p:spPr>
-        <p:txBody>
-          <a:bodyPr anchorCtr="0" anchor="t" bIns="91425" lIns="91425" spcFirstLastPara="1" rIns="91425" wrap="square" tIns="91425">
-            <a:normAutofit fontScale="70000" lnSpcReduction="20000"/>
-          </a:bodyPr>
-          <a:lstStyle/>
-          <a:p>
-            <a:pPr indent="0" lvl="0" marL="0" rtl="0" algn="l">
-              <a:spcBef>
-                <a:spcPts val="0"/>
-              </a:spcBef>
-              <a:spcAft>
-                <a:spcPts val="0"/>
-              </a:spcAft>
-              <a:buNone/>
-            </a:pPr>
-            <a:r>
-              <a:rPr lang="en"/>
-              <a:t>Divide population/frame into subgroups, called strata, based on common attributes</a:t>
-            </a:r>
-            <a:endParaRPr/>
-          </a:p>
-          <a:p>
-            <a:pPr indent="0" lvl="0" marL="0" rtl="0" algn="l">
-              <a:spcBef>
-                <a:spcPts val="1200"/>
-              </a:spcBef>
-              <a:spcAft>
-                <a:spcPts val="0"/>
-              </a:spcAft>
-              <a:buNone/>
-            </a:pPr>
-            <a:r>
-              <a:rPr lang="en"/>
-              <a:t>Randomly sample from the strata (largest random number used)</a:t>
-            </a:r>
-            <a:endParaRPr/>
-          </a:p>
-          <a:p>
-            <a:pPr indent="0" lvl="0" marL="0" rtl="0" algn="l">
-              <a:spcBef>
-                <a:spcPts val="1200"/>
-              </a:spcBef>
-              <a:spcAft>
-                <a:spcPts val="0"/>
-              </a:spcAft>
-              <a:buNone/>
-            </a:pPr>
-            <a:r>
-              <a:rPr lang="en"/>
-              <a:t>Combine the samples</a:t>
-            </a:r>
-            <a:endParaRPr/>
-          </a:p>
-          <a:p>
-            <a:pPr indent="0" lvl="0" marL="0" rtl="0" algn="l">
-              <a:spcBef>
-                <a:spcPts val="1200"/>
-              </a:spcBef>
-              <a:spcAft>
-                <a:spcPts val="0"/>
-              </a:spcAft>
-              <a:buNone/>
-            </a:pPr>
-            <a:r>
-              <a:rPr lang="en"/>
-              <a:t>Can be proportionate to the population or not - Since </a:t>
-            </a:r>
-            <a:r>
-              <a:rPr lang="en"/>
-              <a:t>3/4</a:t>
-            </a:r>
-            <a:r>
-              <a:rPr lang="en"/>
-              <a:t> of the </a:t>
-            </a:r>
-            <a:r>
-              <a:rPr lang="en"/>
-              <a:t>population</a:t>
-            </a:r>
-            <a:r>
-              <a:rPr lang="en"/>
-              <a:t> is female, </a:t>
-            </a:r>
-            <a:r>
-              <a:rPr lang="en"/>
-              <a:t>3/4</a:t>
-            </a:r>
-            <a:r>
-              <a:rPr lang="en"/>
-              <a:t> of the sample should come from the female strata</a:t>
-            </a:r>
-            <a:endParaRPr/>
-          </a:p>
-          <a:p>
-            <a:pPr indent="0" lvl="0" marL="0" rtl="0" algn="l">
-              <a:spcBef>
-                <a:spcPts val="1200"/>
-              </a:spcBef>
-              <a:spcAft>
-                <a:spcPts val="0"/>
-              </a:spcAft>
-              <a:buNone/>
-            </a:pPr>
-            <a:r>
-              <a:rPr lang="en"/>
-              <a:t>Can also be </a:t>
-            </a:r>
-            <a:r>
-              <a:rPr lang="en"/>
-              <a:t>disproportionate</a:t>
-            </a:r>
-            <a:r>
-              <a:rPr lang="en"/>
-              <a:t> and evenly sampled from each strata, but this is potentially biasing </a:t>
-            </a:r>
-            <a:endParaRPr/>
-          </a:p>
-          <a:p>
-            <a:pPr indent="0" lvl="0" marL="0" rtl="0" algn="l">
-              <a:spcBef>
-                <a:spcPts val="1200"/>
-              </a:spcBef>
-              <a:spcAft>
-                <a:spcPts val="1200"/>
-              </a:spcAft>
-              <a:buNone/>
-            </a:pPr>
-            <a:r>
-              <a:t/>
-            </a:r>
-            <a:endParaRPr/>
-          </a:p>
-        </p:txBody>
-      </p:sp>
-      <p:pic>
-        <p:nvPicPr>
-          <p:cNvPr id="347" name="Google Shape;347;p55"/>
-          <p:cNvPicPr preferRelativeResize="0"/>
-          <p:nvPr/>
-        </p:nvPicPr>
-        <p:blipFill>
-          <a:blip r:embed="rId3">
-            <a:alphaModFix/>
-          </a:blip>
-          <a:stretch>
-            <a:fillRect/>
-          </a:stretch>
-        </p:blipFill>
-        <p:spPr>
-          <a:xfrm>
-            <a:off x="4887675" y="653575"/>
-            <a:ext cx="3658355" cy="3694577"/>
-          </a:xfrm>
-          <a:prstGeom prst="rect">
-            <a:avLst/>
-          </a:prstGeom>
-          <a:noFill/>
-          <a:ln>
-            <a:noFill/>
-          </a:ln>
-        </p:spPr>
-      </p:pic>
-    </p:spTree>
-  </p:cSld>
-  <p:clrMapOvr>
-    <a:masterClrMapping/>
-  </p:clrMapOvr>
-</p:sld>
-</file>
-
-<file path=ppt/slides/slide44.xml><?xml version="1.0" encoding="utf-8"?>
-<p:sld xmlns:a="http://schemas.openxmlformats.org/drawingml/2006/main" xmlns:r="http://schemas.openxmlformats.org/officeDocument/2006/relationships" xmlns:mc="http://schemas.openxmlformats.org/markup-compatibility/2006" xmlns:mv="urn:schemas-microsoft-com:mac:vml" xmlns:p="http://schemas.openxmlformats.org/presentationml/2006/main" xmlns:c="http://schemas.openxmlformats.org/drawingml/2006/chart" xmlns:dgm="http://schemas.openxmlformats.org/drawingml/2006/diagram" xmlns:o="urn:schemas-microsoft-com:office:office" xmlns:v="urn:schemas-microsoft-com:vml" xmlns:pvml="urn:schemas-microsoft-com:office:powerpoint" xmlns:com="http://schemas.openxmlformats.org/drawingml/2006/compatibility" xmlns:p14="http://schemas.microsoft.com/office/powerpoint/2010/main" xmlns:p15="http://schemas.microsoft.com/office/powerpoint/2012/main" xmlns:ahyp="http://schemas.microsoft.com/office/drawing/2018/hyperlinkcolor">
-  <p:cSld>
-    <p:spTree>
-      <p:nvGrpSpPr>
-        <p:cNvPr id="351" name="Shape 351"/>
-        <p:cNvGrpSpPr/>
-        <p:nvPr/>
-      </p:nvGrpSpPr>
-      <p:grpSpPr>
-        <a:xfrm>
-          <a:off x="0" y="0"/>
-          <a:ext cx="0" cy="0"/>
-          <a:chOff x="0" y="0"/>
-          <a:chExt cx="0" cy="0"/>
-        </a:xfrm>
-      </p:grpSpPr>
-      <p:sp>
-        <p:nvSpPr>
-          <p:cNvPr id="352" name="Google Shape;352;p56"/>
-          <p:cNvSpPr txBox="1"/>
-          <p:nvPr>
-            <p:ph type="title"/>
-          </p:nvPr>
-        </p:nvSpPr>
-        <p:spPr>
-          <a:xfrm>
-            <a:off x="387900" y="458025"/>
-            <a:ext cx="8368200" cy="686100"/>
-          </a:xfrm>
-          <a:prstGeom prst="rect">
-            <a:avLst/>
-          </a:prstGeom>
-        </p:spPr>
-        <p:txBody>
-          <a:bodyPr anchorCtr="0" anchor="b" bIns="91425" lIns="91425" spcFirstLastPara="1" rIns="91425" wrap="square" tIns="91425">
-            <a:normAutofit/>
-          </a:bodyPr>
-          <a:lstStyle/>
-          <a:p>
-            <a:pPr indent="0" lvl="0" marL="0" rtl="0" algn="l">
-              <a:spcBef>
-                <a:spcPts val="0"/>
-              </a:spcBef>
-              <a:spcAft>
-                <a:spcPts val="0"/>
-              </a:spcAft>
-              <a:buNone/>
-            </a:pPr>
-            <a:r>
-              <a:rPr lang="en"/>
-              <a:t>Cluster Sampling</a:t>
-            </a:r>
-            <a:endParaRPr/>
-          </a:p>
-        </p:txBody>
-      </p:sp>
-      <p:sp>
-        <p:nvSpPr>
-          <p:cNvPr id="353" name="Google Shape;353;p56"/>
-          <p:cNvSpPr txBox="1"/>
-          <p:nvPr>
-            <p:ph idx="1" type="body"/>
-          </p:nvPr>
-        </p:nvSpPr>
-        <p:spPr>
-          <a:xfrm>
-            <a:off x="387900" y="1489825"/>
-            <a:ext cx="4184100" cy="3078900"/>
-          </a:xfrm>
-          <a:prstGeom prst="rect">
-            <a:avLst/>
-          </a:prstGeom>
-        </p:spPr>
-        <p:txBody>
-          <a:bodyPr anchorCtr="0" anchor="t" bIns="91425" lIns="91425" spcFirstLastPara="1" rIns="91425" wrap="square" tIns="91425">
-            <a:normAutofit/>
-          </a:bodyPr>
-          <a:lstStyle/>
-          <a:p>
-            <a:pPr indent="0" lvl="0" marL="0" rtl="0" algn="l">
-              <a:spcBef>
-                <a:spcPts val="0"/>
-              </a:spcBef>
-              <a:spcAft>
-                <a:spcPts val="0"/>
-              </a:spcAft>
-              <a:buNone/>
-            </a:pPr>
-            <a:r>
-              <a:rPr lang="en"/>
-              <a:t>Divide population into clusters based on some relevant attribute </a:t>
-            </a:r>
-            <a:endParaRPr/>
-          </a:p>
-          <a:p>
-            <a:pPr indent="0" lvl="0" marL="0" rtl="0" algn="l">
-              <a:spcBef>
-                <a:spcPts val="1200"/>
-              </a:spcBef>
-              <a:spcAft>
-                <a:spcPts val="0"/>
-              </a:spcAft>
-              <a:buNone/>
-            </a:pPr>
-            <a:r>
-              <a:rPr lang="en"/>
-              <a:t>Each cluster should be </a:t>
-            </a:r>
-            <a:r>
-              <a:rPr lang="en"/>
-              <a:t>representative</a:t>
-            </a:r>
-            <a:r>
-              <a:rPr lang="en"/>
-              <a:t> of the whole population</a:t>
-            </a:r>
-            <a:endParaRPr/>
-          </a:p>
-          <a:p>
-            <a:pPr indent="0" lvl="0" marL="0" rtl="0" algn="l">
-              <a:spcBef>
-                <a:spcPts val="1200"/>
-              </a:spcBef>
-              <a:spcAft>
-                <a:spcPts val="0"/>
-              </a:spcAft>
-              <a:buNone/>
-            </a:pPr>
-            <a:r>
-              <a:rPr lang="en"/>
-              <a:t>Randomly select clusters</a:t>
-            </a:r>
-            <a:endParaRPr/>
-          </a:p>
-          <a:p>
-            <a:pPr indent="0" lvl="0" marL="0" rtl="0" algn="l">
-              <a:spcBef>
-                <a:spcPts val="1200"/>
-              </a:spcBef>
-              <a:spcAft>
-                <a:spcPts val="1200"/>
-              </a:spcAft>
-              <a:buNone/>
-            </a:pPr>
-            <a:r>
-              <a:rPr lang="en"/>
-              <a:t>Use all observations from each cluster to calculate statistics</a:t>
-            </a:r>
-            <a:endParaRPr/>
-          </a:p>
-        </p:txBody>
-      </p:sp>
-      <p:pic>
-        <p:nvPicPr>
-          <p:cNvPr id="354" name="Google Shape;354;p56"/>
-          <p:cNvPicPr preferRelativeResize="0"/>
-          <p:nvPr/>
-        </p:nvPicPr>
-        <p:blipFill>
-          <a:blip r:embed="rId3">
-            <a:alphaModFix/>
-          </a:blip>
-          <a:stretch>
-            <a:fillRect/>
-          </a:stretch>
-        </p:blipFill>
-        <p:spPr>
-          <a:xfrm>
-            <a:off x="4783400" y="804800"/>
-            <a:ext cx="3572942" cy="3694574"/>
-          </a:xfrm>
-          <a:prstGeom prst="rect">
-            <a:avLst/>
-          </a:prstGeom>
-          <a:noFill/>
-          <a:ln>
-            <a:noFill/>
-          </a:ln>
-        </p:spPr>
-      </p:pic>
-    </p:spTree>
-  </p:cSld>
-  <p:clrMapOvr>
-    <a:masterClrMapping/>
-  </p:clrMapOvr>
-</p:sld>
-</file>
-
-<file path=ppt/slides/slide45.xml><?xml version="1.0" encoding="utf-8"?>
-<p:sld xmlns:a="http://schemas.openxmlformats.org/drawingml/2006/main" xmlns:r="http://schemas.openxmlformats.org/officeDocument/2006/relationships" xmlns:mc="http://schemas.openxmlformats.org/markup-compatibility/2006" xmlns:mv="urn:schemas-microsoft-com:mac:vml" xmlns:p="http://schemas.openxmlformats.org/presentationml/2006/main" xmlns:c="http://schemas.openxmlformats.org/drawingml/2006/chart" xmlns:dgm="http://schemas.openxmlformats.org/drawingml/2006/diagram" xmlns:o="urn:schemas-microsoft-com:office:office" xmlns:v="urn:schemas-microsoft-com:vml" xmlns:pvml="urn:schemas-microsoft-com:office:powerpoint" xmlns:com="http://schemas.openxmlformats.org/drawingml/2006/compatibility" xmlns:p14="http://schemas.microsoft.com/office/powerpoint/2010/main" xmlns:p15="http://schemas.microsoft.com/office/powerpoint/2012/main" xmlns:ahyp="http://schemas.microsoft.com/office/drawing/2018/hyperlinkcolor">
-  <p:cSld>
-    <p:spTree>
-      <p:nvGrpSpPr>
-        <p:cNvPr id="358" name="Shape 358"/>
-        <p:cNvGrpSpPr/>
-        <p:nvPr/>
-      </p:nvGrpSpPr>
-      <p:grpSpPr>
-        <a:xfrm>
-          <a:off x="0" y="0"/>
-          <a:ext cx="0" cy="0"/>
-          <a:chOff x="0" y="0"/>
-          <a:chExt cx="0" cy="0"/>
-        </a:xfrm>
-      </p:grpSpPr>
-      <p:sp>
-        <p:nvSpPr>
-          <p:cNvPr id="359" name="Google Shape;359;p57"/>
-          <p:cNvSpPr txBox="1"/>
-          <p:nvPr>
-            <p:ph type="title"/>
-          </p:nvPr>
-        </p:nvSpPr>
-        <p:spPr>
-          <a:xfrm>
-            <a:off x="387900" y="458025"/>
-            <a:ext cx="8368200" cy="686100"/>
-          </a:xfrm>
-          <a:prstGeom prst="rect">
-            <a:avLst/>
-          </a:prstGeom>
-        </p:spPr>
-        <p:txBody>
-          <a:bodyPr anchorCtr="0" anchor="b" bIns="91425" lIns="91425" spcFirstLastPara="1" rIns="91425" wrap="square" tIns="91425">
-            <a:normAutofit/>
-          </a:bodyPr>
-          <a:lstStyle/>
-          <a:p>
-            <a:pPr indent="0" lvl="0" marL="0" rtl="0" algn="l">
-              <a:spcBef>
-                <a:spcPts val="0"/>
-              </a:spcBef>
-              <a:spcAft>
-                <a:spcPts val="0"/>
-              </a:spcAft>
-              <a:buNone/>
-            </a:pPr>
-            <a:r>
-              <a:rPr lang="en"/>
-              <a:t>Necessary Sample Size* </a:t>
-            </a:r>
-            <a:endParaRPr/>
-          </a:p>
-        </p:txBody>
-      </p:sp>
-      <p:sp>
-        <p:nvSpPr>
-          <p:cNvPr id="360" name="Google Shape;360;p57"/>
           <p:cNvSpPr txBox="1"/>
           <p:nvPr>
             <p:ph idx="1" type="body"/>
@@ -26560,7 +26372,7 @@
         </p:spPr>
         <p:txBody>
           <a:bodyPr anchorCtr="0" anchor="t" bIns="91425" lIns="91425" spcFirstLastPara="1" rIns="91425" wrap="square" tIns="91425">
-            <a:normAutofit lnSpcReduction="20000"/>
+            <a:normAutofit fontScale="85000" lnSpcReduction="20000"/>
           </a:bodyPr>
           <a:lstStyle/>
           <a:p>
@@ -26574,7 +26386,12 @@
               <a:buNone/>
             </a:pPr>
             <a:r>
-              <a:t/>
+              <a:rPr b="1" lang="en"/>
+              <a:t>Probability Sampling</a:t>
+            </a:r>
+            <a:r>
+              <a:rPr lang="en"/>
+              <a:t>: Sampling based on known probabilities</a:t>
             </a:r>
             <a:endParaRPr/>
           </a:p>
@@ -26591,7 +26408,7 @@
             <a:r>
               <a:t/>
             </a:r>
-            <a:endParaRPr/>
+            <a:endParaRPr b="1"/>
           </a:p>
           <a:p>
             <a:pPr indent="0" lvl="0" marL="0" rtl="0" algn="l">
@@ -26604,9 +26421,10 @@
               <a:buNone/>
             </a:pPr>
             <a:r>
-              <a:t/>
-            </a:r>
-            <a:endParaRPr/>
+              <a:rPr b="1" lang="en"/>
+              <a:t>Types:</a:t>
+            </a:r>
+            <a:endParaRPr b="1"/>
           </a:p>
           <a:p>
             <a:pPr indent="0" lvl="0" marL="0" rtl="0" algn="l">
@@ -26621,7 +26439,7 @@
             <a:r>
               <a:t/>
             </a:r>
-            <a:endParaRPr/>
+            <a:endParaRPr b="1"/>
           </a:p>
           <a:p>
             <a:pPr indent="0" lvl="0" marL="0" rtl="0" algn="l">
@@ -26634,9 +26452,10 @@
               <a:buNone/>
             </a:pPr>
             <a:r>
-              <a:t/>
-            </a:r>
-            <a:endParaRPr/>
+              <a:rPr b="1" lang="en"/>
+              <a:t>Simple Probability</a:t>
+            </a:r>
+            <a:endParaRPr b="1"/>
           </a:p>
           <a:p>
             <a:pPr indent="0" lvl="0" marL="0" rtl="0" algn="l">
@@ -26649,9 +26468,10 @@
               <a:buNone/>
             </a:pPr>
             <a:r>
-              <a:t/>
-            </a:r>
-            <a:endParaRPr/>
+              <a:rPr b="1" lang="en"/>
+              <a:t>Systematic</a:t>
+            </a:r>
+            <a:endParaRPr b="1"/>
           </a:p>
           <a:p>
             <a:pPr indent="0" lvl="0" marL="0" rtl="0" algn="l">
@@ -26659,176 +26479,15 @@
                 <a:spcPts val="1200"/>
               </a:spcBef>
               <a:spcAft>
-                <a:spcPts val="1200"/>
+                <a:spcPts val="0"/>
               </a:spcAft>
               <a:buNone/>
             </a:pPr>
             <a:r>
-              <a:rPr lang="en"/>
-              <a:t>*We’ll revisit this later</a:t>
-            </a:r>
-            <a:endParaRPr/>
-          </a:p>
-        </p:txBody>
-      </p:sp>
-      <p:pic>
-        <p:nvPicPr>
-          <p:cNvPr id="361" name="Google Shape;361;p57"/>
-          <p:cNvPicPr preferRelativeResize="0"/>
-          <p:nvPr/>
-        </p:nvPicPr>
-        <p:blipFill>
-          <a:blip r:embed="rId3">
-            <a:alphaModFix/>
-          </a:blip>
-          <a:stretch>
-            <a:fillRect/>
-          </a:stretch>
-        </p:blipFill>
-        <p:spPr>
-          <a:xfrm>
-            <a:off x="255550" y="1839100"/>
-            <a:ext cx="4453050" cy="2025375"/>
-          </a:xfrm>
-          <a:prstGeom prst="rect">
-            <a:avLst/>
-          </a:prstGeom>
-          <a:noFill/>
-          <a:ln>
-            <a:noFill/>
-          </a:ln>
-        </p:spPr>
-      </p:pic>
-      <p:pic>
-        <p:nvPicPr>
-          <p:cNvPr id="362" name="Google Shape;362;p57"/>
-          <p:cNvPicPr preferRelativeResize="0"/>
-          <p:nvPr/>
-        </p:nvPicPr>
-        <p:blipFill>
-          <a:blip r:embed="rId4">
-            <a:alphaModFix/>
-          </a:blip>
-          <a:stretch>
-            <a:fillRect/>
-          </a:stretch>
-        </p:blipFill>
-        <p:spPr>
-          <a:xfrm>
-            <a:off x="5022094" y="1839100"/>
-            <a:ext cx="4038281" cy="2025376"/>
-          </a:xfrm>
-          <a:prstGeom prst="rect">
-            <a:avLst/>
-          </a:prstGeom>
-          <a:noFill/>
-          <a:ln>
-            <a:noFill/>
-          </a:ln>
-        </p:spPr>
-      </p:pic>
-    </p:spTree>
-  </p:cSld>
-  <p:clrMapOvr>
-    <a:masterClrMapping/>
-  </p:clrMapOvr>
-</p:sld>
-</file>
-
-<file path=ppt/slides/slide46.xml><?xml version="1.0" encoding="utf-8"?>
-<p:sld xmlns:a="http://schemas.openxmlformats.org/drawingml/2006/main" xmlns:r="http://schemas.openxmlformats.org/officeDocument/2006/relationships" xmlns:mc="http://schemas.openxmlformats.org/markup-compatibility/2006" xmlns:mv="urn:schemas-microsoft-com:mac:vml" xmlns:p="http://schemas.openxmlformats.org/presentationml/2006/main" xmlns:c="http://schemas.openxmlformats.org/drawingml/2006/chart" xmlns:dgm="http://schemas.openxmlformats.org/drawingml/2006/diagram" xmlns:o="urn:schemas-microsoft-com:office:office" xmlns:v="urn:schemas-microsoft-com:vml" xmlns:pvml="urn:schemas-microsoft-com:office:powerpoint" xmlns:com="http://schemas.openxmlformats.org/drawingml/2006/compatibility" xmlns:p14="http://schemas.microsoft.com/office/powerpoint/2010/main" xmlns:p15="http://schemas.microsoft.com/office/powerpoint/2012/main" xmlns:ahyp="http://schemas.microsoft.com/office/drawing/2018/hyperlinkcolor">
-  <p:cSld>
-    <p:spTree>
-      <p:nvGrpSpPr>
-        <p:cNvPr id="366" name="Shape 366"/>
-        <p:cNvGrpSpPr/>
-        <p:nvPr/>
-      </p:nvGrpSpPr>
-      <p:grpSpPr>
-        <a:xfrm>
-          <a:off x="0" y="0"/>
-          <a:ext cx="0" cy="0"/>
-          <a:chOff x="0" y="0"/>
-          <a:chExt cx="0" cy="0"/>
-        </a:xfrm>
-      </p:grpSpPr>
-      <p:sp>
-        <p:nvSpPr>
-          <p:cNvPr id="367" name="Google Shape;367;p58"/>
-          <p:cNvSpPr txBox="1"/>
-          <p:nvPr>
-            <p:ph type="title"/>
-          </p:nvPr>
-        </p:nvSpPr>
-        <p:spPr>
-          <a:xfrm>
-            <a:off x="387900" y="458025"/>
-            <a:ext cx="8368200" cy="686100"/>
-          </a:xfrm>
-          <a:prstGeom prst="rect">
-            <a:avLst/>
-          </a:prstGeom>
-        </p:spPr>
-        <p:txBody>
-          <a:bodyPr anchorCtr="0" anchor="b" bIns="91425" lIns="91425" spcFirstLastPara="1" rIns="91425" wrap="square" tIns="91425">
-            <a:normAutofit/>
-          </a:bodyPr>
-          <a:lstStyle/>
-          <a:p>
-            <a:pPr indent="0" lvl="0" marL="0" rtl="0" algn="l">
-              <a:spcBef>
-                <a:spcPts val="0"/>
-              </a:spcBef>
-              <a:spcAft>
-                <a:spcPts val="0"/>
-              </a:spcAft>
-              <a:buNone/>
-            </a:pPr>
-            <a:r>
-              <a:rPr lang="en"/>
-              <a:t>Necessary Sample Size Example - Means</a:t>
-            </a:r>
-            <a:endParaRPr/>
-          </a:p>
-        </p:txBody>
-      </p:sp>
-      <p:sp>
-        <p:nvSpPr>
-          <p:cNvPr id="368" name="Google Shape;368;p58"/>
-          <p:cNvSpPr txBox="1"/>
-          <p:nvPr>
-            <p:ph idx="1" type="body"/>
-          </p:nvPr>
-        </p:nvSpPr>
-        <p:spPr>
-          <a:xfrm>
-            <a:off x="387900" y="1489825"/>
-            <a:ext cx="3999900" cy="3078900"/>
-          </a:xfrm>
-          <a:prstGeom prst="rect">
-            <a:avLst/>
-          </a:prstGeom>
-        </p:spPr>
-        <p:txBody>
-          <a:bodyPr anchorCtr="0" anchor="t" bIns="91425" lIns="91425" spcFirstLastPara="1" rIns="91425" wrap="square" tIns="91425">
-            <a:normAutofit/>
-          </a:bodyPr>
-          <a:lstStyle/>
-          <a:p>
-            <a:pPr indent="0" lvl="0" marL="0" rtl="0" algn="l">
-              <a:spcBef>
-                <a:spcPts val="0"/>
-              </a:spcBef>
-              <a:spcAft>
-                <a:spcPts val="0"/>
-              </a:spcAft>
-              <a:buNone/>
-            </a:pPr>
-            <a:r>
-              <a:rPr lang="en"/>
-              <a:t>Z for</a:t>
-            </a:r>
-            <a:endParaRPr/>
+              <a:rPr b="1" lang="en"/>
+              <a:t>Stratified</a:t>
+            </a:r>
+            <a:endParaRPr b="1"/>
           </a:p>
           <a:p>
             <a:pPr indent="0" lvl="0" marL="0" rtl="0" algn="l">
@@ -26836,341 +26495,15 @@
                 <a:spcPts val="1200"/>
               </a:spcBef>
               <a:spcAft>
-                <a:spcPts val="0"/>
+                <a:spcPts val="1200"/>
               </a:spcAft>
               <a:buNone/>
             </a:pPr>
             <a:r>
-              <a:rPr lang="en"/>
-              <a:t>90% = 1.65</a:t>
-            </a:r>
-            <a:endParaRPr/>
-          </a:p>
-          <a:p>
-            <a:pPr indent="0" lvl="0" marL="0" rtl="0" algn="l">
-              <a:spcBef>
-                <a:spcPts val="1200"/>
-              </a:spcBef>
-              <a:spcAft>
-                <a:spcPts val="0"/>
-              </a:spcAft>
-              <a:buNone/>
-            </a:pPr>
-            <a:r>
-              <a:rPr lang="en"/>
-              <a:t>95% = 1.96</a:t>
-            </a:r>
-            <a:endParaRPr/>
-          </a:p>
-          <a:p>
-            <a:pPr indent="0" lvl="0" marL="0" rtl="0" algn="l">
-              <a:spcBef>
-                <a:spcPts val="1200"/>
-              </a:spcBef>
-              <a:spcAft>
-                <a:spcPts val="0"/>
-              </a:spcAft>
-              <a:buNone/>
-            </a:pPr>
-            <a:r>
-              <a:rPr lang="en"/>
-              <a:t>99% = 2.33</a:t>
-            </a:r>
-            <a:endParaRPr/>
-          </a:p>
-          <a:p>
-            <a:pPr indent="0" lvl="0" marL="0" rtl="0" algn="l">
-              <a:spcBef>
-                <a:spcPts val="1200"/>
-              </a:spcBef>
-              <a:spcAft>
-                <a:spcPts val="0"/>
-              </a:spcAft>
-              <a:buNone/>
-            </a:pPr>
-            <a:r>
-              <a:t/>
-            </a:r>
-            <a:endParaRPr/>
-          </a:p>
-          <a:p>
-            <a:pPr indent="0" lvl="0" marL="0" rtl="0" algn="l">
-              <a:spcBef>
-                <a:spcPts val="1200"/>
-              </a:spcBef>
-              <a:spcAft>
-                <a:spcPts val="1200"/>
-              </a:spcAft>
-              <a:buNone/>
-            </a:pPr>
-            <a:r>
-              <a:rPr lang="en"/>
-              <a:t>E = Margin of Error = +/- Point estimate</a:t>
-            </a:r>
-            <a:endParaRPr/>
-          </a:p>
-        </p:txBody>
-      </p:sp>
-      <p:sp>
-        <p:nvSpPr>
-          <p:cNvPr id="369" name="Google Shape;369;p58"/>
-          <p:cNvSpPr txBox="1"/>
-          <p:nvPr>
-            <p:ph idx="2" type="body"/>
-          </p:nvPr>
-        </p:nvSpPr>
-        <p:spPr>
-          <a:xfrm>
-            <a:off x="4756200" y="1489825"/>
-            <a:ext cx="3999900" cy="3078900"/>
-          </a:xfrm>
-          <a:prstGeom prst="rect">
-            <a:avLst/>
-          </a:prstGeom>
-        </p:spPr>
-        <p:txBody>
-          <a:bodyPr anchorCtr="0" anchor="t" bIns="91425" lIns="91425" spcFirstLastPara="1" rIns="91425" wrap="square" tIns="91425">
-            <a:normAutofit/>
-          </a:bodyPr>
-          <a:lstStyle/>
-          <a:p>
-            <a:pPr indent="0" lvl="0" marL="0" rtl="0" algn="l">
-              <a:spcBef>
-                <a:spcPts val="0"/>
-              </a:spcBef>
-              <a:spcAft>
-                <a:spcPts val="0"/>
-              </a:spcAft>
-              <a:buNone/>
-            </a:pPr>
-            <a:r>
-              <a:rPr lang="en"/>
-              <a:t>How many apples needed to be 95% confident in your estimate of the mean, with a margin of error of +/- 0.5 oz, given a standard deviation (estimated) of 2 oz.</a:t>
-            </a:r>
-            <a:endParaRPr/>
-          </a:p>
-          <a:p>
-            <a:pPr indent="0" lvl="0" marL="0" rtl="0" algn="l">
-              <a:spcBef>
-                <a:spcPts val="1200"/>
-              </a:spcBef>
-              <a:spcAft>
-                <a:spcPts val="0"/>
-              </a:spcAft>
-              <a:buNone/>
-            </a:pPr>
-            <a:r>
-              <a:rPr lang="en"/>
-              <a:t>n = (Z^2 * stdev^2) / E^2</a:t>
-            </a:r>
-            <a:endParaRPr/>
-          </a:p>
-          <a:p>
-            <a:pPr indent="0" lvl="0" marL="0" rtl="0" algn="l">
-              <a:spcBef>
-                <a:spcPts val="1200"/>
-              </a:spcBef>
-              <a:spcAft>
-                <a:spcPts val="0"/>
-              </a:spcAft>
-              <a:buNone/>
-            </a:pPr>
-            <a:r>
-              <a:rPr lang="en"/>
-              <a:t>…Math…</a:t>
-            </a:r>
-            <a:endParaRPr/>
-          </a:p>
-          <a:p>
-            <a:pPr indent="0" lvl="0" marL="0" rtl="0" algn="l">
-              <a:spcBef>
-                <a:spcPts val="1200"/>
-              </a:spcBef>
-              <a:spcAft>
-                <a:spcPts val="1200"/>
-              </a:spcAft>
-              <a:buNone/>
-            </a:pPr>
-            <a:r>
-              <a:rPr lang="en"/>
-              <a:t>n = 61.4656, which we round up to 62</a:t>
-            </a:r>
-            <a:endParaRPr/>
-          </a:p>
-        </p:txBody>
-      </p:sp>
-    </p:spTree>
-  </p:cSld>
-  <p:clrMapOvr>
-    <a:masterClrMapping/>
-  </p:clrMapOvr>
-</p:sld>
-</file>
-
-<file path=ppt/slides/slide47.xml><?xml version="1.0" encoding="utf-8"?>
-<p:sld xmlns:a="http://schemas.openxmlformats.org/drawingml/2006/main" xmlns:r="http://schemas.openxmlformats.org/officeDocument/2006/relationships" xmlns:mc="http://schemas.openxmlformats.org/markup-compatibility/2006" xmlns:mv="urn:schemas-microsoft-com:mac:vml" xmlns:p="http://schemas.openxmlformats.org/presentationml/2006/main" xmlns:c="http://schemas.openxmlformats.org/drawingml/2006/chart" xmlns:dgm="http://schemas.openxmlformats.org/drawingml/2006/diagram" xmlns:o="urn:schemas-microsoft-com:office:office" xmlns:v="urn:schemas-microsoft-com:vml" xmlns:pvml="urn:schemas-microsoft-com:office:powerpoint" xmlns:com="http://schemas.openxmlformats.org/drawingml/2006/compatibility" xmlns:p14="http://schemas.microsoft.com/office/powerpoint/2010/main" xmlns:p15="http://schemas.microsoft.com/office/powerpoint/2012/main" xmlns:ahyp="http://schemas.microsoft.com/office/drawing/2018/hyperlinkcolor">
-  <p:cSld>
-    <p:spTree>
-      <p:nvGrpSpPr>
-        <p:cNvPr id="373" name="Shape 373"/>
-        <p:cNvGrpSpPr/>
-        <p:nvPr/>
-      </p:nvGrpSpPr>
-      <p:grpSpPr>
-        <a:xfrm>
-          <a:off x="0" y="0"/>
-          <a:ext cx="0" cy="0"/>
-          <a:chOff x="0" y="0"/>
-          <a:chExt cx="0" cy="0"/>
-        </a:xfrm>
-      </p:grpSpPr>
-      <p:sp>
-        <p:nvSpPr>
-          <p:cNvPr id="374" name="Google Shape;374;p59"/>
-          <p:cNvSpPr txBox="1"/>
-          <p:nvPr>
-            <p:ph type="title"/>
-          </p:nvPr>
-        </p:nvSpPr>
-        <p:spPr>
-          <a:xfrm>
-            <a:off x="387900" y="458025"/>
-            <a:ext cx="8368200" cy="686100"/>
-          </a:xfrm>
-          <a:prstGeom prst="rect">
-            <a:avLst/>
-          </a:prstGeom>
-        </p:spPr>
-        <p:txBody>
-          <a:bodyPr anchorCtr="0" anchor="b" bIns="91425" lIns="91425" spcFirstLastPara="1" rIns="91425" wrap="square" tIns="91425">
-            <a:normAutofit/>
-          </a:bodyPr>
-          <a:lstStyle/>
-          <a:p>
-            <a:pPr indent="0" lvl="0" marL="0" rtl="0" algn="l">
-              <a:spcBef>
-                <a:spcPts val="0"/>
-              </a:spcBef>
-              <a:spcAft>
-                <a:spcPts val="0"/>
-              </a:spcAft>
-              <a:buNone/>
-            </a:pPr>
-            <a:r>
-              <a:rPr lang="en"/>
-              <a:t>So, what exactly is a statistic?</a:t>
-            </a:r>
-            <a:endParaRPr/>
-          </a:p>
-        </p:txBody>
-      </p:sp>
-      <p:sp>
-        <p:nvSpPr>
-          <p:cNvPr id="375" name="Google Shape;375;p59"/>
-          <p:cNvSpPr txBox="1"/>
-          <p:nvPr>
-            <p:ph idx="1" type="body"/>
-          </p:nvPr>
-        </p:nvSpPr>
-        <p:spPr>
-          <a:xfrm>
-            <a:off x="387900" y="1489824"/>
-            <a:ext cx="8368200" cy="3078900"/>
-          </a:xfrm>
-          <a:prstGeom prst="rect">
-            <a:avLst/>
-          </a:prstGeom>
-        </p:spPr>
-        <p:txBody>
-          <a:bodyPr anchorCtr="0" anchor="t" bIns="91425" lIns="91425" spcFirstLastPara="1" rIns="91425" wrap="square" tIns="91425">
-            <a:normAutofit/>
-          </a:bodyPr>
-          <a:lstStyle/>
-          <a:p>
-            <a:pPr indent="0" lvl="0" marL="0" rtl="0" algn="l">
-              <a:spcBef>
-                <a:spcPts val="0"/>
-              </a:spcBef>
-              <a:spcAft>
-                <a:spcPts val="0"/>
-              </a:spcAft>
-              <a:buNone/>
-            </a:pPr>
-            <a:r>
-              <a:rPr lang="en"/>
-              <a:t>When a number is used to </a:t>
-            </a:r>
-            <a:r>
-              <a:rPr lang="en"/>
-              <a:t>summarize</a:t>
-            </a:r>
-            <a:r>
-              <a:rPr lang="en"/>
-              <a:t> an aspect of a population, it is called a </a:t>
-            </a:r>
-            <a:r>
               <a:rPr b="1" lang="en"/>
-              <a:t>parameter</a:t>
-            </a:r>
-            <a:r>
-              <a:rPr lang="en"/>
-              <a:t>.</a:t>
-            </a:r>
-            <a:endParaRPr/>
-          </a:p>
-          <a:p>
-            <a:pPr indent="0" lvl="0" marL="0" rtl="0" algn="l">
-              <a:spcBef>
-                <a:spcPts val="1200"/>
-              </a:spcBef>
-              <a:spcAft>
-                <a:spcPts val="0"/>
-              </a:spcAft>
-              <a:buNone/>
-            </a:pPr>
-            <a:r>
-              <a:rPr lang="en"/>
-              <a:t>When a number is used to summarize an aspect of a sample, it is called a </a:t>
-            </a:r>
-            <a:r>
-              <a:rPr b="1" lang="en"/>
-              <a:t>statistic</a:t>
-            </a:r>
-            <a:r>
-              <a:rPr lang="en"/>
-              <a:t>.</a:t>
-            </a:r>
-            <a:endParaRPr/>
-          </a:p>
-          <a:p>
-            <a:pPr indent="0" lvl="0" marL="0" rtl="0" algn="l">
-              <a:spcBef>
-                <a:spcPts val="1200"/>
-              </a:spcBef>
-              <a:spcAft>
-                <a:spcPts val="0"/>
-              </a:spcAft>
-              <a:buNone/>
-            </a:pPr>
-            <a:r>
-              <a:t/>
-            </a:r>
-            <a:endParaRPr/>
-          </a:p>
-          <a:p>
-            <a:pPr indent="0" lvl="0" marL="0" rtl="0" algn="l">
-              <a:spcBef>
-                <a:spcPts val="1200"/>
-              </a:spcBef>
-              <a:spcAft>
-                <a:spcPts val="1200"/>
-              </a:spcAft>
-              <a:buNone/>
-            </a:pPr>
-            <a:r>
-              <a:t/>
-            </a:r>
-            <a:endParaRPr/>
+              <a:t>Cluster</a:t>
+            </a:r>
+            <a:endParaRPr b="1"/>
           </a:p>
         </p:txBody>
       </p:sp>
@@ -27213,7 +26546,7 @@
                                           </p:stCondLst>
                                         </p:cTn>
                                         <p:tgtEl>
-                                          <p:spTgt spid="375">
+                                          <p:spTgt spid="346">
                                             <p:txEl>
                                               <p:pRg end="0" st="0"/>
                                             </p:txEl>
@@ -27262,7 +26595,7 @@
                                           </p:stCondLst>
                                         </p:cTn>
                                         <p:tgtEl>
-                                          <p:spTgt spid="375">
+                                          <p:spTgt spid="346">
                                             <p:txEl>
                                               <p:pRg end="1" st="1"/>
                                             </p:txEl>
@@ -27311,7 +26644,7 @@
                                           </p:stCondLst>
                                         </p:cTn>
                                         <p:tgtEl>
-                                          <p:spTgt spid="375">
+                                          <p:spTgt spid="346">
                                             <p:txEl>
                                               <p:pRg end="2" st="2"/>
                                             </p:txEl>
@@ -27360,7 +26693,2988 @@
                                           </p:stCondLst>
                                         </p:cTn>
                                         <p:tgtEl>
-                                          <p:spTgt spid="375">
+                                          <p:spTgt spid="346">
+                                            <p:txEl>
+                                              <p:pRg end="3" st="3"/>
+                                            </p:txEl>
+                                          </p:spTgt>
+                                        </p:tgtEl>
+                                        <p:attrNameLst>
+                                          <p:attrName>style.visibility</p:attrName>
+                                        </p:attrNameLst>
+                                      </p:cBhvr>
+                                      <p:to>
+                                        <p:strVal val="visible"/>
+                                      </p:to>
+                                    </p:set>
+                                  </p:childTnLst>
+                                </p:cTn>
+                              </p:par>
+                            </p:childTnLst>
+                          </p:cTn>
+                        </p:par>
+                      </p:childTnLst>
+                    </p:cTn>
+                  </p:par>
+                  <p:par>
+                    <p:cTn fill="hold">
+                      <p:stCondLst>
+                        <p:cond delay="indefinite"/>
+                      </p:stCondLst>
+                      <p:childTnLst>
+                        <p:par>
+                          <p:cTn fill="hold">
+                            <p:stCondLst>
+                              <p:cond delay="0"/>
+                            </p:stCondLst>
+                            <p:childTnLst>
+                              <p:par>
+                                <p:cTn fill="hold" nodeType="clickEffect" presetClass="entr" presetID="1" presetSubtype="0">
+                                  <p:stCondLst>
+                                    <p:cond delay="0"/>
+                                  </p:stCondLst>
+                                  <p:childTnLst>
+                                    <p:set>
+                                      <p:cBhvr>
+                                        <p:cTn dur="1" fill="hold">
+                                          <p:stCondLst>
+                                            <p:cond delay="0"/>
+                                          </p:stCondLst>
+                                        </p:cTn>
+                                        <p:tgtEl>
+                                          <p:spTgt spid="346">
+                                            <p:txEl>
+                                              <p:pRg end="4" st="4"/>
+                                            </p:txEl>
+                                          </p:spTgt>
+                                        </p:tgtEl>
+                                        <p:attrNameLst>
+                                          <p:attrName>style.visibility</p:attrName>
+                                        </p:attrNameLst>
+                                      </p:cBhvr>
+                                      <p:to>
+                                        <p:strVal val="visible"/>
+                                      </p:to>
+                                    </p:set>
+                                  </p:childTnLst>
+                                </p:cTn>
+                              </p:par>
+                            </p:childTnLst>
+                          </p:cTn>
+                        </p:par>
+                      </p:childTnLst>
+                    </p:cTn>
+                  </p:par>
+                  <p:par>
+                    <p:cTn fill="hold">
+                      <p:stCondLst>
+                        <p:cond delay="indefinite"/>
+                      </p:stCondLst>
+                      <p:childTnLst>
+                        <p:par>
+                          <p:cTn fill="hold">
+                            <p:stCondLst>
+                              <p:cond delay="0"/>
+                            </p:stCondLst>
+                            <p:childTnLst>
+                              <p:par>
+                                <p:cTn fill="hold" nodeType="clickEffect" presetClass="entr" presetID="1" presetSubtype="0">
+                                  <p:stCondLst>
+                                    <p:cond delay="0"/>
+                                  </p:stCondLst>
+                                  <p:childTnLst>
+                                    <p:set>
+                                      <p:cBhvr>
+                                        <p:cTn dur="1" fill="hold">
+                                          <p:stCondLst>
+                                            <p:cond delay="0"/>
+                                          </p:stCondLst>
+                                        </p:cTn>
+                                        <p:tgtEl>
+                                          <p:spTgt spid="346">
+                                            <p:txEl>
+                                              <p:pRg end="5" st="5"/>
+                                            </p:txEl>
+                                          </p:spTgt>
+                                        </p:tgtEl>
+                                        <p:attrNameLst>
+                                          <p:attrName>style.visibility</p:attrName>
+                                        </p:attrNameLst>
+                                      </p:cBhvr>
+                                      <p:to>
+                                        <p:strVal val="visible"/>
+                                      </p:to>
+                                    </p:set>
+                                  </p:childTnLst>
+                                </p:cTn>
+                              </p:par>
+                            </p:childTnLst>
+                          </p:cTn>
+                        </p:par>
+                      </p:childTnLst>
+                    </p:cTn>
+                  </p:par>
+                  <p:par>
+                    <p:cTn fill="hold">
+                      <p:stCondLst>
+                        <p:cond delay="indefinite"/>
+                      </p:stCondLst>
+                      <p:childTnLst>
+                        <p:par>
+                          <p:cTn fill="hold">
+                            <p:stCondLst>
+                              <p:cond delay="0"/>
+                            </p:stCondLst>
+                            <p:childTnLst>
+                              <p:par>
+                                <p:cTn fill="hold" nodeType="clickEffect" presetClass="entr" presetID="1" presetSubtype="0">
+                                  <p:stCondLst>
+                                    <p:cond delay="0"/>
+                                  </p:stCondLst>
+                                  <p:childTnLst>
+                                    <p:set>
+                                      <p:cBhvr>
+                                        <p:cTn dur="1" fill="hold">
+                                          <p:stCondLst>
+                                            <p:cond delay="0"/>
+                                          </p:stCondLst>
+                                        </p:cTn>
+                                        <p:tgtEl>
+                                          <p:spTgt spid="346">
+                                            <p:txEl>
+                                              <p:pRg end="6" st="6"/>
+                                            </p:txEl>
+                                          </p:spTgt>
+                                        </p:tgtEl>
+                                        <p:attrNameLst>
+                                          <p:attrName>style.visibility</p:attrName>
+                                        </p:attrNameLst>
+                                      </p:cBhvr>
+                                      <p:to>
+                                        <p:strVal val="visible"/>
+                                      </p:to>
+                                    </p:set>
+                                  </p:childTnLst>
+                                </p:cTn>
+                              </p:par>
+                            </p:childTnLst>
+                          </p:cTn>
+                        </p:par>
+                      </p:childTnLst>
+                    </p:cTn>
+                  </p:par>
+                  <p:par>
+                    <p:cTn fill="hold">
+                      <p:stCondLst>
+                        <p:cond delay="indefinite"/>
+                      </p:stCondLst>
+                      <p:childTnLst>
+                        <p:par>
+                          <p:cTn fill="hold">
+                            <p:stCondLst>
+                              <p:cond delay="0"/>
+                            </p:stCondLst>
+                            <p:childTnLst>
+                              <p:par>
+                                <p:cTn fill="hold" nodeType="clickEffect" presetClass="entr" presetID="1" presetSubtype="0">
+                                  <p:stCondLst>
+                                    <p:cond delay="0"/>
+                                  </p:stCondLst>
+                                  <p:childTnLst>
+                                    <p:set>
+                                      <p:cBhvr>
+                                        <p:cTn dur="1" fill="hold">
+                                          <p:stCondLst>
+                                            <p:cond delay="0"/>
+                                          </p:stCondLst>
+                                        </p:cTn>
+                                        <p:tgtEl>
+                                          <p:spTgt spid="346">
+                                            <p:txEl>
+                                              <p:pRg end="7" st="7"/>
+                                            </p:txEl>
+                                          </p:spTgt>
+                                        </p:tgtEl>
+                                        <p:attrNameLst>
+                                          <p:attrName>style.visibility</p:attrName>
+                                        </p:attrNameLst>
+                                      </p:cBhvr>
+                                      <p:to>
+                                        <p:strVal val="visible"/>
+                                      </p:to>
+                                    </p:set>
+                                  </p:childTnLst>
+                                </p:cTn>
+                              </p:par>
+                            </p:childTnLst>
+                          </p:cTn>
+                        </p:par>
+                      </p:childTnLst>
+                    </p:cTn>
+                  </p:par>
+                </p:childTnLst>
+              </p:cTn>
+              <p:prevCondLst>
+                <p:cond evt="onPrev">
+                  <p:tgtEl>
+                    <p:sldTgt/>
+                  </p:tgtEl>
+                </p:cond>
+              </p:prevCondLst>
+              <p:nextCondLst>
+                <p:cond evt="onNext">
+                  <p:tgtEl>
+                    <p:sldTgt/>
+                  </p:tgtEl>
+                </p:cond>
+              </p:nextCondLst>
+            </p:seq>
+          </p:childTnLst>
+        </p:cTn>
+      </p:par>
+    </p:tnLst>
+  </p:timing>
+</p:sld>
+</file>
+
+<file path=ppt/slides/slide44.xml><?xml version="1.0" encoding="utf-8"?>
+<p:sld xmlns:a="http://schemas.openxmlformats.org/drawingml/2006/main" xmlns:r="http://schemas.openxmlformats.org/officeDocument/2006/relationships" xmlns:mc="http://schemas.openxmlformats.org/markup-compatibility/2006" xmlns:mv="urn:schemas-microsoft-com:mac:vml" xmlns:p="http://schemas.openxmlformats.org/presentationml/2006/main" xmlns:c="http://schemas.openxmlformats.org/drawingml/2006/chart" xmlns:dgm="http://schemas.openxmlformats.org/drawingml/2006/diagram" xmlns:o="urn:schemas-microsoft-com:office:office" xmlns:v="urn:schemas-microsoft-com:vml" xmlns:pvml="urn:schemas-microsoft-com:office:powerpoint" xmlns:com="http://schemas.openxmlformats.org/drawingml/2006/compatibility" xmlns:p14="http://schemas.microsoft.com/office/powerpoint/2010/main" xmlns:p15="http://schemas.microsoft.com/office/powerpoint/2012/main" xmlns:ahyp="http://schemas.microsoft.com/office/drawing/2018/hyperlinkcolor">
+  <p:cSld>
+    <p:spTree>
+      <p:nvGrpSpPr>
+        <p:cNvPr id="350" name="Shape 350"/>
+        <p:cNvGrpSpPr/>
+        <p:nvPr/>
+      </p:nvGrpSpPr>
+      <p:grpSpPr>
+        <a:xfrm>
+          <a:off x="0" y="0"/>
+          <a:ext cx="0" cy="0"/>
+          <a:chOff x="0" y="0"/>
+          <a:chExt cx="0" cy="0"/>
+        </a:xfrm>
+      </p:grpSpPr>
+      <p:sp>
+        <p:nvSpPr>
+          <p:cNvPr id="351" name="Google Shape;351;p56"/>
+          <p:cNvSpPr txBox="1"/>
+          <p:nvPr>
+            <p:ph type="title"/>
+          </p:nvPr>
+        </p:nvSpPr>
+        <p:spPr>
+          <a:xfrm>
+            <a:off x="387900" y="458025"/>
+            <a:ext cx="8368200" cy="686100"/>
+          </a:xfrm>
+          <a:prstGeom prst="rect">
+            <a:avLst/>
+          </a:prstGeom>
+        </p:spPr>
+        <p:txBody>
+          <a:bodyPr anchorCtr="0" anchor="b" bIns="91425" lIns="91425" spcFirstLastPara="1" rIns="91425" wrap="square" tIns="91425">
+            <a:normAutofit/>
+          </a:bodyPr>
+          <a:lstStyle/>
+          <a:p>
+            <a:pPr indent="0" lvl="0" marL="0" rtl="0" algn="l">
+              <a:spcBef>
+                <a:spcPts val="0"/>
+              </a:spcBef>
+              <a:spcAft>
+                <a:spcPts val="0"/>
+              </a:spcAft>
+              <a:buNone/>
+            </a:pPr>
+            <a:r>
+              <a:rPr lang="en"/>
+              <a:t>Simple Probability Sampling</a:t>
+            </a:r>
+            <a:endParaRPr/>
+          </a:p>
+        </p:txBody>
+      </p:sp>
+      <p:sp>
+        <p:nvSpPr>
+          <p:cNvPr id="352" name="Google Shape;352;p56"/>
+          <p:cNvSpPr txBox="1"/>
+          <p:nvPr>
+            <p:ph idx="1" type="body"/>
+          </p:nvPr>
+        </p:nvSpPr>
+        <p:spPr>
+          <a:xfrm>
+            <a:off x="387900" y="1489825"/>
+            <a:ext cx="4823700" cy="3078900"/>
+          </a:xfrm>
+          <a:prstGeom prst="rect">
+            <a:avLst/>
+          </a:prstGeom>
+        </p:spPr>
+        <p:txBody>
+          <a:bodyPr anchorCtr="0" anchor="t" bIns="91425" lIns="91425" spcFirstLastPara="1" rIns="91425" wrap="square" tIns="91425">
+            <a:noAutofit/>
+          </a:bodyPr>
+          <a:lstStyle/>
+          <a:p>
+            <a:pPr indent="0" lvl="0" marL="0" rtl="0" algn="l">
+              <a:spcBef>
+                <a:spcPts val="0"/>
+              </a:spcBef>
+              <a:spcAft>
+                <a:spcPts val="0"/>
+              </a:spcAft>
+              <a:buSzPts val="688"/>
+              <a:buNone/>
+            </a:pPr>
+            <a:r>
+              <a:rPr lang="en" sz="1225"/>
+              <a:t>Each item in the sample has an equal probability of </a:t>
+            </a:r>
+            <a:r>
+              <a:rPr lang="en" sz="1225"/>
+              <a:t>occurrence</a:t>
+            </a:r>
+            <a:r>
+              <a:rPr lang="en" sz="1225"/>
+              <a:t> / selection.</a:t>
+            </a:r>
+            <a:endParaRPr sz="1225"/>
+          </a:p>
+          <a:p>
+            <a:pPr indent="0" lvl="0" marL="0" rtl="0" algn="l">
+              <a:spcBef>
+                <a:spcPts val="1200"/>
+              </a:spcBef>
+              <a:spcAft>
+                <a:spcPts val="0"/>
+              </a:spcAft>
+              <a:buSzPts val="688"/>
+              <a:buNone/>
+            </a:pPr>
+            <a:r>
+              <a:rPr lang="en" sz="1225"/>
+              <a:t>Sampling frame: The list of all items in the population</a:t>
+            </a:r>
+            <a:endParaRPr sz="1225"/>
+          </a:p>
+          <a:p>
+            <a:pPr indent="0" lvl="0" marL="0" rtl="0" algn="l">
+              <a:spcBef>
+                <a:spcPts val="1200"/>
+              </a:spcBef>
+              <a:spcAft>
+                <a:spcPts val="0"/>
+              </a:spcAft>
+              <a:buSzPts val="688"/>
+              <a:buNone/>
+            </a:pPr>
+            <a:r>
+              <a:rPr lang="en" sz="1225"/>
+              <a:t>Steps:</a:t>
+            </a:r>
+            <a:endParaRPr sz="1225"/>
+          </a:p>
+          <a:p>
+            <a:pPr indent="0" lvl="0" marL="0" rtl="0" algn="l">
+              <a:spcBef>
+                <a:spcPts val="1200"/>
+              </a:spcBef>
+              <a:spcAft>
+                <a:spcPts val="0"/>
+              </a:spcAft>
+              <a:buSzPts val="688"/>
+              <a:buNone/>
+            </a:pPr>
+            <a:r>
+              <a:rPr lang="en" sz="1225"/>
+              <a:t>Assign Each</a:t>
+            </a:r>
+            <a:r>
+              <a:rPr lang="en" sz="1225"/>
+              <a:t> item a number randomly (using an unbiased and systematic source, like a computer, not your intuition)</a:t>
+            </a:r>
+            <a:endParaRPr sz="1225"/>
+          </a:p>
+          <a:p>
+            <a:pPr indent="0" lvl="0" marL="0" rtl="0" algn="l">
+              <a:spcBef>
+                <a:spcPts val="1200"/>
+              </a:spcBef>
+              <a:spcAft>
+                <a:spcPts val="0"/>
+              </a:spcAft>
+              <a:buSzPts val="688"/>
+              <a:buNone/>
+            </a:pPr>
+            <a:r>
+              <a:rPr lang="en" sz="1225"/>
+              <a:t>The sampling frame by the column of random numbers </a:t>
+            </a:r>
+            <a:endParaRPr sz="1225"/>
+          </a:p>
+          <a:p>
+            <a:pPr indent="0" lvl="0" marL="0" rtl="0" algn="l">
+              <a:spcBef>
+                <a:spcPts val="1200"/>
+              </a:spcBef>
+              <a:spcAft>
+                <a:spcPts val="0"/>
+              </a:spcAft>
+              <a:buSzPts val="688"/>
+              <a:buNone/>
+            </a:pPr>
+            <a:r>
+              <a:rPr lang="en" sz="1225"/>
+              <a:t>Select the top n number of items, where n is the number of items required to meet the significance </a:t>
+            </a:r>
+            <a:r>
+              <a:rPr lang="en" sz="1225"/>
+              <a:t>threshold</a:t>
+            </a:r>
+            <a:r>
+              <a:rPr lang="en" sz="1225"/>
+              <a:t> of your study</a:t>
+            </a:r>
+            <a:endParaRPr sz="1225"/>
+          </a:p>
+          <a:p>
+            <a:pPr indent="0" lvl="0" marL="0" rtl="0" algn="l">
+              <a:spcBef>
+                <a:spcPts val="1200"/>
+              </a:spcBef>
+              <a:spcAft>
+                <a:spcPts val="1200"/>
+              </a:spcAft>
+              <a:buSzPts val="688"/>
+              <a:buNone/>
+            </a:pPr>
+            <a:r>
+              <a:t/>
+            </a:r>
+            <a:endParaRPr sz="1225"/>
+          </a:p>
+        </p:txBody>
+      </p:sp>
+      <p:pic>
+        <p:nvPicPr>
+          <p:cNvPr id="353" name="Google Shape;353;p56"/>
+          <p:cNvPicPr preferRelativeResize="0"/>
+          <p:nvPr/>
+        </p:nvPicPr>
+        <p:blipFill>
+          <a:blip r:embed="rId3">
+            <a:alphaModFix/>
+          </a:blip>
+          <a:stretch>
+            <a:fillRect/>
+          </a:stretch>
+        </p:blipFill>
+        <p:spPr>
+          <a:xfrm>
+            <a:off x="5382825" y="1489825"/>
+            <a:ext cx="3627600" cy="2377958"/>
+          </a:xfrm>
+          <a:prstGeom prst="rect">
+            <a:avLst/>
+          </a:prstGeom>
+          <a:noFill/>
+          <a:ln>
+            <a:noFill/>
+          </a:ln>
+        </p:spPr>
+      </p:pic>
+    </p:spTree>
+  </p:cSld>
+  <p:clrMapOvr>
+    <a:masterClrMapping/>
+  </p:clrMapOvr>
+</p:sld>
+</file>
+
+<file path=ppt/slides/slide45.xml><?xml version="1.0" encoding="utf-8"?>
+<p:sld xmlns:a="http://schemas.openxmlformats.org/drawingml/2006/main" xmlns:r="http://schemas.openxmlformats.org/officeDocument/2006/relationships" xmlns:mc="http://schemas.openxmlformats.org/markup-compatibility/2006" xmlns:mv="urn:schemas-microsoft-com:mac:vml" xmlns:p="http://schemas.openxmlformats.org/presentationml/2006/main" xmlns:c="http://schemas.openxmlformats.org/drawingml/2006/chart" xmlns:dgm="http://schemas.openxmlformats.org/drawingml/2006/diagram" xmlns:o="urn:schemas-microsoft-com:office:office" xmlns:v="urn:schemas-microsoft-com:vml" xmlns:pvml="urn:schemas-microsoft-com:office:powerpoint" xmlns:com="http://schemas.openxmlformats.org/drawingml/2006/compatibility" xmlns:p14="http://schemas.microsoft.com/office/powerpoint/2010/main" xmlns:p15="http://schemas.microsoft.com/office/powerpoint/2012/main" xmlns:ahyp="http://schemas.microsoft.com/office/drawing/2018/hyperlinkcolor">
+  <p:cSld>
+    <p:spTree>
+      <p:nvGrpSpPr>
+        <p:cNvPr id="357" name="Shape 357"/>
+        <p:cNvGrpSpPr/>
+        <p:nvPr/>
+      </p:nvGrpSpPr>
+      <p:grpSpPr>
+        <a:xfrm>
+          <a:off x="0" y="0"/>
+          <a:ext cx="0" cy="0"/>
+          <a:chOff x="0" y="0"/>
+          <a:chExt cx="0" cy="0"/>
+        </a:xfrm>
+      </p:grpSpPr>
+      <p:sp>
+        <p:nvSpPr>
+          <p:cNvPr id="358" name="Google Shape;358;p57"/>
+          <p:cNvSpPr txBox="1"/>
+          <p:nvPr>
+            <p:ph type="title"/>
+          </p:nvPr>
+        </p:nvSpPr>
+        <p:spPr>
+          <a:xfrm>
+            <a:off x="387900" y="458025"/>
+            <a:ext cx="8368200" cy="686100"/>
+          </a:xfrm>
+          <a:prstGeom prst="rect">
+            <a:avLst/>
+          </a:prstGeom>
+        </p:spPr>
+        <p:txBody>
+          <a:bodyPr anchorCtr="0" anchor="b" bIns="91425" lIns="91425" spcFirstLastPara="1" rIns="91425" wrap="square" tIns="91425">
+            <a:normAutofit/>
+          </a:bodyPr>
+          <a:lstStyle/>
+          <a:p>
+            <a:pPr indent="0" lvl="0" marL="0" rtl="0" algn="l">
+              <a:spcBef>
+                <a:spcPts val="0"/>
+              </a:spcBef>
+              <a:spcAft>
+                <a:spcPts val="0"/>
+              </a:spcAft>
+              <a:buNone/>
+            </a:pPr>
+            <a:r>
+              <a:rPr lang="en"/>
+              <a:t>Systematic Probability Sampling</a:t>
+            </a:r>
+            <a:endParaRPr/>
+          </a:p>
+        </p:txBody>
+      </p:sp>
+      <p:sp>
+        <p:nvSpPr>
+          <p:cNvPr id="359" name="Google Shape;359;p57"/>
+          <p:cNvSpPr txBox="1"/>
+          <p:nvPr>
+            <p:ph idx="1" type="body"/>
+          </p:nvPr>
+        </p:nvSpPr>
+        <p:spPr>
+          <a:xfrm>
+            <a:off x="387900" y="1489825"/>
+            <a:ext cx="4184100" cy="3078900"/>
+          </a:xfrm>
+          <a:prstGeom prst="rect">
+            <a:avLst/>
+          </a:prstGeom>
+        </p:spPr>
+        <p:txBody>
+          <a:bodyPr anchorCtr="0" anchor="t" bIns="91425" lIns="91425" spcFirstLastPara="1" rIns="91425" wrap="square" tIns="91425">
+            <a:normAutofit/>
+          </a:bodyPr>
+          <a:lstStyle/>
+          <a:p>
+            <a:pPr indent="0" lvl="0" marL="0" rtl="0" algn="l">
+              <a:spcBef>
+                <a:spcPts val="0"/>
+              </a:spcBef>
+              <a:spcAft>
+                <a:spcPts val="0"/>
+              </a:spcAft>
+              <a:buNone/>
+            </a:pPr>
+            <a:r>
+              <a:rPr lang="en" sz="1600"/>
+              <a:t>Steps:</a:t>
+            </a:r>
+            <a:endParaRPr sz="1600"/>
+          </a:p>
+          <a:p>
+            <a:pPr indent="0" lvl="0" marL="0" rtl="0" algn="l">
+              <a:spcBef>
+                <a:spcPts val="1200"/>
+              </a:spcBef>
+              <a:spcAft>
+                <a:spcPts val="0"/>
+              </a:spcAft>
+              <a:buNone/>
+            </a:pPr>
+            <a:r>
+              <a:rPr lang="en" sz="1600"/>
+              <a:t>Divide population/frame into k segments, where k = N/n</a:t>
+            </a:r>
+            <a:endParaRPr sz="1600"/>
+          </a:p>
+          <a:p>
+            <a:pPr indent="0" lvl="0" marL="0" rtl="0" algn="l">
+              <a:spcBef>
+                <a:spcPts val="1200"/>
+              </a:spcBef>
+              <a:spcAft>
+                <a:spcPts val="1200"/>
+              </a:spcAft>
+              <a:buNone/>
+            </a:pPr>
+            <a:r>
+              <a:rPr lang="en" sz="1600"/>
+              <a:t>Select a starting point randoml</a:t>
+            </a:r>
+            <a:r>
+              <a:rPr lang="en" sz="1600"/>
+              <a:t>y from the first segment</a:t>
+            </a:r>
+            <a:r>
+              <a:rPr lang="en" sz="1600"/>
+              <a:t>, then sample every k’th element</a:t>
+            </a:r>
+            <a:endParaRPr sz="1600"/>
+          </a:p>
+        </p:txBody>
+      </p:sp>
+      <p:pic>
+        <p:nvPicPr>
+          <p:cNvPr id="360" name="Google Shape;360;p57"/>
+          <p:cNvPicPr preferRelativeResize="0"/>
+          <p:nvPr/>
+        </p:nvPicPr>
+        <p:blipFill>
+          <a:blip r:embed="rId3">
+            <a:alphaModFix/>
+          </a:blip>
+          <a:stretch>
+            <a:fillRect/>
+          </a:stretch>
+        </p:blipFill>
+        <p:spPr>
+          <a:xfrm>
+            <a:off x="4724400" y="1296525"/>
+            <a:ext cx="3245581" cy="3694575"/>
+          </a:xfrm>
+          <a:prstGeom prst="rect">
+            <a:avLst/>
+          </a:prstGeom>
+          <a:noFill/>
+          <a:ln>
+            <a:noFill/>
+          </a:ln>
+        </p:spPr>
+      </p:pic>
+    </p:spTree>
+  </p:cSld>
+  <p:clrMapOvr>
+    <a:masterClrMapping/>
+  </p:clrMapOvr>
+</p:sld>
+</file>
+
+<file path=ppt/slides/slide46.xml><?xml version="1.0" encoding="utf-8"?>
+<p:sld xmlns:a="http://schemas.openxmlformats.org/drawingml/2006/main" xmlns:r="http://schemas.openxmlformats.org/officeDocument/2006/relationships" xmlns:mc="http://schemas.openxmlformats.org/markup-compatibility/2006" xmlns:mv="urn:schemas-microsoft-com:mac:vml" xmlns:p="http://schemas.openxmlformats.org/presentationml/2006/main" xmlns:c="http://schemas.openxmlformats.org/drawingml/2006/chart" xmlns:dgm="http://schemas.openxmlformats.org/drawingml/2006/diagram" xmlns:o="urn:schemas-microsoft-com:office:office" xmlns:v="urn:schemas-microsoft-com:vml" xmlns:pvml="urn:schemas-microsoft-com:office:powerpoint" xmlns:com="http://schemas.openxmlformats.org/drawingml/2006/compatibility" xmlns:p14="http://schemas.microsoft.com/office/powerpoint/2010/main" xmlns:p15="http://schemas.microsoft.com/office/powerpoint/2012/main" xmlns:ahyp="http://schemas.microsoft.com/office/drawing/2018/hyperlinkcolor">
+  <p:cSld>
+    <p:spTree>
+      <p:nvGrpSpPr>
+        <p:cNvPr id="364" name="Shape 364"/>
+        <p:cNvGrpSpPr/>
+        <p:nvPr/>
+      </p:nvGrpSpPr>
+      <p:grpSpPr>
+        <a:xfrm>
+          <a:off x="0" y="0"/>
+          <a:ext cx="0" cy="0"/>
+          <a:chOff x="0" y="0"/>
+          <a:chExt cx="0" cy="0"/>
+        </a:xfrm>
+      </p:grpSpPr>
+      <p:sp>
+        <p:nvSpPr>
+          <p:cNvPr id="365" name="Google Shape;365;p58"/>
+          <p:cNvSpPr txBox="1"/>
+          <p:nvPr>
+            <p:ph type="title"/>
+          </p:nvPr>
+        </p:nvSpPr>
+        <p:spPr>
+          <a:xfrm>
+            <a:off x="387900" y="458025"/>
+            <a:ext cx="8368200" cy="686100"/>
+          </a:xfrm>
+          <a:prstGeom prst="rect">
+            <a:avLst/>
+          </a:prstGeom>
+        </p:spPr>
+        <p:txBody>
+          <a:bodyPr anchorCtr="0" anchor="b" bIns="91425" lIns="91425" spcFirstLastPara="1" rIns="91425" wrap="square" tIns="91425">
+            <a:normAutofit/>
+          </a:bodyPr>
+          <a:lstStyle/>
+          <a:p>
+            <a:pPr indent="0" lvl="0" marL="0" rtl="0" algn="l">
+              <a:spcBef>
+                <a:spcPts val="0"/>
+              </a:spcBef>
+              <a:spcAft>
+                <a:spcPts val="0"/>
+              </a:spcAft>
+              <a:buNone/>
+            </a:pPr>
+            <a:r>
+              <a:rPr lang="en"/>
+              <a:t>Stratified Sampling</a:t>
+            </a:r>
+            <a:endParaRPr/>
+          </a:p>
+        </p:txBody>
+      </p:sp>
+      <p:sp>
+        <p:nvSpPr>
+          <p:cNvPr id="366" name="Google Shape;366;p58"/>
+          <p:cNvSpPr txBox="1"/>
+          <p:nvPr>
+            <p:ph idx="1" type="body"/>
+          </p:nvPr>
+        </p:nvSpPr>
+        <p:spPr>
+          <a:xfrm>
+            <a:off x="387900" y="1489825"/>
+            <a:ext cx="4184100" cy="3078900"/>
+          </a:xfrm>
+          <a:prstGeom prst="rect">
+            <a:avLst/>
+          </a:prstGeom>
+        </p:spPr>
+        <p:txBody>
+          <a:bodyPr anchorCtr="0" anchor="t" bIns="91425" lIns="91425" spcFirstLastPara="1" rIns="91425" wrap="square" tIns="91425">
+            <a:noAutofit/>
+          </a:bodyPr>
+          <a:lstStyle/>
+          <a:p>
+            <a:pPr indent="0" lvl="0" marL="0" rtl="0" algn="l">
+              <a:lnSpc>
+                <a:spcPct val="95000"/>
+              </a:lnSpc>
+              <a:spcBef>
+                <a:spcPts val="0"/>
+              </a:spcBef>
+              <a:spcAft>
+                <a:spcPts val="0"/>
+              </a:spcAft>
+              <a:buSzPts val="770"/>
+              <a:buNone/>
+            </a:pPr>
+            <a:r>
+              <a:rPr lang="en" sz="1460"/>
+              <a:t>Steps:</a:t>
+            </a:r>
+            <a:endParaRPr sz="1460"/>
+          </a:p>
+          <a:p>
+            <a:pPr indent="0" lvl="0" marL="0" rtl="0" algn="l">
+              <a:lnSpc>
+                <a:spcPct val="95000"/>
+              </a:lnSpc>
+              <a:spcBef>
+                <a:spcPts val="1200"/>
+              </a:spcBef>
+              <a:spcAft>
+                <a:spcPts val="0"/>
+              </a:spcAft>
+              <a:buSzPts val="770"/>
+              <a:buNone/>
+            </a:pPr>
+            <a:r>
+              <a:rPr lang="en" sz="1460"/>
+              <a:t>Divide population/frame into subgroups, called strata, based on common attributes</a:t>
+            </a:r>
+            <a:endParaRPr sz="1460"/>
+          </a:p>
+          <a:p>
+            <a:pPr indent="0" lvl="0" marL="0" rtl="0" algn="l">
+              <a:lnSpc>
+                <a:spcPct val="95000"/>
+              </a:lnSpc>
+              <a:spcBef>
+                <a:spcPts val="1200"/>
+              </a:spcBef>
+              <a:spcAft>
+                <a:spcPts val="0"/>
+              </a:spcAft>
+              <a:buSzPts val="770"/>
+              <a:buNone/>
+            </a:pPr>
+            <a:r>
+              <a:rPr lang="en" sz="1460"/>
+              <a:t>Randomly sample from the strata (largest random number used)</a:t>
+            </a:r>
+            <a:endParaRPr sz="1460"/>
+          </a:p>
+          <a:p>
+            <a:pPr indent="0" lvl="0" marL="0" rtl="0" algn="l">
+              <a:lnSpc>
+                <a:spcPct val="95000"/>
+              </a:lnSpc>
+              <a:spcBef>
+                <a:spcPts val="1200"/>
+              </a:spcBef>
+              <a:spcAft>
+                <a:spcPts val="0"/>
+              </a:spcAft>
+              <a:buSzPts val="770"/>
+              <a:buNone/>
+            </a:pPr>
+            <a:r>
+              <a:rPr lang="en" sz="1460"/>
+              <a:t>Combine the samples</a:t>
+            </a:r>
+            <a:endParaRPr sz="1460"/>
+          </a:p>
+          <a:p>
+            <a:pPr indent="0" lvl="0" marL="0" rtl="0" algn="l">
+              <a:lnSpc>
+                <a:spcPct val="95000"/>
+              </a:lnSpc>
+              <a:spcBef>
+                <a:spcPts val="1200"/>
+              </a:spcBef>
+              <a:spcAft>
+                <a:spcPts val="0"/>
+              </a:spcAft>
+              <a:buSzPts val="770"/>
+              <a:buNone/>
+            </a:pPr>
+            <a:r>
+              <a:rPr lang="en" sz="1460"/>
+              <a:t>Can be proportionate to the population or not - Since </a:t>
+            </a:r>
+            <a:r>
+              <a:rPr lang="en" sz="1460"/>
+              <a:t>3/4</a:t>
+            </a:r>
+            <a:r>
+              <a:rPr lang="en" sz="1460"/>
+              <a:t> of the </a:t>
+            </a:r>
+            <a:r>
+              <a:rPr lang="en" sz="1460"/>
+              <a:t>population</a:t>
+            </a:r>
+            <a:r>
+              <a:rPr lang="en" sz="1460"/>
+              <a:t> is female, </a:t>
+            </a:r>
+            <a:r>
+              <a:rPr lang="en" sz="1460"/>
+              <a:t>3/4</a:t>
+            </a:r>
+            <a:r>
+              <a:rPr lang="en" sz="1460"/>
+              <a:t> of the sample should come from the female strata</a:t>
+            </a:r>
+            <a:endParaRPr sz="1460"/>
+          </a:p>
+          <a:p>
+            <a:pPr indent="0" lvl="0" marL="0" rtl="0" algn="l">
+              <a:lnSpc>
+                <a:spcPct val="95000"/>
+              </a:lnSpc>
+              <a:spcBef>
+                <a:spcPts val="1200"/>
+              </a:spcBef>
+              <a:spcAft>
+                <a:spcPts val="0"/>
+              </a:spcAft>
+              <a:buSzPts val="770"/>
+              <a:buNone/>
+            </a:pPr>
+            <a:r>
+              <a:rPr lang="en" sz="1460"/>
+              <a:t>Can also be </a:t>
+            </a:r>
+            <a:r>
+              <a:rPr lang="en" sz="1460"/>
+              <a:t>disproportionate</a:t>
+            </a:r>
+            <a:r>
+              <a:rPr lang="en" sz="1460"/>
+              <a:t> and evenly sampled from each strata, but this is potentially biasing </a:t>
+            </a:r>
+            <a:endParaRPr sz="1460"/>
+          </a:p>
+          <a:p>
+            <a:pPr indent="0" lvl="0" marL="0" rtl="0" algn="l">
+              <a:lnSpc>
+                <a:spcPct val="95000"/>
+              </a:lnSpc>
+              <a:spcBef>
+                <a:spcPts val="1200"/>
+              </a:spcBef>
+              <a:spcAft>
+                <a:spcPts val="1200"/>
+              </a:spcAft>
+              <a:buSzPts val="770"/>
+              <a:buNone/>
+            </a:pPr>
+            <a:r>
+              <a:t/>
+            </a:r>
+            <a:endParaRPr sz="1460"/>
+          </a:p>
+        </p:txBody>
+      </p:sp>
+      <p:pic>
+        <p:nvPicPr>
+          <p:cNvPr id="367" name="Google Shape;367;p58"/>
+          <p:cNvPicPr preferRelativeResize="0"/>
+          <p:nvPr/>
+        </p:nvPicPr>
+        <p:blipFill>
+          <a:blip r:embed="rId3">
+            <a:alphaModFix/>
+          </a:blip>
+          <a:stretch>
+            <a:fillRect/>
+          </a:stretch>
+        </p:blipFill>
+        <p:spPr>
+          <a:xfrm>
+            <a:off x="4887675" y="653575"/>
+            <a:ext cx="3658355" cy="3694577"/>
+          </a:xfrm>
+          <a:prstGeom prst="rect">
+            <a:avLst/>
+          </a:prstGeom>
+          <a:noFill/>
+          <a:ln>
+            <a:noFill/>
+          </a:ln>
+        </p:spPr>
+      </p:pic>
+    </p:spTree>
+  </p:cSld>
+  <p:clrMapOvr>
+    <a:masterClrMapping/>
+  </p:clrMapOvr>
+</p:sld>
+</file>
+
+<file path=ppt/slides/slide47.xml><?xml version="1.0" encoding="utf-8"?>
+<p:sld xmlns:a="http://schemas.openxmlformats.org/drawingml/2006/main" xmlns:r="http://schemas.openxmlformats.org/officeDocument/2006/relationships" xmlns:mc="http://schemas.openxmlformats.org/markup-compatibility/2006" xmlns:mv="urn:schemas-microsoft-com:mac:vml" xmlns:p="http://schemas.openxmlformats.org/presentationml/2006/main" xmlns:c="http://schemas.openxmlformats.org/drawingml/2006/chart" xmlns:dgm="http://schemas.openxmlformats.org/drawingml/2006/diagram" xmlns:o="urn:schemas-microsoft-com:office:office" xmlns:v="urn:schemas-microsoft-com:vml" xmlns:pvml="urn:schemas-microsoft-com:office:powerpoint" xmlns:com="http://schemas.openxmlformats.org/drawingml/2006/compatibility" xmlns:p14="http://schemas.microsoft.com/office/powerpoint/2010/main" xmlns:p15="http://schemas.microsoft.com/office/powerpoint/2012/main" xmlns:ahyp="http://schemas.microsoft.com/office/drawing/2018/hyperlinkcolor">
+  <p:cSld>
+    <p:spTree>
+      <p:nvGrpSpPr>
+        <p:cNvPr id="371" name="Shape 371"/>
+        <p:cNvGrpSpPr/>
+        <p:nvPr/>
+      </p:nvGrpSpPr>
+      <p:grpSpPr>
+        <a:xfrm>
+          <a:off x="0" y="0"/>
+          <a:ext cx="0" cy="0"/>
+          <a:chOff x="0" y="0"/>
+          <a:chExt cx="0" cy="0"/>
+        </a:xfrm>
+      </p:grpSpPr>
+      <p:sp>
+        <p:nvSpPr>
+          <p:cNvPr id="372" name="Google Shape;372;p59"/>
+          <p:cNvSpPr txBox="1"/>
+          <p:nvPr>
+            <p:ph type="title"/>
+          </p:nvPr>
+        </p:nvSpPr>
+        <p:spPr>
+          <a:xfrm>
+            <a:off x="387900" y="458025"/>
+            <a:ext cx="8368200" cy="686100"/>
+          </a:xfrm>
+          <a:prstGeom prst="rect">
+            <a:avLst/>
+          </a:prstGeom>
+        </p:spPr>
+        <p:txBody>
+          <a:bodyPr anchorCtr="0" anchor="b" bIns="91425" lIns="91425" spcFirstLastPara="1" rIns="91425" wrap="square" tIns="91425">
+            <a:normAutofit/>
+          </a:bodyPr>
+          <a:lstStyle/>
+          <a:p>
+            <a:pPr indent="0" lvl="0" marL="0" rtl="0" algn="l">
+              <a:spcBef>
+                <a:spcPts val="0"/>
+              </a:spcBef>
+              <a:spcAft>
+                <a:spcPts val="0"/>
+              </a:spcAft>
+              <a:buNone/>
+            </a:pPr>
+            <a:r>
+              <a:rPr lang="en"/>
+              <a:t>Cluster Sampling</a:t>
+            </a:r>
+            <a:endParaRPr/>
+          </a:p>
+        </p:txBody>
+      </p:sp>
+      <p:sp>
+        <p:nvSpPr>
+          <p:cNvPr id="373" name="Google Shape;373;p59"/>
+          <p:cNvSpPr txBox="1"/>
+          <p:nvPr>
+            <p:ph idx="1" type="body"/>
+          </p:nvPr>
+        </p:nvSpPr>
+        <p:spPr>
+          <a:xfrm>
+            <a:off x="387900" y="1489825"/>
+            <a:ext cx="4184100" cy="3078900"/>
+          </a:xfrm>
+          <a:prstGeom prst="rect">
+            <a:avLst/>
+          </a:prstGeom>
+        </p:spPr>
+        <p:txBody>
+          <a:bodyPr anchorCtr="0" anchor="t" bIns="91425" lIns="91425" spcFirstLastPara="1" rIns="91425" wrap="square" tIns="91425">
+            <a:normAutofit lnSpcReduction="20000"/>
+          </a:bodyPr>
+          <a:lstStyle/>
+          <a:p>
+            <a:pPr indent="0" lvl="0" marL="0" rtl="0" algn="l">
+              <a:spcBef>
+                <a:spcPts val="0"/>
+              </a:spcBef>
+              <a:spcAft>
+                <a:spcPts val="0"/>
+              </a:spcAft>
+              <a:buNone/>
+            </a:pPr>
+            <a:r>
+              <a:rPr lang="en"/>
+              <a:t>Steps:</a:t>
+            </a:r>
+            <a:endParaRPr/>
+          </a:p>
+          <a:p>
+            <a:pPr indent="0" lvl="0" marL="0" rtl="0" algn="l">
+              <a:spcBef>
+                <a:spcPts val="1200"/>
+              </a:spcBef>
+              <a:spcAft>
+                <a:spcPts val="0"/>
+              </a:spcAft>
+              <a:buNone/>
+            </a:pPr>
+            <a:r>
+              <a:rPr lang="en"/>
+              <a:t>Divide population into clusters based on some relevant attribute </a:t>
+            </a:r>
+            <a:endParaRPr/>
+          </a:p>
+          <a:p>
+            <a:pPr indent="0" lvl="0" marL="0" rtl="0" algn="l">
+              <a:spcBef>
+                <a:spcPts val="1200"/>
+              </a:spcBef>
+              <a:spcAft>
+                <a:spcPts val="0"/>
+              </a:spcAft>
+              <a:buNone/>
+            </a:pPr>
+            <a:r>
+              <a:rPr lang="en"/>
+              <a:t>Each cluster should be </a:t>
+            </a:r>
+            <a:r>
+              <a:rPr lang="en"/>
+              <a:t>representative</a:t>
+            </a:r>
+            <a:r>
+              <a:rPr lang="en"/>
+              <a:t> of the whole population</a:t>
+            </a:r>
+            <a:endParaRPr/>
+          </a:p>
+          <a:p>
+            <a:pPr indent="0" lvl="0" marL="0" rtl="0" algn="l">
+              <a:spcBef>
+                <a:spcPts val="1200"/>
+              </a:spcBef>
+              <a:spcAft>
+                <a:spcPts val="0"/>
+              </a:spcAft>
+              <a:buNone/>
+            </a:pPr>
+            <a:r>
+              <a:rPr lang="en"/>
+              <a:t>Randomly select clusters</a:t>
+            </a:r>
+            <a:endParaRPr/>
+          </a:p>
+          <a:p>
+            <a:pPr indent="0" lvl="0" marL="0" rtl="0" algn="l">
+              <a:spcBef>
+                <a:spcPts val="1200"/>
+              </a:spcBef>
+              <a:spcAft>
+                <a:spcPts val="1200"/>
+              </a:spcAft>
+              <a:buNone/>
+            </a:pPr>
+            <a:r>
+              <a:rPr lang="en"/>
+              <a:t>Use all observations from each cluster to calculate statistics</a:t>
+            </a:r>
+            <a:endParaRPr/>
+          </a:p>
+        </p:txBody>
+      </p:sp>
+      <p:pic>
+        <p:nvPicPr>
+          <p:cNvPr id="374" name="Google Shape;374;p59"/>
+          <p:cNvPicPr preferRelativeResize="0"/>
+          <p:nvPr/>
+        </p:nvPicPr>
+        <p:blipFill>
+          <a:blip r:embed="rId3">
+            <a:alphaModFix/>
+          </a:blip>
+          <a:stretch>
+            <a:fillRect/>
+          </a:stretch>
+        </p:blipFill>
+        <p:spPr>
+          <a:xfrm>
+            <a:off x="4783400" y="804800"/>
+            <a:ext cx="3572942" cy="3694574"/>
+          </a:xfrm>
+          <a:prstGeom prst="rect">
+            <a:avLst/>
+          </a:prstGeom>
+          <a:noFill/>
+          <a:ln>
+            <a:noFill/>
+          </a:ln>
+        </p:spPr>
+      </p:pic>
+    </p:spTree>
+  </p:cSld>
+  <p:clrMapOvr>
+    <a:masterClrMapping/>
+  </p:clrMapOvr>
+</p:sld>
+</file>
+
+<file path=ppt/slides/slide48.xml><?xml version="1.0" encoding="utf-8"?>
+<p:sld xmlns:a="http://schemas.openxmlformats.org/drawingml/2006/main" xmlns:r="http://schemas.openxmlformats.org/officeDocument/2006/relationships" xmlns:mc="http://schemas.openxmlformats.org/markup-compatibility/2006" xmlns:mv="urn:schemas-microsoft-com:mac:vml" xmlns:p="http://schemas.openxmlformats.org/presentationml/2006/main" xmlns:c="http://schemas.openxmlformats.org/drawingml/2006/chart" xmlns:dgm="http://schemas.openxmlformats.org/drawingml/2006/diagram" xmlns:o="urn:schemas-microsoft-com:office:office" xmlns:v="urn:schemas-microsoft-com:vml" xmlns:pvml="urn:schemas-microsoft-com:office:powerpoint" xmlns:com="http://schemas.openxmlformats.org/drawingml/2006/compatibility" xmlns:p14="http://schemas.microsoft.com/office/powerpoint/2010/main" xmlns:p15="http://schemas.microsoft.com/office/powerpoint/2012/main" xmlns:ahyp="http://schemas.microsoft.com/office/drawing/2018/hyperlinkcolor">
+  <p:cSld>
+    <p:spTree>
+      <p:nvGrpSpPr>
+        <p:cNvPr id="378" name="Shape 378"/>
+        <p:cNvGrpSpPr/>
+        <p:nvPr/>
+      </p:nvGrpSpPr>
+      <p:grpSpPr>
+        <a:xfrm>
+          <a:off x="0" y="0"/>
+          <a:ext cx="0" cy="0"/>
+          <a:chOff x="0" y="0"/>
+          <a:chExt cx="0" cy="0"/>
+        </a:xfrm>
+      </p:grpSpPr>
+      <p:sp>
+        <p:nvSpPr>
+          <p:cNvPr id="379" name="Google Shape;379;p60"/>
+          <p:cNvSpPr txBox="1"/>
+          <p:nvPr>
+            <p:ph type="title"/>
+          </p:nvPr>
+        </p:nvSpPr>
+        <p:spPr>
+          <a:xfrm>
+            <a:off x="387900" y="458025"/>
+            <a:ext cx="8368200" cy="686100"/>
+          </a:xfrm>
+          <a:prstGeom prst="rect">
+            <a:avLst/>
+          </a:prstGeom>
+        </p:spPr>
+        <p:txBody>
+          <a:bodyPr anchorCtr="0" anchor="b" bIns="91425" lIns="91425" spcFirstLastPara="1" rIns="91425" wrap="square" tIns="91425">
+            <a:normAutofit/>
+          </a:bodyPr>
+          <a:lstStyle/>
+          <a:p>
+            <a:pPr indent="0" lvl="0" marL="0" rtl="0" algn="l">
+              <a:spcBef>
+                <a:spcPts val="0"/>
+              </a:spcBef>
+              <a:spcAft>
+                <a:spcPts val="0"/>
+              </a:spcAft>
+              <a:buNone/>
+            </a:pPr>
+            <a:r>
+              <a:rPr lang="en"/>
+              <a:t>Necessary Sample Size* </a:t>
+            </a:r>
+            <a:endParaRPr/>
+          </a:p>
+        </p:txBody>
+      </p:sp>
+      <p:sp>
+        <p:nvSpPr>
+          <p:cNvPr id="380" name="Google Shape;380;p60"/>
+          <p:cNvSpPr txBox="1"/>
+          <p:nvPr>
+            <p:ph idx="1" type="body"/>
+          </p:nvPr>
+        </p:nvSpPr>
+        <p:spPr>
+          <a:xfrm>
+            <a:off x="387900" y="1489824"/>
+            <a:ext cx="8368200" cy="3078900"/>
+          </a:xfrm>
+          <a:prstGeom prst="rect">
+            <a:avLst/>
+          </a:prstGeom>
+        </p:spPr>
+        <p:txBody>
+          <a:bodyPr anchorCtr="0" anchor="t" bIns="91425" lIns="91425" spcFirstLastPara="1" rIns="91425" wrap="square" tIns="91425">
+            <a:normAutofit lnSpcReduction="20000"/>
+          </a:bodyPr>
+          <a:lstStyle/>
+          <a:p>
+            <a:pPr indent="0" lvl="0" marL="0" rtl="0" algn="l">
+              <a:spcBef>
+                <a:spcPts val="0"/>
+              </a:spcBef>
+              <a:spcAft>
+                <a:spcPts val="0"/>
+              </a:spcAft>
+              <a:buNone/>
+            </a:pPr>
+            <a:r>
+              <a:t/>
+            </a:r>
+            <a:endParaRPr/>
+          </a:p>
+          <a:p>
+            <a:pPr indent="0" lvl="0" marL="0" rtl="0" algn="l">
+              <a:spcBef>
+                <a:spcPts val="1200"/>
+              </a:spcBef>
+              <a:spcAft>
+                <a:spcPts val="0"/>
+              </a:spcAft>
+              <a:buNone/>
+            </a:pPr>
+            <a:r>
+              <a:t/>
+            </a:r>
+            <a:endParaRPr/>
+          </a:p>
+          <a:p>
+            <a:pPr indent="0" lvl="0" marL="0" rtl="0" algn="l">
+              <a:spcBef>
+                <a:spcPts val="1200"/>
+              </a:spcBef>
+              <a:spcAft>
+                <a:spcPts val="0"/>
+              </a:spcAft>
+              <a:buNone/>
+            </a:pPr>
+            <a:r>
+              <a:t/>
+            </a:r>
+            <a:endParaRPr/>
+          </a:p>
+          <a:p>
+            <a:pPr indent="0" lvl="0" marL="0" rtl="0" algn="l">
+              <a:spcBef>
+                <a:spcPts val="1200"/>
+              </a:spcBef>
+              <a:spcAft>
+                <a:spcPts val="0"/>
+              </a:spcAft>
+              <a:buNone/>
+            </a:pPr>
+            <a:r>
+              <a:t/>
+            </a:r>
+            <a:endParaRPr/>
+          </a:p>
+          <a:p>
+            <a:pPr indent="0" lvl="0" marL="0" rtl="0" algn="l">
+              <a:spcBef>
+                <a:spcPts val="1200"/>
+              </a:spcBef>
+              <a:spcAft>
+                <a:spcPts val="0"/>
+              </a:spcAft>
+              <a:buNone/>
+            </a:pPr>
+            <a:r>
+              <a:t/>
+            </a:r>
+            <a:endParaRPr/>
+          </a:p>
+          <a:p>
+            <a:pPr indent="0" lvl="0" marL="0" rtl="0" algn="l">
+              <a:spcBef>
+                <a:spcPts val="1200"/>
+              </a:spcBef>
+              <a:spcAft>
+                <a:spcPts val="0"/>
+              </a:spcAft>
+              <a:buNone/>
+            </a:pPr>
+            <a:r>
+              <a:t/>
+            </a:r>
+            <a:endParaRPr/>
+          </a:p>
+          <a:p>
+            <a:pPr indent="0" lvl="0" marL="0" rtl="0" algn="l">
+              <a:spcBef>
+                <a:spcPts val="1200"/>
+              </a:spcBef>
+              <a:spcAft>
+                <a:spcPts val="1200"/>
+              </a:spcAft>
+              <a:buNone/>
+            </a:pPr>
+            <a:r>
+              <a:rPr lang="en"/>
+              <a:t>*We’ll revisit this later</a:t>
+            </a:r>
+            <a:endParaRPr/>
+          </a:p>
+        </p:txBody>
+      </p:sp>
+      <p:pic>
+        <p:nvPicPr>
+          <p:cNvPr id="381" name="Google Shape;381;p60"/>
+          <p:cNvPicPr preferRelativeResize="0"/>
+          <p:nvPr/>
+        </p:nvPicPr>
+        <p:blipFill>
+          <a:blip r:embed="rId3">
+            <a:alphaModFix/>
+          </a:blip>
+          <a:stretch>
+            <a:fillRect/>
+          </a:stretch>
+        </p:blipFill>
+        <p:spPr>
+          <a:xfrm>
+            <a:off x="255550" y="1839100"/>
+            <a:ext cx="4453050" cy="2025375"/>
+          </a:xfrm>
+          <a:prstGeom prst="rect">
+            <a:avLst/>
+          </a:prstGeom>
+          <a:noFill/>
+          <a:ln>
+            <a:noFill/>
+          </a:ln>
+        </p:spPr>
+      </p:pic>
+      <p:pic>
+        <p:nvPicPr>
+          <p:cNvPr id="382" name="Google Shape;382;p60"/>
+          <p:cNvPicPr preferRelativeResize="0"/>
+          <p:nvPr/>
+        </p:nvPicPr>
+        <p:blipFill>
+          <a:blip r:embed="rId4">
+            <a:alphaModFix/>
+          </a:blip>
+          <a:stretch>
+            <a:fillRect/>
+          </a:stretch>
+        </p:blipFill>
+        <p:spPr>
+          <a:xfrm>
+            <a:off x="5022094" y="1839100"/>
+            <a:ext cx="4038281" cy="2025376"/>
+          </a:xfrm>
+          <a:prstGeom prst="rect">
+            <a:avLst/>
+          </a:prstGeom>
+          <a:noFill/>
+          <a:ln>
+            <a:noFill/>
+          </a:ln>
+        </p:spPr>
+      </p:pic>
+    </p:spTree>
+  </p:cSld>
+  <p:clrMapOvr>
+    <a:masterClrMapping/>
+  </p:clrMapOvr>
+</p:sld>
+</file>
+
+<file path=ppt/slides/slide49.xml><?xml version="1.0" encoding="utf-8"?>
+<p:sld xmlns:a="http://schemas.openxmlformats.org/drawingml/2006/main" xmlns:r="http://schemas.openxmlformats.org/officeDocument/2006/relationships" xmlns:mc="http://schemas.openxmlformats.org/markup-compatibility/2006" xmlns:mv="urn:schemas-microsoft-com:mac:vml" xmlns:p="http://schemas.openxmlformats.org/presentationml/2006/main" xmlns:c="http://schemas.openxmlformats.org/drawingml/2006/chart" xmlns:dgm="http://schemas.openxmlformats.org/drawingml/2006/diagram" xmlns:o="urn:schemas-microsoft-com:office:office" xmlns:v="urn:schemas-microsoft-com:vml" xmlns:pvml="urn:schemas-microsoft-com:office:powerpoint" xmlns:com="http://schemas.openxmlformats.org/drawingml/2006/compatibility" xmlns:p14="http://schemas.microsoft.com/office/powerpoint/2010/main" xmlns:p15="http://schemas.microsoft.com/office/powerpoint/2012/main" xmlns:ahyp="http://schemas.microsoft.com/office/drawing/2018/hyperlinkcolor">
+  <p:cSld>
+    <p:spTree>
+      <p:nvGrpSpPr>
+        <p:cNvPr id="386" name="Shape 386"/>
+        <p:cNvGrpSpPr/>
+        <p:nvPr/>
+      </p:nvGrpSpPr>
+      <p:grpSpPr>
+        <a:xfrm>
+          <a:off x="0" y="0"/>
+          <a:ext cx="0" cy="0"/>
+          <a:chOff x="0" y="0"/>
+          <a:chExt cx="0" cy="0"/>
+        </a:xfrm>
+      </p:grpSpPr>
+      <p:sp>
+        <p:nvSpPr>
+          <p:cNvPr id="387" name="Google Shape;387;p61"/>
+          <p:cNvSpPr txBox="1"/>
+          <p:nvPr>
+            <p:ph type="title"/>
+          </p:nvPr>
+        </p:nvSpPr>
+        <p:spPr>
+          <a:xfrm>
+            <a:off x="387900" y="458025"/>
+            <a:ext cx="8368200" cy="686100"/>
+          </a:xfrm>
+          <a:prstGeom prst="rect">
+            <a:avLst/>
+          </a:prstGeom>
+        </p:spPr>
+        <p:txBody>
+          <a:bodyPr anchorCtr="0" anchor="b" bIns="91425" lIns="91425" spcFirstLastPara="1" rIns="91425" wrap="square" tIns="91425">
+            <a:normAutofit/>
+          </a:bodyPr>
+          <a:lstStyle/>
+          <a:p>
+            <a:pPr indent="0" lvl="0" marL="0" rtl="0" algn="l">
+              <a:spcBef>
+                <a:spcPts val="0"/>
+              </a:spcBef>
+              <a:spcAft>
+                <a:spcPts val="0"/>
+              </a:spcAft>
+              <a:buNone/>
+            </a:pPr>
+            <a:r>
+              <a:rPr lang="en"/>
+              <a:t>Necessary Sample Size Example - Means</a:t>
+            </a:r>
+            <a:endParaRPr/>
+          </a:p>
+        </p:txBody>
+      </p:sp>
+      <p:sp>
+        <p:nvSpPr>
+          <p:cNvPr id="388" name="Google Shape;388;p61"/>
+          <p:cNvSpPr txBox="1"/>
+          <p:nvPr>
+            <p:ph idx="1" type="body"/>
+          </p:nvPr>
+        </p:nvSpPr>
+        <p:spPr>
+          <a:xfrm>
+            <a:off x="387900" y="1489825"/>
+            <a:ext cx="3999900" cy="3078900"/>
+          </a:xfrm>
+          <a:prstGeom prst="rect">
+            <a:avLst/>
+          </a:prstGeom>
+        </p:spPr>
+        <p:txBody>
+          <a:bodyPr anchorCtr="0" anchor="t" bIns="91425" lIns="91425" spcFirstLastPara="1" rIns="91425" wrap="square" tIns="91425">
+            <a:normAutofit/>
+          </a:bodyPr>
+          <a:lstStyle/>
+          <a:p>
+            <a:pPr indent="0" lvl="0" marL="0" rtl="0" algn="l">
+              <a:spcBef>
+                <a:spcPts val="0"/>
+              </a:spcBef>
+              <a:spcAft>
+                <a:spcPts val="0"/>
+              </a:spcAft>
+              <a:buNone/>
+            </a:pPr>
+            <a:r>
+              <a:rPr lang="en"/>
+              <a:t>Z for</a:t>
+            </a:r>
+            <a:endParaRPr/>
+          </a:p>
+          <a:p>
+            <a:pPr indent="0" lvl="0" marL="0" rtl="0" algn="l">
+              <a:spcBef>
+                <a:spcPts val="1200"/>
+              </a:spcBef>
+              <a:spcAft>
+                <a:spcPts val="0"/>
+              </a:spcAft>
+              <a:buNone/>
+            </a:pPr>
+            <a:r>
+              <a:rPr lang="en"/>
+              <a:t>90% = 1.65</a:t>
+            </a:r>
+            <a:endParaRPr/>
+          </a:p>
+          <a:p>
+            <a:pPr indent="0" lvl="0" marL="0" rtl="0" algn="l">
+              <a:spcBef>
+                <a:spcPts val="1200"/>
+              </a:spcBef>
+              <a:spcAft>
+                <a:spcPts val="0"/>
+              </a:spcAft>
+              <a:buNone/>
+            </a:pPr>
+            <a:r>
+              <a:rPr lang="en"/>
+              <a:t>95% = 1.96</a:t>
+            </a:r>
+            <a:endParaRPr/>
+          </a:p>
+          <a:p>
+            <a:pPr indent="0" lvl="0" marL="0" rtl="0" algn="l">
+              <a:spcBef>
+                <a:spcPts val="1200"/>
+              </a:spcBef>
+              <a:spcAft>
+                <a:spcPts val="0"/>
+              </a:spcAft>
+              <a:buNone/>
+            </a:pPr>
+            <a:r>
+              <a:rPr lang="en"/>
+              <a:t>99% = 2.33</a:t>
+            </a:r>
+            <a:endParaRPr/>
+          </a:p>
+          <a:p>
+            <a:pPr indent="0" lvl="0" marL="0" rtl="0" algn="l">
+              <a:spcBef>
+                <a:spcPts val="1200"/>
+              </a:spcBef>
+              <a:spcAft>
+                <a:spcPts val="0"/>
+              </a:spcAft>
+              <a:buNone/>
+            </a:pPr>
+            <a:r>
+              <a:t/>
+            </a:r>
+            <a:endParaRPr/>
+          </a:p>
+          <a:p>
+            <a:pPr indent="0" lvl="0" marL="0" rtl="0" algn="l">
+              <a:spcBef>
+                <a:spcPts val="1200"/>
+              </a:spcBef>
+              <a:spcAft>
+                <a:spcPts val="1200"/>
+              </a:spcAft>
+              <a:buNone/>
+            </a:pPr>
+            <a:r>
+              <a:rPr lang="en"/>
+              <a:t>E = Margin of Error = +/- Point estimate</a:t>
+            </a:r>
+            <a:endParaRPr/>
+          </a:p>
+        </p:txBody>
+      </p:sp>
+      <p:sp>
+        <p:nvSpPr>
+          <p:cNvPr id="389" name="Google Shape;389;p61"/>
+          <p:cNvSpPr txBox="1"/>
+          <p:nvPr>
+            <p:ph idx="2" type="body"/>
+          </p:nvPr>
+        </p:nvSpPr>
+        <p:spPr>
+          <a:xfrm>
+            <a:off x="4756200" y="1489825"/>
+            <a:ext cx="3999900" cy="3078900"/>
+          </a:xfrm>
+          <a:prstGeom prst="rect">
+            <a:avLst/>
+          </a:prstGeom>
+        </p:spPr>
+        <p:txBody>
+          <a:bodyPr anchorCtr="0" anchor="t" bIns="91425" lIns="91425" spcFirstLastPara="1" rIns="91425" wrap="square" tIns="91425">
+            <a:normAutofit/>
+          </a:bodyPr>
+          <a:lstStyle/>
+          <a:p>
+            <a:pPr indent="0" lvl="0" marL="0" rtl="0" algn="l">
+              <a:spcBef>
+                <a:spcPts val="0"/>
+              </a:spcBef>
+              <a:spcAft>
+                <a:spcPts val="0"/>
+              </a:spcAft>
+              <a:buNone/>
+            </a:pPr>
+            <a:r>
+              <a:rPr lang="en"/>
+              <a:t>How many apples needed to be 95% confident in your estimate of the mean, with a margin of error of +/- 0.5 oz, given a standard deviation (estimated) of 2 oz.</a:t>
+            </a:r>
+            <a:endParaRPr/>
+          </a:p>
+          <a:p>
+            <a:pPr indent="0" lvl="0" marL="0" rtl="0" algn="l">
+              <a:spcBef>
+                <a:spcPts val="1200"/>
+              </a:spcBef>
+              <a:spcAft>
+                <a:spcPts val="0"/>
+              </a:spcAft>
+              <a:buNone/>
+            </a:pPr>
+            <a:r>
+              <a:rPr lang="en"/>
+              <a:t>n = (Z^2 * stdev^2) / E^2</a:t>
+            </a:r>
+            <a:endParaRPr/>
+          </a:p>
+          <a:p>
+            <a:pPr indent="0" lvl="0" marL="0" rtl="0" algn="l">
+              <a:spcBef>
+                <a:spcPts val="1200"/>
+              </a:spcBef>
+              <a:spcAft>
+                <a:spcPts val="0"/>
+              </a:spcAft>
+              <a:buNone/>
+            </a:pPr>
+            <a:r>
+              <a:rPr lang="en"/>
+              <a:t>…Math…</a:t>
+            </a:r>
+            <a:endParaRPr/>
+          </a:p>
+          <a:p>
+            <a:pPr indent="0" lvl="0" marL="0" rtl="0" algn="l">
+              <a:spcBef>
+                <a:spcPts val="1200"/>
+              </a:spcBef>
+              <a:spcAft>
+                <a:spcPts val="1200"/>
+              </a:spcAft>
+              <a:buNone/>
+            </a:pPr>
+            <a:r>
+              <a:rPr lang="en"/>
+              <a:t>n = 61.4656, which we round up to 62</a:t>
+            </a:r>
+            <a:endParaRPr/>
+          </a:p>
+        </p:txBody>
+      </p:sp>
+    </p:spTree>
+  </p:cSld>
+  <p:clrMapOvr>
+    <a:masterClrMapping/>
+  </p:clrMapOvr>
+</p:sld>
+</file>
+
+<file path=ppt/slides/slide5.xml><?xml version="1.0" encoding="utf-8"?>
+<p:sld xmlns:a="http://schemas.openxmlformats.org/drawingml/2006/main" xmlns:r="http://schemas.openxmlformats.org/officeDocument/2006/relationships" xmlns:mc="http://schemas.openxmlformats.org/markup-compatibility/2006" xmlns:mv="urn:schemas-microsoft-com:mac:vml" xmlns:p="http://schemas.openxmlformats.org/presentationml/2006/main" xmlns:c="http://schemas.openxmlformats.org/drawingml/2006/chart" xmlns:dgm="http://schemas.openxmlformats.org/drawingml/2006/diagram" xmlns:o="urn:schemas-microsoft-com:office:office" xmlns:v="urn:schemas-microsoft-com:vml" xmlns:pvml="urn:schemas-microsoft-com:office:powerpoint" xmlns:com="http://schemas.openxmlformats.org/drawingml/2006/compatibility" xmlns:p14="http://schemas.microsoft.com/office/powerpoint/2010/main" xmlns:p15="http://schemas.microsoft.com/office/powerpoint/2012/main" xmlns:ahyp="http://schemas.microsoft.com/office/drawing/2018/hyperlinkcolor">
+  <p:cSld>
+    <p:spTree>
+      <p:nvGrpSpPr>
+        <p:cNvPr id="87" name="Shape 87"/>
+        <p:cNvGrpSpPr/>
+        <p:nvPr/>
+      </p:nvGrpSpPr>
+      <p:grpSpPr>
+        <a:xfrm>
+          <a:off x="0" y="0"/>
+          <a:ext cx="0" cy="0"/>
+          <a:chOff x="0" y="0"/>
+          <a:chExt cx="0" cy="0"/>
+        </a:xfrm>
+      </p:grpSpPr>
+      <p:sp>
+        <p:nvSpPr>
+          <p:cNvPr id="88" name="Google Shape;88;p17"/>
+          <p:cNvSpPr txBox="1"/>
+          <p:nvPr>
+            <p:ph type="title"/>
+          </p:nvPr>
+        </p:nvSpPr>
+        <p:spPr>
+          <a:xfrm>
+            <a:off x="387900" y="458025"/>
+            <a:ext cx="8368200" cy="686100"/>
+          </a:xfrm>
+          <a:prstGeom prst="rect">
+            <a:avLst/>
+          </a:prstGeom>
+        </p:spPr>
+        <p:txBody>
+          <a:bodyPr anchorCtr="0" anchor="b" bIns="91425" lIns="91425" spcFirstLastPara="1" rIns="91425" wrap="square" tIns="91425">
+            <a:normAutofit/>
+          </a:bodyPr>
+          <a:lstStyle/>
+          <a:p>
+            <a:pPr indent="0" lvl="0" marL="0" rtl="0" algn="l">
+              <a:spcBef>
+                <a:spcPts val="0"/>
+              </a:spcBef>
+              <a:spcAft>
+                <a:spcPts val="0"/>
+              </a:spcAft>
+              <a:buNone/>
+            </a:pPr>
+            <a:r>
+              <a:rPr lang="en"/>
+              <a:t>Organizing Two Categorical Variables</a:t>
+            </a:r>
+            <a:endParaRPr/>
+          </a:p>
+        </p:txBody>
+      </p:sp>
+      <p:sp>
+        <p:nvSpPr>
+          <p:cNvPr id="89" name="Google Shape;89;p17"/>
+          <p:cNvSpPr txBox="1"/>
+          <p:nvPr>
+            <p:ph idx="1" type="body"/>
+          </p:nvPr>
+        </p:nvSpPr>
+        <p:spPr>
+          <a:xfrm>
+            <a:off x="387900" y="1489824"/>
+            <a:ext cx="8368200" cy="3078900"/>
+          </a:xfrm>
+          <a:prstGeom prst="rect">
+            <a:avLst/>
+          </a:prstGeom>
+        </p:spPr>
+        <p:txBody>
+          <a:bodyPr anchorCtr="0" anchor="t" bIns="91425" lIns="91425" spcFirstLastPara="1" rIns="91425" wrap="square" tIns="91425">
+            <a:normAutofit/>
+          </a:bodyPr>
+          <a:lstStyle/>
+          <a:p>
+            <a:pPr indent="0" lvl="0" marL="0" rtl="0" algn="l">
+              <a:spcBef>
+                <a:spcPts val="0"/>
+              </a:spcBef>
+              <a:spcAft>
+                <a:spcPts val="0"/>
+              </a:spcAft>
+              <a:buNone/>
+            </a:pPr>
+            <a:r>
+              <a:rPr b="1" lang="en"/>
+              <a:t>Contingency Table</a:t>
+            </a:r>
+            <a:r>
+              <a:rPr lang="en"/>
+              <a:t>: A table showing the </a:t>
+            </a:r>
+            <a:r>
+              <a:rPr b="1" lang="en"/>
+              <a:t>joint frequencies</a:t>
+            </a:r>
+            <a:r>
+              <a:rPr lang="en"/>
+              <a:t> / percentages of two variables</a:t>
+            </a:r>
+            <a:endParaRPr/>
+          </a:p>
+          <a:p>
+            <a:pPr indent="0" lvl="0" marL="0" rtl="0" algn="l">
+              <a:spcBef>
+                <a:spcPts val="1200"/>
+              </a:spcBef>
+              <a:spcAft>
+                <a:spcPts val="1200"/>
+              </a:spcAft>
+              <a:buNone/>
+            </a:pPr>
+            <a:r>
+              <a:t/>
+            </a:r>
+            <a:endParaRPr/>
+          </a:p>
+        </p:txBody>
+      </p:sp>
+      <p:graphicFrame>
+        <p:nvGraphicFramePr>
+          <p:cNvPr id="90" name="Google Shape;90;p17"/>
+          <p:cNvGraphicFramePr/>
+          <p:nvPr/>
+        </p:nvGraphicFramePr>
+        <p:xfrm>
+          <a:off x="825850" y="2571750"/>
+          <a:ext cx="3000000" cy="3000000"/>
+        </p:xfrm>
+        <a:graphic>
+          <a:graphicData uri="http://schemas.openxmlformats.org/drawingml/2006/table">
+            <a:tbl>
+              <a:tblPr>
+                <a:noFill/>
+                <a:tableStyleId>{216F8BBD-6658-429E-84D8-402E422C0AF9}</a:tableStyleId>
+              </a:tblPr>
+              <a:tblGrid>
+                <a:gridCol w="1447800"/>
+                <a:gridCol w="1447800"/>
+                <a:gridCol w="1447800"/>
+                <a:gridCol w="1447800"/>
+                <a:gridCol w="1447800"/>
+              </a:tblGrid>
+              <a:tr h="381000">
+                <a:tc>
+                  <a:txBody>
+                    <a:bodyPr/>
+                    <a:lstStyle/>
+                    <a:p>
+                      <a:pPr indent="0" lvl="0" marL="0" rtl="0" algn="l">
+                        <a:spcBef>
+                          <a:spcPts val="0"/>
+                        </a:spcBef>
+                        <a:spcAft>
+                          <a:spcPts val="0"/>
+                        </a:spcAft>
+                        <a:buNone/>
+                      </a:pPr>
+                      <a:r>
+                        <a:t/>
+                      </a:r>
+                      <a:endParaRPr>
+                        <a:solidFill>
+                          <a:schemeClr val="dk1"/>
+                        </a:solidFill>
+                      </a:endParaRPr>
+                    </a:p>
+                  </a:txBody>
+                  <a:tcPr marT="91425" marB="91425" marR="91425" marL="91425"/>
+                </a:tc>
+                <a:tc>
+                  <a:txBody>
+                    <a:bodyPr/>
+                    <a:lstStyle/>
+                    <a:p>
+                      <a:pPr indent="0" lvl="0" marL="0" rtl="0" algn="l">
+                        <a:spcBef>
+                          <a:spcPts val="0"/>
+                        </a:spcBef>
+                        <a:spcAft>
+                          <a:spcPts val="0"/>
+                        </a:spcAft>
+                        <a:buNone/>
+                      </a:pPr>
+                      <a:r>
+                        <a:rPr lang="en">
+                          <a:solidFill>
+                            <a:schemeClr val="dk1"/>
+                          </a:solidFill>
+                        </a:rPr>
+                        <a:t>Sedan</a:t>
+                      </a:r>
+                      <a:endParaRPr>
+                        <a:solidFill>
+                          <a:schemeClr val="dk1"/>
+                        </a:solidFill>
+                      </a:endParaRPr>
+                    </a:p>
+                  </a:txBody>
+                  <a:tcPr marT="91425" marB="91425" marR="91425" marL="91425"/>
+                </a:tc>
+                <a:tc>
+                  <a:txBody>
+                    <a:bodyPr/>
+                    <a:lstStyle/>
+                    <a:p>
+                      <a:pPr indent="0" lvl="0" marL="0" rtl="0" algn="l">
+                        <a:spcBef>
+                          <a:spcPts val="0"/>
+                        </a:spcBef>
+                        <a:spcAft>
+                          <a:spcPts val="0"/>
+                        </a:spcAft>
+                        <a:buNone/>
+                      </a:pPr>
+                      <a:r>
+                        <a:rPr lang="en">
+                          <a:solidFill>
+                            <a:schemeClr val="dk1"/>
+                          </a:solidFill>
+                        </a:rPr>
+                        <a:t>Truck</a:t>
+                      </a:r>
+                      <a:endParaRPr>
+                        <a:solidFill>
+                          <a:schemeClr val="dk1"/>
+                        </a:solidFill>
+                      </a:endParaRPr>
+                    </a:p>
+                  </a:txBody>
+                  <a:tcPr marT="91425" marB="91425" marR="91425" marL="91425"/>
+                </a:tc>
+                <a:tc>
+                  <a:txBody>
+                    <a:bodyPr/>
+                    <a:lstStyle/>
+                    <a:p>
+                      <a:pPr indent="0" lvl="0" marL="0" rtl="0" algn="l">
+                        <a:spcBef>
+                          <a:spcPts val="0"/>
+                        </a:spcBef>
+                        <a:spcAft>
+                          <a:spcPts val="0"/>
+                        </a:spcAft>
+                        <a:buNone/>
+                      </a:pPr>
+                      <a:r>
+                        <a:rPr lang="en">
+                          <a:solidFill>
+                            <a:schemeClr val="dk1"/>
+                          </a:solidFill>
+                        </a:rPr>
+                        <a:t>SUV</a:t>
+                      </a:r>
+                      <a:endParaRPr>
+                        <a:solidFill>
+                          <a:schemeClr val="dk1"/>
+                        </a:solidFill>
+                      </a:endParaRPr>
+                    </a:p>
+                  </a:txBody>
+                  <a:tcPr marT="91425" marB="91425" marR="91425" marL="91425"/>
+                </a:tc>
+                <a:tc>
+                  <a:txBody>
+                    <a:bodyPr/>
+                    <a:lstStyle/>
+                    <a:p>
+                      <a:pPr indent="0" lvl="0" marL="0" rtl="0" algn="l">
+                        <a:spcBef>
+                          <a:spcPts val="0"/>
+                        </a:spcBef>
+                        <a:spcAft>
+                          <a:spcPts val="0"/>
+                        </a:spcAft>
+                        <a:buNone/>
+                      </a:pPr>
+                      <a:r>
+                        <a:rPr lang="en">
+                          <a:solidFill>
+                            <a:schemeClr val="dk1"/>
+                          </a:solidFill>
+                        </a:rPr>
+                        <a:t>Total</a:t>
+                      </a:r>
+                      <a:endParaRPr>
+                        <a:solidFill>
+                          <a:schemeClr val="dk1"/>
+                        </a:solidFill>
+                      </a:endParaRPr>
+                    </a:p>
+                  </a:txBody>
+                  <a:tcPr marT="91425" marB="91425" marR="91425" marL="91425"/>
+                </a:tc>
+              </a:tr>
+              <a:tr h="381000">
+                <a:tc>
+                  <a:txBody>
+                    <a:bodyPr/>
+                    <a:lstStyle/>
+                    <a:p>
+                      <a:pPr indent="0" lvl="0" marL="0" rtl="0" algn="l">
+                        <a:spcBef>
+                          <a:spcPts val="0"/>
+                        </a:spcBef>
+                        <a:spcAft>
+                          <a:spcPts val="0"/>
+                        </a:spcAft>
+                        <a:buNone/>
+                      </a:pPr>
+                      <a:r>
+                        <a:rPr lang="en">
+                          <a:solidFill>
+                            <a:schemeClr val="dk1"/>
+                          </a:solidFill>
+                        </a:rPr>
+                        <a:t>Red</a:t>
+                      </a:r>
+                      <a:endParaRPr>
+                        <a:solidFill>
+                          <a:schemeClr val="dk1"/>
+                        </a:solidFill>
+                      </a:endParaRPr>
+                    </a:p>
+                  </a:txBody>
+                  <a:tcPr marT="91425" marB="91425" marR="91425" marL="91425"/>
+                </a:tc>
+                <a:tc>
+                  <a:txBody>
+                    <a:bodyPr/>
+                    <a:lstStyle/>
+                    <a:p>
+                      <a:pPr indent="0" lvl="0" marL="0" rtl="0" algn="l">
+                        <a:spcBef>
+                          <a:spcPts val="0"/>
+                        </a:spcBef>
+                        <a:spcAft>
+                          <a:spcPts val="0"/>
+                        </a:spcAft>
+                        <a:buNone/>
+                      </a:pPr>
+                      <a:r>
+                        <a:rPr lang="en">
+                          <a:solidFill>
+                            <a:schemeClr val="dk1"/>
+                          </a:solidFill>
+                        </a:rPr>
+                        <a:t>2</a:t>
+                      </a:r>
+                      <a:endParaRPr>
+                        <a:solidFill>
+                          <a:schemeClr val="dk1"/>
+                        </a:solidFill>
+                      </a:endParaRPr>
+                    </a:p>
+                  </a:txBody>
+                  <a:tcPr marT="91425" marB="91425" marR="91425" marL="91425"/>
+                </a:tc>
+                <a:tc>
+                  <a:txBody>
+                    <a:bodyPr/>
+                    <a:lstStyle/>
+                    <a:p>
+                      <a:pPr indent="0" lvl="0" marL="0" rtl="0" algn="l">
+                        <a:spcBef>
+                          <a:spcPts val="0"/>
+                        </a:spcBef>
+                        <a:spcAft>
+                          <a:spcPts val="0"/>
+                        </a:spcAft>
+                        <a:buNone/>
+                      </a:pPr>
+                      <a:r>
+                        <a:rPr lang="en">
+                          <a:solidFill>
+                            <a:schemeClr val="dk1"/>
+                          </a:solidFill>
+                        </a:rPr>
+                        <a:t>1</a:t>
+                      </a:r>
+                      <a:endParaRPr>
+                        <a:solidFill>
+                          <a:schemeClr val="dk1"/>
+                        </a:solidFill>
+                      </a:endParaRPr>
+                    </a:p>
+                  </a:txBody>
+                  <a:tcPr marT="91425" marB="91425" marR="91425" marL="91425"/>
+                </a:tc>
+                <a:tc>
+                  <a:txBody>
+                    <a:bodyPr/>
+                    <a:lstStyle/>
+                    <a:p>
+                      <a:pPr indent="0" lvl="0" marL="0" rtl="0" algn="l">
+                        <a:spcBef>
+                          <a:spcPts val="0"/>
+                        </a:spcBef>
+                        <a:spcAft>
+                          <a:spcPts val="0"/>
+                        </a:spcAft>
+                        <a:buNone/>
+                      </a:pPr>
+                      <a:r>
+                        <a:rPr lang="en">
+                          <a:solidFill>
+                            <a:schemeClr val="dk1"/>
+                          </a:solidFill>
+                        </a:rPr>
+                        <a:t>4</a:t>
+                      </a:r>
+                      <a:endParaRPr>
+                        <a:solidFill>
+                          <a:schemeClr val="dk1"/>
+                        </a:solidFill>
+                      </a:endParaRPr>
+                    </a:p>
+                  </a:txBody>
+                  <a:tcPr marT="91425" marB="91425" marR="91425" marL="91425"/>
+                </a:tc>
+                <a:tc>
+                  <a:txBody>
+                    <a:bodyPr/>
+                    <a:lstStyle/>
+                    <a:p>
+                      <a:pPr indent="0" lvl="0" marL="0" rtl="0" algn="l">
+                        <a:spcBef>
+                          <a:spcPts val="0"/>
+                        </a:spcBef>
+                        <a:spcAft>
+                          <a:spcPts val="0"/>
+                        </a:spcAft>
+                        <a:buNone/>
+                      </a:pPr>
+                      <a:r>
+                        <a:rPr lang="en">
+                          <a:solidFill>
+                            <a:schemeClr val="dk1"/>
+                          </a:solidFill>
+                        </a:rPr>
+                        <a:t>7</a:t>
+                      </a:r>
+                      <a:endParaRPr>
+                        <a:solidFill>
+                          <a:schemeClr val="dk1"/>
+                        </a:solidFill>
+                      </a:endParaRPr>
+                    </a:p>
+                  </a:txBody>
+                  <a:tcPr marT="91425" marB="91425" marR="91425" marL="91425"/>
+                </a:tc>
+              </a:tr>
+              <a:tr h="381000">
+                <a:tc>
+                  <a:txBody>
+                    <a:bodyPr/>
+                    <a:lstStyle/>
+                    <a:p>
+                      <a:pPr indent="0" lvl="0" marL="0" rtl="0" algn="l">
+                        <a:spcBef>
+                          <a:spcPts val="0"/>
+                        </a:spcBef>
+                        <a:spcAft>
+                          <a:spcPts val="0"/>
+                        </a:spcAft>
+                        <a:buNone/>
+                      </a:pPr>
+                      <a:r>
+                        <a:rPr lang="en">
+                          <a:solidFill>
+                            <a:schemeClr val="dk1"/>
+                          </a:solidFill>
+                        </a:rPr>
+                        <a:t>Black</a:t>
+                      </a:r>
+                      <a:endParaRPr>
+                        <a:solidFill>
+                          <a:schemeClr val="dk1"/>
+                        </a:solidFill>
+                      </a:endParaRPr>
+                    </a:p>
+                  </a:txBody>
+                  <a:tcPr marT="91425" marB="91425" marR="91425" marL="91425"/>
+                </a:tc>
+                <a:tc>
+                  <a:txBody>
+                    <a:bodyPr/>
+                    <a:lstStyle/>
+                    <a:p>
+                      <a:pPr indent="0" lvl="0" marL="0" rtl="0" algn="l">
+                        <a:spcBef>
+                          <a:spcPts val="0"/>
+                        </a:spcBef>
+                        <a:spcAft>
+                          <a:spcPts val="0"/>
+                        </a:spcAft>
+                        <a:buNone/>
+                      </a:pPr>
+                      <a:r>
+                        <a:rPr lang="en">
+                          <a:solidFill>
+                            <a:schemeClr val="dk1"/>
+                          </a:solidFill>
+                        </a:rPr>
+                        <a:t>3</a:t>
+                      </a:r>
+                      <a:endParaRPr>
+                        <a:solidFill>
+                          <a:schemeClr val="dk1"/>
+                        </a:solidFill>
+                      </a:endParaRPr>
+                    </a:p>
+                  </a:txBody>
+                  <a:tcPr marT="91425" marB="91425" marR="91425" marL="91425"/>
+                </a:tc>
+                <a:tc>
+                  <a:txBody>
+                    <a:bodyPr/>
+                    <a:lstStyle/>
+                    <a:p>
+                      <a:pPr indent="0" lvl="0" marL="0" rtl="0" algn="l">
+                        <a:spcBef>
+                          <a:spcPts val="0"/>
+                        </a:spcBef>
+                        <a:spcAft>
+                          <a:spcPts val="0"/>
+                        </a:spcAft>
+                        <a:buNone/>
+                      </a:pPr>
+                      <a:r>
+                        <a:rPr lang="en">
+                          <a:solidFill>
+                            <a:schemeClr val="dk1"/>
+                          </a:solidFill>
+                        </a:rPr>
+                        <a:t>2</a:t>
+                      </a:r>
+                      <a:endParaRPr>
+                        <a:solidFill>
+                          <a:schemeClr val="dk1"/>
+                        </a:solidFill>
+                      </a:endParaRPr>
+                    </a:p>
+                  </a:txBody>
+                  <a:tcPr marT="91425" marB="91425" marR="91425" marL="91425"/>
+                </a:tc>
+                <a:tc>
+                  <a:txBody>
+                    <a:bodyPr/>
+                    <a:lstStyle/>
+                    <a:p>
+                      <a:pPr indent="0" lvl="0" marL="0" rtl="0" algn="l">
+                        <a:spcBef>
+                          <a:spcPts val="0"/>
+                        </a:spcBef>
+                        <a:spcAft>
+                          <a:spcPts val="0"/>
+                        </a:spcAft>
+                        <a:buNone/>
+                      </a:pPr>
+                      <a:r>
+                        <a:rPr lang="en">
+                          <a:solidFill>
+                            <a:schemeClr val="dk1"/>
+                          </a:solidFill>
+                        </a:rPr>
+                        <a:t>4</a:t>
+                      </a:r>
+                      <a:endParaRPr>
+                        <a:solidFill>
+                          <a:schemeClr val="dk1"/>
+                        </a:solidFill>
+                      </a:endParaRPr>
+                    </a:p>
+                  </a:txBody>
+                  <a:tcPr marT="91425" marB="91425" marR="91425" marL="91425"/>
+                </a:tc>
+                <a:tc>
+                  <a:txBody>
+                    <a:bodyPr/>
+                    <a:lstStyle/>
+                    <a:p>
+                      <a:pPr indent="0" lvl="0" marL="0" rtl="0" algn="l">
+                        <a:spcBef>
+                          <a:spcPts val="0"/>
+                        </a:spcBef>
+                        <a:spcAft>
+                          <a:spcPts val="0"/>
+                        </a:spcAft>
+                        <a:buNone/>
+                      </a:pPr>
+                      <a:r>
+                        <a:rPr lang="en">
+                          <a:solidFill>
+                            <a:schemeClr val="dk1"/>
+                          </a:solidFill>
+                        </a:rPr>
+                        <a:t>9</a:t>
+                      </a:r>
+                      <a:endParaRPr>
+                        <a:solidFill>
+                          <a:schemeClr val="dk1"/>
+                        </a:solidFill>
+                      </a:endParaRPr>
+                    </a:p>
+                  </a:txBody>
+                  <a:tcPr marT="91425" marB="91425" marR="91425" marL="91425"/>
+                </a:tc>
+              </a:tr>
+              <a:tr h="381000">
+                <a:tc>
+                  <a:txBody>
+                    <a:bodyPr/>
+                    <a:lstStyle/>
+                    <a:p>
+                      <a:pPr indent="0" lvl="0" marL="0" rtl="0" algn="l">
+                        <a:spcBef>
+                          <a:spcPts val="0"/>
+                        </a:spcBef>
+                        <a:spcAft>
+                          <a:spcPts val="0"/>
+                        </a:spcAft>
+                        <a:buNone/>
+                      </a:pPr>
+                      <a:r>
+                        <a:rPr lang="en">
+                          <a:solidFill>
+                            <a:schemeClr val="dk1"/>
+                          </a:solidFill>
+                        </a:rPr>
+                        <a:t>Blue</a:t>
+                      </a:r>
+                      <a:endParaRPr>
+                        <a:solidFill>
+                          <a:schemeClr val="dk1"/>
+                        </a:solidFill>
+                      </a:endParaRPr>
+                    </a:p>
+                  </a:txBody>
+                  <a:tcPr marT="91425" marB="91425" marR="91425" marL="91425"/>
+                </a:tc>
+                <a:tc>
+                  <a:txBody>
+                    <a:bodyPr/>
+                    <a:lstStyle/>
+                    <a:p>
+                      <a:pPr indent="0" lvl="0" marL="0" rtl="0" algn="l">
+                        <a:spcBef>
+                          <a:spcPts val="0"/>
+                        </a:spcBef>
+                        <a:spcAft>
+                          <a:spcPts val="0"/>
+                        </a:spcAft>
+                        <a:buNone/>
+                      </a:pPr>
+                      <a:r>
+                        <a:rPr lang="en">
+                          <a:solidFill>
+                            <a:schemeClr val="dk1"/>
+                          </a:solidFill>
+                        </a:rPr>
+                        <a:t>4</a:t>
+                      </a:r>
+                      <a:endParaRPr>
+                        <a:solidFill>
+                          <a:schemeClr val="dk1"/>
+                        </a:solidFill>
+                      </a:endParaRPr>
+                    </a:p>
+                  </a:txBody>
+                  <a:tcPr marT="91425" marB="91425" marR="91425" marL="91425"/>
+                </a:tc>
+                <a:tc>
+                  <a:txBody>
+                    <a:bodyPr/>
+                    <a:lstStyle/>
+                    <a:p>
+                      <a:pPr indent="0" lvl="0" marL="0" rtl="0" algn="l">
+                        <a:spcBef>
+                          <a:spcPts val="0"/>
+                        </a:spcBef>
+                        <a:spcAft>
+                          <a:spcPts val="0"/>
+                        </a:spcAft>
+                        <a:buNone/>
+                      </a:pPr>
+                      <a:r>
+                        <a:rPr lang="en">
+                          <a:solidFill>
+                            <a:schemeClr val="dk1"/>
+                          </a:solidFill>
+                        </a:rPr>
+                        <a:t>3</a:t>
+                      </a:r>
+                      <a:endParaRPr>
+                        <a:solidFill>
+                          <a:schemeClr val="dk1"/>
+                        </a:solidFill>
+                      </a:endParaRPr>
+                    </a:p>
+                  </a:txBody>
+                  <a:tcPr marT="91425" marB="91425" marR="91425" marL="91425"/>
+                </a:tc>
+                <a:tc>
+                  <a:txBody>
+                    <a:bodyPr/>
+                    <a:lstStyle/>
+                    <a:p>
+                      <a:pPr indent="0" lvl="0" marL="0" rtl="0" algn="l">
+                        <a:spcBef>
+                          <a:spcPts val="0"/>
+                        </a:spcBef>
+                        <a:spcAft>
+                          <a:spcPts val="0"/>
+                        </a:spcAft>
+                        <a:buNone/>
+                      </a:pPr>
+                      <a:r>
+                        <a:rPr lang="en">
+                          <a:solidFill>
+                            <a:schemeClr val="dk1"/>
+                          </a:solidFill>
+                        </a:rPr>
+                        <a:t>4</a:t>
+                      </a:r>
+                      <a:endParaRPr>
+                        <a:solidFill>
+                          <a:schemeClr val="dk1"/>
+                        </a:solidFill>
+                      </a:endParaRPr>
+                    </a:p>
+                  </a:txBody>
+                  <a:tcPr marT="91425" marB="91425" marR="91425" marL="91425"/>
+                </a:tc>
+                <a:tc>
+                  <a:txBody>
+                    <a:bodyPr/>
+                    <a:lstStyle/>
+                    <a:p>
+                      <a:pPr indent="0" lvl="0" marL="0" rtl="0" algn="l">
+                        <a:spcBef>
+                          <a:spcPts val="0"/>
+                        </a:spcBef>
+                        <a:spcAft>
+                          <a:spcPts val="0"/>
+                        </a:spcAft>
+                        <a:buNone/>
+                      </a:pPr>
+                      <a:r>
+                        <a:rPr lang="en">
+                          <a:solidFill>
+                            <a:schemeClr val="dk1"/>
+                          </a:solidFill>
+                        </a:rPr>
+                        <a:t>11</a:t>
+                      </a:r>
+                      <a:endParaRPr>
+                        <a:solidFill>
+                          <a:schemeClr val="dk1"/>
+                        </a:solidFill>
+                      </a:endParaRPr>
+                    </a:p>
+                  </a:txBody>
+                  <a:tcPr marT="91425" marB="91425" marR="91425" marL="91425"/>
+                </a:tc>
+              </a:tr>
+              <a:tr h="381000">
+                <a:tc>
+                  <a:txBody>
+                    <a:bodyPr/>
+                    <a:lstStyle/>
+                    <a:p>
+                      <a:pPr indent="0" lvl="0" marL="0" rtl="0" algn="l">
+                        <a:spcBef>
+                          <a:spcPts val="0"/>
+                        </a:spcBef>
+                        <a:spcAft>
+                          <a:spcPts val="0"/>
+                        </a:spcAft>
+                        <a:buNone/>
+                      </a:pPr>
+                      <a:r>
+                        <a:rPr lang="en">
+                          <a:solidFill>
+                            <a:schemeClr val="dk1"/>
+                          </a:solidFill>
+                        </a:rPr>
+                        <a:t>Total</a:t>
+                      </a:r>
+                      <a:endParaRPr>
+                        <a:solidFill>
+                          <a:schemeClr val="dk1"/>
+                        </a:solidFill>
+                      </a:endParaRPr>
+                    </a:p>
+                  </a:txBody>
+                  <a:tcPr marT="91425" marB="91425" marR="91425" marL="91425"/>
+                </a:tc>
+                <a:tc>
+                  <a:txBody>
+                    <a:bodyPr/>
+                    <a:lstStyle/>
+                    <a:p>
+                      <a:pPr indent="0" lvl="0" marL="0" rtl="0" algn="l">
+                        <a:spcBef>
+                          <a:spcPts val="0"/>
+                        </a:spcBef>
+                        <a:spcAft>
+                          <a:spcPts val="0"/>
+                        </a:spcAft>
+                        <a:buNone/>
+                      </a:pPr>
+                      <a:r>
+                        <a:rPr lang="en">
+                          <a:solidFill>
+                            <a:schemeClr val="dk1"/>
+                          </a:solidFill>
+                        </a:rPr>
+                        <a:t>9</a:t>
+                      </a:r>
+                      <a:endParaRPr>
+                        <a:solidFill>
+                          <a:schemeClr val="dk1"/>
+                        </a:solidFill>
+                      </a:endParaRPr>
+                    </a:p>
+                  </a:txBody>
+                  <a:tcPr marT="91425" marB="91425" marR="91425" marL="91425"/>
+                </a:tc>
+                <a:tc>
+                  <a:txBody>
+                    <a:bodyPr/>
+                    <a:lstStyle/>
+                    <a:p>
+                      <a:pPr indent="0" lvl="0" marL="0" rtl="0" algn="l">
+                        <a:spcBef>
+                          <a:spcPts val="0"/>
+                        </a:spcBef>
+                        <a:spcAft>
+                          <a:spcPts val="0"/>
+                        </a:spcAft>
+                        <a:buNone/>
+                      </a:pPr>
+                      <a:r>
+                        <a:rPr lang="en">
+                          <a:solidFill>
+                            <a:schemeClr val="dk1"/>
+                          </a:solidFill>
+                        </a:rPr>
+                        <a:t>6</a:t>
+                      </a:r>
+                      <a:endParaRPr>
+                        <a:solidFill>
+                          <a:schemeClr val="dk1"/>
+                        </a:solidFill>
+                      </a:endParaRPr>
+                    </a:p>
+                  </a:txBody>
+                  <a:tcPr marT="91425" marB="91425" marR="91425" marL="91425"/>
+                </a:tc>
+                <a:tc>
+                  <a:txBody>
+                    <a:bodyPr/>
+                    <a:lstStyle/>
+                    <a:p>
+                      <a:pPr indent="0" lvl="0" marL="0" rtl="0" algn="l">
+                        <a:spcBef>
+                          <a:spcPts val="0"/>
+                        </a:spcBef>
+                        <a:spcAft>
+                          <a:spcPts val="0"/>
+                        </a:spcAft>
+                        <a:buNone/>
+                      </a:pPr>
+                      <a:r>
+                        <a:rPr lang="en">
+                          <a:solidFill>
+                            <a:schemeClr val="dk1"/>
+                          </a:solidFill>
+                        </a:rPr>
+                        <a:t>12</a:t>
+                      </a:r>
+                      <a:endParaRPr>
+                        <a:solidFill>
+                          <a:schemeClr val="dk1"/>
+                        </a:solidFill>
+                      </a:endParaRPr>
+                    </a:p>
+                  </a:txBody>
+                  <a:tcPr marT="91425" marB="91425" marR="91425" marL="91425"/>
+                </a:tc>
+                <a:tc>
+                  <a:txBody>
+                    <a:bodyPr/>
+                    <a:lstStyle/>
+                    <a:p>
+                      <a:pPr indent="0" lvl="0" marL="0" rtl="0" algn="l">
+                        <a:spcBef>
+                          <a:spcPts val="0"/>
+                        </a:spcBef>
+                        <a:spcAft>
+                          <a:spcPts val="0"/>
+                        </a:spcAft>
+                        <a:buNone/>
+                      </a:pPr>
+                      <a:r>
+                        <a:rPr lang="en">
+                          <a:solidFill>
+                            <a:schemeClr val="dk1"/>
+                          </a:solidFill>
+                        </a:rPr>
+                        <a:t>27</a:t>
+                      </a:r>
+                      <a:endParaRPr>
+                        <a:solidFill>
+                          <a:schemeClr val="dk1"/>
+                        </a:solidFill>
+                      </a:endParaRPr>
+                    </a:p>
+                  </a:txBody>
+                  <a:tcPr marT="91425" marB="91425" marR="91425" marL="91425"/>
+                </a:tc>
+              </a:tr>
+            </a:tbl>
+          </a:graphicData>
+        </a:graphic>
+      </p:graphicFrame>
+    </p:spTree>
+  </p:cSld>
+  <p:clrMapOvr>
+    <a:masterClrMapping/>
+  </p:clrMapOvr>
+</p:sld>
+</file>
+
+<file path=ppt/slides/slide50.xml><?xml version="1.0" encoding="utf-8"?>
+<p:sld xmlns:a="http://schemas.openxmlformats.org/drawingml/2006/main" xmlns:r="http://schemas.openxmlformats.org/officeDocument/2006/relationships" xmlns:mc="http://schemas.openxmlformats.org/markup-compatibility/2006" xmlns:mv="urn:schemas-microsoft-com:mac:vml" xmlns:p="http://schemas.openxmlformats.org/presentationml/2006/main" xmlns:c="http://schemas.openxmlformats.org/drawingml/2006/chart" xmlns:dgm="http://schemas.openxmlformats.org/drawingml/2006/diagram" xmlns:o="urn:schemas-microsoft-com:office:office" xmlns:v="urn:schemas-microsoft-com:vml" xmlns:pvml="urn:schemas-microsoft-com:office:powerpoint" xmlns:com="http://schemas.openxmlformats.org/drawingml/2006/compatibility" xmlns:p14="http://schemas.microsoft.com/office/powerpoint/2010/main" xmlns:p15="http://schemas.microsoft.com/office/powerpoint/2012/main" xmlns:ahyp="http://schemas.microsoft.com/office/drawing/2018/hyperlinkcolor">
+  <p:cSld>
+    <p:spTree>
+      <p:nvGrpSpPr>
+        <p:cNvPr id="393" name="Shape 393"/>
+        <p:cNvGrpSpPr/>
+        <p:nvPr/>
+      </p:nvGrpSpPr>
+      <p:grpSpPr>
+        <a:xfrm>
+          <a:off x="0" y="0"/>
+          <a:ext cx="0" cy="0"/>
+          <a:chOff x="0" y="0"/>
+          <a:chExt cx="0" cy="0"/>
+        </a:xfrm>
+      </p:grpSpPr>
+      <p:sp>
+        <p:nvSpPr>
+          <p:cNvPr id="394" name="Google Shape;394;p62"/>
+          <p:cNvSpPr txBox="1"/>
+          <p:nvPr>
+            <p:ph type="title"/>
+          </p:nvPr>
+        </p:nvSpPr>
+        <p:spPr>
+          <a:xfrm>
+            <a:off x="387900" y="458025"/>
+            <a:ext cx="8368200" cy="686100"/>
+          </a:xfrm>
+          <a:prstGeom prst="rect">
+            <a:avLst/>
+          </a:prstGeom>
+        </p:spPr>
+        <p:txBody>
+          <a:bodyPr anchorCtr="0" anchor="b" bIns="91425" lIns="91425" spcFirstLastPara="1" rIns="91425" wrap="square" tIns="91425">
+            <a:normAutofit/>
+          </a:bodyPr>
+          <a:lstStyle/>
+          <a:p>
+            <a:pPr indent="0" lvl="0" marL="0" rtl="0" algn="l">
+              <a:spcBef>
+                <a:spcPts val="0"/>
+              </a:spcBef>
+              <a:spcAft>
+                <a:spcPts val="0"/>
+              </a:spcAft>
+              <a:buNone/>
+            </a:pPr>
+            <a:r>
+              <a:rPr lang="en"/>
+              <a:t>So, what exactly is a statistic?</a:t>
+            </a:r>
+            <a:endParaRPr/>
+          </a:p>
+        </p:txBody>
+      </p:sp>
+      <p:sp>
+        <p:nvSpPr>
+          <p:cNvPr id="395" name="Google Shape;395;p62"/>
+          <p:cNvSpPr txBox="1"/>
+          <p:nvPr>
+            <p:ph idx="1" type="body"/>
+          </p:nvPr>
+        </p:nvSpPr>
+        <p:spPr>
+          <a:xfrm>
+            <a:off x="387900" y="1489824"/>
+            <a:ext cx="8368200" cy="3078900"/>
+          </a:xfrm>
+          <a:prstGeom prst="rect">
+            <a:avLst/>
+          </a:prstGeom>
+        </p:spPr>
+        <p:txBody>
+          <a:bodyPr anchorCtr="0" anchor="t" bIns="91425" lIns="91425" spcFirstLastPara="1" rIns="91425" wrap="square" tIns="91425">
+            <a:normAutofit/>
+          </a:bodyPr>
+          <a:lstStyle/>
+          <a:p>
+            <a:pPr indent="0" lvl="0" marL="0" rtl="0" algn="l">
+              <a:spcBef>
+                <a:spcPts val="0"/>
+              </a:spcBef>
+              <a:spcAft>
+                <a:spcPts val="0"/>
+              </a:spcAft>
+              <a:buNone/>
+            </a:pPr>
+            <a:r>
+              <a:rPr lang="en"/>
+              <a:t>When a number is used to </a:t>
+            </a:r>
+            <a:r>
+              <a:rPr lang="en"/>
+              <a:t>summarize</a:t>
+            </a:r>
+            <a:r>
+              <a:rPr lang="en"/>
+              <a:t> an aspect of a population, it is called a </a:t>
+            </a:r>
+            <a:r>
+              <a:rPr b="1" lang="en"/>
+              <a:t>parameter</a:t>
+            </a:r>
+            <a:r>
+              <a:rPr lang="en"/>
+              <a:t>.</a:t>
+            </a:r>
+            <a:endParaRPr/>
+          </a:p>
+          <a:p>
+            <a:pPr indent="0" lvl="0" marL="0" rtl="0" algn="l">
+              <a:spcBef>
+                <a:spcPts val="1200"/>
+              </a:spcBef>
+              <a:spcAft>
+                <a:spcPts val="0"/>
+              </a:spcAft>
+              <a:buNone/>
+            </a:pPr>
+            <a:r>
+              <a:rPr lang="en"/>
+              <a:t>When a number is used to summarize an aspect of a sample, it is called a </a:t>
+            </a:r>
+            <a:r>
+              <a:rPr b="1" lang="en"/>
+              <a:t>statistic</a:t>
+            </a:r>
+            <a:r>
+              <a:rPr lang="en"/>
+              <a:t>.</a:t>
+            </a:r>
+            <a:endParaRPr/>
+          </a:p>
+          <a:p>
+            <a:pPr indent="0" lvl="0" marL="0" rtl="0" algn="l">
+              <a:spcBef>
+                <a:spcPts val="1200"/>
+              </a:spcBef>
+              <a:spcAft>
+                <a:spcPts val="0"/>
+              </a:spcAft>
+              <a:buNone/>
+            </a:pPr>
+            <a:r>
+              <a:t/>
+            </a:r>
+            <a:endParaRPr/>
+          </a:p>
+          <a:p>
+            <a:pPr indent="0" lvl="0" marL="0" rtl="0" algn="l">
+              <a:spcBef>
+                <a:spcPts val="1200"/>
+              </a:spcBef>
+              <a:spcAft>
+                <a:spcPts val="1200"/>
+              </a:spcAft>
+              <a:buNone/>
+            </a:pPr>
+            <a:r>
+              <a:t/>
+            </a:r>
+            <a:endParaRPr/>
+          </a:p>
+        </p:txBody>
+      </p:sp>
+    </p:spTree>
+  </p:cSld>
+  <p:clrMapOvr>
+    <a:masterClrMapping/>
+  </p:clrMapOvr>
+  <p:timing>
+    <p:tnLst>
+      <p:par>
+        <p:cTn dur="indefinite" nodeType="tmRoot" restart="never">
+          <p:childTnLst>
+            <p:seq concurrent="1" nextAc="seek">
+              <p:cTn dur="indefinite" id="2" nodeType="mainSeq">
+                <p:childTnLst>
+                  <p:par>
+                    <p:cTn fill="hold">
+                      <p:stCondLst>
+                        <p:cond delay="indefinite"/>
+                      </p:stCondLst>
+                      <p:childTnLst>
+                        <p:par>
+                          <p:cTn fill="hold">
+                            <p:stCondLst>
+                              <p:cond delay="0"/>
+                            </p:stCondLst>
+                            <p:childTnLst>
+                              <p:par>
+                                <p:cTn fill="hold" nodeType="clickEffect" presetClass="entr" presetID="1" presetSubtype="0">
+                                  <p:stCondLst>
+                                    <p:cond delay="0"/>
+                                  </p:stCondLst>
+                                  <p:childTnLst>
+                                    <p:set>
+                                      <p:cBhvr>
+                                        <p:cTn dur="1" fill="hold">
+                                          <p:stCondLst>
+                                            <p:cond delay="0"/>
+                                          </p:stCondLst>
+                                        </p:cTn>
+                                        <p:tgtEl>
+                                          <p:spTgt spid="395">
+                                            <p:txEl>
+                                              <p:pRg end="0" st="0"/>
+                                            </p:txEl>
+                                          </p:spTgt>
+                                        </p:tgtEl>
+                                        <p:attrNameLst>
+                                          <p:attrName>style.visibility</p:attrName>
+                                        </p:attrNameLst>
+                                      </p:cBhvr>
+                                      <p:to>
+                                        <p:strVal val="visible"/>
+                                      </p:to>
+                                    </p:set>
+                                  </p:childTnLst>
+                                </p:cTn>
+                              </p:par>
+                            </p:childTnLst>
+                          </p:cTn>
+                        </p:par>
+                      </p:childTnLst>
+                    </p:cTn>
+                  </p:par>
+                  <p:par>
+                    <p:cTn fill="hold">
+                      <p:stCondLst>
+                        <p:cond delay="indefinite"/>
+                      </p:stCondLst>
+                      <p:childTnLst>
+                        <p:par>
+                          <p:cTn fill="hold">
+                            <p:stCondLst>
+                              <p:cond delay="0"/>
+                            </p:stCondLst>
+                            <p:childTnLst>
+                              <p:par>
+                                <p:cTn fill="hold" nodeType="clickEffect" presetClass="entr" presetID="1" presetSubtype="0">
+                                  <p:stCondLst>
+                                    <p:cond delay="0"/>
+                                  </p:stCondLst>
+                                  <p:childTnLst>
+                                    <p:set>
+                                      <p:cBhvr>
+                                        <p:cTn dur="1" fill="hold">
+                                          <p:stCondLst>
+                                            <p:cond delay="0"/>
+                                          </p:stCondLst>
+                                        </p:cTn>
+                                        <p:tgtEl>
+                                          <p:spTgt spid="395">
+                                            <p:txEl>
+                                              <p:pRg end="1" st="1"/>
+                                            </p:txEl>
+                                          </p:spTgt>
+                                        </p:tgtEl>
+                                        <p:attrNameLst>
+                                          <p:attrName>style.visibility</p:attrName>
+                                        </p:attrNameLst>
+                                      </p:cBhvr>
+                                      <p:to>
+                                        <p:strVal val="visible"/>
+                                      </p:to>
+                                    </p:set>
+                                  </p:childTnLst>
+                                </p:cTn>
+                              </p:par>
+                            </p:childTnLst>
+                          </p:cTn>
+                        </p:par>
+                      </p:childTnLst>
+                    </p:cTn>
+                  </p:par>
+                  <p:par>
+                    <p:cTn fill="hold">
+                      <p:stCondLst>
+                        <p:cond delay="indefinite"/>
+                      </p:stCondLst>
+                      <p:childTnLst>
+                        <p:par>
+                          <p:cTn fill="hold">
+                            <p:stCondLst>
+                              <p:cond delay="0"/>
+                            </p:stCondLst>
+                            <p:childTnLst>
+                              <p:par>
+                                <p:cTn fill="hold" nodeType="clickEffect" presetClass="entr" presetID="1" presetSubtype="0">
+                                  <p:stCondLst>
+                                    <p:cond delay="0"/>
+                                  </p:stCondLst>
+                                  <p:childTnLst>
+                                    <p:set>
+                                      <p:cBhvr>
+                                        <p:cTn dur="1" fill="hold">
+                                          <p:stCondLst>
+                                            <p:cond delay="0"/>
+                                          </p:stCondLst>
+                                        </p:cTn>
+                                        <p:tgtEl>
+                                          <p:spTgt spid="395">
+                                            <p:txEl>
+                                              <p:pRg end="2" st="2"/>
+                                            </p:txEl>
+                                          </p:spTgt>
+                                        </p:tgtEl>
+                                        <p:attrNameLst>
+                                          <p:attrName>style.visibility</p:attrName>
+                                        </p:attrNameLst>
+                                      </p:cBhvr>
+                                      <p:to>
+                                        <p:strVal val="visible"/>
+                                      </p:to>
+                                    </p:set>
+                                  </p:childTnLst>
+                                </p:cTn>
+                              </p:par>
+                            </p:childTnLst>
+                          </p:cTn>
+                        </p:par>
+                      </p:childTnLst>
+                    </p:cTn>
+                  </p:par>
+                  <p:par>
+                    <p:cTn fill="hold">
+                      <p:stCondLst>
+                        <p:cond delay="indefinite"/>
+                      </p:stCondLst>
+                      <p:childTnLst>
+                        <p:par>
+                          <p:cTn fill="hold">
+                            <p:stCondLst>
+                              <p:cond delay="0"/>
+                            </p:stCondLst>
+                            <p:childTnLst>
+                              <p:par>
+                                <p:cTn fill="hold" nodeType="clickEffect" presetClass="entr" presetID="1" presetSubtype="0">
+                                  <p:stCondLst>
+                                    <p:cond delay="0"/>
+                                  </p:stCondLst>
+                                  <p:childTnLst>
+                                    <p:set>
+                                      <p:cBhvr>
+                                        <p:cTn dur="1" fill="hold">
+                                          <p:stCondLst>
+                                            <p:cond delay="0"/>
+                                          </p:stCondLst>
+                                        </p:cTn>
+                                        <p:tgtEl>
+                                          <p:spTgt spid="395">
                                             <p:txEl>
                                               <p:pRg end="3" st="3"/>
                                             </p:txEl>
@@ -27408,946 +29722,6 @@
 </p:sld>
 </file>
 
-<file path=ppt/slides/slide5.xml><?xml version="1.0" encoding="utf-8"?>
-<p:sld xmlns:a="http://schemas.openxmlformats.org/drawingml/2006/main" xmlns:r="http://schemas.openxmlformats.org/officeDocument/2006/relationships" xmlns:mc="http://schemas.openxmlformats.org/markup-compatibility/2006" xmlns:mv="urn:schemas-microsoft-com:mac:vml" xmlns:p="http://schemas.openxmlformats.org/presentationml/2006/main" xmlns:c="http://schemas.openxmlformats.org/drawingml/2006/chart" xmlns:dgm="http://schemas.openxmlformats.org/drawingml/2006/diagram" xmlns:o="urn:schemas-microsoft-com:office:office" xmlns:v="urn:schemas-microsoft-com:vml" xmlns:pvml="urn:schemas-microsoft-com:office:powerpoint" xmlns:com="http://schemas.openxmlformats.org/drawingml/2006/compatibility" xmlns:p14="http://schemas.microsoft.com/office/powerpoint/2010/main" xmlns:p15="http://schemas.microsoft.com/office/powerpoint/2012/main" xmlns:ahyp="http://schemas.microsoft.com/office/drawing/2018/hyperlinkcolor">
-  <p:cSld>
-    <p:spTree>
-      <p:nvGrpSpPr>
-        <p:cNvPr id="87" name="Shape 87"/>
-        <p:cNvGrpSpPr/>
-        <p:nvPr/>
-      </p:nvGrpSpPr>
-      <p:grpSpPr>
-        <a:xfrm>
-          <a:off x="0" y="0"/>
-          <a:ext cx="0" cy="0"/>
-          <a:chOff x="0" y="0"/>
-          <a:chExt cx="0" cy="0"/>
-        </a:xfrm>
-      </p:grpSpPr>
-      <p:sp>
-        <p:nvSpPr>
-          <p:cNvPr id="88" name="Google Shape;88;p17"/>
-          <p:cNvSpPr txBox="1"/>
-          <p:nvPr>
-            <p:ph type="title"/>
-          </p:nvPr>
-        </p:nvSpPr>
-        <p:spPr>
-          <a:xfrm>
-            <a:off x="387900" y="458025"/>
-            <a:ext cx="8368200" cy="686100"/>
-          </a:xfrm>
-          <a:prstGeom prst="rect">
-            <a:avLst/>
-          </a:prstGeom>
-        </p:spPr>
-        <p:txBody>
-          <a:bodyPr anchorCtr="0" anchor="b" bIns="91425" lIns="91425" spcFirstLastPara="1" rIns="91425" wrap="square" tIns="91425">
-            <a:normAutofit/>
-          </a:bodyPr>
-          <a:lstStyle/>
-          <a:p>
-            <a:pPr indent="0" lvl="0" marL="0" rtl="0" algn="l">
-              <a:spcBef>
-                <a:spcPts val="0"/>
-              </a:spcBef>
-              <a:spcAft>
-                <a:spcPts val="0"/>
-              </a:spcAft>
-              <a:buNone/>
-            </a:pPr>
-            <a:r>
-              <a:rPr lang="en"/>
-              <a:t>Organizing Two Categorical Variables</a:t>
-            </a:r>
-            <a:endParaRPr/>
-          </a:p>
-        </p:txBody>
-      </p:sp>
-      <p:sp>
-        <p:nvSpPr>
-          <p:cNvPr id="89" name="Google Shape;89;p17"/>
-          <p:cNvSpPr txBox="1"/>
-          <p:nvPr>
-            <p:ph idx="1" type="body"/>
-          </p:nvPr>
-        </p:nvSpPr>
-        <p:spPr>
-          <a:xfrm>
-            <a:off x="387900" y="1489824"/>
-            <a:ext cx="8368200" cy="3078900"/>
-          </a:xfrm>
-          <a:prstGeom prst="rect">
-            <a:avLst/>
-          </a:prstGeom>
-        </p:spPr>
-        <p:txBody>
-          <a:bodyPr anchorCtr="0" anchor="t" bIns="91425" lIns="91425" spcFirstLastPara="1" rIns="91425" wrap="square" tIns="91425">
-            <a:normAutofit/>
-          </a:bodyPr>
-          <a:lstStyle/>
-          <a:p>
-            <a:pPr indent="0" lvl="0" marL="0" rtl="0" algn="l">
-              <a:spcBef>
-                <a:spcPts val="0"/>
-              </a:spcBef>
-              <a:spcAft>
-                <a:spcPts val="0"/>
-              </a:spcAft>
-              <a:buNone/>
-            </a:pPr>
-            <a:r>
-              <a:rPr b="1" lang="en"/>
-              <a:t>Contingency Table</a:t>
-            </a:r>
-            <a:r>
-              <a:rPr lang="en"/>
-              <a:t>: A table showing the </a:t>
-            </a:r>
-            <a:r>
-              <a:rPr b="1" lang="en"/>
-              <a:t>joint frequencies</a:t>
-            </a:r>
-            <a:r>
-              <a:rPr lang="en"/>
-              <a:t> / percentages of two variables</a:t>
-            </a:r>
-            <a:endParaRPr/>
-          </a:p>
-          <a:p>
-            <a:pPr indent="0" lvl="0" marL="0" rtl="0" algn="l">
-              <a:spcBef>
-                <a:spcPts val="1200"/>
-              </a:spcBef>
-              <a:spcAft>
-                <a:spcPts val="1200"/>
-              </a:spcAft>
-              <a:buNone/>
-            </a:pPr>
-            <a:r>
-              <a:t/>
-            </a:r>
-            <a:endParaRPr/>
-          </a:p>
-        </p:txBody>
-      </p:sp>
-      <p:graphicFrame>
-        <p:nvGraphicFramePr>
-          <p:cNvPr id="90" name="Google Shape;90;p17"/>
-          <p:cNvGraphicFramePr/>
-          <p:nvPr/>
-        </p:nvGraphicFramePr>
-        <p:xfrm>
-          <a:off x="825850" y="2571750"/>
-          <a:ext cx="3000000" cy="3000000"/>
-        </p:xfrm>
-        <a:graphic>
-          <a:graphicData uri="http://schemas.openxmlformats.org/drawingml/2006/table">
-            <a:tbl>
-              <a:tblPr>
-                <a:noFill/>
-                <a:tableStyleId>{1CD52F19-E932-4807-8E8F-556518B21C55}</a:tableStyleId>
-              </a:tblPr>
-              <a:tblGrid>
-                <a:gridCol w="1447800"/>
-                <a:gridCol w="1447800"/>
-                <a:gridCol w="1447800"/>
-                <a:gridCol w="1447800"/>
-                <a:gridCol w="1447800"/>
-              </a:tblGrid>
-              <a:tr h="381000">
-                <a:tc>
-                  <a:txBody>
-                    <a:bodyPr/>
-                    <a:lstStyle/>
-                    <a:p>
-                      <a:pPr indent="0" lvl="0" marL="0" rtl="0" algn="l">
-                        <a:spcBef>
-                          <a:spcPts val="0"/>
-                        </a:spcBef>
-                        <a:spcAft>
-                          <a:spcPts val="0"/>
-                        </a:spcAft>
-                        <a:buNone/>
-                      </a:pPr>
-                      <a:r>
-                        <a:t/>
-                      </a:r>
-                      <a:endParaRPr>
-                        <a:solidFill>
-                          <a:schemeClr val="dk1"/>
-                        </a:solidFill>
-                      </a:endParaRPr>
-                    </a:p>
-                  </a:txBody>
-                  <a:tcPr marT="91425" marB="91425" marR="91425" marL="91425"/>
-                </a:tc>
-                <a:tc>
-                  <a:txBody>
-                    <a:bodyPr/>
-                    <a:lstStyle/>
-                    <a:p>
-                      <a:pPr indent="0" lvl="0" marL="0" rtl="0" algn="l">
-                        <a:spcBef>
-                          <a:spcPts val="0"/>
-                        </a:spcBef>
-                        <a:spcAft>
-                          <a:spcPts val="0"/>
-                        </a:spcAft>
-                        <a:buNone/>
-                      </a:pPr>
-                      <a:r>
-                        <a:rPr lang="en">
-                          <a:solidFill>
-                            <a:schemeClr val="dk1"/>
-                          </a:solidFill>
-                        </a:rPr>
-                        <a:t>Sedan</a:t>
-                      </a:r>
-                      <a:endParaRPr>
-                        <a:solidFill>
-                          <a:schemeClr val="dk1"/>
-                        </a:solidFill>
-                      </a:endParaRPr>
-                    </a:p>
-                  </a:txBody>
-                  <a:tcPr marT="91425" marB="91425" marR="91425" marL="91425"/>
-                </a:tc>
-                <a:tc>
-                  <a:txBody>
-                    <a:bodyPr/>
-                    <a:lstStyle/>
-                    <a:p>
-                      <a:pPr indent="0" lvl="0" marL="0" rtl="0" algn="l">
-                        <a:spcBef>
-                          <a:spcPts val="0"/>
-                        </a:spcBef>
-                        <a:spcAft>
-                          <a:spcPts val="0"/>
-                        </a:spcAft>
-                        <a:buNone/>
-                      </a:pPr>
-                      <a:r>
-                        <a:rPr lang="en">
-                          <a:solidFill>
-                            <a:schemeClr val="dk1"/>
-                          </a:solidFill>
-                        </a:rPr>
-                        <a:t>Truck</a:t>
-                      </a:r>
-                      <a:endParaRPr>
-                        <a:solidFill>
-                          <a:schemeClr val="dk1"/>
-                        </a:solidFill>
-                      </a:endParaRPr>
-                    </a:p>
-                  </a:txBody>
-                  <a:tcPr marT="91425" marB="91425" marR="91425" marL="91425"/>
-                </a:tc>
-                <a:tc>
-                  <a:txBody>
-                    <a:bodyPr/>
-                    <a:lstStyle/>
-                    <a:p>
-                      <a:pPr indent="0" lvl="0" marL="0" rtl="0" algn="l">
-                        <a:spcBef>
-                          <a:spcPts val="0"/>
-                        </a:spcBef>
-                        <a:spcAft>
-                          <a:spcPts val="0"/>
-                        </a:spcAft>
-                        <a:buNone/>
-                      </a:pPr>
-                      <a:r>
-                        <a:rPr lang="en">
-                          <a:solidFill>
-                            <a:schemeClr val="dk1"/>
-                          </a:solidFill>
-                        </a:rPr>
-                        <a:t>SUV</a:t>
-                      </a:r>
-                      <a:endParaRPr>
-                        <a:solidFill>
-                          <a:schemeClr val="dk1"/>
-                        </a:solidFill>
-                      </a:endParaRPr>
-                    </a:p>
-                  </a:txBody>
-                  <a:tcPr marT="91425" marB="91425" marR="91425" marL="91425"/>
-                </a:tc>
-                <a:tc>
-                  <a:txBody>
-                    <a:bodyPr/>
-                    <a:lstStyle/>
-                    <a:p>
-                      <a:pPr indent="0" lvl="0" marL="0" rtl="0" algn="l">
-                        <a:spcBef>
-                          <a:spcPts val="0"/>
-                        </a:spcBef>
-                        <a:spcAft>
-                          <a:spcPts val="0"/>
-                        </a:spcAft>
-                        <a:buNone/>
-                      </a:pPr>
-                      <a:r>
-                        <a:rPr lang="en">
-                          <a:solidFill>
-                            <a:schemeClr val="dk1"/>
-                          </a:solidFill>
-                        </a:rPr>
-                        <a:t>Total</a:t>
-                      </a:r>
-                      <a:endParaRPr>
-                        <a:solidFill>
-                          <a:schemeClr val="dk1"/>
-                        </a:solidFill>
-                      </a:endParaRPr>
-                    </a:p>
-                  </a:txBody>
-                  <a:tcPr marT="91425" marB="91425" marR="91425" marL="91425"/>
-                </a:tc>
-              </a:tr>
-              <a:tr h="381000">
-                <a:tc>
-                  <a:txBody>
-                    <a:bodyPr/>
-                    <a:lstStyle/>
-                    <a:p>
-                      <a:pPr indent="0" lvl="0" marL="0" rtl="0" algn="l">
-                        <a:spcBef>
-                          <a:spcPts val="0"/>
-                        </a:spcBef>
-                        <a:spcAft>
-                          <a:spcPts val="0"/>
-                        </a:spcAft>
-                        <a:buNone/>
-                      </a:pPr>
-                      <a:r>
-                        <a:rPr lang="en">
-                          <a:solidFill>
-                            <a:schemeClr val="dk1"/>
-                          </a:solidFill>
-                        </a:rPr>
-                        <a:t>Red</a:t>
-                      </a:r>
-                      <a:endParaRPr>
-                        <a:solidFill>
-                          <a:schemeClr val="dk1"/>
-                        </a:solidFill>
-                      </a:endParaRPr>
-                    </a:p>
-                  </a:txBody>
-                  <a:tcPr marT="91425" marB="91425" marR="91425" marL="91425"/>
-                </a:tc>
-                <a:tc>
-                  <a:txBody>
-                    <a:bodyPr/>
-                    <a:lstStyle/>
-                    <a:p>
-                      <a:pPr indent="0" lvl="0" marL="0" rtl="0" algn="l">
-                        <a:spcBef>
-                          <a:spcPts val="0"/>
-                        </a:spcBef>
-                        <a:spcAft>
-                          <a:spcPts val="0"/>
-                        </a:spcAft>
-                        <a:buNone/>
-                      </a:pPr>
-                      <a:r>
-                        <a:rPr lang="en">
-                          <a:solidFill>
-                            <a:schemeClr val="dk1"/>
-                          </a:solidFill>
-                        </a:rPr>
-                        <a:t>2</a:t>
-                      </a:r>
-                      <a:endParaRPr>
-                        <a:solidFill>
-                          <a:schemeClr val="dk1"/>
-                        </a:solidFill>
-                      </a:endParaRPr>
-                    </a:p>
-                  </a:txBody>
-                  <a:tcPr marT="91425" marB="91425" marR="91425" marL="91425"/>
-                </a:tc>
-                <a:tc>
-                  <a:txBody>
-                    <a:bodyPr/>
-                    <a:lstStyle/>
-                    <a:p>
-                      <a:pPr indent="0" lvl="0" marL="0" rtl="0" algn="l">
-                        <a:spcBef>
-                          <a:spcPts val="0"/>
-                        </a:spcBef>
-                        <a:spcAft>
-                          <a:spcPts val="0"/>
-                        </a:spcAft>
-                        <a:buNone/>
-                      </a:pPr>
-                      <a:r>
-                        <a:rPr lang="en">
-                          <a:solidFill>
-                            <a:schemeClr val="dk1"/>
-                          </a:solidFill>
-                        </a:rPr>
-                        <a:t>1</a:t>
-                      </a:r>
-                      <a:endParaRPr>
-                        <a:solidFill>
-                          <a:schemeClr val="dk1"/>
-                        </a:solidFill>
-                      </a:endParaRPr>
-                    </a:p>
-                  </a:txBody>
-                  <a:tcPr marT="91425" marB="91425" marR="91425" marL="91425"/>
-                </a:tc>
-                <a:tc>
-                  <a:txBody>
-                    <a:bodyPr/>
-                    <a:lstStyle/>
-                    <a:p>
-                      <a:pPr indent="0" lvl="0" marL="0" rtl="0" algn="l">
-                        <a:spcBef>
-                          <a:spcPts val="0"/>
-                        </a:spcBef>
-                        <a:spcAft>
-                          <a:spcPts val="0"/>
-                        </a:spcAft>
-                        <a:buNone/>
-                      </a:pPr>
-                      <a:r>
-                        <a:rPr lang="en">
-                          <a:solidFill>
-                            <a:schemeClr val="dk1"/>
-                          </a:solidFill>
-                        </a:rPr>
-                        <a:t>4</a:t>
-                      </a:r>
-                      <a:endParaRPr>
-                        <a:solidFill>
-                          <a:schemeClr val="dk1"/>
-                        </a:solidFill>
-                      </a:endParaRPr>
-                    </a:p>
-                  </a:txBody>
-                  <a:tcPr marT="91425" marB="91425" marR="91425" marL="91425"/>
-                </a:tc>
-                <a:tc>
-                  <a:txBody>
-                    <a:bodyPr/>
-                    <a:lstStyle/>
-                    <a:p>
-                      <a:pPr indent="0" lvl="0" marL="0" rtl="0" algn="l">
-                        <a:spcBef>
-                          <a:spcPts val="0"/>
-                        </a:spcBef>
-                        <a:spcAft>
-                          <a:spcPts val="0"/>
-                        </a:spcAft>
-                        <a:buNone/>
-                      </a:pPr>
-                      <a:r>
-                        <a:rPr lang="en">
-                          <a:solidFill>
-                            <a:schemeClr val="dk1"/>
-                          </a:solidFill>
-                        </a:rPr>
-                        <a:t>7</a:t>
-                      </a:r>
-                      <a:endParaRPr>
-                        <a:solidFill>
-                          <a:schemeClr val="dk1"/>
-                        </a:solidFill>
-                      </a:endParaRPr>
-                    </a:p>
-                  </a:txBody>
-                  <a:tcPr marT="91425" marB="91425" marR="91425" marL="91425"/>
-                </a:tc>
-              </a:tr>
-              <a:tr h="381000">
-                <a:tc>
-                  <a:txBody>
-                    <a:bodyPr/>
-                    <a:lstStyle/>
-                    <a:p>
-                      <a:pPr indent="0" lvl="0" marL="0" rtl="0" algn="l">
-                        <a:spcBef>
-                          <a:spcPts val="0"/>
-                        </a:spcBef>
-                        <a:spcAft>
-                          <a:spcPts val="0"/>
-                        </a:spcAft>
-                        <a:buNone/>
-                      </a:pPr>
-                      <a:r>
-                        <a:rPr lang="en">
-                          <a:solidFill>
-                            <a:schemeClr val="dk1"/>
-                          </a:solidFill>
-                        </a:rPr>
-                        <a:t>Black</a:t>
-                      </a:r>
-                      <a:endParaRPr>
-                        <a:solidFill>
-                          <a:schemeClr val="dk1"/>
-                        </a:solidFill>
-                      </a:endParaRPr>
-                    </a:p>
-                  </a:txBody>
-                  <a:tcPr marT="91425" marB="91425" marR="91425" marL="91425"/>
-                </a:tc>
-                <a:tc>
-                  <a:txBody>
-                    <a:bodyPr/>
-                    <a:lstStyle/>
-                    <a:p>
-                      <a:pPr indent="0" lvl="0" marL="0" rtl="0" algn="l">
-                        <a:spcBef>
-                          <a:spcPts val="0"/>
-                        </a:spcBef>
-                        <a:spcAft>
-                          <a:spcPts val="0"/>
-                        </a:spcAft>
-                        <a:buNone/>
-                      </a:pPr>
-                      <a:r>
-                        <a:rPr lang="en">
-                          <a:solidFill>
-                            <a:schemeClr val="dk1"/>
-                          </a:solidFill>
-                        </a:rPr>
-                        <a:t>3</a:t>
-                      </a:r>
-                      <a:endParaRPr>
-                        <a:solidFill>
-                          <a:schemeClr val="dk1"/>
-                        </a:solidFill>
-                      </a:endParaRPr>
-                    </a:p>
-                  </a:txBody>
-                  <a:tcPr marT="91425" marB="91425" marR="91425" marL="91425"/>
-                </a:tc>
-                <a:tc>
-                  <a:txBody>
-                    <a:bodyPr/>
-                    <a:lstStyle/>
-                    <a:p>
-                      <a:pPr indent="0" lvl="0" marL="0" rtl="0" algn="l">
-                        <a:spcBef>
-                          <a:spcPts val="0"/>
-                        </a:spcBef>
-                        <a:spcAft>
-                          <a:spcPts val="0"/>
-                        </a:spcAft>
-                        <a:buNone/>
-                      </a:pPr>
-                      <a:r>
-                        <a:rPr lang="en">
-                          <a:solidFill>
-                            <a:schemeClr val="dk1"/>
-                          </a:solidFill>
-                        </a:rPr>
-                        <a:t>2</a:t>
-                      </a:r>
-                      <a:endParaRPr>
-                        <a:solidFill>
-                          <a:schemeClr val="dk1"/>
-                        </a:solidFill>
-                      </a:endParaRPr>
-                    </a:p>
-                  </a:txBody>
-                  <a:tcPr marT="91425" marB="91425" marR="91425" marL="91425"/>
-                </a:tc>
-                <a:tc>
-                  <a:txBody>
-                    <a:bodyPr/>
-                    <a:lstStyle/>
-                    <a:p>
-                      <a:pPr indent="0" lvl="0" marL="0" rtl="0" algn="l">
-                        <a:spcBef>
-                          <a:spcPts val="0"/>
-                        </a:spcBef>
-                        <a:spcAft>
-                          <a:spcPts val="0"/>
-                        </a:spcAft>
-                        <a:buNone/>
-                      </a:pPr>
-                      <a:r>
-                        <a:rPr lang="en">
-                          <a:solidFill>
-                            <a:schemeClr val="dk1"/>
-                          </a:solidFill>
-                        </a:rPr>
-                        <a:t>4</a:t>
-                      </a:r>
-                      <a:endParaRPr>
-                        <a:solidFill>
-                          <a:schemeClr val="dk1"/>
-                        </a:solidFill>
-                      </a:endParaRPr>
-                    </a:p>
-                  </a:txBody>
-                  <a:tcPr marT="91425" marB="91425" marR="91425" marL="91425"/>
-                </a:tc>
-                <a:tc>
-                  <a:txBody>
-                    <a:bodyPr/>
-                    <a:lstStyle/>
-                    <a:p>
-                      <a:pPr indent="0" lvl="0" marL="0" rtl="0" algn="l">
-                        <a:spcBef>
-                          <a:spcPts val="0"/>
-                        </a:spcBef>
-                        <a:spcAft>
-                          <a:spcPts val="0"/>
-                        </a:spcAft>
-                        <a:buNone/>
-                      </a:pPr>
-                      <a:r>
-                        <a:rPr lang="en">
-                          <a:solidFill>
-                            <a:schemeClr val="dk1"/>
-                          </a:solidFill>
-                        </a:rPr>
-                        <a:t>9</a:t>
-                      </a:r>
-                      <a:endParaRPr>
-                        <a:solidFill>
-                          <a:schemeClr val="dk1"/>
-                        </a:solidFill>
-                      </a:endParaRPr>
-                    </a:p>
-                  </a:txBody>
-                  <a:tcPr marT="91425" marB="91425" marR="91425" marL="91425"/>
-                </a:tc>
-              </a:tr>
-              <a:tr h="381000">
-                <a:tc>
-                  <a:txBody>
-                    <a:bodyPr/>
-                    <a:lstStyle/>
-                    <a:p>
-                      <a:pPr indent="0" lvl="0" marL="0" rtl="0" algn="l">
-                        <a:spcBef>
-                          <a:spcPts val="0"/>
-                        </a:spcBef>
-                        <a:spcAft>
-                          <a:spcPts val="0"/>
-                        </a:spcAft>
-                        <a:buNone/>
-                      </a:pPr>
-                      <a:r>
-                        <a:rPr lang="en">
-                          <a:solidFill>
-                            <a:schemeClr val="dk1"/>
-                          </a:solidFill>
-                        </a:rPr>
-                        <a:t>Blue</a:t>
-                      </a:r>
-                      <a:endParaRPr>
-                        <a:solidFill>
-                          <a:schemeClr val="dk1"/>
-                        </a:solidFill>
-                      </a:endParaRPr>
-                    </a:p>
-                  </a:txBody>
-                  <a:tcPr marT="91425" marB="91425" marR="91425" marL="91425"/>
-                </a:tc>
-                <a:tc>
-                  <a:txBody>
-                    <a:bodyPr/>
-                    <a:lstStyle/>
-                    <a:p>
-                      <a:pPr indent="0" lvl="0" marL="0" rtl="0" algn="l">
-                        <a:spcBef>
-                          <a:spcPts val="0"/>
-                        </a:spcBef>
-                        <a:spcAft>
-                          <a:spcPts val="0"/>
-                        </a:spcAft>
-                        <a:buNone/>
-                      </a:pPr>
-                      <a:r>
-                        <a:rPr lang="en">
-                          <a:solidFill>
-                            <a:schemeClr val="dk1"/>
-                          </a:solidFill>
-                        </a:rPr>
-                        <a:t>4</a:t>
-                      </a:r>
-                      <a:endParaRPr>
-                        <a:solidFill>
-                          <a:schemeClr val="dk1"/>
-                        </a:solidFill>
-                      </a:endParaRPr>
-                    </a:p>
-                  </a:txBody>
-                  <a:tcPr marT="91425" marB="91425" marR="91425" marL="91425"/>
-                </a:tc>
-                <a:tc>
-                  <a:txBody>
-                    <a:bodyPr/>
-                    <a:lstStyle/>
-                    <a:p>
-                      <a:pPr indent="0" lvl="0" marL="0" rtl="0" algn="l">
-                        <a:spcBef>
-                          <a:spcPts val="0"/>
-                        </a:spcBef>
-                        <a:spcAft>
-                          <a:spcPts val="0"/>
-                        </a:spcAft>
-                        <a:buNone/>
-                      </a:pPr>
-                      <a:r>
-                        <a:rPr lang="en">
-                          <a:solidFill>
-                            <a:schemeClr val="dk1"/>
-                          </a:solidFill>
-                        </a:rPr>
-                        <a:t>3</a:t>
-                      </a:r>
-                      <a:endParaRPr>
-                        <a:solidFill>
-                          <a:schemeClr val="dk1"/>
-                        </a:solidFill>
-                      </a:endParaRPr>
-                    </a:p>
-                  </a:txBody>
-                  <a:tcPr marT="91425" marB="91425" marR="91425" marL="91425"/>
-                </a:tc>
-                <a:tc>
-                  <a:txBody>
-                    <a:bodyPr/>
-                    <a:lstStyle/>
-                    <a:p>
-                      <a:pPr indent="0" lvl="0" marL="0" rtl="0" algn="l">
-                        <a:spcBef>
-                          <a:spcPts val="0"/>
-                        </a:spcBef>
-                        <a:spcAft>
-                          <a:spcPts val="0"/>
-                        </a:spcAft>
-                        <a:buNone/>
-                      </a:pPr>
-                      <a:r>
-                        <a:rPr lang="en">
-                          <a:solidFill>
-                            <a:schemeClr val="dk1"/>
-                          </a:solidFill>
-                        </a:rPr>
-                        <a:t>4</a:t>
-                      </a:r>
-                      <a:endParaRPr>
-                        <a:solidFill>
-                          <a:schemeClr val="dk1"/>
-                        </a:solidFill>
-                      </a:endParaRPr>
-                    </a:p>
-                  </a:txBody>
-                  <a:tcPr marT="91425" marB="91425" marR="91425" marL="91425"/>
-                </a:tc>
-                <a:tc>
-                  <a:txBody>
-                    <a:bodyPr/>
-                    <a:lstStyle/>
-                    <a:p>
-                      <a:pPr indent="0" lvl="0" marL="0" rtl="0" algn="l">
-                        <a:spcBef>
-                          <a:spcPts val="0"/>
-                        </a:spcBef>
-                        <a:spcAft>
-                          <a:spcPts val="0"/>
-                        </a:spcAft>
-                        <a:buNone/>
-                      </a:pPr>
-                      <a:r>
-                        <a:rPr lang="en">
-                          <a:solidFill>
-                            <a:schemeClr val="dk1"/>
-                          </a:solidFill>
-                        </a:rPr>
-                        <a:t>11</a:t>
-                      </a:r>
-                      <a:endParaRPr>
-                        <a:solidFill>
-                          <a:schemeClr val="dk1"/>
-                        </a:solidFill>
-                      </a:endParaRPr>
-                    </a:p>
-                  </a:txBody>
-                  <a:tcPr marT="91425" marB="91425" marR="91425" marL="91425"/>
-                </a:tc>
-              </a:tr>
-              <a:tr h="381000">
-                <a:tc>
-                  <a:txBody>
-                    <a:bodyPr/>
-                    <a:lstStyle/>
-                    <a:p>
-                      <a:pPr indent="0" lvl="0" marL="0" rtl="0" algn="l">
-                        <a:spcBef>
-                          <a:spcPts val="0"/>
-                        </a:spcBef>
-                        <a:spcAft>
-                          <a:spcPts val="0"/>
-                        </a:spcAft>
-                        <a:buNone/>
-                      </a:pPr>
-                      <a:r>
-                        <a:rPr lang="en">
-                          <a:solidFill>
-                            <a:schemeClr val="dk1"/>
-                          </a:solidFill>
-                        </a:rPr>
-                        <a:t>Total</a:t>
-                      </a:r>
-                      <a:endParaRPr>
-                        <a:solidFill>
-                          <a:schemeClr val="dk1"/>
-                        </a:solidFill>
-                      </a:endParaRPr>
-                    </a:p>
-                  </a:txBody>
-                  <a:tcPr marT="91425" marB="91425" marR="91425" marL="91425"/>
-                </a:tc>
-                <a:tc>
-                  <a:txBody>
-                    <a:bodyPr/>
-                    <a:lstStyle/>
-                    <a:p>
-                      <a:pPr indent="0" lvl="0" marL="0" rtl="0" algn="l">
-                        <a:spcBef>
-                          <a:spcPts val="0"/>
-                        </a:spcBef>
-                        <a:spcAft>
-                          <a:spcPts val="0"/>
-                        </a:spcAft>
-                        <a:buNone/>
-                      </a:pPr>
-                      <a:r>
-                        <a:rPr lang="en">
-                          <a:solidFill>
-                            <a:schemeClr val="dk1"/>
-                          </a:solidFill>
-                        </a:rPr>
-                        <a:t>9</a:t>
-                      </a:r>
-                      <a:endParaRPr>
-                        <a:solidFill>
-                          <a:schemeClr val="dk1"/>
-                        </a:solidFill>
-                      </a:endParaRPr>
-                    </a:p>
-                  </a:txBody>
-                  <a:tcPr marT="91425" marB="91425" marR="91425" marL="91425"/>
-                </a:tc>
-                <a:tc>
-                  <a:txBody>
-                    <a:bodyPr/>
-                    <a:lstStyle/>
-                    <a:p>
-                      <a:pPr indent="0" lvl="0" marL="0" rtl="0" algn="l">
-                        <a:spcBef>
-                          <a:spcPts val="0"/>
-                        </a:spcBef>
-                        <a:spcAft>
-                          <a:spcPts val="0"/>
-                        </a:spcAft>
-                        <a:buNone/>
-                      </a:pPr>
-                      <a:r>
-                        <a:rPr lang="en">
-                          <a:solidFill>
-                            <a:schemeClr val="dk1"/>
-                          </a:solidFill>
-                        </a:rPr>
-                        <a:t>6</a:t>
-                      </a:r>
-                      <a:endParaRPr>
-                        <a:solidFill>
-                          <a:schemeClr val="dk1"/>
-                        </a:solidFill>
-                      </a:endParaRPr>
-                    </a:p>
-                  </a:txBody>
-                  <a:tcPr marT="91425" marB="91425" marR="91425" marL="91425"/>
-                </a:tc>
-                <a:tc>
-                  <a:txBody>
-                    <a:bodyPr/>
-                    <a:lstStyle/>
-                    <a:p>
-                      <a:pPr indent="0" lvl="0" marL="0" rtl="0" algn="l">
-                        <a:spcBef>
-                          <a:spcPts val="0"/>
-                        </a:spcBef>
-                        <a:spcAft>
-                          <a:spcPts val="0"/>
-                        </a:spcAft>
-                        <a:buNone/>
-                      </a:pPr>
-                      <a:r>
-                        <a:rPr lang="en">
-                          <a:solidFill>
-                            <a:schemeClr val="dk1"/>
-                          </a:solidFill>
-                        </a:rPr>
-                        <a:t>12</a:t>
-                      </a:r>
-                      <a:endParaRPr>
-                        <a:solidFill>
-                          <a:schemeClr val="dk1"/>
-                        </a:solidFill>
-                      </a:endParaRPr>
-                    </a:p>
-                  </a:txBody>
-                  <a:tcPr marT="91425" marB="91425" marR="91425" marL="91425"/>
-                </a:tc>
-                <a:tc>
-                  <a:txBody>
-                    <a:bodyPr/>
-                    <a:lstStyle/>
-                    <a:p>
-                      <a:pPr indent="0" lvl="0" marL="0" rtl="0" algn="l">
-                        <a:spcBef>
-                          <a:spcPts val="0"/>
-                        </a:spcBef>
-                        <a:spcAft>
-                          <a:spcPts val="0"/>
-                        </a:spcAft>
-                        <a:buNone/>
-                      </a:pPr>
-                      <a:r>
-                        <a:rPr lang="en">
-                          <a:solidFill>
-                            <a:schemeClr val="dk1"/>
-                          </a:solidFill>
-                        </a:rPr>
-                        <a:t>27</a:t>
-                      </a:r>
-                      <a:endParaRPr>
-                        <a:solidFill>
-                          <a:schemeClr val="dk1"/>
-                        </a:solidFill>
-                      </a:endParaRPr>
-                    </a:p>
-                  </a:txBody>
-                  <a:tcPr marT="91425" marB="91425" marR="91425" marL="91425"/>
-                </a:tc>
-              </a:tr>
-            </a:tbl>
-          </a:graphicData>
-        </a:graphic>
-      </p:graphicFrame>
-    </p:spTree>
-  </p:cSld>
-  <p:clrMapOvr>
-    <a:masterClrMapping/>
-  </p:clrMapOvr>
-</p:sld>
-</file>
-
 <file path=ppt/slides/slide6.xml><?xml version="1.0" encoding="utf-8"?>
 <p:sld xmlns:a="http://schemas.openxmlformats.org/drawingml/2006/main" xmlns:r="http://schemas.openxmlformats.org/officeDocument/2006/relationships" xmlns:mc="http://schemas.openxmlformats.org/markup-compatibility/2006" xmlns:mv="urn:schemas-microsoft-com:mac:vml" xmlns:p="http://schemas.openxmlformats.org/presentationml/2006/main" xmlns:c="http://schemas.openxmlformats.org/drawingml/2006/chart" xmlns:dgm="http://schemas.openxmlformats.org/drawingml/2006/diagram" xmlns:o="urn:schemas-microsoft-com:office:office" xmlns:v="urn:schemas-microsoft-com:vml" xmlns:pvml="urn:schemas-microsoft-com:office:powerpoint" xmlns:com="http://schemas.openxmlformats.org/drawingml/2006/compatibility" xmlns:p14="http://schemas.microsoft.com/office/powerpoint/2010/main" xmlns:p15="http://schemas.microsoft.com/office/powerpoint/2012/main" xmlns:ahyp="http://schemas.microsoft.com/office/drawing/2018/hyperlinkcolor">
   <p:cSld>
@@ -28487,7 +29861,7 @@
             <a:tbl>
               <a:tblPr>
                 <a:noFill/>
-                <a:tableStyleId>{1CD52F19-E932-4807-8E8F-556518B21C55}</a:tableStyleId>
+                <a:tableStyleId>{216F8BBD-6658-429E-84D8-402E422C0AF9}</a:tableStyleId>
               </a:tblPr>
               <a:tblGrid>
                 <a:gridCol w="1447800"/>
@@ -29435,7 +30809,7 @@
             <a:tbl>
               <a:tblPr>
                 <a:noFill/>
-                <a:tableStyleId>{1CD52F19-E932-4807-8E8F-556518B21C55}</a:tableStyleId>
+                <a:tableStyleId>{216F8BBD-6658-429E-84D8-402E422C0AF9}</a:tableStyleId>
               </a:tblPr>
               <a:tblGrid>
                 <a:gridCol w="1447800"/>
@@ -30308,7 +31682,7 @@
             <a:tbl>
               <a:tblPr>
                 <a:noFill/>
-                <a:tableStyleId>{1CD52F19-E932-4807-8E8F-556518B21C55}</a:tableStyleId>
+                <a:tableStyleId>{216F8BBD-6658-429E-84D8-402E422C0AF9}</a:tableStyleId>
               </a:tblPr>
               <a:tblGrid>
                 <a:gridCol w="1879225"/>
@@ -30682,7 +32056,7 @@
             <a:tbl>
               <a:tblPr>
                 <a:noFill/>
-                <a:tableStyleId>{1CD52F19-E932-4807-8E8F-556518B21C55}</a:tableStyleId>
+                <a:tableStyleId>{216F8BBD-6658-429E-84D8-402E422C0AF9}</a:tableStyleId>
               </a:tblPr>
               <a:tblGrid>
                 <a:gridCol w="1879225"/>
